--- a/Для защиты ВКР/Презентация ВКР. Горшков А. В..pptx
+++ b/Для защиты ВКР/Презентация ВКР. Горшков А. В..pptx
@@ -9299,6 +9299,83 @@
           </a:p>
         </p:txBody>
       </p:sp>
+      <p:sp>
+        <p:nvSpPr>
+          <p:cNvPr id="42" name="Прямоугольник 41">
+            <a:extLst>
+              <a:ext uri="{FF2B5EF4-FFF2-40B4-BE49-F238E27FC236}">
+                <a16:creationId xmlns:a16="http://schemas.microsoft.com/office/drawing/2014/main" id="{056FA315-1EE2-42F9-9F50-F92A04D77A77}"/>
+              </a:ext>
+            </a:extLst>
+          </p:cNvPr>
+          <p:cNvSpPr/>
+          <p:nvPr/>
+        </p:nvSpPr>
+        <p:spPr>
+          <a:xfrm>
+            <a:off x="5640300" y="6159051"/>
+            <a:ext cx="6504075" cy="492443"/>
+          </a:xfrm>
+          <a:prstGeom prst="rect">
+            <a:avLst/>
+          </a:prstGeom>
+        </p:spPr>
+        <p:txBody>
+          <a:bodyPr wrap="square">
+            <a:spAutoFit/>
+          </a:bodyPr>
+          <a:lstStyle/>
+          <a:p>
+            <a:r>
+              <a:rPr lang="ru-RU" b="1" dirty="0">
+                <a:solidFill>
+                  <a:srgbClr val="0000FF"/>
+                </a:solidFill>
+                <a:latin typeface="Times New Roman" panose="02020603050405020304" pitchFamily="18" charset="0"/>
+                <a:ea typeface="Arial" panose="020B0604020202020204" pitchFamily="34" charset="0"/>
+              </a:rPr>
+              <a:t>Примечание</a:t>
+            </a:r>
+            <a:r>
+              <a:rPr lang="ru-RU" sz="1200" b="1" dirty="0">
+                <a:solidFill>
+                  <a:srgbClr val="0000FF"/>
+                </a:solidFill>
+                <a:latin typeface="Times New Roman" panose="02020603050405020304" pitchFamily="18" charset="0"/>
+                <a:ea typeface="Arial" panose="020B0604020202020204" pitchFamily="34" charset="0"/>
+              </a:rPr>
+              <a:t>. </a:t>
+            </a:r>
+            <a:r>
+              <a:rPr lang="ru-RU" sz="1200" dirty="0">
+                <a:solidFill>
+                  <a:srgbClr val="0000FF"/>
+                </a:solidFill>
+                <a:latin typeface="Times New Roman" panose="02020603050405020304" pitchFamily="18" charset="0"/>
+                <a:ea typeface="Arial" panose="020B0604020202020204" pitchFamily="34" charset="0"/>
+              </a:rPr>
+              <a:t>Если все последние 1000 строк датасета сгенерированы случайным образом, то </a:t>
+            </a:r>
+          </a:p>
+          <a:p>
+            <a:r>
+              <a:rPr lang="ru-RU" sz="1200" dirty="0">
+                <a:solidFill>
+                  <a:srgbClr val="0000FF"/>
+                </a:solidFill>
+                <a:latin typeface="Times New Roman" panose="02020603050405020304" pitchFamily="18" charset="0"/>
+                <a:ea typeface="Arial" panose="020B0604020202020204" pitchFamily="34" charset="0"/>
+              </a:rPr>
+              <a:t>эту процедуру следует рассматривать  не как фильтрацию датасета, а как размножение выборки.</a:t>
+            </a:r>
+            <a:endParaRPr lang="ru-RU" sz="1200" dirty="0">
+              <a:solidFill>
+                <a:srgbClr val="0000FF"/>
+              </a:solidFill>
+            </a:endParaRPr>
+          </a:p>
+        </p:txBody>
+      </p:sp>
     </p:spTree>
     <p:extLst>
       <p:ext uri="{BB962C8B-B14F-4D97-AF65-F5344CB8AC3E}">

--- a/Для защиты ВКР/Презентация ВКР. Горшков А. В..pptx
+++ b/Для защиты ВКР/Презентация ВКР. Горшков А. В..pptx
@@ -5,7 +5,7 @@
     <p:sldMasterId id="2147483648" r:id="rId1"/>
   </p:sldMasterIdLst>
   <p:notesMasterIdLst>
-    <p:notesMasterId r:id="rId11"/>
+    <p:notesMasterId r:id="rId13"/>
   </p:notesMasterIdLst>
   <p:sldIdLst>
     <p:sldId id="256" r:id="rId2"/>
@@ -13,20 +13,26 @@
     <p:sldId id="261" r:id="rId4"/>
     <p:sldId id="272" r:id="rId5"/>
     <p:sldId id="269" r:id="rId6"/>
-    <p:sldId id="273" r:id="rId7"/>
-    <p:sldId id="274" r:id="rId8"/>
-    <p:sldId id="275" r:id="rId9"/>
-    <p:sldId id="260" r:id="rId10"/>
+    <p:sldId id="276" r:id="rId7"/>
+    <p:sldId id="273" r:id="rId8"/>
+    <p:sldId id="274" r:id="rId9"/>
+    <p:sldId id="275" r:id="rId10"/>
+    <p:sldId id="277" r:id="rId11"/>
+    <p:sldId id="260" r:id="rId12"/>
   </p:sldIdLst>
   <p:sldSz cx="12192000" cy="6858000"/>
   <p:notesSz cx="6858000" cy="9144000"/>
   <p:embeddedFontLst>
     <p:embeddedFont>
+      <p:font typeface="Cambria Math" panose="02040503050406030204" pitchFamily="18" charset="0"/>
+      <p:regular r:id="rId14"/>
+    </p:embeddedFont>
+    <p:embeddedFont>
       <p:font typeface="Open Sans" panose="020B0604020202020204" charset="0"/>
-      <p:regular r:id="rId12"/>
-      <p:bold r:id="rId13"/>
-      <p:italic r:id="rId14"/>
-      <p:boldItalic r:id="rId15"/>
+      <p:regular r:id="rId15"/>
+      <p:bold r:id="rId16"/>
+      <p:italic r:id="rId17"/>
+      <p:boldItalic r:id="rId18"/>
     </p:embeddedFont>
   </p:embeddedFontLst>
   <p:defaultTextStyle>
@@ -282,7 +288,7 @@
       <p15:notesGuideLst xmlns:p15="http://schemas.microsoft.com/office/powerpoint/2012/main"/>
     </p:ext>
     <p:ext uri="http://customooxmlschemas.google.com/">
-      <go:slidesCustomData xmlns="" xmlns:mc="http://schemas.openxmlformats.org/markup-compatibility/2006" xmlns:mv="urn:schemas-microsoft-com:mac:vml" xmlns:c="http://schemas.openxmlformats.org/drawingml/2006/chart" xmlns:dgm="http://schemas.openxmlformats.org/drawingml/2006/diagram" xmlns:o="urn:schemas-microsoft-com:office:office" xmlns:v="urn:schemas-microsoft-com:vml" xmlns:pvml="urn:schemas-microsoft-com:office:powerpoint" xmlns:com="http://schemas.openxmlformats.org/drawingml/2006/compatibility" xmlns:p14="http://schemas.microsoft.com/office/powerpoint/2010/main" xmlns:p15="http://schemas.microsoft.com/office/powerpoint/2012/main" xmlns:ahyp="http://schemas.microsoft.com/office/drawing/2018/hyperlinkcolor" xmlns:go="http://customooxmlschemas.google.com/" r:id="rId25" roundtripDataSignature="AMtx7mg2fLzW2NWhC2ejww7VA5lENbgL/Q=="/>
+      <go:slidesCustomData xmlns:go="http://customooxmlschemas.google.com/" xmlns:ahyp="http://schemas.microsoft.com/office/drawing/2018/hyperlinkcolor" xmlns:p15="http://schemas.microsoft.com/office/powerpoint/2012/main" xmlns:p14="http://schemas.microsoft.com/office/powerpoint/2010/main" xmlns:com="http://schemas.openxmlformats.org/drawingml/2006/compatibility" xmlns:pvml="urn:schemas-microsoft-com:office:powerpoint" xmlns:v="urn:schemas-microsoft-com:vml" xmlns:o="urn:schemas-microsoft-com:office:office" xmlns:dgm="http://schemas.openxmlformats.org/drawingml/2006/diagram" xmlns:c="http://schemas.openxmlformats.org/drawingml/2006/chart" xmlns:mv="urn:schemas-microsoft-com:mac:vml" xmlns:mc="http://schemas.openxmlformats.org/markup-compatibility/2006" xmlns="" r:id="rId25" roundtripDataSignature="AMtx7mg2fLzW2NWhC2ejww7VA5lENbgL/Q=="/>
     </p:ext>
   </p:extLst>
 </p:presentation>
@@ -6689,6 +6695,1077 @@
 </p:sld>
 </file>
 
+<file path=ppt/slides/slide10.xml><?xml version="1.0" encoding="utf-8"?>
+<p:sld xmlns:a="http://schemas.openxmlformats.org/drawingml/2006/main" xmlns:r="http://schemas.openxmlformats.org/officeDocument/2006/relationships" xmlns:p="http://schemas.openxmlformats.org/presentationml/2006/main">
+  <p:cSld>
+    <p:spTree>
+      <p:nvGrpSpPr>
+        <p:cNvPr id="1" name=""/>
+        <p:cNvGrpSpPr/>
+        <p:nvPr/>
+      </p:nvGrpSpPr>
+      <p:grpSpPr>
+        <a:xfrm>
+          <a:off x="0" y="0"/>
+          <a:ext cx="0" cy="0"/>
+          <a:chOff x="0" y="0"/>
+          <a:chExt cx="0" cy="0"/>
+        </a:xfrm>
+      </p:grpSpPr>
+      <p:sp>
+        <p:nvSpPr>
+          <p:cNvPr id="2" name="Номер слайда 1">
+            <a:extLst>
+              <a:ext uri="{FF2B5EF4-FFF2-40B4-BE49-F238E27FC236}">
+                <a16:creationId xmlns:a16="http://schemas.microsoft.com/office/drawing/2014/main" id="{A25D3ECF-79BB-4EA2-A24A-0A5D2A2810F5}"/>
+              </a:ext>
+            </a:extLst>
+          </p:cNvPr>
+          <p:cNvSpPr>
+            <a:spLocks noGrp="1"/>
+          </p:cNvSpPr>
+          <p:nvPr>
+            <p:ph type="sldNum" idx="12"/>
+          </p:nvPr>
+        </p:nvSpPr>
+        <p:spPr/>
+        <p:txBody>
+          <a:bodyPr/>
+          <a:lstStyle/>
+          <a:p>
+            <a:pPr marL="0" lvl="0" indent="0" algn="l" rtl="0">
+              <a:spcBef>
+                <a:spcPts val="0"/>
+              </a:spcBef>
+              <a:spcAft>
+                <a:spcPts val="0"/>
+              </a:spcAft>
+              <a:buNone/>
+            </a:pPr>
+            <a:fld id="{00000000-1234-1234-1234-123412341234}" type="slidenum">
+              <a:rPr lang="ru-RU" smtClean="0"/>
+              <a:t>10</a:t>
+            </a:fld>
+            <a:endParaRPr lang="ru-RU" dirty="0"/>
+          </a:p>
+        </p:txBody>
+      </p:sp>
+      <mc:AlternateContent xmlns:mc="http://schemas.openxmlformats.org/markup-compatibility/2006">
+        <mc:Choice xmlns:a14="http://schemas.microsoft.com/office/drawing/2010/main" Requires="a14">
+          <p:sp>
+            <p:nvSpPr>
+              <p:cNvPr id="3" name="Текст 2">
+                <a:extLst>
+                  <a:ext uri="{FF2B5EF4-FFF2-40B4-BE49-F238E27FC236}">
+                    <a16:creationId xmlns:a16="http://schemas.microsoft.com/office/drawing/2014/main" id="{B585A8E9-E8BC-4076-9842-B84B3CB67D55}"/>
+                  </a:ext>
+                </a:extLst>
+              </p:cNvPr>
+              <p:cNvSpPr>
+                <a:spLocks noGrp="1"/>
+              </p:cNvSpPr>
+              <p:nvPr>
+                <p:ph type="body" idx="13"/>
+              </p:nvPr>
+            </p:nvSpPr>
+            <p:spPr>
+              <a:xfrm>
+                <a:off x="425059" y="1676400"/>
+                <a:ext cx="11195441" cy="4781550"/>
+              </a:xfrm>
+            </p:spPr>
+            <p:txBody>
+              <a:bodyPr>
+                <a:normAutofit lnSpcReduction="10000"/>
+              </a:bodyPr>
+              <a:lstStyle/>
+              <a:p>
+                <a:pPr marL="533400" indent="-457200" algn="just">
+                  <a:buAutoNum type="arabicPeriod"/>
+                </a:pPr>
+                <a:r>
+                  <a:rPr lang="ru-RU" sz="2000" dirty="0">
+                    <a:solidFill>
+                      <a:schemeClr val="bg2">
+                        <a:lumMod val="75000"/>
+                        <a:lumOff val="25000"/>
+                      </a:schemeClr>
+                    </a:solidFill>
+                    <a:latin typeface="Times New Roman" panose="02020603050405020304" pitchFamily="18" charset="0"/>
+                    <a:cs typeface="Times New Roman" panose="02020603050405020304" pitchFamily="18" charset="0"/>
+                  </a:rPr>
+                  <a:t>Рассмотрены и обработаны три варианта набора данных – базовый датасет (первые 23 строки), полный датасет (1023 строки) и очищенный от шума и помех датасет.</a:t>
+                </a:r>
+              </a:p>
+              <a:p>
+                <a:pPr marL="533400" indent="-457200" algn="just">
+                  <a:buFont typeface="Noto Sans Symbols"/>
+                  <a:buAutoNum type="arabicPeriod"/>
+                </a:pPr>
+                <a:r>
+                  <a:rPr lang="ru-RU" sz="2000" dirty="0">
+                    <a:solidFill>
+                      <a:schemeClr val="bg2">
+                        <a:lumMod val="75000"/>
+                        <a:lumOff val="25000"/>
+                      </a:schemeClr>
+                    </a:solidFill>
+                    <a:latin typeface="Times New Roman" panose="02020603050405020304" pitchFamily="18" charset="0"/>
+                    <a:cs typeface="Times New Roman" panose="02020603050405020304" pitchFamily="18" charset="0"/>
+                  </a:rPr>
+                  <a:t>Для очистки датасета от шума и помех разработан фильтр, ядром (маской) которого являются наблюдения базового датасета.</a:t>
+                </a:r>
+              </a:p>
+              <a:p>
+                <a:pPr marL="533400" indent="-457200" algn="just">
+                  <a:buAutoNum type="arabicPeriod"/>
+                </a:pPr>
+                <a:r>
+                  <a:rPr lang="ru-RU" sz="2000" dirty="0">
+                    <a:solidFill>
+                      <a:schemeClr val="bg2">
+                        <a:lumMod val="75000"/>
+                        <a:lumOff val="25000"/>
+                      </a:schemeClr>
+                    </a:solidFill>
+                    <a:latin typeface="Times New Roman" panose="02020603050405020304" pitchFamily="18" charset="0"/>
+                    <a:cs typeface="Times New Roman" panose="02020603050405020304" pitchFamily="18" charset="0"/>
+                  </a:rPr>
+                  <a:t>Для базового датасета получены линейные функциональные зависимости для целевых переменных </a:t>
+                </a:r>
+                <a:r>
+                  <a:rPr lang="ru-RU" sz="2000" dirty="0">
+                    <a:solidFill>
+                      <a:schemeClr val="bg2">
+                        <a:lumMod val="75000"/>
+                        <a:lumOff val="25000"/>
+                      </a:schemeClr>
+                    </a:solidFill>
+                    <a:latin typeface="Times New Roman" panose="02020603050405020304" pitchFamily="18" charset="0"/>
+                    <a:ea typeface="Arial" panose="020B0604020202020204" pitchFamily="34" charset="0"/>
+                  </a:rPr>
+                  <a:t>'Модуль упругости при растяжении' и 'Прочность при растяжении' от признаков 'Поверхностная плотность, г/м2' и 'Потребление смолы, г/м2'. Для целевой переменной 'Соотношение матрица - наполнитель' обучены модели, для которых наибольший </a:t>
+                </a:r>
+                <a14:m>
+                  <m:oMath xmlns:m="http://schemas.openxmlformats.org/officeDocument/2006/math">
+                    <m:sSup>
+                      <m:sSupPr>
+                        <m:ctrlPr>
+                          <a:rPr lang="ru-RU" sz="2000" i="1">
+                            <a:solidFill>
+                              <a:schemeClr val="bg2">
+                                <a:lumMod val="75000"/>
+                                <a:lumOff val="25000"/>
+                              </a:schemeClr>
+                            </a:solidFill>
+                            <a:latin typeface="Cambria Math" panose="02040503050406030204" pitchFamily="18" charset="0"/>
+                          </a:rPr>
+                        </m:ctrlPr>
+                      </m:sSupPr>
+                      <m:e>
+                        <m:r>
+                          <a:rPr lang="ru-RU" sz="2000" i="1">
+                            <a:solidFill>
+                              <a:schemeClr val="bg2">
+                                <a:lumMod val="75000"/>
+                                <a:lumOff val="25000"/>
+                              </a:schemeClr>
+                            </a:solidFill>
+                            <a:latin typeface="Cambria Math" panose="02040503050406030204" pitchFamily="18" charset="0"/>
+                          </a:rPr>
+                          <m:t>𝑅</m:t>
+                        </m:r>
+                      </m:e>
+                      <m:sup>
+                        <m:r>
+                          <a:rPr lang="ru-RU" sz="2000">
+                            <a:solidFill>
+                              <a:schemeClr val="bg2">
+                                <a:lumMod val="75000"/>
+                                <a:lumOff val="25000"/>
+                              </a:schemeClr>
+                            </a:solidFill>
+                            <a:latin typeface="Cambria Math" panose="02040503050406030204" pitchFamily="18" charset="0"/>
+                          </a:rPr>
+                          <m:t>2</m:t>
+                        </m:r>
+                      </m:sup>
+                    </m:sSup>
+                  </m:oMath>
+                </a14:m>
+                <a:r>
+                  <a:rPr lang="ru-RU" sz="2000" dirty="0">
+                    <a:solidFill>
+                      <a:schemeClr val="bg2">
+                        <a:lumMod val="75000"/>
+                        <a:lumOff val="25000"/>
+                      </a:schemeClr>
+                    </a:solidFill>
+                    <a:latin typeface="Times New Roman" panose="02020603050405020304" pitchFamily="18" charset="0"/>
+                    <a:cs typeface="Times New Roman" panose="02020603050405020304" pitchFamily="18" charset="0"/>
+                  </a:rPr>
+                  <a:t> = 0,352.</a:t>
+                </a:r>
+              </a:p>
+              <a:p>
+                <a:pPr marL="533400" indent="-457200" algn="just">
+                  <a:buFont typeface="Noto Sans Symbols"/>
+                  <a:buAutoNum type="arabicPeriod"/>
+                </a:pPr>
+                <a:r>
+                  <a:rPr lang="ru-RU" sz="2000" dirty="0">
+                    <a:solidFill>
+                      <a:schemeClr val="bg2">
+                        <a:lumMod val="75000"/>
+                        <a:lumOff val="25000"/>
+                      </a:schemeClr>
+                    </a:solidFill>
+                    <a:latin typeface="Times New Roman" panose="02020603050405020304" pitchFamily="18" charset="0"/>
+                    <a:cs typeface="Times New Roman" panose="02020603050405020304" pitchFamily="18" charset="0"/>
+                  </a:rPr>
+                  <a:t>Для полного датасета для целевых переменных </a:t>
+                </a:r>
+                <a:r>
+                  <a:rPr lang="ru-RU" sz="2000" dirty="0">
+                    <a:solidFill>
+                      <a:schemeClr val="bg2">
+                        <a:lumMod val="75000"/>
+                        <a:lumOff val="25000"/>
+                      </a:schemeClr>
+                    </a:solidFill>
+                    <a:latin typeface="Times New Roman" panose="02020603050405020304" pitchFamily="18" charset="0"/>
+                    <a:ea typeface="Arial" panose="020B0604020202020204" pitchFamily="34" charset="0"/>
+                  </a:rPr>
+                  <a:t>'Модуль упругости при растяжении' и 'Прочность при растяжении' </a:t>
+                </a:r>
+                <a:r>
+                  <a:rPr lang="ru-RU" sz="2000" dirty="0">
+                    <a:solidFill>
+                      <a:schemeClr val="bg2">
+                        <a:lumMod val="75000"/>
+                        <a:lumOff val="25000"/>
+                      </a:schemeClr>
+                    </a:solidFill>
+                    <a:latin typeface="Times New Roman" panose="02020603050405020304" pitchFamily="18" charset="0"/>
+                    <a:cs typeface="Times New Roman" panose="02020603050405020304" pitchFamily="18" charset="0"/>
+                  </a:rPr>
+                  <a:t>обучены модели регрессоров</a:t>
+                </a:r>
+                <a:r>
+                  <a:rPr lang="ru-RU" sz="2000" dirty="0">
+                    <a:solidFill>
+                      <a:schemeClr val="bg2">
+                        <a:lumMod val="75000"/>
+                        <a:lumOff val="25000"/>
+                      </a:schemeClr>
+                    </a:solidFill>
+                    <a:latin typeface="Times New Roman" panose="02020603050405020304" pitchFamily="18" charset="0"/>
+                    <a:ea typeface="Arial" panose="020B0604020202020204" pitchFamily="34" charset="0"/>
+                  </a:rPr>
+                  <a:t>, для которых наибольший </a:t>
+                </a:r>
+                <a14:m>
+                  <m:oMath xmlns:m="http://schemas.openxmlformats.org/officeDocument/2006/math">
+                    <m:sSup>
+                      <m:sSupPr>
+                        <m:ctrlPr>
+                          <a:rPr lang="ru-RU" sz="2000" i="1">
+                            <a:solidFill>
+                              <a:schemeClr val="bg2">
+                                <a:lumMod val="75000"/>
+                                <a:lumOff val="25000"/>
+                              </a:schemeClr>
+                            </a:solidFill>
+                            <a:latin typeface="Cambria Math" panose="02040503050406030204" pitchFamily="18" charset="0"/>
+                          </a:rPr>
+                        </m:ctrlPr>
+                      </m:sSupPr>
+                      <m:e>
+                        <m:r>
+                          <a:rPr lang="ru-RU" sz="2000" i="1">
+                            <a:solidFill>
+                              <a:schemeClr val="bg2">
+                                <a:lumMod val="75000"/>
+                                <a:lumOff val="25000"/>
+                              </a:schemeClr>
+                            </a:solidFill>
+                            <a:latin typeface="Cambria Math" panose="02040503050406030204" pitchFamily="18" charset="0"/>
+                          </a:rPr>
+                          <m:t>𝑅</m:t>
+                        </m:r>
+                      </m:e>
+                      <m:sup>
+                        <m:r>
+                          <a:rPr lang="ru-RU" sz="2000">
+                            <a:solidFill>
+                              <a:schemeClr val="bg2">
+                                <a:lumMod val="75000"/>
+                                <a:lumOff val="25000"/>
+                              </a:schemeClr>
+                            </a:solidFill>
+                            <a:latin typeface="Cambria Math" panose="02040503050406030204" pitchFamily="18" charset="0"/>
+                          </a:rPr>
+                          <m:t>2</m:t>
+                        </m:r>
+                      </m:sup>
+                    </m:sSup>
+                  </m:oMath>
+                </a14:m>
+                <a:r>
+                  <a:rPr lang="ru-RU" sz="2000" dirty="0">
+                    <a:solidFill>
+                      <a:schemeClr val="bg2">
+                        <a:lumMod val="75000"/>
+                        <a:lumOff val="25000"/>
+                      </a:schemeClr>
+                    </a:solidFill>
+                    <a:latin typeface="Times New Roman" panose="02020603050405020304" pitchFamily="18" charset="0"/>
+                    <a:cs typeface="Times New Roman" panose="02020603050405020304" pitchFamily="18" charset="0"/>
+                  </a:rPr>
+                  <a:t> = 0,012. </a:t>
+                </a:r>
+                <a:r>
+                  <a:rPr lang="ru-RU" sz="2000" dirty="0">
+                    <a:solidFill>
+                      <a:schemeClr val="bg2">
+                        <a:lumMod val="75000"/>
+                        <a:lumOff val="25000"/>
+                      </a:schemeClr>
+                    </a:solidFill>
+                    <a:latin typeface="Times New Roman" panose="02020603050405020304" pitchFamily="18" charset="0"/>
+                    <a:ea typeface="Arial" panose="020B0604020202020204" pitchFamily="34" charset="0"/>
+                  </a:rPr>
+                  <a:t>Для целевой переменной 'Соотношение матрица - наполнитель' обучена модель ИНС, для которой </a:t>
+                </a:r>
+                <a14:m>
+                  <m:oMath xmlns:m="http://schemas.openxmlformats.org/officeDocument/2006/math">
+                    <m:sSup>
+                      <m:sSupPr>
+                        <m:ctrlPr>
+                          <a:rPr lang="ru-RU" sz="2000" i="1">
+                            <a:solidFill>
+                              <a:schemeClr val="bg2">
+                                <a:lumMod val="75000"/>
+                                <a:lumOff val="25000"/>
+                              </a:schemeClr>
+                            </a:solidFill>
+                            <a:latin typeface="Cambria Math" panose="02040503050406030204" pitchFamily="18" charset="0"/>
+                          </a:rPr>
+                        </m:ctrlPr>
+                      </m:sSupPr>
+                      <m:e>
+                        <m:r>
+                          <a:rPr lang="ru-RU" sz="2000" i="1">
+                            <a:solidFill>
+                              <a:schemeClr val="bg2">
+                                <a:lumMod val="75000"/>
+                                <a:lumOff val="25000"/>
+                              </a:schemeClr>
+                            </a:solidFill>
+                            <a:latin typeface="Cambria Math" panose="02040503050406030204" pitchFamily="18" charset="0"/>
+                          </a:rPr>
+                          <m:t>𝑅</m:t>
+                        </m:r>
+                      </m:e>
+                      <m:sup>
+                        <m:r>
+                          <a:rPr lang="ru-RU" sz="2000">
+                            <a:solidFill>
+                              <a:schemeClr val="bg2">
+                                <a:lumMod val="75000"/>
+                                <a:lumOff val="25000"/>
+                              </a:schemeClr>
+                            </a:solidFill>
+                            <a:latin typeface="Cambria Math" panose="02040503050406030204" pitchFamily="18" charset="0"/>
+                          </a:rPr>
+                          <m:t>2</m:t>
+                        </m:r>
+                      </m:sup>
+                    </m:sSup>
+                  </m:oMath>
+                </a14:m>
+                <a:r>
+                  <a:rPr lang="ru-RU" sz="2000" dirty="0">
+                    <a:solidFill>
+                      <a:schemeClr val="bg2">
+                        <a:lumMod val="75000"/>
+                        <a:lumOff val="25000"/>
+                      </a:schemeClr>
+                    </a:solidFill>
+                    <a:latin typeface="Times New Roman" panose="02020603050405020304" pitchFamily="18" charset="0"/>
+                    <a:cs typeface="Times New Roman" panose="02020603050405020304" pitchFamily="18" charset="0"/>
+                  </a:rPr>
+                  <a:t> = 0,026.</a:t>
+                </a:r>
+              </a:p>
+              <a:p>
+                <a:pPr marL="533400" indent="-457200" algn="just">
+                  <a:buFont typeface="Noto Sans Symbols"/>
+                  <a:buAutoNum type="arabicPeriod"/>
+                </a:pPr>
+                <a:r>
+                  <a:rPr lang="ru-RU" sz="2000" dirty="0">
+                    <a:solidFill>
+                      <a:schemeClr val="bg2">
+                        <a:lumMod val="75000"/>
+                        <a:lumOff val="25000"/>
+                      </a:schemeClr>
+                    </a:solidFill>
+                    <a:latin typeface="Times New Roman" panose="02020603050405020304" pitchFamily="18" charset="0"/>
+                    <a:cs typeface="Times New Roman" panose="02020603050405020304" pitchFamily="18" charset="0"/>
+                  </a:rPr>
+                  <a:t>Для очищенного датасета для целевых переменных </a:t>
+                </a:r>
+                <a:r>
+                  <a:rPr lang="ru-RU" sz="2000" dirty="0">
+                    <a:solidFill>
+                      <a:schemeClr val="bg2">
+                        <a:lumMod val="75000"/>
+                        <a:lumOff val="25000"/>
+                      </a:schemeClr>
+                    </a:solidFill>
+                    <a:latin typeface="Times New Roman" panose="02020603050405020304" pitchFamily="18" charset="0"/>
+                    <a:ea typeface="Arial" panose="020B0604020202020204" pitchFamily="34" charset="0"/>
+                  </a:rPr>
+                  <a:t>'Модуль упругости при растяжении' и 'Прочность при растяжении' </a:t>
+                </a:r>
+                <a:r>
+                  <a:rPr lang="ru-RU" sz="2000" dirty="0">
+                    <a:solidFill>
+                      <a:schemeClr val="bg2">
+                        <a:lumMod val="75000"/>
+                        <a:lumOff val="25000"/>
+                      </a:schemeClr>
+                    </a:solidFill>
+                    <a:latin typeface="Times New Roman" panose="02020603050405020304" pitchFamily="18" charset="0"/>
+                    <a:cs typeface="Times New Roman" panose="02020603050405020304" pitchFamily="18" charset="0"/>
+                  </a:rPr>
+                  <a:t>обучены модели регрессоров</a:t>
+                </a:r>
+                <a:r>
+                  <a:rPr lang="ru-RU" sz="2000" dirty="0">
+                    <a:solidFill>
+                      <a:schemeClr val="bg2">
+                        <a:lumMod val="75000"/>
+                        <a:lumOff val="25000"/>
+                      </a:schemeClr>
+                    </a:solidFill>
+                    <a:latin typeface="Times New Roman" panose="02020603050405020304" pitchFamily="18" charset="0"/>
+                    <a:ea typeface="Arial" panose="020B0604020202020204" pitchFamily="34" charset="0"/>
+                  </a:rPr>
+                  <a:t>, для которых наибольший </a:t>
+                </a:r>
+                <a14:m>
+                  <m:oMath xmlns:m="http://schemas.openxmlformats.org/officeDocument/2006/math">
+                    <m:sSup>
+                      <m:sSupPr>
+                        <m:ctrlPr>
+                          <a:rPr lang="ru-RU" sz="2000" i="1">
+                            <a:solidFill>
+                              <a:schemeClr val="bg2">
+                                <a:lumMod val="75000"/>
+                                <a:lumOff val="25000"/>
+                              </a:schemeClr>
+                            </a:solidFill>
+                            <a:latin typeface="Cambria Math" panose="02040503050406030204" pitchFamily="18" charset="0"/>
+                          </a:rPr>
+                        </m:ctrlPr>
+                      </m:sSupPr>
+                      <m:e>
+                        <m:r>
+                          <a:rPr lang="ru-RU" sz="2000" i="1">
+                            <a:solidFill>
+                              <a:schemeClr val="bg2">
+                                <a:lumMod val="75000"/>
+                                <a:lumOff val="25000"/>
+                              </a:schemeClr>
+                            </a:solidFill>
+                            <a:latin typeface="Cambria Math" panose="02040503050406030204" pitchFamily="18" charset="0"/>
+                          </a:rPr>
+                          <m:t>𝑅</m:t>
+                        </m:r>
+                      </m:e>
+                      <m:sup>
+                        <m:r>
+                          <a:rPr lang="ru-RU" sz="2000">
+                            <a:solidFill>
+                              <a:schemeClr val="bg2">
+                                <a:lumMod val="75000"/>
+                                <a:lumOff val="25000"/>
+                              </a:schemeClr>
+                            </a:solidFill>
+                            <a:latin typeface="Cambria Math" panose="02040503050406030204" pitchFamily="18" charset="0"/>
+                          </a:rPr>
+                          <m:t>2</m:t>
+                        </m:r>
+                      </m:sup>
+                    </m:sSup>
+                  </m:oMath>
+                </a14:m>
+                <a:r>
+                  <a:rPr lang="ru-RU" sz="2000" dirty="0">
+                    <a:solidFill>
+                      <a:schemeClr val="bg2">
+                        <a:lumMod val="75000"/>
+                        <a:lumOff val="25000"/>
+                      </a:schemeClr>
+                    </a:solidFill>
+                    <a:latin typeface="Times New Roman" panose="02020603050405020304" pitchFamily="18" charset="0"/>
+                    <a:cs typeface="Times New Roman" panose="02020603050405020304" pitchFamily="18" charset="0"/>
+                  </a:rPr>
+                  <a:t> = 0,737. </a:t>
+                </a:r>
+                <a:r>
+                  <a:rPr lang="ru-RU" sz="2000" dirty="0">
+                    <a:solidFill>
+                      <a:schemeClr val="bg2">
+                        <a:lumMod val="75000"/>
+                        <a:lumOff val="25000"/>
+                      </a:schemeClr>
+                    </a:solidFill>
+                    <a:latin typeface="Times New Roman" panose="02020603050405020304" pitchFamily="18" charset="0"/>
+                    <a:ea typeface="Arial" panose="020B0604020202020204" pitchFamily="34" charset="0"/>
+                  </a:rPr>
+                  <a:t>Для целевой переменной 'Соотношение матрица - наполнитель' обучена модель ИНС, для которой </a:t>
+                </a:r>
+                <a14:m>
+                  <m:oMath xmlns:m="http://schemas.openxmlformats.org/officeDocument/2006/math">
+                    <m:sSup>
+                      <m:sSupPr>
+                        <m:ctrlPr>
+                          <a:rPr lang="ru-RU" sz="2000" i="1">
+                            <a:solidFill>
+                              <a:schemeClr val="bg2">
+                                <a:lumMod val="75000"/>
+                                <a:lumOff val="25000"/>
+                              </a:schemeClr>
+                            </a:solidFill>
+                            <a:latin typeface="Cambria Math" panose="02040503050406030204" pitchFamily="18" charset="0"/>
+                          </a:rPr>
+                        </m:ctrlPr>
+                      </m:sSupPr>
+                      <m:e>
+                        <m:r>
+                          <a:rPr lang="ru-RU" sz="2000" i="1">
+                            <a:solidFill>
+                              <a:schemeClr val="bg2">
+                                <a:lumMod val="75000"/>
+                                <a:lumOff val="25000"/>
+                              </a:schemeClr>
+                            </a:solidFill>
+                            <a:latin typeface="Cambria Math" panose="02040503050406030204" pitchFamily="18" charset="0"/>
+                          </a:rPr>
+                          <m:t>𝑅</m:t>
+                        </m:r>
+                      </m:e>
+                      <m:sup>
+                        <m:r>
+                          <a:rPr lang="ru-RU" sz="2000">
+                            <a:solidFill>
+                              <a:schemeClr val="bg2">
+                                <a:lumMod val="75000"/>
+                                <a:lumOff val="25000"/>
+                              </a:schemeClr>
+                            </a:solidFill>
+                            <a:latin typeface="Cambria Math" panose="02040503050406030204" pitchFamily="18" charset="0"/>
+                          </a:rPr>
+                          <m:t>2</m:t>
+                        </m:r>
+                      </m:sup>
+                    </m:sSup>
+                  </m:oMath>
+                </a14:m>
+                <a:r>
+                  <a:rPr lang="ru-RU" sz="2000" dirty="0">
+                    <a:solidFill>
+                      <a:schemeClr val="bg2">
+                        <a:lumMod val="75000"/>
+                        <a:lumOff val="25000"/>
+                      </a:schemeClr>
+                    </a:solidFill>
+                    <a:latin typeface="Times New Roman" panose="02020603050405020304" pitchFamily="18" charset="0"/>
+                    <a:cs typeface="Times New Roman" panose="02020603050405020304" pitchFamily="18" charset="0"/>
+                  </a:rPr>
+                  <a:t> = 0,227.</a:t>
+                </a:r>
+              </a:p>
+            </p:txBody>
+          </p:sp>
+        </mc:Choice>
+        <mc:Fallback>
+          <p:sp>
+            <p:nvSpPr>
+              <p:cNvPr id="3" name="Текст 2">
+                <a:extLst>
+                  <a:ext uri="{FF2B5EF4-FFF2-40B4-BE49-F238E27FC236}">
+                    <a16:creationId xmlns:a16="http://schemas.microsoft.com/office/drawing/2014/main" id="{B585A8E9-E8BC-4076-9842-B84B3CB67D55}"/>
+                  </a:ext>
+                </a:extLst>
+              </p:cNvPr>
+              <p:cNvSpPr>
+                <a:spLocks noGrp="1" noRot="1" noChangeAspect="1" noMove="1" noResize="1" noEditPoints="1" noAdjustHandles="1" noChangeArrowheads="1" noChangeShapeType="1" noTextEdit="1"/>
+              </p:cNvSpPr>
+              <p:nvPr>
+                <p:ph type="body" idx="13"/>
+              </p:nvPr>
+            </p:nvSpPr>
+            <p:spPr>
+              <a:xfrm>
+                <a:off x="425059" y="1676400"/>
+                <a:ext cx="11195441" cy="4781550"/>
+              </a:xfrm>
+              <a:blipFill>
+                <a:blip r:embed="rId2"/>
+                <a:stretch>
+                  <a:fillRect l="-54" t="-638" r="-599"/>
+                </a:stretch>
+              </a:blipFill>
+            </p:spPr>
+            <p:txBody>
+              <a:bodyPr/>
+              <a:lstStyle/>
+              <a:p>
+                <a:r>
+                  <a:rPr lang="ru-RU">
+                    <a:noFill/>
+                  </a:rPr>
+                  <a:t> </a:t>
+                </a:r>
+              </a:p>
+            </p:txBody>
+          </p:sp>
+        </mc:Fallback>
+      </mc:AlternateContent>
+      <p:grpSp>
+        <p:nvGrpSpPr>
+          <p:cNvPr id="6" name="Группа 5">
+            <a:extLst>
+              <a:ext uri="{FF2B5EF4-FFF2-40B4-BE49-F238E27FC236}">
+                <a16:creationId xmlns:a16="http://schemas.microsoft.com/office/drawing/2014/main" id="{F4225B6F-871E-4DDC-9469-61C1B180AAFA}"/>
+              </a:ext>
+            </a:extLst>
+          </p:cNvPr>
+          <p:cNvGrpSpPr/>
+          <p:nvPr/>
+        </p:nvGrpSpPr>
+        <p:grpSpPr>
+          <a:xfrm>
+            <a:off x="4807403" y="469294"/>
+            <a:ext cx="2431597" cy="661706"/>
+            <a:chOff x="1476753" y="3499669"/>
+            <a:chExt cx="4619247" cy="666000"/>
+          </a:xfrm>
+        </p:grpSpPr>
+        <p:sp>
+          <p:nvSpPr>
+            <p:cNvPr id="7" name="Прямоугольник 6">
+              <a:extLst>
+                <a:ext uri="{FF2B5EF4-FFF2-40B4-BE49-F238E27FC236}">
+                  <a16:creationId xmlns:a16="http://schemas.microsoft.com/office/drawing/2014/main" id="{628BD638-D7AD-494B-A97B-82D1F8E598A0}"/>
+                </a:ext>
+              </a:extLst>
+            </p:cNvPr>
+            <p:cNvSpPr/>
+            <p:nvPr/>
+          </p:nvSpPr>
+          <p:spPr>
+            <a:xfrm>
+              <a:off x="1476753" y="3499669"/>
+              <a:ext cx="4619247" cy="666000"/>
+            </a:xfrm>
+            <a:prstGeom prst="rect">
+              <a:avLst/>
+            </a:prstGeom>
+            <a:solidFill>
+              <a:schemeClr val="bg1"/>
+            </a:solidFill>
+            <a:ln>
+              <a:solidFill>
+                <a:schemeClr val="bg1"/>
+              </a:solidFill>
+            </a:ln>
+          </p:spPr>
+          <p:style>
+            <a:lnRef idx="2">
+              <a:schemeClr val="accent1">
+                <a:shade val="50000"/>
+              </a:schemeClr>
+            </a:lnRef>
+            <a:fillRef idx="1">
+              <a:schemeClr val="accent1"/>
+            </a:fillRef>
+            <a:effectRef idx="0">
+              <a:schemeClr val="accent1"/>
+            </a:effectRef>
+            <a:fontRef idx="minor">
+              <a:schemeClr val="lt1"/>
+            </a:fontRef>
+          </p:style>
+          <p:txBody>
+            <a:bodyPr rtlCol="0" anchor="ctr"/>
+            <a:lstStyle/>
+            <a:p>
+              <a:pPr algn="ctr"/>
+              <a:r>
+                <a:rPr lang="ru-RU" sz="2400" spc="180" dirty="0">
+                  <a:ln>
+                    <a:solidFill>
+                      <a:srgbClr val="065CAB"/>
+                    </a:solidFill>
+                  </a:ln>
+                  <a:solidFill>
+                    <a:srgbClr val="065CAB"/>
+                  </a:solidFill>
+                  <a:latin typeface="Times New Roman" panose="02020603050405020304" pitchFamily="18" charset="0"/>
+                  <a:cs typeface="Times New Roman" panose="02020603050405020304" pitchFamily="18" charset="0"/>
+                </a:rPr>
+                <a:t>Выводы</a:t>
+              </a:r>
+              <a:endParaRPr lang="ru-RU" sz="2400" spc="180" dirty="0">
+                <a:latin typeface="Times New Roman" panose="02020603050405020304" pitchFamily="18" charset="0"/>
+                <a:cs typeface="Times New Roman" panose="02020603050405020304" pitchFamily="18" charset="0"/>
+              </a:endParaRPr>
+            </a:p>
+          </p:txBody>
+        </p:sp>
+        <p:sp>
+          <p:nvSpPr>
+            <p:cNvPr id="8" name="Прямоугольник 58">
+              <a:extLst>
+                <a:ext uri="{FF2B5EF4-FFF2-40B4-BE49-F238E27FC236}">
+                  <a16:creationId xmlns:a16="http://schemas.microsoft.com/office/drawing/2014/main" id="{D49A1D6F-DE49-45C1-9090-69586D9DAD2E}"/>
+                </a:ext>
+              </a:extLst>
+            </p:cNvPr>
+            <p:cNvSpPr/>
+            <p:nvPr/>
+          </p:nvSpPr>
+          <p:spPr>
+            <a:xfrm rot="10800000" flipH="1">
+              <a:off x="1476754" y="3499669"/>
+              <a:ext cx="76579" cy="666000"/>
+            </a:xfrm>
+            <a:custGeom>
+              <a:avLst/>
+              <a:gdLst>
+                <a:gd name="connsiteX0" fmla="*/ 0 w 424732"/>
+                <a:gd name="connsiteY0" fmla="*/ 0 h 424732"/>
+                <a:gd name="connsiteX1" fmla="*/ 424732 w 424732"/>
+                <a:gd name="connsiteY1" fmla="*/ 0 h 424732"/>
+                <a:gd name="connsiteX2" fmla="*/ 424732 w 424732"/>
+                <a:gd name="connsiteY2" fmla="*/ 424732 h 424732"/>
+                <a:gd name="connsiteX3" fmla="*/ 0 w 424732"/>
+                <a:gd name="connsiteY3" fmla="*/ 424732 h 424732"/>
+                <a:gd name="connsiteX4" fmla="*/ 0 w 424732"/>
+                <a:gd name="connsiteY4" fmla="*/ 0 h 424732"/>
+                <a:gd name="connsiteX0" fmla="*/ 0 w 425450"/>
+                <a:gd name="connsiteY0" fmla="*/ 0 h 424732"/>
+                <a:gd name="connsiteX1" fmla="*/ 424732 w 425450"/>
+                <a:gd name="connsiteY1" fmla="*/ 0 h 424732"/>
+                <a:gd name="connsiteX2" fmla="*/ 425450 w 425450"/>
+                <a:gd name="connsiteY2" fmla="*/ 238890 h 424732"/>
+                <a:gd name="connsiteX3" fmla="*/ 424732 w 425450"/>
+                <a:gd name="connsiteY3" fmla="*/ 424732 h 424732"/>
+                <a:gd name="connsiteX4" fmla="*/ 0 w 425450"/>
+                <a:gd name="connsiteY4" fmla="*/ 424732 h 424732"/>
+                <a:gd name="connsiteX5" fmla="*/ 0 w 425450"/>
+                <a:gd name="connsiteY5" fmla="*/ 0 h 424732"/>
+                <a:gd name="connsiteX0" fmla="*/ 425450 w 516890"/>
+                <a:gd name="connsiteY0" fmla="*/ 238890 h 424732"/>
+                <a:gd name="connsiteX1" fmla="*/ 424732 w 516890"/>
+                <a:gd name="connsiteY1" fmla="*/ 424732 h 424732"/>
+                <a:gd name="connsiteX2" fmla="*/ 0 w 516890"/>
+                <a:gd name="connsiteY2" fmla="*/ 424732 h 424732"/>
+                <a:gd name="connsiteX3" fmla="*/ 0 w 516890"/>
+                <a:gd name="connsiteY3" fmla="*/ 0 h 424732"/>
+                <a:gd name="connsiteX4" fmla="*/ 424732 w 516890"/>
+                <a:gd name="connsiteY4" fmla="*/ 0 h 424732"/>
+                <a:gd name="connsiteX5" fmla="*/ 516890 w 516890"/>
+                <a:gd name="connsiteY5" fmla="*/ 330330 h 424732"/>
+                <a:gd name="connsiteX0" fmla="*/ 424732 w 516890"/>
+                <a:gd name="connsiteY0" fmla="*/ 424732 h 424732"/>
+                <a:gd name="connsiteX1" fmla="*/ 0 w 516890"/>
+                <a:gd name="connsiteY1" fmla="*/ 424732 h 424732"/>
+                <a:gd name="connsiteX2" fmla="*/ 0 w 516890"/>
+                <a:gd name="connsiteY2" fmla="*/ 0 h 424732"/>
+                <a:gd name="connsiteX3" fmla="*/ 424732 w 516890"/>
+                <a:gd name="connsiteY3" fmla="*/ 0 h 424732"/>
+                <a:gd name="connsiteX4" fmla="*/ 516890 w 516890"/>
+                <a:gd name="connsiteY4" fmla="*/ 330330 h 424732"/>
+                <a:gd name="connsiteX0" fmla="*/ 424732 w 424732"/>
+                <a:gd name="connsiteY0" fmla="*/ 424732 h 424732"/>
+                <a:gd name="connsiteX1" fmla="*/ 0 w 424732"/>
+                <a:gd name="connsiteY1" fmla="*/ 424732 h 424732"/>
+                <a:gd name="connsiteX2" fmla="*/ 0 w 424732"/>
+                <a:gd name="connsiteY2" fmla="*/ 0 h 424732"/>
+                <a:gd name="connsiteX3" fmla="*/ 424732 w 424732"/>
+                <a:gd name="connsiteY3" fmla="*/ 0 h 424732"/>
+              </a:gdLst>
+              <a:ahLst/>
+              <a:cxnLst>
+                <a:cxn ang="0">
+                  <a:pos x="connsiteX0" y="connsiteY0"/>
+                </a:cxn>
+                <a:cxn ang="0">
+                  <a:pos x="connsiteX1" y="connsiteY1"/>
+                </a:cxn>
+                <a:cxn ang="0">
+                  <a:pos x="connsiteX2" y="connsiteY2"/>
+                </a:cxn>
+                <a:cxn ang="0">
+                  <a:pos x="connsiteX3" y="connsiteY3"/>
+                </a:cxn>
+              </a:cxnLst>
+              <a:rect l="l" t="t" r="r" b="b"/>
+              <a:pathLst>
+                <a:path w="424732" h="424732">
+                  <a:moveTo>
+                    <a:pt x="424732" y="424732"/>
+                  </a:moveTo>
+                  <a:lnTo>
+                    <a:pt x="0" y="424732"/>
+                  </a:lnTo>
+                  <a:lnTo>
+                    <a:pt x="0" y="0"/>
+                  </a:lnTo>
+                  <a:lnTo>
+                    <a:pt x="424732" y="0"/>
+                  </a:lnTo>
+                </a:path>
+              </a:pathLst>
+            </a:custGeom>
+            <a:ln w="16510">
+              <a:solidFill>
+                <a:srgbClr val="065CAB"/>
+              </a:solidFill>
+            </a:ln>
+          </p:spPr>
+          <p:style>
+            <a:lnRef idx="1">
+              <a:schemeClr val="accent1"/>
+            </a:lnRef>
+            <a:fillRef idx="0">
+              <a:schemeClr val="accent1"/>
+            </a:fillRef>
+            <a:effectRef idx="0">
+              <a:schemeClr val="accent1"/>
+            </a:effectRef>
+            <a:fontRef idx="minor">
+              <a:schemeClr val="tx1"/>
+            </a:fontRef>
+          </p:style>
+          <p:txBody>
+            <a:bodyPr rtlCol="0" anchor="ctr"/>
+            <a:lstStyle/>
+            <a:p>
+              <a:pPr algn="ctr"/>
+              <a:endParaRPr lang="ru-RU" dirty="0">
+                <a:latin typeface="ALS Sector Regular" panose="02000000000000000000" pitchFamily="2" charset="0"/>
+              </a:endParaRPr>
+            </a:p>
+          </p:txBody>
+        </p:sp>
+        <p:sp>
+          <p:nvSpPr>
+            <p:cNvPr id="9" name="Прямоугольник 58">
+              <a:extLst>
+                <a:ext uri="{FF2B5EF4-FFF2-40B4-BE49-F238E27FC236}">
+                  <a16:creationId xmlns:a16="http://schemas.microsoft.com/office/drawing/2014/main" id="{7948321C-34DA-470B-84A1-53F7424DD8E7}"/>
+                </a:ext>
+              </a:extLst>
+            </p:cNvPr>
+            <p:cNvSpPr>
+              <a:spLocks noChangeAspect="1"/>
+            </p:cNvSpPr>
+            <p:nvPr/>
+          </p:nvSpPr>
+          <p:spPr>
+            <a:xfrm flipH="1">
+              <a:off x="6005951" y="3499669"/>
+              <a:ext cx="90049" cy="666000"/>
+            </a:xfrm>
+            <a:custGeom>
+              <a:avLst/>
+              <a:gdLst>
+                <a:gd name="connsiteX0" fmla="*/ 0 w 424732"/>
+                <a:gd name="connsiteY0" fmla="*/ 0 h 424732"/>
+                <a:gd name="connsiteX1" fmla="*/ 424732 w 424732"/>
+                <a:gd name="connsiteY1" fmla="*/ 0 h 424732"/>
+                <a:gd name="connsiteX2" fmla="*/ 424732 w 424732"/>
+                <a:gd name="connsiteY2" fmla="*/ 424732 h 424732"/>
+                <a:gd name="connsiteX3" fmla="*/ 0 w 424732"/>
+                <a:gd name="connsiteY3" fmla="*/ 424732 h 424732"/>
+                <a:gd name="connsiteX4" fmla="*/ 0 w 424732"/>
+                <a:gd name="connsiteY4" fmla="*/ 0 h 424732"/>
+                <a:gd name="connsiteX0" fmla="*/ 0 w 425450"/>
+                <a:gd name="connsiteY0" fmla="*/ 0 h 424732"/>
+                <a:gd name="connsiteX1" fmla="*/ 424732 w 425450"/>
+                <a:gd name="connsiteY1" fmla="*/ 0 h 424732"/>
+                <a:gd name="connsiteX2" fmla="*/ 425450 w 425450"/>
+                <a:gd name="connsiteY2" fmla="*/ 238890 h 424732"/>
+                <a:gd name="connsiteX3" fmla="*/ 424732 w 425450"/>
+                <a:gd name="connsiteY3" fmla="*/ 424732 h 424732"/>
+                <a:gd name="connsiteX4" fmla="*/ 0 w 425450"/>
+                <a:gd name="connsiteY4" fmla="*/ 424732 h 424732"/>
+                <a:gd name="connsiteX5" fmla="*/ 0 w 425450"/>
+                <a:gd name="connsiteY5" fmla="*/ 0 h 424732"/>
+                <a:gd name="connsiteX0" fmla="*/ 425450 w 516890"/>
+                <a:gd name="connsiteY0" fmla="*/ 238890 h 424732"/>
+                <a:gd name="connsiteX1" fmla="*/ 424732 w 516890"/>
+                <a:gd name="connsiteY1" fmla="*/ 424732 h 424732"/>
+                <a:gd name="connsiteX2" fmla="*/ 0 w 516890"/>
+                <a:gd name="connsiteY2" fmla="*/ 424732 h 424732"/>
+                <a:gd name="connsiteX3" fmla="*/ 0 w 516890"/>
+                <a:gd name="connsiteY3" fmla="*/ 0 h 424732"/>
+                <a:gd name="connsiteX4" fmla="*/ 424732 w 516890"/>
+                <a:gd name="connsiteY4" fmla="*/ 0 h 424732"/>
+                <a:gd name="connsiteX5" fmla="*/ 516890 w 516890"/>
+                <a:gd name="connsiteY5" fmla="*/ 330330 h 424732"/>
+                <a:gd name="connsiteX0" fmla="*/ 424732 w 516890"/>
+                <a:gd name="connsiteY0" fmla="*/ 424732 h 424732"/>
+                <a:gd name="connsiteX1" fmla="*/ 0 w 516890"/>
+                <a:gd name="connsiteY1" fmla="*/ 424732 h 424732"/>
+                <a:gd name="connsiteX2" fmla="*/ 0 w 516890"/>
+                <a:gd name="connsiteY2" fmla="*/ 0 h 424732"/>
+                <a:gd name="connsiteX3" fmla="*/ 424732 w 516890"/>
+                <a:gd name="connsiteY3" fmla="*/ 0 h 424732"/>
+                <a:gd name="connsiteX4" fmla="*/ 516890 w 516890"/>
+                <a:gd name="connsiteY4" fmla="*/ 330330 h 424732"/>
+                <a:gd name="connsiteX0" fmla="*/ 424732 w 424732"/>
+                <a:gd name="connsiteY0" fmla="*/ 424732 h 424732"/>
+                <a:gd name="connsiteX1" fmla="*/ 0 w 424732"/>
+                <a:gd name="connsiteY1" fmla="*/ 424732 h 424732"/>
+                <a:gd name="connsiteX2" fmla="*/ 0 w 424732"/>
+                <a:gd name="connsiteY2" fmla="*/ 0 h 424732"/>
+                <a:gd name="connsiteX3" fmla="*/ 424732 w 424732"/>
+                <a:gd name="connsiteY3" fmla="*/ 0 h 424732"/>
+              </a:gdLst>
+              <a:ahLst/>
+              <a:cxnLst>
+                <a:cxn ang="0">
+                  <a:pos x="connsiteX0" y="connsiteY0"/>
+                </a:cxn>
+                <a:cxn ang="0">
+                  <a:pos x="connsiteX1" y="connsiteY1"/>
+                </a:cxn>
+                <a:cxn ang="0">
+                  <a:pos x="connsiteX2" y="connsiteY2"/>
+                </a:cxn>
+                <a:cxn ang="0">
+                  <a:pos x="connsiteX3" y="connsiteY3"/>
+                </a:cxn>
+              </a:cxnLst>
+              <a:rect l="l" t="t" r="r" b="b"/>
+              <a:pathLst>
+                <a:path w="424732" h="424732">
+                  <a:moveTo>
+                    <a:pt x="424732" y="424732"/>
+                  </a:moveTo>
+                  <a:lnTo>
+                    <a:pt x="0" y="424732"/>
+                  </a:lnTo>
+                  <a:lnTo>
+                    <a:pt x="0" y="0"/>
+                  </a:lnTo>
+                  <a:lnTo>
+                    <a:pt x="424732" y="0"/>
+                  </a:lnTo>
+                </a:path>
+              </a:pathLst>
+            </a:custGeom>
+            <a:ln w="16510">
+              <a:solidFill>
+                <a:srgbClr val="0046A2"/>
+              </a:solidFill>
+            </a:ln>
+          </p:spPr>
+          <p:style>
+            <a:lnRef idx="1">
+              <a:schemeClr val="accent1"/>
+            </a:lnRef>
+            <a:fillRef idx="0">
+              <a:schemeClr val="accent1"/>
+            </a:fillRef>
+            <a:effectRef idx="0">
+              <a:schemeClr val="accent1"/>
+            </a:effectRef>
+            <a:fontRef idx="minor">
+              <a:schemeClr val="tx1"/>
+            </a:fontRef>
+          </p:style>
+          <p:txBody>
+            <a:bodyPr rtlCol="0" anchor="ctr"/>
+            <a:lstStyle/>
+            <a:p>
+              <a:pPr algn="ctr"/>
+              <a:endParaRPr lang="ru-RU" dirty="0">
+                <a:solidFill>
+                  <a:srgbClr val="065CAB"/>
+                </a:solidFill>
+                <a:latin typeface="ALS Sector Regular" panose="02000000000000000000" pitchFamily="2" charset="0"/>
+              </a:endParaRPr>
+            </a:p>
+          </p:txBody>
+        </p:sp>
+      </p:grpSp>
+    </p:spTree>
+    <p:extLst>
+      <p:ext uri="{BB962C8B-B14F-4D97-AF65-F5344CB8AC3E}">
+        <p14:creationId xmlns:p14="http://schemas.microsoft.com/office/powerpoint/2010/main" val="3685001129"/>
+      </p:ext>
+    </p:extLst>
+  </p:cSld>
+  <p:clrMapOvr>
+    <a:masterClrMapping/>
+  </p:clrMapOvr>
+  <mc:AlternateContent xmlns:mc="http://schemas.openxmlformats.org/markup-compatibility/2006" xmlns:p14="http://schemas.microsoft.com/office/powerpoint/2010/main">
+    <mc:Choice Requires="p14">
+      <p:transition spd="slow" p14:dur="2500">
+        <p:checker dir="vert"/>
+      </p:transition>
+    </mc:Choice>
+    <mc:Fallback xmlns="">
+      <p:transition spd="slow">
+        <p:checker dir="vert"/>
+      </p:transition>
+    </mc:Fallback>
+  </mc:AlternateContent>
+</p:sld>
+</file>
+
+<file path=ppt/slides/slide11.xml><?xml version="1.0" encoding="utf-8"?>
+<p:sld xmlns:a="http://schemas.openxmlformats.org/drawingml/2006/main" xmlns:r="http://schemas.openxmlformats.org/officeDocument/2006/relationships" xmlns:p="http://schemas.openxmlformats.org/presentationml/2006/main">
+  <p:cSld>
+    <p:spTree>
+      <p:nvGrpSpPr>
+        <p:cNvPr id="1" name="Shape 138"/>
+        <p:cNvGrpSpPr/>
+        <p:nvPr/>
+      </p:nvGrpSpPr>
+      <p:grpSpPr>
+        <a:xfrm>
+          <a:off x="0" y="0"/>
+          <a:ext cx="0" cy="0"/>
+          <a:chOff x="0" y="0"/>
+          <a:chExt cx="0" cy="0"/>
+        </a:xfrm>
+      </p:grpSpPr>
+    </p:spTree>
+  </p:cSld>
+  <p:clrMapOvr>
+    <a:masterClrMapping/>
+  </p:clrMapOvr>
+  <mc:AlternateContent xmlns:mc="http://schemas.openxmlformats.org/markup-compatibility/2006" xmlns:p14="http://schemas.microsoft.com/office/powerpoint/2010/main">
+    <mc:Choice Requires="p14">
+      <p:transition p14:dur="0"/>
+    </mc:Choice>
+    <mc:Fallback xmlns="">
+      <p:transition/>
+    </mc:Fallback>
+  </mc:AlternateContent>
+</p:sld>
+</file>
+
 <file path=ppt/slides/slide2.xml><?xml version="1.0" encoding="utf-8"?>
 <p:sld xmlns:a="http://schemas.openxmlformats.org/drawingml/2006/main" xmlns:r="http://schemas.openxmlformats.org/officeDocument/2006/relationships" xmlns:p="http://schemas.openxmlformats.org/presentationml/2006/main">
   <p:cSld>
@@ -6706,6 +7783,58 @@
           <a:chExt cx="0" cy="0"/>
         </a:xfrm>
       </p:grpSpPr>
+      <p:sp>
+        <p:nvSpPr>
+          <p:cNvPr id="12" name="Прямоугольник 11">
+            <a:extLst>
+              <a:ext uri="{FF2B5EF4-FFF2-40B4-BE49-F238E27FC236}">
+                <a16:creationId xmlns:a16="http://schemas.microsoft.com/office/drawing/2014/main" id="{53859654-30AC-457E-8701-4F1F0EB71D78}"/>
+              </a:ext>
+            </a:extLst>
+          </p:cNvPr>
+          <p:cNvSpPr/>
+          <p:nvPr/>
+        </p:nvSpPr>
+        <p:spPr>
+          <a:xfrm>
+            <a:off x="10220226" y="4589611"/>
+            <a:ext cx="1631472" cy="1973228"/>
+          </a:xfrm>
+          <a:prstGeom prst="rect">
+            <a:avLst/>
+          </a:prstGeom>
+          <a:solidFill>
+            <a:schemeClr val="bg1">
+              <a:lumMod val="95000"/>
+            </a:schemeClr>
+          </a:solidFill>
+          <a:ln w="3175"/>
+        </p:spPr>
+        <p:style>
+          <a:lnRef idx="2">
+            <a:schemeClr val="accent6">
+              <a:shade val="50000"/>
+            </a:schemeClr>
+          </a:lnRef>
+          <a:fillRef idx="1">
+            <a:schemeClr val="accent6"/>
+          </a:fillRef>
+          <a:effectRef idx="0">
+            <a:schemeClr val="accent6"/>
+          </a:effectRef>
+          <a:fontRef idx="minor">
+            <a:schemeClr val="lt1"/>
+          </a:fontRef>
+        </p:style>
+        <p:txBody>
+          <a:bodyPr rtlCol="0" anchor="ctr"/>
+          <a:lstStyle/>
+          <a:p>
+            <a:pPr algn="ctr"/>
+            <a:endParaRPr lang="ru-RU"/>
+          </a:p>
+        </p:txBody>
+      </p:sp>
       <p:grpSp>
         <p:nvGrpSpPr>
           <p:cNvPr id="65" name="Группа 64">
@@ -6720,8 +7849,8 @@
         </p:nvGrpSpPr>
         <p:grpSpPr>
           <a:xfrm>
-            <a:off x="4497572" y="469293"/>
-            <a:ext cx="2211572" cy="666000"/>
+            <a:off x="3276601" y="478818"/>
+            <a:ext cx="5476874" cy="666000"/>
             <a:chOff x="1476753" y="3499669"/>
             <a:chExt cx="4619247" cy="666000"/>
           </a:xfrm>
@@ -6789,9 +7918,67 @@
                   <a:latin typeface="Times New Roman" panose="02020603050405020304" pitchFamily="18" charset="0"/>
                   <a:cs typeface="Times New Roman" panose="02020603050405020304" pitchFamily="18" charset="0"/>
                 </a:rPr>
-                <a:t>Датасет</a:t>
+                <a:t>Датасет </a:t>
               </a:r>
-              <a:endParaRPr lang="ru-RU" sz="2800" spc="180" dirty="0">
+            </a:p>
+            <a:p>
+              <a:pPr algn="ctr"/>
+              <a:r>
+                <a:rPr lang="ru-RU" sz="2200" spc="180" dirty="0">
+                  <a:ln>
+                    <a:solidFill>
+                      <a:srgbClr val="065CAB"/>
+                    </a:solidFill>
+                  </a:ln>
+                  <a:solidFill>
+                    <a:schemeClr val="tx2">
+                      <a:lumMod val="75000"/>
+                      <a:lumOff val="25000"/>
+                    </a:schemeClr>
+                  </a:solidFill>
+                  <a:latin typeface="Times New Roman" panose="02020603050405020304" pitchFamily="18" charset="0"/>
+                  <a:cs typeface="Times New Roman" panose="02020603050405020304" pitchFamily="18" charset="0"/>
+                </a:rPr>
+                <a:t>(</a:t>
+              </a:r>
+              <a:r>
+                <a:rPr lang="ru-RU" sz="2200" dirty="0">
+                  <a:solidFill>
+                    <a:schemeClr val="tx2">
+                      <a:lumMod val="75000"/>
+                      <a:lumOff val="25000"/>
+                    </a:schemeClr>
+                  </a:solidFill>
+                  <a:latin typeface="Times New Roman" panose="02020603050405020304" pitchFamily="18" charset="0"/>
+                  <a:cs typeface="Times New Roman" panose="02020603050405020304" pitchFamily="18" charset="0"/>
+                </a:rPr>
+                <a:t>после объединения отдельных его частей </a:t>
+              </a:r>
+              <a:r>
+                <a:rPr lang="ru-RU" sz="2200" spc="180" dirty="0">
+                  <a:ln>
+                    <a:solidFill>
+                      <a:srgbClr val="065CAB"/>
+                    </a:solidFill>
+                  </a:ln>
+                  <a:solidFill>
+                    <a:schemeClr val="tx2">
+                      <a:lumMod val="75000"/>
+                      <a:lumOff val="25000"/>
+                    </a:schemeClr>
+                  </a:solidFill>
+                  <a:latin typeface="Times New Roman" panose="02020603050405020304" pitchFamily="18" charset="0"/>
+                  <a:cs typeface="Times New Roman" panose="02020603050405020304" pitchFamily="18" charset="0"/>
+                </a:rPr>
+                <a:t>)</a:t>
+              </a:r>
+              <a:endParaRPr lang="ru-RU" sz="2200" spc="180" dirty="0">
+                <a:solidFill>
+                  <a:schemeClr val="tx2">
+                    <a:lumMod val="75000"/>
+                    <a:lumOff val="25000"/>
+                  </a:schemeClr>
+                </a:solidFill>
                 <a:latin typeface="Times New Roman" panose="02020603050405020304" pitchFamily="18" charset="0"/>
                 <a:cs typeface="Times New Roman" panose="02020603050405020304" pitchFamily="18" charset="0"/>
               </a:endParaRPr>
@@ -7152,7 +8339,7 @@
         </p:nvSpPr>
         <p:spPr>
           <a:xfrm>
-            <a:off x="10009074" y="3253873"/>
+            <a:off x="9990024" y="3253873"/>
             <a:ext cx="2121965" cy="646331"/>
           </a:xfrm>
           <a:prstGeom prst="rect">
@@ -7181,13 +8368,160 @@
                 <a:latin typeface="Times New Roman" panose="02020603050405020304" pitchFamily="18" charset="0"/>
                 <a:ea typeface="Arial" panose="020B0604020202020204" pitchFamily="34" charset="0"/>
               </a:rPr>
-              <a:t>исходный датасет (23 строки)</a:t>
+              <a:t>базовый датасет (23 строки)</a:t>
             </a:r>
             <a:endParaRPr lang="ru-RU" sz="1800" b="1" dirty="0">
               <a:solidFill>
                 <a:srgbClr val="C00000"/>
               </a:solidFill>
             </a:endParaRPr>
+          </a:p>
+        </p:txBody>
+      </p:sp>
+      <p:sp>
+        <p:nvSpPr>
+          <p:cNvPr id="10" name="Номер слайда 3">
+            <a:extLst>
+              <a:ext uri="{FF2B5EF4-FFF2-40B4-BE49-F238E27FC236}">
+                <a16:creationId xmlns:a16="http://schemas.microsoft.com/office/drawing/2014/main" id="{5AC04CF9-07A2-4A0E-B56B-7126EA1990D9}"/>
+              </a:ext>
+            </a:extLst>
+          </p:cNvPr>
+          <p:cNvSpPr>
+            <a:spLocks noGrp="1"/>
+          </p:cNvSpPr>
+          <p:nvPr>
+            <p:ph type="sldNum" idx="12"/>
+          </p:nvPr>
+        </p:nvSpPr>
+        <p:spPr>
+          <a:xfrm>
+            <a:off x="273628" y="6416633"/>
+            <a:ext cx="570309" cy="275255"/>
+          </a:xfrm>
+        </p:spPr>
+        <p:txBody>
+          <a:bodyPr/>
+          <a:lstStyle/>
+          <a:p>
+            <a:pPr marL="0" lvl="0" indent="0" algn="l" rtl="0">
+              <a:spcBef>
+                <a:spcPts val="0"/>
+              </a:spcBef>
+              <a:spcAft>
+                <a:spcPts val="0"/>
+              </a:spcAft>
+              <a:buNone/>
+            </a:pPr>
+            <a:fld id="{00000000-1234-1234-1234-123412341234}" type="slidenum">
+              <a:rPr lang="ru-RU" smtClean="0">
+                <a:latin typeface="Times New Roman" panose="02020603050405020304" pitchFamily="18" charset="0"/>
+                <a:cs typeface="Times New Roman" panose="02020603050405020304" pitchFamily="18" charset="0"/>
+              </a:rPr>
+              <a:t>2</a:t>
+            </a:fld>
+            <a:endParaRPr lang="ru-RU" dirty="0">
+              <a:latin typeface="Times New Roman" panose="02020603050405020304" pitchFamily="18" charset="0"/>
+              <a:cs typeface="Times New Roman" panose="02020603050405020304" pitchFamily="18" charset="0"/>
+            </a:endParaRPr>
+          </a:p>
+        </p:txBody>
+      </p:sp>
+      <p:sp>
+        <p:nvSpPr>
+          <p:cNvPr id="11" name="Прямоугольник 10">
+            <a:extLst>
+              <a:ext uri="{FF2B5EF4-FFF2-40B4-BE49-F238E27FC236}">
+                <a16:creationId xmlns:a16="http://schemas.microsoft.com/office/drawing/2014/main" id="{51AB63E3-0038-492A-879C-A37C60EEB3C3}"/>
+              </a:ext>
+            </a:extLst>
+          </p:cNvPr>
+          <p:cNvSpPr/>
+          <p:nvPr/>
+        </p:nvSpPr>
+        <p:spPr>
+          <a:xfrm>
+            <a:off x="10220226" y="4561035"/>
+            <a:ext cx="1653400" cy="2031325"/>
+          </a:xfrm>
+          <a:prstGeom prst="rect">
+            <a:avLst/>
+          </a:prstGeom>
+        </p:spPr>
+        <p:txBody>
+          <a:bodyPr wrap="square">
+            <a:spAutoFit/>
+          </a:bodyPr>
+          <a:lstStyle/>
+          <a:p>
+            <a:pPr algn="ctr"/>
+            <a:r>
+              <a:rPr lang="ru-RU" b="1" dirty="0">
+                <a:solidFill>
+                  <a:schemeClr val="tx2">
+                    <a:lumMod val="75000"/>
+                    <a:lumOff val="25000"/>
+                  </a:schemeClr>
+                </a:solidFill>
+                <a:latin typeface="Times New Roman" panose="02020603050405020304" pitchFamily="18" charset="0"/>
+              </a:rPr>
+              <a:t> </a:t>
+            </a:r>
+            <a:r>
+              <a:rPr lang="ru-RU" b="1" u="sng" dirty="0">
+                <a:solidFill>
+                  <a:schemeClr val="tx2">
+                    <a:lumMod val="75000"/>
+                    <a:lumOff val="25000"/>
+                  </a:schemeClr>
+                </a:solidFill>
+                <a:latin typeface="Times New Roman" panose="02020603050405020304" pitchFamily="18" charset="0"/>
+              </a:rPr>
+              <a:t>Предположение</a:t>
+            </a:r>
+          </a:p>
+          <a:p>
+            <a:pPr algn="just"/>
+            <a:r>
+              <a:rPr lang="ru-RU" b="1" dirty="0">
+                <a:solidFill>
+                  <a:schemeClr val="tx2">
+                    <a:lumMod val="75000"/>
+                    <a:lumOff val="25000"/>
+                  </a:schemeClr>
+                </a:solidFill>
+                <a:latin typeface="Times New Roman" panose="02020603050405020304" pitchFamily="18" charset="0"/>
+              </a:rPr>
+              <a:t>Первые 23 строки являются планом многофакторного </a:t>
+            </a:r>
+            <a:r>
+              <a:rPr lang="ru-RU" b="1" dirty="0">
+                <a:solidFill>
+                  <a:schemeClr val="tx2">
+                    <a:lumMod val="75000"/>
+                    <a:lumOff val="25000"/>
+                  </a:schemeClr>
+                </a:solidFill>
+                <a:latin typeface="Times New Roman" panose="02020603050405020304" pitchFamily="18" charset="0"/>
+                <a:ea typeface="Arial" panose="020B0604020202020204" pitchFamily="34" charset="0"/>
+              </a:rPr>
+              <a:t>эксперимента.</a:t>
+            </a:r>
+          </a:p>
+          <a:p>
+            <a:pPr algn="just"/>
+            <a:r>
+              <a:rPr lang="ru-RU" b="1" dirty="0">
+                <a:solidFill>
+                  <a:schemeClr val="tx2">
+                    <a:lumMod val="75000"/>
+                    <a:lumOff val="25000"/>
+                  </a:schemeClr>
+                </a:solidFill>
+                <a:latin typeface="Times New Roman" panose="02020603050405020304" pitchFamily="18" charset="0"/>
+              </a:rPr>
+              <a:t>Следовательно, данные в этих строках являются достоверными. </a:t>
+            </a:r>
           </a:p>
         </p:txBody>
       </p:sp>
@@ -7265,10 +8599,16 @@
               <a:buNone/>
             </a:pPr>
             <a:fld id="{00000000-1234-1234-1234-123412341234}" type="slidenum">
-              <a:rPr lang="ru-RU" smtClean="0"/>
+              <a:rPr lang="ru-RU" smtClean="0">
+                <a:latin typeface="Times New Roman" panose="02020603050405020304" pitchFamily="18" charset="0"/>
+                <a:cs typeface="Times New Roman" panose="02020603050405020304" pitchFamily="18" charset="0"/>
+              </a:rPr>
               <a:t>3</a:t>
             </a:fld>
-            <a:endParaRPr lang="ru-RU" dirty="0"/>
+            <a:endParaRPr lang="ru-RU" dirty="0">
+              <a:latin typeface="Times New Roman" panose="02020603050405020304" pitchFamily="18" charset="0"/>
+              <a:cs typeface="Times New Roman" panose="02020603050405020304" pitchFamily="18" charset="0"/>
+            </a:endParaRPr>
           </a:p>
         </p:txBody>
       </p:sp>
@@ -7680,7 +9020,7 @@
                 <a:latin typeface="Times New Roman" panose="02020603050405020304" pitchFamily="18" charset="0"/>
                 <a:ea typeface="Arial" panose="020B0604020202020204" pitchFamily="34" charset="0"/>
               </a:rPr>
-              <a:t>Пайплайн обработки исходного датасета (23 строки)</a:t>
+              <a:t>Пайплайн обработки базового датасета (23 строки)</a:t>
             </a:r>
             <a:endParaRPr lang="ru-RU" sz="1800" b="1" dirty="0">
               <a:solidFill>
@@ -8048,7 +9388,7 @@
         </p:nvSpPr>
         <p:spPr>
           <a:xfrm>
-            <a:off x="1637218" y="1920127"/>
+            <a:off x="1522918" y="1920127"/>
             <a:ext cx="4018871" cy="2972447"/>
           </a:xfrm>
           <a:prstGeom prst="rect">
@@ -8100,7 +9440,7 @@
         </p:nvSpPr>
         <p:spPr>
           <a:xfrm>
-            <a:off x="6731717" y="1923410"/>
+            <a:off x="6617417" y="1923410"/>
             <a:ext cx="4018871" cy="2972447"/>
           </a:xfrm>
           <a:prstGeom prst="rect">
@@ -8174,10 +9514,16 @@
               <a:buNone/>
             </a:pPr>
             <a:fld id="{00000000-1234-1234-1234-123412341234}" type="slidenum">
-              <a:rPr lang="ru-RU" smtClean="0"/>
+              <a:rPr lang="ru-RU" smtClean="0">
+                <a:latin typeface="Times New Roman" panose="02020603050405020304" pitchFamily="18" charset="0"/>
+                <a:cs typeface="Times New Roman" panose="02020603050405020304" pitchFamily="18" charset="0"/>
+              </a:rPr>
               <a:t>4</a:t>
             </a:fld>
-            <a:endParaRPr lang="ru-RU" dirty="0"/>
+            <a:endParaRPr lang="ru-RU" dirty="0">
+              <a:latin typeface="Times New Roman" panose="02020603050405020304" pitchFamily="18" charset="0"/>
+              <a:cs typeface="Times New Roman" panose="02020603050405020304" pitchFamily="18" charset="0"/>
+            </a:endParaRPr>
           </a:p>
         </p:txBody>
       </p:sp>
@@ -8567,7 +9913,7 @@
         </p:nvSpPr>
         <p:spPr>
           <a:xfrm>
-            <a:off x="2504693" y="4893069"/>
+            <a:off x="2390393" y="4893069"/>
             <a:ext cx="2249820" cy="369332"/>
           </a:xfrm>
           <a:prstGeom prst="rect">
@@ -8620,7 +9966,7 @@
         </p:blipFill>
         <p:spPr>
           <a:xfrm>
-            <a:off x="1766022" y="5353397"/>
+            <a:off x="1651722" y="5353397"/>
             <a:ext cx="133350" cy="133350"/>
           </a:xfrm>
           <a:prstGeom prst="rect">
@@ -8650,7 +9996,7 @@
         </p:blipFill>
         <p:spPr>
           <a:xfrm>
-            <a:off x="1779670" y="5686745"/>
+            <a:off x="1665370" y="5686745"/>
             <a:ext cx="95250" cy="95250"/>
           </a:xfrm>
           <a:prstGeom prst="rect">
@@ -8680,7 +10026,7 @@
         </p:blipFill>
         <p:spPr>
           <a:xfrm>
-            <a:off x="1779670" y="5967947"/>
+            <a:off x="1665370" y="5967947"/>
             <a:ext cx="95250" cy="95250"/>
           </a:xfrm>
           <a:prstGeom prst="rect">
@@ -8702,8 +10048,8 @@
         </p:nvSpPr>
         <p:spPr>
           <a:xfrm>
-            <a:off x="1912112" y="5252535"/>
-            <a:ext cx="3812262" cy="307777"/>
+            <a:off x="1797812" y="5252535"/>
+            <a:ext cx="3685624" cy="307777"/>
           </a:xfrm>
           <a:prstGeom prst="rect">
             <a:avLst/>
@@ -8720,7 +10066,7 @@
                 <a:latin typeface="Times New Roman" panose="02020603050405020304" pitchFamily="18" charset="0"/>
                 <a:ea typeface="Arial" panose="020B0604020202020204" pitchFamily="34" charset="0"/>
               </a:rPr>
-              <a:t> - наблюдения исходного датасета (23 строки); </a:t>
+              <a:t> - наблюдения базового датасета (23 строки); </a:t>
             </a:r>
             <a:endParaRPr lang="ru-RU" dirty="0"/>
           </a:p>
@@ -8740,7 +10086,7 @@
         </p:nvSpPr>
         <p:spPr>
           <a:xfrm>
-            <a:off x="1912112" y="5550265"/>
+            <a:off x="1797812" y="5550265"/>
             <a:ext cx="3573414" cy="307777"/>
           </a:xfrm>
           <a:prstGeom prst="rect">
@@ -8778,7 +10124,7 @@
         </p:nvSpPr>
         <p:spPr>
           <a:xfrm>
-            <a:off x="1912112" y="5843069"/>
+            <a:off x="1797812" y="5843069"/>
             <a:ext cx="3936794" cy="523220"/>
           </a:xfrm>
           <a:prstGeom prst="rect">
@@ -8805,7 +10151,7 @@
                 <a:latin typeface="Times New Roman" panose="02020603050405020304" pitchFamily="18" charset="0"/>
                 <a:ea typeface="Arial" panose="020B0604020202020204" pitchFamily="34" charset="0"/>
               </a:rPr>
-              <a:t>   исходного датасета («ближайшие соседи»); </a:t>
+              <a:t>   базового датасета («ближайшие соседи»); </a:t>
             </a:r>
             <a:endParaRPr lang="ru-RU" dirty="0"/>
           </a:p>
@@ -8833,7 +10179,7 @@
         </p:blipFill>
         <p:spPr>
           <a:xfrm>
-            <a:off x="7156157" y="5418841"/>
+            <a:off x="7041857" y="5418841"/>
             <a:ext cx="95250" cy="95250"/>
           </a:xfrm>
           <a:prstGeom prst="rect">
@@ -8855,7 +10201,7 @@
         </p:nvSpPr>
         <p:spPr>
           <a:xfrm>
-            <a:off x="7288599" y="5293963"/>
+            <a:off x="7174299" y="5293963"/>
             <a:ext cx="2830752" cy="523220"/>
           </a:xfrm>
           <a:prstGeom prst="rect">
@@ -8904,7 +10250,7 @@
         </p:nvCxnSpPr>
         <p:spPr>
           <a:xfrm>
-            <a:off x="1454332" y="6481903"/>
+            <a:off x="1340032" y="6481903"/>
             <a:ext cx="592183" cy="0"/>
           </a:xfrm>
           <a:prstGeom prst="line">
@@ -8946,7 +10292,7 @@
         </p:nvSpPr>
         <p:spPr>
           <a:xfrm>
-            <a:off x="2043134" y="6317362"/>
+            <a:off x="1928834" y="6317362"/>
             <a:ext cx="2866490" cy="307777"/>
           </a:xfrm>
           <a:prstGeom prst="rect">
@@ -8986,7 +10332,7 @@
         </p:nvCxnSpPr>
         <p:spPr>
           <a:xfrm>
-            <a:off x="6866701" y="5984800"/>
+            <a:off x="6752401" y="5984800"/>
             <a:ext cx="592183" cy="0"/>
           </a:xfrm>
           <a:prstGeom prst="line">
@@ -9028,7 +10374,7 @@
         </p:nvSpPr>
         <p:spPr>
           <a:xfrm>
-            <a:off x="7438085" y="5802841"/>
+            <a:off x="7323785" y="5802841"/>
             <a:ext cx="3180679" cy="307777"/>
           </a:xfrm>
           <a:prstGeom prst="rect">
@@ -9074,7 +10420,7 @@
         </p:blipFill>
         <p:spPr>
           <a:xfrm>
-            <a:off x="1723262" y="1879344"/>
+            <a:off x="1608962" y="1879344"/>
             <a:ext cx="3812263" cy="2993523"/>
           </a:xfrm>
           <a:prstGeom prst="rect">
@@ -9104,7 +10450,7 @@
         </p:blipFill>
         <p:spPr>
           <a:xfrm>
-            <a:off x="6833344" y="1889428"/>
+            <a:off x="6719044" y="1889428"/>
             <a:ext cx="3653401" cy="3003146"/>
           </a:xfrm>
           <a:prstGeom prst="rect">
@@ -9126,7 +10472,7 @@
         </p:nvSpPr>
         <p:spPr>
           <a:xfrm>
-            <a:off x="7051059" y="4913346"/>
+            <a:off x="6936759" y="4913346"/>
             <a:ext cx="3212739" cy="369332"/>
           </a:xfrm>
           <a:prstGeom prst="rect">
@@ -9201,7 +10547,7 @@
         </p:nvSpPr>
         <p:spPr>
           <a:xfrm rot="16200000">
-            <a:off x="6060075" y="3064333"/>
+            <a:off x="5936250" y="3064333"/>
             <a:ext cx="341815" cy="600891"/>
           </a:xfrm>
           <a:prstGeom prst="downArrow">
@@ -9252,8 +10598,8 @@
         </p:nvSpPr>
         <p:spPr>
           <a:xfrm>
-            <a:off x="2559497" y="1111609"/>
-            <a:ext cx="8073666" cy="707886"/>
+            <a:off x="2149922" y="1121134"/>
+            <a:ext cx="8365678" cy="707886"/>
           </a:xfrm>
           <a:prstGeom prst="rect">
             <a:avLst/>
@@ -9274,7 +10620,7 @@
                 <a:latin typeface="Times New Roman" panose="02020603050405020304" pitchFamily="18" charset="0"/>
                 <a:cs typeface="Times New Roman" panose="02020603050405020304" pitchFamily="18" charset="0"/>
               </a:rPr>
-              <a:t>Для очистки датасета от помех и шума применялся фильтр, </a:t>
+              <a:t>Для очистки датасета от помех и шума разработан фильтр, </a:t>
             </a:r>
           </a:p>
           <a:p>
@@ -9287,7 +10633,7 @@
                 <a:latin typeface="Times New Roman" panose="02020603050405020304" pitchFamily="18" charset="0"/>
                 <a:cs typeface="Times New Roman" panose="02020603050405020304" pitchFamily="18" charset="0"/>
               </a:rPr>
-              <a:t>ядром (маской) которого являются наблюдения исходного датасета</a:t>
+              <a:t>ядром (маской) которого являются наблюдения (строки) базового датасета</a:t>
             </a:r>
             <a:endParaRPr lang="ru-RU" sz="2800" dirty="0">
               <a:solidFill>
@@ -9313,8 +10659,8 @@
         </p:nvSpPr>
         <p:spPr>
           <a:xfrm>
-            <a:off x="5640300" y="6159051"/>
-            <a:ext cx="6504075" cy="492443"/>
+            <a:off x="5421225" y="6202596"/>
+            <a:ext cx="6656478" cy="446276"/>
           </a:xfrm>
           <a:prstGeom prst="rect">
             <a:avLst/>
@@ -9327,48 +10673,38 @@
           <a:lstStyle/>
           <a:p>
             <a:r>
-              <a:rPr lang="ru-RU" b="1" dirty="0">
+              <a:rPr lang="ru-RU" sz="1150" b="1" dirty="0">
                 <a:solidFill>
                   <a:srgbClr val="0000FF"/>
                 </a:solidFill>
                 <a:latin typeface="Times New Roman" panose="02020603050405020304" pitchFamily="18" charset="0"/>
                 <a:ea typeface="Arial" panose="020B0604020202020204" pitchFamily="34" charset="0"/>
               </a:rPr>
-              <a:t>Примечание</a:t>
-            </a:r>
-            <a:r>
-              <a:rPr lang="ru-RU" sz="1200" b="1" dirty="0">
+              <a:t>Примечание. </a:t>
+            </a:r>
+            <a:r>
+              <a:rPr lang="ru-RU" sz="1150" dirty="0">
                 <a:solidFill>
                   <a:srgbClr val="0000FF"/>
                 </a:solidFill>
                 <a:latin typeface="Times New Roman" panose="02020603050405020304" pitchFamily="18" charset="0"/>
                 <a:ea typeface="Arial" panose="020B0604020202020204" pitchFamily="34" charset="0"/>
               </a:rPr>
-              <a:t>. </a:t>
-            </a:r>
-            <a:r>
-              <a:rPr lang="ru-RU" sz="1200" dirty="0">
-                <a:solidFill>
-                  <a:srgbClr val="0000FF"/>
-                </a:solidFill>
-                <a:latin typeface="Times New Roman" panose="02020603050405020304" pitchFamily="18" charset="0"/>
-                <a:ea typeface="Arial" panose="020B0604020202020204" pitchFamily="34" charset="0"/>
-              </a:rPr>
-              <a:t>Если все последние 1000 строк датасета сгенерированы случайным образом, то </a:t>
+              <a:t>Если последние 1000 строк датасета сгенерированы случайным образом, то данную </a:t>
             </a:r>
           </a:p>
           <a:p>
             <a:r>
-              <a:rPr lang="ru-RU" sz="1200" dirty="0">
+              <a:rPr lang="ru-RU" sz="1150" dirty="0">
                 <a:solidFill>
                   <a:srgbClr val="0000FF"/>
                 </a:solidFill>
                 <a:latin typeface="Times New Roman" panose="02020603050405020304" pitchFamily="18" charset="0"/>
                 <a:ea typeface="Arial" panose="020B0604020202020204" pitchFamily="34" charset="0"/>
               </a:rPr>
-              <a:t>эту процедуру следует рассматривать  не как фильтрацию датасета, а как размножение выборки.</a:t>
-            </a:r>
-            <a:endParaRPr lang="ru-RU" sz="1200" dirty="0">
+              <a:t>процедуру следует рассматривать не как фильтрацию датасета, а как размножение базового датасета.</a:t>
+            </a:r>
+            <a:endParaRPr lang="ru-RU" sz="1150" dirty="0">
               <a:solidFill>
                 <a:srgbClr val="0000FF"/>
               </a:solidFill>
@@ -9445,10 +10781,16 @@
               <a:buNone/>
             </a:pPr>
             <a:fld id="{00000000-1234-1234-1234-123412341234}" type="slidenum">
-              <a:rPr lang="ru-RU" smtClean="0"/>
+              <a:rPr lang="ru-RU" smtClean="0">
+                <a:latin typeface="Times New Roman" panose="02020603050405020304" pitchFamily="18" charset="0"/>
+                <a:cs typeface="Times New Roman" panose="02020603050405020304" pitchFamily="18" charset="0"/>
+              </a:rPr>
               <a:t>5</a:t>
             </a:fld>
-            <a:endParaRPr lang="ru-RU" dirty="0"/>
+            <a:endParaRPr lang="ru-RU" dirty="0">
+              <a:latin typeface="Times New Roman" panose="02020603050405020304" pitchFamily="18" charset="0"/>
+              <a:cs typeface="Times New Roman" panose="02020603050405020304" pitchFamily="18" charset="0"/>
+            </a:endParaRPr>
           </a:p>
         </p:txBody>
       </p:sp>
@@ -9838,7 +11180,7 @@
         </p:nvSpPr>
         <p:spPr>
           <a:xfrm>
-            <a:off x="3131808" y="1292088"/>
+            <a:off x="3131808" y="1405305"/>
             <a:ext cx="6099381" cy="400110"/>
           </a:xfrm>
           <a:prstGeom prst="rect">
@@ -10060,7 +11402,7 @@
         </p:nvSpPr>
         <p:spPr>
           <a:xfrm>
-            <a:off x="3259404" y="4351124"/>
+            <a:off x="3259404" y="4398749"/>
             <a:ext cx="5672039" cy="400110"/>
           </a:xfrm>
           <a:prstGeom prst="rect">
@@ -10144,6 +11486,1746 @@
 </file>
 
 <file path=ppt/slides/slide6.xml><?xml version="1.0" encoding="utf-8"?>
+<p:sld xmlns:a="http://schemas.openxmlformats.org/drawingml/2006/main" xmlns:r="http://schemas.openxmlformats.org/officeDocument/2006/relationships" xmlns:p="http://schemas.openxmlformats.org/presentationml/2006/main">
+  <p:cSld>
+    <p:spTree>
+      <p:nvGrpSpPr>
+        <p:cNvPr id="1" name=""/>
+        <p:cNvGrpSpPr/>
+        <p:nvPr/>
+      </p:nvGrpSpPr>
+      <p:grpSpPr>
+        <a:xfrm>
+          <a:off x="0" y="0"/>
+          <a:ext cx="0" cy="0"/>
+          <a:chOff x="0" y="0"/>
+          <a:chExt cx="0" cy="0"/>
+        </a:xfrm>
+      </p:grpSpPr>
+      <p:sp>
+        <p:nvSpPr>
+          <p:cNvPr id="24" name="Прямоугольник 23">
+            <a:extLst>
+              <a:ext uri="{FF2B5EF4-FFF2-40B4-BE49-F238E27FC236}">
+                <a16:creationId xmlns:a16="http://schemas.microsoft.com/office/drawing/2014/main" id="{AAB1EC7D-139A-48C3-A046-03EA68907BC3}"/>
+              </a:ext>
+            </a:extLst>
+          </p:cNvPr>
+          <p:cNvSpPr/>
+          <p:nvPr/>
+        </p:nvSpPr>
+        <p:spPr>
+          <a:xfrm>
+            <a:off x="9571644" y="2578408"/>
+            <a:ext cx="1885837" cy="738664"/>
+          </a:xfrm>
+          <a:prstGeom prst="rect">
+            <a:avLst/>
+          </a:prstGeom>
+          <a:solidFill>
+            <a:schemeClr val="bg1">
+              <a:lumMod val="95000"/>
+            </a:schemeClr>
+          </a:solidFill>
+          <a:ln w="3175"/>
+        </p:spPr>
+        <p:style>
+          <a:lnRef idx="2">
+            <a:schemeClr val="accent6">
+              <a:shade val="50000"/>
+            </a:schemeClr>
+          </a:lnRef>
+          <a:fillRef idx="1">
+            <a:schemeClr val="accent6"/>
+          </a:fillRef>
+          <a:effectRef idx="0">
+            <a:schemeClr val="accent6"/>
+          </a:effectRef>
+          <a:fontRef idx="minor">
+            <a:schemeClr val="lt1"/>
+          </a:fontRef>
+        </p:style>
+        <p:txBody>
+          <a:bodyPr rtlCol="0" anchor="ctr"/>
+          <a:lstStyle/>
+          <a:p>
+            <a:pPr algn="ctr"/>
+            <a:endParaRPr lang="ru-RU" sz="1600"/>
+          </a:p>
+        </p:txBody>
+      </p:sp>
+      <p:sp>
+        <p:nvSpPr>
+          <p:cNvPr id="4" name="Номер слайда 3">
+            <a:extLst>
+              <a:ext uri="{FF2B5EF4-FFF2-40B4-BE49-F238E27FC236}">
+                <a16:creationId xmlns:a16="http://schemas.microsoft.com/office/drawing/2014/main" id="{0C65CC0B-5E0B-4E5B-B4A9-58F4F8F14221}"/>
+              </a:ext>
+            </a:extLst>
+          </p:cNvPr>
+          <p:cNvSpPr>
+            <a:spLocks noGrp="1"/>
+          </p:cNvSpPr>
+          <p:nvPr>
+            <p:ph type="sldNum" idx="12"/>
+          </p:nvPr>
+        </p:nvSpPr>
+        <p:spPr/>
+        <p:txBody>
+          <a:bodyPr/>
+          <a:lstStyle/>
+          <a:p>
+            <a:pPr marL="0" lvl="0" indent="0" algn="l" rtl="0">
+              <a:spcBef>
+                <a:spcPts val="0"/>
+              </a:spcBef>
+              <a:spcAft>
+                <a:spcPts val="0"/>
+              </a:spcAft>
+              <a:buNone/>
+            </a:pPr>
+            <a:fld id="{00000000-1234-1234-1234-123412341234}" type="slidenum">
+              <a:rPr lang="ru-RU" smtClean="0">
+                <a:latin typeface="Times New Roman" panose="02020603050405020304" pitchFamily="18" charset="0"/>
+                <a:cs typeface="Times New Roman" panose="02020603050405020304" pitchFamily="18" charset="0"/>
+              </a:rPr>
+              <a:t>6</a:t>
+            </a:fld>
+            <a:endParaRPr lang="ru-RU" dirty="0">
+              <a:latin typeface="Times New Roman" panose="02020603050405020304" pitchFamily="18" charset="0"/>
+              <a:cs typeface="Times New Roman" panose="02020603050405020304" pitchFamily="18" charset="0"/>
+            </a:endParaRPr>
+          </a:p>
+        </p:txBody>
+      </p:sp>
+      <p:grpSp>
+        <p:nvGrpSpPr>
+          <p:cNvPr id="5" name="Группа 4">
+            <a:extLst>
+              <a:ext uri="{FF2B5EF4-FFF2-40B4-BE49-F238E27FC236}">
+                <a16:creationId xmlns:a16="http://schemas.microsoft.com/office/drawing/2014/main" id="{03DCA265-CB8A-4807-9732-4FD3A2A88269}"/>
+              </a:ext>
+            </a:extLst>
+          </p:cNvPr>
+          <p:cNvGrpSpPr/>
+          <p:nvPr/>
+        </p:nvGrpSpPr>
+        <p:grpSpPr>
+          <a:xfrm>
+            <a:off x="2690949" y="469293"/>
+            <a:ext cx="9425582" cy="666000"/>
+            <a:chOff x="1352313" y="3499669"/>
+            <a:chExt cx="4830153" cy="666000"/>
+          </a:xfrm>
+        </p:grpSpPr>
+        <p:sp>
+          <p:nvSpPr>
+            <p:cNvPr id="6" name="Прямоугольник 5">
+              <a:extLst>
+                <a:ext uri="{FF2B5EF4-FFF2-40B4-BE49-F238E27FC236}">
+                  <a16:creationId xmlns:a16="http://schemas.microsoft.com/office/drawing/2014/main" id="{1EC64377-F3EF-4898-A7EF-A96EE85C8064}"/>
+                </a:ext>
+              </a:extLst>
+            </p:cNvPr>
+            <p:cNvSpPr/>
+            <p:nvPr/>
+          </p:nvSpPr>
+          <p:spPr>
+            <a:xfrm>
+              <a:off x="1352313" y="3499669"/>
+              <a:ext cx="4830153" cy="666000"/>
+            </a:xfrm>
+            <a:prstGeom prst="rect">
+              <a:avLst/>
+            </a:prstGeom>
+            <a:solidFill>
+              <a:schemeClr val="bg1"/>
+            </a:solidFill>
+            <a:ln>
+              <a:solidFill>
+                <a:schemeClr val="bg1"/>
+              </a:solidFill>
+            </a:ln>
+          </p:spPr>
+          <p:style>
+            <a:lnRef idx="2">
+              <a:schemeClr val="accent1">
+                <a:shade val="50000"/>
+              </a:schemeClr>
+            </a:lnRef>
+            <a:fillRef idx="1">
+              <a:schemeClr val="accent1"/>
+            </a:fillRef>
+            <a:effectRef idx="0">
+              <a:schemeClr val="accent1"/>
+            </a:effectRef>
+            <a:fontRef idx="minor">
+              <a:schemeClr val="lt1"/>
+            </a:fontRef>
+          </p:style>
+          <p:txBody>
+            <a:bodyPr rtlCol="0" anchor="ctr"/>
+            <a:lstStyle/>
+            <a:p>
+              <a:pPr algn="ctr"/>
+              <a:r>
+                <a:rPr lang="ru-RU" sz="2800" spc="180" dirty="0">
+                  <a:ln>
+                    <a:solidFill>
+                      <a:srgbClr val="065CAB"/>
+                    </a:solidFill>
+                  </a:ln>
+                  <a:solidFill>
+                    <a:srgbClr val="065CAB"/>
+                  </a:solidFill>
+                  <a:latin typeface="Times New Roman" panose="02020603050405020304" pitchFamily="18" charset="0"/>
+                  <a:cs typeface="Times New Roman" panose="02020603050405020304" pitchFamily="18" charset="0"/>
+                </a:rPr>
+                <a:t>Коэффициенты корреляции</a:t>
+              </a:r>
+              <a:r>
+                <a:rPr lang="en-US" sz="2800" spc="180" dirty="0">
+                  <a:ln>
+                    <a:solidFill>
+                      <a:srgbClr val="065CAB"/>
+                    </a:solidFill>
+                  </a:ln>
+                  <a:solidFill>
+                    <a:srgbClr val="065CAB"/>
+                  </a:solidFill>
+                  <a:latin typeface="Times New Roman" panose="02020603050405020304" pitchFamily="18" charset="0"/>
+                  <a:cs typeface="Times New Roman" panose="02020603050405020304" pitchFamily="18" charset="0"/>
+                </a:rPr>
+                <a:t>. </a:t>
+              </a:r>
+              <a:endParaRPr lang="ru-RU" sz="2800" spc="180" dirty="0">
+                <a:ln>
+                  <a:solidFill>
+                    <a:srgbClr val="065CAB"/>
+                  </a:solidFill>
+                </a:ln>
+                <a:solidFill>
+                  <a:srgbClr val="065CAB"/>
+                </a:solidFill>
+                <a:latin typeface="Times New Roman" panose="02020603050405020304" pitchFamily="18" charset="0"/>
+                <a:cs typeface="Times New Roman" panose="02020603050405020304" pitchFamily="18" charset="0"/>
+              </a:endParaRPr>
+            </a:p>
+            <a:p>
+              <a:pPr algn="ctr"/>
+              <a:r>
+                <a:rPr lang="ru-RU" sz="2800" spc="180" dirty="0">
+                  <a:ln>
+                    <a:solidFill>
+                      <a:srgbClr val="065CAB"/>
+                    </a:solidFill>
+                  </a:ln>
+                  <a:solidFill>
+                    <a:srgbClr val="065CAB"/>
+                  </a:solidFill>
+                  <a:latin typeface="Times New Roman" panose="02020603050405020304" pitchFamily="18" charset="0"/>
+                  <a:cs typeface="Times New Roman" panose="02020603050405020304" pitchFamily="18" charset="0"/>
+                </a:rPr>
+                <a:t>Расчет коэффициента детерминации </a:t>
+              </a:r>
+              <a:r>
+                <a:rPr lang="en-US" sz="2800" i="1" spc="180" dirty="0">
+                  <a:ln>
+                    <a:solidFill>
+                      <a:srgbClr val="065CAB"/>
+                    </a:solidFill>
+                  </a:ln>
+                  <a:solidFill>
+                    <a:srgbClr val="065CAB"/>
+                  </a:solidFill>
+                  <a:latin typeface="Times New Roman" panose="02020603050405020304" pitchFamily="18" charset="0"/>
+                  <a:cs typeface="Times New Roman" panose="02020603050405020304" pitchFamily="18" charset="0"/>
+                </a:rPr>
+                <a:t>R</a:t>
+              </a:r>
+              <a:r>
+                <a:rPr lang="en-US" sz="2800" spc="180" baseline="30000" dirty="0">
+                  <a:ln>
+                    <a:solidFill>
+                      <a:srgbClr val="065CAB"/>
+                    </a:solidFill>
+                  </a:ln>
+                  <a:solidFill>
+                    <a:srgbClr val="065CAB"/>
+                  </a:solidFill>
+                  <a:latin typeface="Times New Roman" panose="02020603050405020304" pitchFamily="18" charset="0"/>
+                  <a:cs typeface="Times New Roman" panose="02020603050405020304" pitchFamily="18" charset="0"/>
+                </a:rPr>
+                <a:t>2</a:t>
+              </a:r>
+              <a:r>
+                <a:rPr lang="ru-RU" sz="2800" spc="180" baseline="30000" dirty="0">
+                  <a:ln>
+                    <a:solidFill>
+                      <a:srgbClr val="065CAB"/>
+                    </a:solidFill>
+                  </a:ln>
+                  <a:solidFill>
+                    <a:srgbClr val="065CAB"/>
+                  </a:solidFill>
+                  <a:latin typeface="Times New Roman" panose="02020603050405020304" pitchFamily="18" charset="0"/>
+                  <a:cs typeface="Times New Roman" panose="02020603050405020304" pitchFamily="18" charset="0"/>
+                </a:rPr>
+                <a:t> </a:t>
+              </a:r>
+              <a:r>
+                <a:rPr lang="ru-RU" sz="2800" spc="180" dirty="0">
+                  <a:ln>
+                    <a:solidFill>
+                      <a:srgbClr val="065CAB"/>
+                    </a:solidFill>
+                  </a:ln>
+                  <a:solidFill>
+                    <a:srgbClr val="065CAB"/>
+                  </a:solidFill>
+                  <a:latin typeface="Times New Roman" panose="02020603050405020304" pitchFamily="18" charset="0"/>
+                  <a:cs typeface="Times New Roman" panose="02020603050405020304" pitchFamily="18" charset="0"/>
+                </a:rPr>
+                <a:t>для МНК </a:t>
+              </a:r>
+              <a:endParaRPr lang="ru-RU" sz="2800" spc="180" dirty="0">
+                <a:latin typeface="Times New Roman" panose="02020603050405020304" pitchFamily="18" charset="0"/>
+                <a:cs typeface="Times New Roman" panose="02020603050405020304" pitchFamily="18" charset="0"/>
+              </a:endParaRPr>
+            </a:p>
+          </p:txBody>
+        </p:sp>
+        <p:sp>
+          <p:nvSpPr>
+            <p:cNvPr id="7" name="Прямоугольник 58">
+              <a:extLst>
+                <a:ext uri="{FF2B5EF4-FFF2-40B4-BE49-F238E27FC236}">
+                  <a16:creationId xmlns:a16="http://schemas.microsoft.com/office/drawing/2014/main" id="{CBA70D64-1A83-4E56-B4F7-DE12AD0F7146}"/>
+                </a:ext>
+              </a:extLst>
+            </p:cNvPr>
+            <p:cNvSpPr/>
+            <p:nvPr/>
+          </p:nvSpPr>
+          <p:spPr>
+            <a:xfrm rot="10800000" flipH="1">
+              <a:off x="1476754" y="3499669"/>
+              <a:ext cx="76579" cy="666000"/>
+            </a:xfrm>
+            <a:custGeom>
+              <a:avLst/>
+              <a:gdLst>
+                <a:gd name="connsiteX0" fmla="*/ 0 w 424732"/>
+                <a:gd name="connsiteY0" fmla="*/ 0 h 424732"/>
+                <a:gd name="connsiteX1" fmla="*/ 424732 w 424732"/>
+                <a:gd name="connsiteY1" fmla="*/ 0 h 424732"/>
+                <a:gd name="connsiteX2" fmla="*/ 424732 w 424732"/>
+                <a:gd name="connsiteY2" fmla="*/ 424732 h 424732"/>
+                <a:gd name="connsiteX3" fmla="*/ 0 w 424732"/>
+                <a:gd name="connsiteY3" fmla="*/ 424732 h 424732"/>
+                <a:gd name="connsiteX4" fmla="*/ 0 w 424732"/>
+                <a:gd name="connsiteY4" fmla="*/ 0 h 424732"/>
+                <a:gd name="connsiteX0" fmla="*/ 0 w 425450"/>
+                <a:gd name="connsiteY0" fmla="*/ 0 h 424732"/>
+                <a:gd name="connsiteX1" fmla="*/ 424732 w 425450"/>
+                <a:gd name="connsiteY1" fmla="*/ 0 h 424732"/>
+                <a:gd name="connsiteX2" fmla="*/ 425450 w 425450"/>
+                <a:gd name="connsiteY2" fmla="*/ 238890 h 424732"/>
+                <a:gd name="connsiteX3" fmla="*/ 424732 w 425450"/>
+                <a:gd name="connsiteY3" fmla="*/ 424732 h 424732"/>
+                <a:gd name="connsiteX4" fmla="*/ 0 w 425450"/>
+                <a:gd name="connsiteY4" fmla="*/ 424732 h 424732"/>
+                <a:gd name="connsiteX5" fmla="*/ 0 w 425450"/>
+                <a:gd name="connsiteY5" fmla="*/ 0 h 424732"/>
+                <a:gd name="connsiteX0" fmla="*/ 425450 w 516890"/>
+                <a:gd name="connsiteY0" fmla="*/ 238890 h 424732"/>
+                <a:gd name="connsiteX1" fmla="*/ 424732 w 516890"/>
+                <a:gd name="connsiteY1" fmla="*/ 424732 h 424732"/>
+                <a:gd name="connsiteX2" fmla="*/ 0 w 516890"/>
+                <a:gd name="connsiteY2" fmla="*/ 424732 h 424732"/>
+                <a:gd name="connsiteX3" fmla="*/ 0 w 516890"/>
+                <a:gd name="connsiteY3" fmla="*/ 0 h 424732"/>
+                <a:gd name="connsiteX4" fmla="*/ 424732 w 516890"/>
+                <a:gd name="connsiteY4" fmla="*/ 0 h 424732"/>
+                <a:gd name="connsiteX5" fmla="*/ 516890 w 516890"/>
+                <a:gd name="connsiteY5" fmla="*/ 330330 h 424732"/>
+                <a:gd name="connsiteX0" fmla="*/ 424732 w 516890"/>
+                <a:gd name="connsiteY0" fmla="*/ 424732 h 424732"/>
+                <a:gd name="connsiteX1" fmla="*/ 0 w 516890"/>
+                <a:gd name="connsiteY1" fmla="*/ 424732 h 424732"/>
+                <a:gd name="connsiteX2" fmla="*/ 0 w 516890"/>
+                <a:gd name="connsiteY2" fmla="*/ 0 h 424732"/>
+                <a:gd name="connsiteX3" fmla="*/ 424732 w 516890"/>
+                <a:gd name="connsiteY3" fmla="*/ 0 h 424732"/>
+                <a:gd name="connsiteX4" fmla="*/ 516890 w 516890"/>
+                <a:gd name="connsiteY4" fmla="*/ 330330 h 424732"/>
+                <a:gd name="connsiteX0" fmla="*/ 424732 w 424732"/>
+                <a:gd name="connsiteY0" fmla="*/ 424732 h 424732"/>
+                <a:gd name="connsiteX1" fmla="*/ 0 w 424732"/>
+                <a:gd name="connsiteY1" fmla="*/ 424732 h 424732"/>
+                <a:gd name="connsiteX2" fmla="*/ 0 w 424732"/>
+                <a:gd name="connsiteY2" fmla="*/ 0 h 424732"/>
+                <a:gd name="connsiteX3" fmla="*/ 424732 w 424732"/>
+                <a:gd name="connsiteY3" fmla="*/ 0 h 424732"/>
+              </a:gdLst>
+              <a:ahLst/>
+              <a:cxnLst>
+                <a:cxn ang="0">
+                  <a:pos x="connsiteX0" y="connsiteY0"/>
+                </a:cxn>
+                <a:cxn ang="0">
+                  <a:pos x="connsiteX1" y="connsiteY1"/>
+                </a:cxn>
+                <a:cxn ang="0">
+                  <a:pos x="connsiteX2" y="connsiteY2"/>
+                </a:cxn>
+                <a:cxn ang="0">
+                  <a:pos x="connsiteX3" y="connsiteY3"/>
+                </a:cxn>
+              </a:cxnLst>
+              <a:rect l="l" t="t" r="r" b="b"/>
+              <a:pathLst>
+                <a:path w="424732" h="424732">
+                  <a:moveTo>
+                    <a:pt x="424732" y="424732"/>
+                  </a:moveTo>
+                  <a:lnTo>
+                    <a:pt x="0" y="424732"/>
+                  </a:lnTo>
+                  <a:lnTo>
+                    <a:pt x="0" y="0"/>
+                  </a:lnTo>
+                  <a:lnTo>
+                    <a:pt x="424732" y="0"/>
+                  </a:lnTo>
+                </a:path>
+              </a:pathLst>
+            </a:custGeom>
+            <a:ln w="16510">
+              <a:solidFill>
+                <a:srgbClr val="065CAB"/>
+              </a:solidFill>
+            </a:ln>
+          </p:spPr>
+          <p:style>
+            <a:lnRef idx="1">
+              <a:schemeClr val="accent1"/>
+            </a:lnRef>
+            <a:fillRef idx="0">
+              <a:schemeClr val="accent1"/>
+            </a:fillRef>
+            <a:effectRef idx="0">
+              <a:schemeClr val="accent1"/>
+            </a:effectRef>
+            <a:fontRef idx="minor">
+              <a:schemeClr val="tx1"/>
+            </a:fontRef>
+          </p:style>
+          <p:txBody>
+            <a:bodyPr rtlCol="0" anchor="ctr"/>
+            <a:lstStyle/>
+            <a:p>
+              <a:pPr algn="ctr"/>
+              <a:endParaRPr lang="ru-RU" dirty="0">
+                <a:latin typeface="ALS Sector Regular" panose="02000000000000000000" pitchFamily="2" charset="0"/>
+              </a:endParaRPr>
+            </a:p>
+          </p:txBody>
+        </p:sp>
+        <p:sp>
+          <p:nvSpPr>
+            <p:cNvPr id="8" name="Прямоугольник 58">
+              <a:extLst>
+                <a:ext uri="{FF2B5EF4-FFF2-40B4-BE49-F238E27FC236}">
+                  <a16:creationId xmlns:a16="http://schemas.microsoft.com/office/drawing/2014/main" id="{CDD1DBB6-5CDC-476B-9F20-E0C36873BEAA}"/>
+                </a:ext>
+              </a:extLst>
+            </p:cNvPr>
+            <p:cNvSpPr>
+              <a:spLocks noChangeAspect="1"/>
+            </p:cNvSpPr>
+            <p:nvPr/>
+          </p:nvSpPr>
+          <p:spPr>
+            <a:xfrm flipH="1">
+              <a:off x="5965774" y="3499669"/>
+              <a:ext cx="90049" cy="666000"/>
+            </a:xfrm>
+            <a:custGeom>
+              <a:avLst/>
+              <a:gdLst>
+                <a:gd name="connsiteX0" fmla="*/ 0 w 424732"/>
+                <a:gd name="connsiteY0" fmla="*/ 0 h 424732"/>
+                <a:gd name="connsiteX1" fmla="*/ 424732 w 424732"/>
+                <a:gd name="connsiteY1" fmla="*/ 0 h 424732"/>
+                <a:gd name="connsiteX2" fmla="*/ 424732 w 424732"/>
+                <a:gd name="connsiteY2" fmla="*/ 424732 h 424732"/>
+                <a:gd name="connsiteX3" fmla="*/ 0 w 424732"/>
+                <a:gd name="connsiteY3" fmla="*/ 424732 h 424732"/>
+                <a:gd name="connsiteX4" fmla="*/ 0 w 424732"/>
+                <a:gd name="connsiteY4" fmla="*/ 0 h 424732"/>
+                <a:gd name="connsiteX0" fmla="*/ 0 w 425450"/>
+                <a:gd name="connsiteY0" fmla="*/ 0 h 424732"/>
+                <a:gd name="connsiteX1" fmla="*/ 424732 w 425450"/>
+                <a:gd name="connsiteY1" fmla="*/ 0 h 424732"/>
+                <a:gd name="connsiteX2" fmla="*/ 425450 w 425450"/>
+                <a:gd name="connsiteY2" fmla="*/ 238890 h 424732"/>
+                <a:gd name="connsiteX3" fmla="*/ 424732 w 425450"/>
+                <a:gd name="connsiteY3" fmla="*/ 424732 h 424732"/>
+                <a:gd name="connsiteX4" fmla="*/ 0 w 425450"/>
+                <a:gd name="connsiteY4" fmla="*/ 424732 h 424732"/>
+                <a:gd name="connsiteX5" fmla="*/ 0 w 425450"/>
+                <a:gd name="connsiteY5" fmla="*/ 0 h 424732"/>
+                <a:gd name="connsiteX0" fmla="*/ 425450 w 516890"/>
+                <a:gd name="connsiteY0" fmla="*/ 238890 h 424732"/>
+                <a:gd name="connsiteX1" fmla="*/ 424732 w 516890"/>
+                <a:gd name="connsiteY1" fmla="*/ 424732 h 424732"/>
+                <a:gd name="connsiteX2" fmla="*/ 0 w 516890"/>
+                <a:gd name="connsiteY2" fmla="*/ 424732 h 424732"/>
+                <a:gd name="connsiteX3" fmla="*/ 0 w 516890"/>
+                <a:gd name="connsiteY3" fmla="*/ 0 h 424732"/>
+                <a:gd name="connsiteX4" fmla="*/ 424732 w 516890"/>
+                <a:gd name="connsiteY4" fmla="*/ 0 h 424732"/>
+                <a:gd name="connsiteX5" fmla="*/ 516890 w 516890"/>
+                <a:gd name="connsiteY5" fmla="*/ 330330 h 424732"/>
+                <a:gd name="connsiteX0" fmla="*/ 424732 w 516890"/>
+                <a:gd name="connsiteY0" fmla="*/ 424732 h 424732"/>
+                <a:gd name="connsiteX1" fmla="*/ 0 w 516890"/>
+                <a:gd name="connsiteY1" fmla="*/ 424732 h 424732"/>
+                <a:gd name="connsiteX2" fmla="*/ 0 w 516890"/>
+                <a:gd name="connsiteY2" fmla="*/ 0 h 424732"/>
+                <a:gd name="connsiteX3" fmla="*/ 424732 w 516890"/>
+                <a:gd name="connsiteY3" fmla="*/ 0 h 424732"/>
+                <a:gd name="connsiteX4" fmla="*/ 516890 w 516890"/>
+                <a:gd name="connsiteY4" fmla="*/ 330330 h 424732"/>
+                <a:gd name="connsiteX0" fmla="*/ 424732 w 424732"/>
+                <a:gd name="connsiteY0" fmla="*/ 424732 h 424732"/>
+                <a:gd name="connsiteX1" fmla="*/ 0 w 424732"/>
+                <a:gd name="connsiteY1" fmla="*/ 424732 h 424732"/>
+                <a:gd name="connsiteX2" fmla="*/ 0 w 424732"/>
+                <a:gd name="connsiteY2" fmla="*/ 0 h 424732"/>
+                <a:gd name="connsiteX3" fmla="*/ 424732 w 424732"/>
+                <a:gd name="connsiteY3" fmla="*/ 0 h 424732"/>
+              </a:gdLst>
+              <a:ahLst/>
+              <a:cxnLst>
+                <a:cxn ang="0">
+                  <a:pos x="connsiteX0" y="connsiteY0"/>
+                </a:cxn>
+                <a:cxn ang="0">
+                  <a:pos x="connsiteX1" y="connsiteY1"/>
+                </a:cxn>
+                <a:cxn ang="0">
+                  <a:pos x="connsiteX2" y="connsiteY2"/>
+                </a:cxn>
+                <a:cxn ang="0">
+                  <a:pos x="connsiteX3" y="connsiteY3"/>
+                </a:cxn>
+              </a:cxnLst>
+              <a:rect l="l" t="t" r="r" b="b"/>
+              <a:pathLst>
+                <a:path w="424732" h="424732">
+                  <a:moveTo>
+                    <a:pt x="424732" y="424732"/>
+                  </a:moveTo>
+                  <a:lnTo>
+                    <a:pt x="0" y="424732"/>
+                  </a:lnTo>
+                  <a:lnTo>
+                    <a:pt x="0" y="0"/>
+                  </a:lnTo>
+                  <a:lnTo>
+                    <a:pt x="424732" y="0"/>
+                  </a:lnTo>
+                </a:path>
+              </a:pathLst>
+            </a:custGeom>
+            <a:ln w="16510">
+              <a:solidFill>
+                <a:srgbClr val="0046A2"/>
+              </a:solidFill>
+            </a:ln>
+          </p:spPr>
+          <p:style>
+            <a:lnRef idx="1">
+              <a:schemeClr val="accent1"/>
+            </a:lnRef>
+            <a:fillRef idx="0">
+              <a:schemeClr val="accent1"/>
+            </a:fillRef>
+            <a:effectRef idx="0">
+              <a:schemeClr val="accent1"/>
+            </a:effectRef>
+            <a:fontRef idx="minor">
+              <a:schemeClr val="tx1"/>
+            </a:fontRef>
+          </p:style>
+          <p:txBody>
+            <a:bodyPr rtlCol="0" anchor="ctr"/>
+            <a:lstStyle/>
+            <a:p>
+              <a:pPr algn="ctr"/>
+              <a:endParaRPr lang="ru-RU" dirty="0">
+                <a:solidFill>
+                  <a:srgbClr val="065CAB"/>
+                </a:solidFill>
+                <a:latin typeface="ALS Sector Regular" panose="02000000000000000000" pitchFamily="2" charset="0"/>
+              </a:endParaRPr>
+            </a:p>
+          </p:txBody>
+        </p:sp>
+      </p:grpSp>
+      <p:sp>
+        <p:nvSpPr>
+          <p:cNvPr id="10" name="Прямоугольник 9">
+            <a:extLst>
+              <a:ext uri="{FF2B5EF4-FFF2-40B4-BE49-F238E27FC236}">
+                <a16:creationId xmlns:a16="http://schemas.microsoft.com/office/drawing/2014/main" id="{26EE43AA-D3CC-4F2A-8C95-378C2090E1F9}"/>
+              </a:ext>
+            </a:extLst>
+          </p:cNvPr>
+          <p:cNvSpPr/>
+          <p:nvPr/>
+        </p:nvSpPr>
+        <p:spPr>
+          <a:xfrm>
+            <a:off x="2168433" y="1782703"/>
+            <a:ext cx="3168108" cy="369332"/>
+          </a:xfrm>
+          <a:prstGeom prst="rect">
+            <a:avLst/>
+          </a:prstGeom>
+        </p:spPr>
+        <p:txBody>
+          <a:bodyPr wrap="square">
+            <a:spAutoFit/>
+          </a:bodyPr>
+          <a:lstStyle/>
+          <a:p>
+            <a:pPr algn="ctr"/>
+            <a:r>
+              <a:rPr lang="ru-RU" sz="1800" dirty="0">
+                <a:solidFill>
+                  <a:schemeClr val="tx1"/>
+                </a:solidFill>
+                <a:latin typeface="Times New Roman" panose="02020603050405020304" pitchFamily="18" charset="0"/>
+                <a:ea typeface="Arial" panose="020B0604020202020204" pitchFamily="34" charset="0"/>
+              </a:rPr>
+              <a:t>Полный датасет</a:t>
+            </a:r>
+            <a:endParaRPr lang="ru-RU" sz="1800" dirty="0">
+              <a:solidFill>
+                <a:schemeClr val="tx1"/>
+              </a:solidFill>
+            </a:endParaRPr>
+          </a:p>
+        </p:txBody>
+      </p:sp>
+      <p:sp>
+        <p:nvSpPr>
+          <p:cNvPr id="12" name="Прямоугольник 11">
+            <a:extLst>
+              <a:ext uri="{FF2B5EF4-FFF2-40B4-BE49-F238E27FC236}">
+                <a16:creationId xmlns:a16="http://schemas.microsoft.com/office/drawing/2014/main" id="{50B23F40-E80C-4EDD-BE8E-9DEC91F01383}"/>
+              </a:ext>
+            </a:extLst>
+          </p:cNvPr>
+          <p:cNvSpPr/>
+          <p:nvPr/>
+        </p:nvSpPr>
+        <p:spPr>
+          <a:xfrm>
+            <a:off x="2522205" y="1379176"/>
+            <a:ext cx="6099381" cy="400110"/>
+          </a:xfrm>
+          <a:prstGeom prst="rect">
+            <a:avLst/>
+          </a:prstGeom>
+        </p:spPr>
+        <p:txBody>
+          <a:bodyPr wrap="square">
+            <a:spAutoFit/>
+          </a:bodyPr>
+          <a:lstStyle/>
+          <a:p>
+            <a:pPr algn="ctr"/>
+            <a:r>
+              <a:rPr lang="ru-RU" sz="1800" dirty="0">
+                <a:solidFill>
+                  <a:srgbClr val="C00000"/>
+                </a:solidFill>
+                <a:latin typeface="Times New Roman" panose="02020603050405020304" pitchFamily="18" charset="0"/>
+                <a:ea typeface="Arial" panose="020B0604020202020204" pitchFamily="34" charset="0"/>
+              </a:rPr>
+              <a:t> </a:t>
+            </a:r>
+            <a:r>
+              <a:rPr lang="en-US" sz="2000" dirty="0">
+                <a:solidFill>
+                  <a:srgbClr val="C00000"/>
+                </a:solidFill>
+                <a:latin typeface="Times New Roman" panose="02020603050405020304" pitchFamily="18" charset="0"/>
+                <a:ea typeface="Arial" panose="020B0604020202020204" pitchFamily="34" charset="0"/>
+              </a:rPr>
+              <a:t>y</a:t>
+            </a:r>
+            <a:r>
+              <a:rPr lang="ru-RU" sz="2000" dirty="0">
+                <a:solidFill>
+                  <a:srgbClr val="C00000"/>
+                </a:solidFill>
+                <a:latin typeface="Times New Roman" panose="02020603050405020304" pitchFamily="18" charset="0"/>
+                <a:ea typeface="Arial" panose="020B0604020202020204" pitchFamily="34" charset="0"/>
+              </a:rPr>
+              <a:t>_</a:t>
+            </a:r>
+            <a:r>
+              <a:rPr lang="en-US" sz="2000" dirty="0">
+                <a:solidFill>
+                  <a:srgbClr val="C00000"/>
+                </a:solidFill>
+                <a:latin typeface="Times New Roman" panose="02020603050405020304" pitchFamily="18" charset="0"/>
+                <a:ea typeface="Arial" panose="020B0604020202020204" pitchFamily="34" charset="0"/>
+              </a:rPr>
+              <a:t>1 =  </a:t>
+            </a:r>
+            <a:r>
+              <a:rPr lang="ru-RU" sz="2000" dirty="0">
+                <a:solidFill>
+                  <a:srgbClr val="C00000"/>
+                </a:solidFill>
+                <a:latin typeface="Times New Roman" panose="02020603050405020304" pitchFamily="18" charset="0"/>
+                <a:ea typeface="Arial" panose="020B0604020202020204" pitchFamily="34" charset="0"/>
+              </a:rPr>
+              <a:t>'Модуль упругости при растяжении'</a:t>
+            </a:r>
+            <a:endParaRPr lang="ru-RU" sz="1800" dirty="0">
+              <a:solidFill>
+                <a:srgbClr val="C00000"/>
+              </a:solidFill>
+            </a:endParaRPr>
+          </a:p>
+        </p:txBody>
+      </p:sp>
+      <p:sp>
+        <p:nvSpPr>
+          <p:cNvPr id="13" name="Прямоугольник 12">
+            <a:extLst>
+              <a:ext uri="{FF2B5EF4-FFF2-40B4-BE49-F238E27FC236}">
+                <a16:creationId xmlns:a16="http://schemas.microsoft.com/office/drawing/2014/main" id="{035BDAAC-3815-41DD-9D7A-E57E76407B6C}"/>
+              </a:ext>
+            </a:extLst>
+          </p:cNvPr>
+          <p:cNvSpPr/>
+          <p:nvPr/>
+        </p:nvSpPr>
+        <p:spPr>
+          <a:xfrm>
+            <a:off x="5544111" y="1779542"/>
+            <a:ext cx="3316155" cy="369332"/>
+          </a:xfrm>
+          <a:prstGeom prst="rect">
+            <a:avLst/>
+          </a:prstGeom>
+        </p:spPr>
+        <p:txBody>
+          <a:bodyPr wrap="square">
+            <a:spAutoFit/>
+          </a:bodyPr>
+          <a:lstStyle/>
+          <a:p>
+            <a:pPr algn="ctr"/>
+            <a:r>
+              <a:rPr lang="ru-RU" sz="1800" dirty="0">
+                <a:solidFill>
+                  <a:schemeClr val="tx1"/>
+                </a:solidFill>
+                <a:latin typeface="Times New Roman" panose="02020603050405020304" pitchFamily="18" charset="0"/>
+                <a:ea typeface="Arial" panose="020B0604020202020204" pitchFamily="34" charset="0"/>
+              </a:rPr>
+              <a:t>Очищенный датасет (</a:t>
+            </a:r>
+            <a:r>
+              <a:rPr lang="en-US" sz="1800" i="1" dirty="0" err="1">
+                <a:solidFill>
+                  <a:schemeClr val="tx1"/>
+                </a:solidFill>
+                <a:latin typeface="Times New Roman" panose="02020603050405020304" pitchFamily="18" charset="0"/>
+                <a:ea typeface="Arial" panose="020B0604020202020204" pitchFamily="34" charset="0"/>
+              </a:rPr>
+              <a:t>k</a:t>
+            </a:r>
+            <a:r>
+              <a:rPr lang="en-US" sz="1800" i="1" baseline="-25000" dirty="0" err="1">
+                <a:solidFill>
+                  <a:schemeClr val="tx1"/>
+                </a:solidFill>
+                <a:latin typeface="Times New Roman" panose="02020603050405020304" pitchFamily="18" charset="0"/>
+                <a:ea typeface="Arial" panose="020B0604020202020204" pitchFamily="34" charset="0"/>
+              </a:rPr>
+              <a:t>nn</a:t>
+            </a:r>
+            <a:r>
+              <a:rPr lang="ru-RU" sz="1800" dirty="0">
+                <a:solidFill>
+                  <a:schemeClr val="tx1"/>
+                </a:solidFill>
+                <a:latin typeface="Times New Roman" panose="02020603050405020304" pitchFamily="18" charset="0"/>
+                <a:ea typeface="Arial" panose="020B0604020202020204" pitchFamily="34" charset="0"/>
+              </a:rPr>
+              <a:t> = 5)</a:t>
+            </a:r>
+            <a:endParaRPr lang="ru-RU" sz="1800" dirty="0">
+              <a:solidFill>
+                <a:schemeClr val="tx1"/>
+              </a:solidFill>
+            </a:endParaRPr>
+          </a:p>
+        </p:txBody>
+      </p:sp>
+      <mc:AlternateContent xmlns:mc="http://schemas.openxmlformats.org/markup-compatibility/2006">
+        <mc:Choice xmlns:a14="http://schemas.microsoft.com/office/drawing/2010/main" Requires="a14">
+          <p:sp>
+            <p:nvSpPr>
+              <p:cNvPr id="14" name="Прямоугольник 13">
+                <a:extLst>
+                  <a:ext uri="{FF2B5EF4-FFF2-40B4-BE49-F238E27FC236}">
+                    <a16:creationId xmlns:a16="http://schemas.microsoft.com/office/drawing/2014/main" id="{1DD36BC4-F528-4F9E-9FEE-3F7B30E9E29B}"/>
+                  </a:ext>
+                </a:extLst>
+              </p:cNvPr>
+              <p:cNvSpPr/>
+              <p:nvPr/>
+            </p:nvSpPr>
+            <p:spPr>
+              <a:xfrm>
+                <a:off x="9564624" y="2613244"/>
+                <a:ext cx="1885837" cy="639278"/>
+              </a:xfrm>
+              <a:prstGeom prst="rect">
+                <a:avLst/>
+              </a:prstGeom>
+            </p:spPr>
+            <p:txBody>
+              <a:bodyPr wrap="none">
+                <a:spAutoFit/>
+              </a:bodyPr>
+              <a:lstStyle/>
+              <a:p>
+                <a14:m>
+                  <m:oMathPara xmlns:m="http://schemas.openxmlformats.org/officeDocument/2006/math">
+                    <m:oMathParaPr>
+                      <m:jc m:val="centerGroup"/>
+                    </m:oMathParaPr>
+                    <m:oMath xmlns:m="http://schemas.openxmlformats.org/officeDocument/2006/math">
+                      <m:sSup>
+                        <m:sSupPr>
+                          <m:ctrlPr>
+                            <a:rPr lang="ru-RU" sz="1800">
+                              <a:latin typeface="Cambria Math" panose="02040503050406030204" pitchFamily="18" charset="0"/>
+                            </a:rPr>
+                          </m:ctrlPr>
+                        </m:sSupPr>
+                        <m:e>
+                          <m:r>
+                            <a:rPr lang="ru-RU" sz="1800" i="1">
+                              <a:latin typeface="Cambria Math" panose="02040503050406030204" pitchFamily="18" charset="0"/>
+                            </a:rPr>
+                            <m:t>𝑅</m:t>
+                          </m:r>
+                        </m:e>
+                        <m:sup>
+                          <m:r>
+                            <a:rPr lang="ru-RU" sz="1800">
+                              <a:latin typeface="Cambria Math" panose="02040503050406030204" pitchFamily="18" charset="0"/>
+                            </a:rPr>
+                            <m:t>2</m:t>
+                          </m:r>
+                        </m:sup>
+                      </m:sSup>
+                      <m:r>
+                        <a:rPr lang="ru-RU" sz="1800">
+                          <a:latin typeface="Cambria Math" panose="02040503050406030204" pitchFamily="18" charset="0"/>
+                        </a:rPr>
+                        <m:t>=1− </m:t>
+                      </m:r>
+                      <m:f>
+                        <m:fPr>
+                          <m:ctrlPr>
+                            <a:rPr lang="ru-RU" sz="1800" i="1">
+                              <a:latin typeface="Cambria Math" panose="02040503050406030204" pitchFamily="18" charset="0"/>
+                            </a:rPr>
+                          </m:ctrlPr>
+                        </m:fPr>
+                        <m:num>
+                          <m:r>
+                            <a:rPr lang="ru-RU" sz="1800" i="1">
+                              <a:latin typeface="Cambria Math" panose="02040503050406030204" pitchFamily="18" charset="0"/>
+                            </a:rPr>
+                            <m:t>𝑑𝑒𝑡</m:t>
+                          </m:r>
+                          <m:sSup>
+                            <m:sSupPr>
+                              <m:ctrlPr>
+                                <a:rPr lang="ru-RU" sz="1800" i="1">
+                                  <a:latin typeface="Cambria Math" panose="02040503050406030204" pitchFamily="18" charset="0"/>
+                                </a:rPr>
+                              </m:ctrlPr>
+                            </m:sSupPr>
+                            <m:e>
+                              <m:r>
+                                <a:rPr lang="ru-RU" sz="1800" i="1">
+                                  <a:latin typeface="Cambria Math" panose="02040503050406030204" pitchFamily="18" charset="0"/>
+                                </a:rPr>
+                                <m:t>𝐴</m:t>
+                              </m:r>
+                            </m:e>
+                            <m:sup>
+                              <m:r>
+                                <a:rPr lang="ru-RU" sz="1800">
+                                  <a:latin typeface="Cambria Math" panose="02040503050406030204" pitchFamily="18" charset="0"/>
+                                </a:rPr>
+                                <m:t>+</m:t>
+                              </m:r>
+                            </m:sup>
+                          </m:sSup>
+                        </m:num>
+                        <m:den>
+                          <m:r>
+                            <a:rPr lang="ru-RU" sz="1800" i="1">
+                              <a:latin typeface="Cambria Math" panose="02040503050406030204" pitchFamily="18" charset="0"/>
+                            </a:rPr>
+                            <m:t>𝑑𝑒𝑡𝐴</m:t>
+                          </m:r>
+                        </m:den>
+                      </m:f>
+                    </m:oMath>
+                  </m:oMathPara>
+                </a14:m>
+                <a:endParaRPr lang="ru-RU" sz="1600" dirty="0"/>
+              </a:p>
+            </p:txBody>
+          </p:sp>
+        </mc:Choice>
+        <mc:Fallback>
+          <p:sp>
+            <p:nvSpPr>
+              <p:cNvPr id="14" name="Прямоугольник 13">
+                <a:extLst>
+                  <a:ext uri="{FF2B5EF4-FFF2-40B4-BE49-F238E27FC236}">
+                    <a16:creationId xmlns:a16="http://schemas.microsoft.com/office/drawing/2014/main" id="{1DD36BC4-F528-4F9E-9FEE-3F7B30E9E29B}"/>
+                  </a:ext>
+                </a:extLst>
+              </p:cNvPr>
+              <p:cNvSpPr>
+                <a:spLocks noRot="1" noChangeAspect="1" noMove="1" noResize="1" noEditPoints="1" noAdjustHandles="1" noChangeArrowheads="1" noChangeShapeType="1" noTextEdit="1"/>
+              </p:cNvSpPr>
+              <p:nvPr/>
+            </p:nvSpPr>
+            <p:spPr>
+              <a:xfrm>
+                <a:off x="9564624" y="2613244"/>
+                <a:ext cx="1885837" cy="639278"/>
+              </a:xfrm>
+              <a:prstGeom prst="rect">
+                <a:avLst/>
+              </a:prstGeom>
+              <a:blipFill>
+                <a:blip r:embed="rId2"/>
+                <a:stretch>
+                  <a:fillRect/>
+                </a:stretch>
+              </a:blipFill>
+            </p:spPr>
+            <p:txBody>
+              <a:bodyPr/>
+              <a:lstStyle/>
+              <a:p>
+                <a:r>
+                  <a:rPr lang="ru-RU">
+                    <a:noFill/>
+                  </a:rPr>
+                  <a:t> </a:t>
+                </a:r>
+              </a:p>
+            </p:txBody>
+          </p:sp>
+        </mc:Fallback>
+      </mc:AlternateContent>
+      <p:sp>
+        <p:nvSpPr>
+          <p:cNvPr id="17" name="Прямоугольник 16">
+            <a:extLst>
+              <a:ext uri="{FF2B5EF4-FFF2-40B4-BE49-F238E27FC236}">
+                <a16:creationId xmlns:a16="http://schemas.microsoft.com/office/drawing/2014/main" id="{63762490-3982-421E-8019-EE77C0C2C2D1}"/>
+              </a:ext>
+            </a:extLst>
+          </p:cNvPr>
+          <p:cNvSpPr/>
+          <p:nvPr/>
+        </p:nvSpPr>
+        <p:spPr>
+          <a:xfrm>
+            <a:off x="8880317" y="4493172"/>
+            <a:ext cx="3236214" cy="738664"/>
+          </a:xfrm>
+          <a:prstGeom prst="rect">
+            <a:avLst/>
+          </a:prstGeom>
+        </p:spPr>
+        <p:txBody>
+          <a:bodyPr wrap="square">
+            <a:spAutoFit/>
+          </a:bodyPr>
+          <a:lstStyle/>
+          <a:p>
+            <a:r>
+              <a:rPr lang="en-US" i="1" dirty="0">
+                <a:solidFill>
+                  <a:srgbClr val="3D3D3D"/>
+                </a:solidFill>
+                <a:latin typeface="Times New Roman" panose="02020603050405020304" pitchFamily="18" charset="0"/>
+                <a:ea typeface="Arial" panose="020B0604020202020204" pitchFamily="34" charset="0"/>
+              </a:rPr>
+              <a:t>det</a:t>
+            </a:r>
+            <a:r>
+              <a:rPr lang="ru-RU" i="1" dirty="0">
+                <a:solidFill>
+                  <a:srgbClr val="3D3D3D"/>
+                </a:solidFill>
+                <a:latin typeface="Times New Roman" panose="02020603050405020304" pitchFamily="18" charset="0"/>
+                <a:ea typeface="Arial" panose="020B0604020202020204" pitchFamily="34" charset="0"/>
+              </a:rPr>
+              <a:t>А</a:t>
+            </a:r>
+            <a:r>
+              <a:rPr lang="ru-RU" dirty="0">
+                <a:solidFill>
+                  <a:srgbClr val="3D3D3D"/>
+                </a:solidFill>
+                <a:latin typeface="Times New Roman" panose="02020603050405020304" pitchFamily="18" charset="0"/>
+                <a:ea typeface="Arial" panose="020B0604020202020204" pitchFamily="34" charset="0"/>
+              </a:rPr>
+              <a:t> </a:t>
+            </a:r>
+            <a:r>
+              <a:rPr lang="ru-RU" dirty="0"/>
+              <a:t>– </a:t>
+            </a:r>
+            <a:r>
+              <a:rPr lang="ru-RU" dirty="0">
+                <a:latin typeface="Times New Roman" panose="02020603050405020304" pitchFamily="18" charset="0"/>
+                <a:cs typeface="Times New Roman" panose="02020603050405020304" pitchFamily="18" charset="0"/>
+              </a:rPr>
+              <a:t>определитель</a:t>
+            </a:r>
+            <a:r>
+              <a:rPr lang="ru-RU" dirty="0"/>
+              <a:t> </a:t>
+            </a:r>
+            <a:r>
+              <a:rPr lang="ru-RU" dirty="0">
+                <a:solidFill>
+                  <a:srgbClr val="3D3D3D"/>
+                </a:solidFill>
+                <a:latin typeface="Times New Roman" panose="02020603050405020304" pitchFamily="18" charset="0"/>
+                <a:ea typeface="Arial" panose="020B0604020202020204" pitchFamily="34" charset="0"/>
+              </a:rPr>
+              <a:t>матрицы  парных коэффициентов межфакторной корреляции</a:t>
+            </a:r>
+            <a:r>
+              <a:rPr lang="en-US" dirty="0">
+                <a:solidFill>
+                  <a:srgbClr val="3D3D3D"/>
+                </a:solidFill>
+                <a:latin typeface="Times New Roman" panose="02020603050405020304" pitchFamily="18" charset="0"/>
+                <a:ea typeface="Arial" panose="020B0604020202020204" pitchFamily="34" charset="0"/>
+              </a:rPr>
+              <a:t> </a:t>
+            </a:r>
+            <a:r>
+              <a:rPr lang="ru-RU" dirty="0">
+                <a:latin typeface="Times New Roman" panose="02020603050405020304" pitchFamily="18" charset="0"/>
+                <a:cs typeface="Times New Roman" panose="02020603050405020304" pitchFamily="18" charset="0"/>
+              </a:rPr>
+              <a:t>(между</a:t>
+            </a:r>
+            <a:r>
+              <a:rPr lang="en-US" dirty="0">
+                <a:latin typeface="Times New Roman" panose="02020603050405020304" pitchFamily="18" charset="0"/>
+                <a:cs typeface="Times New Roman" panose="02020603050405020304" pitchFamily="18" charset="0"/>
+              </a:rPr>
+              <a:t> </a:t>
+            </a:r>
+            <a:r>
+              <a:rPr lang="ru-RU" dirty="0">
+                <a:latin typeface="Times New Roman" panose="02020603050405020304" pitchFamily="18" charset="0"/>
+                <a:cs typeface="Times New Roman" panose="02020603050405020304" pitchFamily="18" charset="0"/>
+              </a:rPr>
+              <a:t>признаками</a:t>
+            </a:r>
+            <a:r>
+              <a:rPr lang="en-US" dirty="0">
+                <a:latin typeface="Times New Roman" panose="02020603050405020304" pitchFamily="18" charset="0"/>
+                <a:cs typeface="Times New Roman" panose="02020603050405020304" pitchFamily="18" charset="0"/>
+              </a:rPr>
+              <a:t> </a:t>
+            </a:r>
+            <a:r>
+              <a:rPr lang="en-US" i="1" dirty="0">
+                <a:latin typeface="Times New Roman" panose="02020603050405020304" pitchFamily="18" charset="0"/>
+                <a:cs typeface="Times New Roman" panose="02020603050405020304" pitchFamily="18" charset="0"/>
+              </a:rPr>
+              <a:t>x</a:t>
+            </a:r>
+            <a:r>
+              <a:rPr lang="en-US" i="1" baseline="-25000" dirty="0">
+                <a:latin typeface="Times New Roman" panose="02020603050405020304" pitchFamily="18" charset="0"/>
+                <a:cs typeface="Times New Roman" panose="02020603050405020304" pitchFamily="18" charset="0"/>
+              </a:rPr>
+              <a:t>i </a:t>
+            </a:r>
+            <a:r>
+              <a:rPr lang="ru-RU" dirty="0">
+                <a:latin typeface="Times New Roman" panose="02020603050405020304" pitchFamily="18" charset="0"/>
+                <a:cs typeface="Times New Roman" panose="02020603050405020304" pitchFamily="18" charset="0"/>
+              </a:rPr>
+              <a:t>и </a:t>
+            </a:r>
+            <a:r>
+              <a:rPr lang="en-US" i="1" dirty="0" err="1">
+                <a:latin typeface="Times New Roman" panose="02020603050405020304" pitchFamily="18" charset="0"/>
+                <a:cs typeface="Times New Roman" panose="02020603050405020304" pitchFamily="18" charset="0"/>
+              </a:rPr>
+              <a:t>x</a:t>
+            </a:r>
+            <a:r>
+              <a:rPr lang="en-US" i="1" baseline="-25000" dirty="0" err="1">
+                <a:latin typeface="Times New Roman" panose="02020603050405020304" pitchFamily="18" charset="0"/>
+                <a:cs typeface="Times New Roman" panose="02020603050405020304" pitchFamily="18" charset="0"/>
+              </a:rPr>
+              <a:t>j</a:t>
+            </a:r>
+            <a:r>
+              <a:rPr lang="ru-RU" dirty="0">
+                <a:solidFill>
+                  <a:srgbClr val="3D3D3D"/>
+                </a:solidFill>
+                <a:latin typeface="Times New Roman" panose="02020603050405020304" pitchFamily="18" charset="0"/>
+                <a:ea typeface="Arial" panose="020B0604020202020204" pitchFamily="34" charset="0"/>
+                <a:cs typeface="Times New Roman" panose="02020603050405020304" pitchFamily="18" charset="0"/>
+              </a:rPr>
+              <a:t>).</a:t>
+            </a:r>
+            <a:endParaRPr lang="ru-RU" dirty="0">
+              <a:latin typeface="Times New Roman" panose="02020603050405020304" pitchFamily="18" charset="0"/>
+              <a:cs typeface="Times New Roman" panose="02020603050405020304" pitchFamily="18" charset="0"/>
+            </a:endParaRPr>
+          </a:p>
+        </p:txBody>
+      </p:sp>
+      <p:sp>
+        <p:nvSpPr>
+          <p:cNvPr id="18" name="Прямоугольник 17">
+            <a:extLst>
+              <a:ext uri="{FF2B5EF4-FFF2-40B4-BE49-F238E27FC236}">
+                <a16:creationId xmlns:a16="http://schemas.microsoft.com/office/drawing/2014/main" id="{23F77FDD-0155-422E-B0B8-56C1288F637B}"/>
+              </a:ext>
+            </a:extLst>
+          </p:cNvPr>
+          <p:cNvSpPr/>
+          <p:nvPr/>
+        </p:nvSpPr>
+        <p:spPr>
+          <a:xfrm>
+            <a:off x="8903533" y="3600125"/>
+            <a:ext cx="3236214" cy="738664"/>
+          </a:xfrm>
+          <a:prstGeom prst="rect">
+            <a:avLst/>
+          </a:prstGeom>
+        </p:spPr>
+        <p:txBody>
+          <a:bodyPr wrap="square">
+            <a:spAutoFit/>
+          </a:bodyPr>
+          <a:lstStyle/>
+          <a:p>
+            <a:r>
+              <a:rPr lang="en-US" i="1" dirty="0">
+                <a:solidFill>
+                  <a:srgbClr val="3D3D3D"/>
+                </a:solidFill>
+                <a:latin typeface="Times New Roman" panose="02020603050405020304" pitchFamily="18" charset="0"/>
+                <a:ea typeface="Arial" panose="020B0604020202020204" pitchFamily="34" charset="0"/>
+              </a:rPr>
+              <a:t>det</a:t>
+            </a:r>
+            <a:r>
+              <a:rPr lang="ru-RU" i="1" dirty="0">
+                <a:solidFill>
+                  <a:srgbClr val="3D3D3D"/>
+                </a:solidFill>
+                <a:latin typeface="Times New Roman" panose="02020603050405020304" pitchFamily="18" charset="0"/>
+                <a:ea typeface="Arial" panose="020B0604020202020204" pitchFamily="34" charset="0"/>
+              </a:rPr>
+              <a:t>А</a:t>
+            </a:r>
+            <a:r>
+              <a:rPr lang="ru-RU" i="1" baseline="30000" dirty="0">
+                <a:solidFill>
+                  <a:srgbClr val="3D3D3D"/>
+                </a:solidFill>
+                <a:latin typeface="Times New Roman" panose="02020603050405020304" pitchFamily="18" charset="0"/>
+                <a:ea typeface="Arial" panose="020B0604020202020204" pitchFamily="34" charset="0"/>
+              </a:rPr>
+              <a:t>+</a:t>
+            </a:r>
+            <a:r>
+              <a:rPr lang="ru-RU" dirty="0">
+                <a:solidFill>
+                  <a:srgbClr val="3D3D3D"/>
+                </a:solidFill>
+                <a:latin typeface="Times New Roman" panose="02020603050405020304" pitchFamily="18" charset="0"/>
+                <a:ea typeface="Arial" panose="020B0604020202020204" pitchFamily="34" charset="0"/>
+              </a:rPr>
+              <a:t> </a:t>
+            </a:r>
+            <a:r>
+              <a:rPr lang="ru-RU" dirty="0"/>
+              <a:t>– </a:t>
+            </a:r>
+            <a:r>
+              <a:rPr lang="ru-RU" dirty="0">
+                <a:latin typeface="Times New Roman" panose="02020603050405020304" pitchFamily="18" charset="0"/>
+                <a:cs typeface="Times New Roman" panose="02020603050405020304" pitchFamily="18" charset="0"/>
+              </a:rPr>
+              <a:t>определитель</a:t>
+            </a:r>
+            <a:r>
+              <a:rPr lang="ru-RU" dirty="0"/>
+              <a:t> </a:t>
+            </a:r>
+            <a:r>
+              <a:rPr lang="ru-RU" dirty="0">
+                <a:solidFill>
+                  <a:srgbClr val="3D3D3D"/>
+                </a:solidFill>
+                <a:latin typeface="Times New Roman" panose="02020603050405020304" pitchFamily="18" charset="0"/>
+                <a:ea typeface="Arial" panose="020B0604020202020204" pitchFamily="34" charset="0"/>
+              </a:rPr>
+              <a:t>матрицы парных коэффициентов </a:t>
+            </a:r>
+            <a:r>
+              <a:rPr lang="ru-RU" dirty="0">
+                <a:latin typeface="Times New Roman" panose="02020603050405020304" pitchFamily="18" charset="0"/>
+                <a:cs typeface="Times New Roman" panose="02020603050405020304" pitchFamily="18" charset="0"/>
+              </a:rPr>
+              <a:t>корреляции между целевой переменной </a:t>
+            </a:r>
+            <a:r>
+              <a:rPr lang="en-US" i="1" dirty="0">
+                <a:latin typeface="Times New Roman" panose="02020603050405020304" pitchFamily="18" charset="0"/>
+                <a:cs typeface="Times New Roman" panose="02020603050405020304" pitchFamily="18" charset="0"/>
+              </a:rPr>
+              <a:t>y</a:t>
+            </a:r>
+            <a:r>
+              <a:rPr lang="ru-RU" dirty="0">
+                <a:latin typeface="Times New Roman" panose="02020603050405020304" pitchFamily="18" charset="0"/>
+                <a:cs typeface="Times New Roman" panose="02020603050405020304" pitchFamily="18" charset="0"/>
+              </a:rPr>
+              <a:t> и признаками</a:t>
+            </a:r>
+            <a:r>
+              <a:rPr lang="en-US" dirty="0">
+                <a:latin typeface="Times New Roman" panose="02020603050405020304" pitchFamily="18" charset="0"/>
+                <a:cs typeface="Times New Roman" panose="02020603050405020304" pitchFamily="18" charset="0"/>
+              </a:rPr>
+              <a:t> </a:t>
+            </a:r>
+            <a:r>
+              <a:rPr lang="en-US" i="1" dirty="0">
+                <a:latin typeface="Times New Roman" panose="02020603050405020304" pitchFamily="18" charset="0"/>
+                <a:cs typeface="Times New Roman" panose="02020603050405020304" pitchFamily="18" charset="0"/>
+              </a:rPr>
+              <a:t>x</a:t>
+            </a:r>
+            <a:r>
+              <a:rPr lang="en-US" i="1" baseline="-25000" dirty="0">
+                <a:latin typeface="Times New Roman" panose="02020603050405020304" pitchFamily="18" charset="0"/>
+                <a:cs typeface="Times New Roman" panose="02020603050405020304" pitchFamily="18" charset="0"/>
+              </a:rPr>
+              <a:t>i</a:t>
+            </a:r>
+            <a:r>
+              <a:rPr lang="ru-RU" i="1" baseline="-25000" dirty="0">
+                <a:latin typeface="Times New Roman" panose="02020603050405020304" pitchFamily="18" charset="0"/>
+                <a:cs typeface="Times New Roman" panose="02020603050405020304" pitchFamily="18" charset="0"/>
+              </a:rPr>
+              <a:t> </a:t>
+            </a:r>
+            <a:r>
+              <a:rPr lang="ru-RU" dirty="0">
+                <a:latin typeface="Times New Roman" panose="02020603050405020304" pitchFamily="18" charset="0"/>
+                <a:cs typeface="Times New Roman" panose="02020603050405020304" pitchFamily="18" charset="0"/>
+              </a:rPr>
+              <a:t>;</a:t>
+            </a:r>
+          </a:p>
+        </p:txBody>
+      </p:sp>
+      <mc:AlternateContent xmlns:mc="http://schemas.openxmlformats.org/markup-compatibility/2006">
+        <mc:Choice xmlns:a14="http://schemas.microsoft.com/office/drawing/2010/main" Requires="a14">
+          <p:sp>
+            <p:nvSpPr>
+              <p:cNvPr id="19" name="Прямоугольник 18">
+                <a:extLst>
+                  <a:ext uri="{FF2B5EF4-FFF2-40B4-BE49-F238E27FC236}">
+                    <a16:creationId xmlns:a16="http://schemas.microsoft.com/office/drawing/2014/main" id="{DACFBE82-487C-470C-A1A1-F9FFA6BBF4F7}"/>
+                  </a:ext>
+                </a:extLst>
+              </p:cNvPr>
+              <p:cNvSpPr/>
+              <p:nvPr/>
+            </p:nvSpPr>
+            <p:spPr>
+              <a:xfrm>
+                <a:off x="3134004" y="5508156"/>
+                <a:ext cx="1096903" cy="338554"/>
+              </a:xfrm>
+              <a:prstGeom prst="rect">
+                <a:avLst/>
+              </a:prstGeom>
+            </p:spPr>
+            <p:txBody>
+              <a:bodyPr wrap="none">
+                <a:spAutoFit/>
+              </a:bodyPr>
+              <a:lstStyle/>
+              <a:p>
+                <a14:m>
+                  <m:oMath xmlns:m="http://schemas.openxmlformats.org/officeDocument/2006/math">
+                    <m:sSup>
+                      <m:sSupPr>
+                        <m:ctrlPr>
+                          <a:rPr lang="ru-RU" sz="1600" smtClean="0">
+                            <a:latin typeface="Cambria Math" panose="02040503050406030204" pitchFamily="18" charset="0"/>
+                          </a:rPr>
+                        </m:ctrlPr>
+                      </m:sSupPr>
+                      <m:e>
+                        <m:r>
+                          <a:rPr lang="ru-RU" sz="1600" i="1">
+                            <a:latin typeface="Cambria Math" panose="02040503050406030204" pitchFamily="18" charset="0"/>
+                          </a:rPr>
+                          <m:t>𝑅</m:t>
+                        </m:r>
+                      </m:e>
+                      <m:sup>
+                        <m:r>
+                          <a:rPr lang="ru-RU" sz="1600">
+                            <a:latin typeface="Cambria Math" panose="02040503050406030204" pitchFamily="18" charset="0"/>
+                          </a:rPr>
+                          <m:t>2</m:t>
+                        </m:r>
+                      </m:sup>
+                    </m:sSup>
+                  </m:oMath>
+                </a14:m>
+                <a:r>
+                  <a:rPr lang="ru-RU" sz="1600" dirty="0">
+                    <a:latin typeface="Times New Roman" panose="02020603050405020304" pitchFamily="18" charset="0"/>
+                    <a:cs typeface="Times New Roman" panose="02020603050405020304" pitchFamily="18" charset="0"/>
+                  </a:rPr>
+                  <a:t> = 0,012</a:t>
+                </a:r>
+                <a:endParaRPr lang="ru-RU" sz="1200" dirty="0">
+                  <a:latin typeface="Times New Roman" panose="02020603050405020304" pitchFamily="18" charset="0"/>
+                  <a:cs typeface="Times New Roman" panose="02020603050405020304" pitchFamily="18" charset="0"/>
+                </a:endParaRPr>
+              </a:p>
+            </p:txBody>
+          </p:sp>
+        </mc:Choice>
+        <mc:Fallback>
+          <p:sp>
+            <p:nvSpPr>
+              <p:cNvPr id="19" name="Прямоугольник 18">
+                <a:extLst>
+                  <a:ext uri="{FF2B5EF4-FFF2-40B4-BE49-F238E27FC236}">
+                    <a16:creationId xmlns:a16="http://schemas.microsoft.com/office/drawing/2014/main" id="{DACFBE82-487C-470C-A1A1-F9FFA6BBF4F7}"/>
+                  </a:ext>
+                </a:extLst>
+              </p:cNvPr>
+              <p:cNvSpPr>
+                <a:spLocks noRot="1" noChangeAspect="1" noMove="1" noResize="1" noEditPoints="1" noAdjustHandles="1" noChangeArrowheads="1" noChangeShapeType="1" noTextEdit="1"/>
+              </p:cNvSpPr>
+              <p:nvPr/>
+            </p:nvSpPr>
+            <p:spPr>
+              <a:xfrm>
+                <a:off x="3134004" y="5508156"/>
+                <a:ext cx="1096903" cy="338554"/>
+              </a:xfrm>
+              <a:prstGeom prst="rect">
+                <a:avLst/>
+              </a:prstGeom>
+              <a:blipFill>
+                <a:blip r:embed="rId3"/>
+                <a:stretch>
+                  <a:fillRect t="-5455" r="-2778" b="-23636"/>
+                </a:stretch>
+              </a:blipFill>
+            </p:spPr>
+            <p:txBody>
+              <a:bodyPr/>
+              <a:lstStyle/>
+              <a:p>
+                <a:r>
+                  <a:rPr lang="ru-RU">
+                    <a:noFill/>
+                  </a:rPr>
+                  <a:t> </a:t>
+                </a:r>
+              </a:p>
+            </p:txBody>
+          </p:sp>
+        </mc:Fallback>
+      </mc:AlternateContent>
+      <mc:AlternateContent xmlns:mc="http://schemas.openxmlformats.org/markup-compatibility/2006">
+        <mc:Choice xmlns:a14="http://schemas.microsoft.com/office/drawing/2010/main" Requires="a14">
+          <p:sp>
+            <p:nvSpPr>
+              <p:cNvPr id="21" name="Прямоугольник 20">
+                <a:extLst>
+                  <a:ext uri="{FF2B5EF4-FFF2-40B4-BE49-F238E27FC236}">
+                    <a16:creationId xmlns:a16="http://schemas.microsoft.com/office/drawing/2014/main" id="{200CB95A-DC03-4A24-9A59-05D8534A565A}"/>
+                  </a:ext>
+                </a:extLst>
+              </p:cNvPr>
+              <p:cNvSpPr/>
+              <p:nvPr/>
+            </p:nvSpPr>
+            <p:spPr>
+              <a:xfrm>
+                <a:off x="6581388" y="5498858"/>
+                <a:ext cx="1096903" cy="338554"/>
+              </a:xfrm>
+              <a:prstGeom prst="rect">
+                <a:avLst/>
+              </a:prstGeom>
+            </p:spPr>
+            <p:txBody>
+              <a:bodyPr wrap="none">
+                <a:spAutoFit/>
+              </a:bodyPr>
+              <a:lstStyle/>
+              <a:p>
+                <a14:m>
+                  <m:oMath xmlns:m="http://schemas.openxmlformats.org/officeDocument/2006/math">
+                    <m:sSup>
+                      <m:sSupPr>
+                        <m:ctrlPr>
+                          <a:rPr lang="ru-RU" sz="1600" smtClean="0">
+                            <a:latin typeface="Cambria Math" panose="02040503050406030204" pitchFamily="18" charset="0"/>
+                          </a:rPr>
+                        </m:ctrlPr>
+                      </m:sSupPr>
+                      <m:e>
+                        <m:r>
+                          <a:rPr lang="ru-RU" sz="1600" i="1">
+                            <a:latin typeface="Cambria Math" panose="02040503050406030204" pitchFamily="18" charset="0"/>
+                          </a:rPr>
+                          <m:t>𝑅</m:t>
+                        </m:r>
+                      </m:e>
+                      <m:sup>
+                        <m:r>
+                          <a:rPr lang="ru-RU" sz="1600">
+                            <a:latin typeface="Cambria Math" panose="02040503050406030204" pitchFamily="18" charset="0"/>
+                          </a:rPr>
+                          <m:t>2</m:t>
+                        </m:r>
+                      </m:sup>
+                    </m:sSup>
+                  </m:oMath>
+                </a14:m>
+                <a:r>
+                  <a:rPr lang="ru-RU" sz="1600" dirty="0">
+                    <a:latin typeface="Times New Roman" panose="02020603050405020304" pitchFamily="18" charset="0"/>
+                    <a:cs typeface="Times New Roman" panose="02020603050405020304" pitchFamily="18" charset="0"/>
+                  </a:rPr>
+                  <a:t> = 0,434</a:t>
+                </a:r>
+              </a:p>
+            </p:txBody>
+          </p:sp>
+        </mc:Choice>
+        <mc:Fallback>
+          <p:sp>
+            <p:nvSpPr>
+              <p:cNvPr id="21" name="Прямоугольник 20">
+                <a:extLst>
+                  <a:ext uri="{FF2B5EF4-FFF2-40B4-BE49-F238E27FC236}">
+                    <a16:creationId xmlns:a16="http://schemas.microsoft.com/office/drawing/2014/main" id="{200CB95A-DC03-4A24-9A59-05D8534A565A}"/>
+                  </a:ext>
+                </a:extLst>
+              </p:cNvPr>
+              <p:cNvSpPr>
+                <a:spLocks noRot="1" noChangeAspect="1" noMove="1" noResize="1" noEditPoints="1" noAdjustHandles="1" noChangeArrowheads="1" noChangeShapeType="1" noTextEdit="1"/>
+              </p:cNvSpPr>
+              <p:nvPr/>
+            </p:nvSpPr>
+            <p:spPr>
+              <a:xfrm>
+                <a:off x="6581388" y="5498858"/>
+                <a:ext cx="1096903" cy="338554"/>
+              </a:xfrm>
+              <a:prstGeom prst="rect">
+                <a:avLst/>
+              </a:prstGeom>
+              <a:blipFill>
+                <a:blip r:embed="rId4"/>
+                <a:stretch>
+                  <a:fillRect t="-5357" r="-2222" b="-21429"/>
+                </a:stretch>
+              </a:blipFill>
+            </p:spPr>
+            <p:txBody>
+              <a:bodyPr/>
+              <a:lstStyle/>
+              <a:p>
+                <a:r>
+                  <a:rPr lang="ru-RU">
+                    <a:noFill/>
+                  </a:rPr>
+                  <a:t> </a:t>
+                </a:r>
+              </a:p>
+            </p:txBody>
+          </p:sp>
+        </mc:Fallback>
+      </mc:AlternateContent>
+      <p:pic>
+        <p:nvPicPr>
+          <p:cNvPr id="22" name="Рисунок 21">
+            <a:extLst>
+              <a:ext uri="{FF2B5EF4-FFF2-40B4-BE49-F238E27FC236}">
+                <a16:creationId xmlns:a16="http://schemas.microsoft.com/office/drawing/2014/main" id="{0C758AED-A001-4E6C-A80B-D27A514445D6}"/>
+              </a:ext>
+            </a:extLst>
+          </p:cNvPr>
+          <p:cNvPicPr>
+            <a:picLocks noChangeAspect="1"/>
+          </p:cNvPicPr>
+          <p:nvPr/>
+        </p:nvPicPr>
+        <p:blipFill>
+          <a:blip r:embed="rId5"/>
+          <a:stretch>
+            <a:fillRect/>
+          </a:stretch>
+        </p:blipFill>
+        <p:spPr>
+          <a:xfrm>
+            <a:off x="284951" y="2143038"/>
+            <a:ext cx="5095136" cy="3376459"/>
+          </a:xfrm>
+          <a:prstGeom prst="rect">
+            <a:avLst/>
+          </a:prstGeom>
+        </p:spPr>
+      </p:pic>
+      <p:pic>
+        <p:nvPicPr>
+          <p:cNvPr id="23" name="Рисунок 22">
+            <a:extLst>
+              <a:ext uri="{FF2B5EF4-FFF2-40B4-BE49-F238E27FC236}">
+                <a16:creationId xmlns:a16="http://schemas.microsoft.com/office/drawing/2014/main" id="{B0137C5C-5179-4642-A9DC-1FEFD17F8F6B}"/>
+              </a:ext>
+            </a:extLst>
+          </p:cNvPr>
+          <p:cNvPicPr>
+            <a:picLocks noChangeAspect="1"/>
+          </p:cNvPicPr>
+          <p:nvPr/>
+        </p:nvPicPr>
+        <p:blipFill>
+          <a:blip r:embed="rId6"/>
+          <a:stretch>
+            <a:fillRect/>
+          </a:stretch>
+        </p:blipFill>
+        <p:spPr>
+          <a:xfrm>
+            <a:off x="5517984" y="2141306"/>
+            <a:ext cx="3337653" cy="3378191"/>
+          </a:xfrm>
+          <a:prstGeom prst="rect">
+            <a:avLst/>
+          </a:prstGeom>
+        </p:spPr>
+      </p:pic>
+      <p:sp>
+        <p:nvSpPr>
+          <p:cNvPr id="25" name="Прямоугольник 24">
+            <a:extLst>
+              <a:ext uri="{FF2B5EF4-FFF2-40B4-BE49-F238E27FC236}">
+                <a16:creationId xmlns:a16="http://schemas.microsoft.com/office/drawing/2014/main" id="{52D7CA9F-3D9A-4D79-A277-003800426DC9}"/>
+              </a:ext>
+            </a:extLst>
+          </p:cNvPr>
+          <p:cNvSpPr/>
+          <p:nvPr/>
+        </p:nvSpPr>
+        <p:spPr>
+          <a:xfrm>
+            <a:off x="733426" y="5835999"/>
+            <a:ext cx="11345524" cy="877163"/>
+          </a:xfrm>
+          <a:prstGeom prst="rect">
+            <a:avLst/>
+          </a:prstGeom>
+        </p:spPr>
+        <p:txBody>
+          <a:bodyPr wrap="square">
+            <a:spAutoFit/>
+          </a:bodyPr>
+          <a:lstStyle/>
+          <a:p>
+            <a:pPr algn="ctr"/>
+            <a:r>
+              <a:rPr lang="ru-RU" sz="1600" b="1" dirty="0">
+                <a:solidFill>
+                  <a:schemeClr val="accent1">
+                    <a:lumMod val="75000"/>
+                  </a:schemeClr>
+                </a:solidFill>
+                <a:latin typeface="Times New Roman" panose="02020603050405020304" pitchFamily="18" charset="0"/>
+                <a:ea typeface="Arial" panose="020B0604020202020204" pitchFamily="34" charset="0"/>
+                <a:cs typeface="Times New Roman" panose="02020603050405020304" pitchFamily="18" charset="0"/>
+              </a:rPr>
+              <a:t>Применение коэффициента детерминации для МНК </a:t>
+            </a:r>
+          </a:p>
+          <a:p>
+            <a:r>
+              <a:rPr lang="ru-RU" sz="1700" dirty="0">
+                <a:solidFill>
+                  <a:schemeClr val="accent1">
+                    <a:lumMod val="75000"/>
+                  </a:schemeClr>
+                </a:solidFill>
+                <a:latin typeface="Times New Roman" panose="02020603050405020304" pitchFamily="18" charset="0"/>
+                <a:ea typeface="Arial" panose="020B0604020202020204" pitchFamily="34" charset="0"/>
+                <a:cs typeface="Times New Roman" panose="02020603050405020304" pitchFamily="18" charset="0"/>
+              </a:rPr>
+              <a:t>1. Для оценки принципиальной возможности построения приемлемой модели для данного датасета.</a:t>
+            </a:r>
+          </a:p>
+          <a:p>
+            <a:r>
+              <a:rPr lang="ru-RU" sz="1700" dirty="0">
+                <a:solidFill>
+                  <a:schemeClr val="accent1">
+                    <a:lumMod val="75000"/>
+                  </a:schemeClr>
+                </a:solidFill>
+                <a:latin typeface="Times New Roman" panose="02020603050405020304" pitchFamily="18" charset="0"/>
+                <a:ea typeface="Arial" panose="020B0604020202020204" pitchFamily="34" charset="0"/>
+                <a:cs typeface="Times New Roman" panose="02020603050405020304" pitchFamily="18" charset="0"/>
+              </a:rPr>
+              <a:t>2. Для </a:t>
+            </a:r>
+            <a:r>
+              <a:rPr lang="ru-RU" sz="1700" dirty="0">
+                <a:solidFill>
+                  <a:schemeClr val="accent1">
+                    <a:lumMod val="75000"/>
+                  </a:schemeClr>
+                </a:solidFill>
+                <a:latin typeface="Times New Roman" panose="02020603050405020304" pitchFamily="18" charset="0"/>
+                <a:cs typeface="Times New Roman" panose="02020603050405020304" pitchFamily="18" charset="0"/>
+              </a:rPr>
+              <a:t>контроля подобия создаваемых обучающей и тестовой выборок (с целью предотвращения пере- и </a:t>
+            </a:r>
+            <a:r>
+              <a:rPr lang="ru-RU" sz="1700" dirty="0" err="1">
+                <a:solidFill>
+                  <a:schemeClr val="accent1">
+                    <a:lumMod val="75000"/>
+                  </a:schemeClr>
+                </a:solidFill>
+                <a:latin typeface="Times New Roman" panose="02020603050405020304" pitchFamily="18" charset="0"/>
+                <a:cs typeface="Times New Roman" panose="02020603050405020304" pitchFamily="18" charset="0"/>
+              </a:rPr>
+              <a:t>недообучения</a:t>
+            </a:r>
+            <a:r>
+              <a:rPr lang="ru-RU" sz="1700" dirty="0">
+                <a:solidFill>
+                  <a:schemeClr val="accent1">
+                    <a:lumMod val="75000"/>
+                  </a:schemeClr>
+                </a:solidFill>
+                <a:latin typeface="Times New Roman" panose="02020603050405020304" pitchFamily="18" charset="0"/>
+                <a:cs typeface="Times New Roman" panose="02020603050405020304" pitchFamily="18" charset="0"/>
+              </a:rPr>
+              <a:t>)</a:t>
+            </a:r>
+            <a:r>
+              <a:rPr lang="ru-RU" sz="1700" dirty="0">
+                <a:solidFill>
+                  <a:schemeClr val="accent1">
+                    <a:lumMod val="75000"/>
+                  </a:schemeClr>
+                </a:solidFill>
+                <a:latin typeface="Times New Roman" panose="02020603050405020304" pitchFamily="18" charset="0"/>
+                <a:ea typeface="Arial" panose="020B0604020202020204" pitchFamily="34" charset="0"/>
+                <a:cs typeface="Times New Roman" panose="02020603050405020304" pitchFamily="18" charset="0"/>
+              </a:rPr>
+              <a:t>.</a:t>
+            </a:r>
+            <a:endParaRPr lang="ru-RU" sz="1700" dirty="0">
+              <a:solidFill>
+                <a:schemeClr val="accent1">
+                  <a:lumMod val="75000"/>
+                </a:schemeClr>
+              </a:solidFill>
+              <a:latin typeface="Times New Roman" panose="02020603050405020304" pitchFamily="18" charset="0"/>
+              <a:cs typeface="Times New Roman" panose="02020603050405020304" pitchFamily="18" charset="0"/>
+            </a:endParaRPr>
+          </a:p>
+        </p:txBody>
+      </p:sp>
+    </p:spTree>
+    <p:extLst>
+      <p:ext uri="{BB962C8B-B14F-4D97-AF65-F5344CB8AC3E}">
+        <p14:creationId xmlns:p14="http://schemas.microsoft.com/office/powerpoint/2010/main" val="3517816261"/>
+      </p:ext>
+    </p:extLst>
+  </p:cSld>
+  <p:clrMapOvr>
+    <a:masterClrMapping/>
+  </p:clrMapOvr>
+  <mc:AlternateContent xmlns:mc="http://schemas.openxmlformats.org/markup-compatibility/2006" xmlns:p14="http://schemas.microsoft.com/office/powerpoint/2010/main">
+    <mc:Choice Requires="p14">
+      <p:transition spd="slow" p14:dur="2500">
+        <p:checker dir="vert"/>
+      </p:transition>
+    </mc:Choice>
+    <mc:Fallback xmlns="">
+      <p:transition spd="slow">
+        <p:checker dir="vert"/>
+      </p:transition>
+    </mc:Fallback>
+  </mc:AlternateContent>
+</p:sld>
+</file>
+
+<file path=ppt/slides/slide7.xml><?xml version="1.0" encoding="utf-8"?>
 <p:sld xmlns:a="http://schemas.openxmlformats.org/drawingml/2006/main" xmlns:r="http://schemas.openxmlformats.org/officeDocument/2006/relationships" xmlns:p="http://schemas.openxmlformats.org/presentationml/2006/main">
   <p:cSld>
     <p:spTree>
@@ -10431,10 +13513,16 @@
               <a:buNone/>
             </a:pPr>
             <a:fld id="{00000000-1234-1234-1234-123412341234}" type="slidenum">
-              <a:rPr lang="ru-RU" smtClean="0"/>
-              <a:t>6</a:t>
+              <a:rPr lang="ru-RU" smtClean="0">
+                <a:latin typeface="Times New Roman" panose="02020603050405020304" pitchFamily="18" charset="0"/>
+                <a:cs typeface="Times New Roman" panose="02020603050405020304" pitchFamily="18" charset="0"/>
+              </a:rPr>
+              <a:t>7</a:t>
             </a:fld>
-            <a:endParaRPr lang="ru-RU" dirty="0"/>
+            <a:endParaRPr lang="ru-RU" dirty="0">
+              <a:latin typeface="Times New Roman" panose="02020603050405020304" pitchFamily="18" charset="0"/>
+              <a:cs typeface="Times New Roman" panose="02020603050405020304" pitchFamily="18" charset="0"/>
+            </a:endParaRPr>
           </a:p>
         </p:txBody>
       </p:sp>
@@ -10521,7 +13609,7 @@
                   <a:latin typeface="Times New Roman" panose="02020603050405020304" pitchFamily="18" charset="0"/>
                   <a:cs typeface="Times New Roman" panose="02020603050405020304" pitchFamily="18" charset="0"/>
                 </a:rPr>
-                <a:t>Результаты обработки исходного датасета (23 строки)</a:t>
+                <a:t>Результаты обработки базового датасета (23 строки)</a:t>
               </a:r>
               <a:endParaRPr lang="ru-RU" sz="2400" spc="180" dirty="0">
                 <a:latin typeface="Times New Roman" panose="02020603050405020304" pitchFamily="18" charset="0"/>
@@ -10957,7 +14045,7 @@
         <p:spPr>
           <a:xfrm>
             <a:off x="6061165" y="3589343"/>
-            <a:ext cx="5303519" cy="307777"/>
+            <a:ext cx="5303519" cy="523220"/>
           </a:xfrm>
           <a:prstGeom prst="rect">
             <a:avLst/>
@@ -10978,7 +14066,27 @@
                 <a:latin typeface="Times New Roman" panose="02020603050405020304" pitchFamily="18" charset="0"/>
                 <a:ea typeface="Arial" panose="020B0604020202020204" pitchFamily="34" charset="0"/>
               </a:rPr>
-              <a:t>2. Доверительный интервал для прогноза тренировочных значений</a:t>
+              <a:t>2. Доверительный интервал для прогноза тренировочных значений (</a:t>
+            </a:r>
+            <a:r>
+              <a:rPr lang="en-US" dirty="0">
+                <a:solidFill>
+                  <a:schemeClr val="tx1"/>
+                </a:solidFill>
+                <a:latin typeface="Times New Roman" panose="02020603050405020304" pitchFamily="18" charset="0"/>
+                <a:ea typeface="Arial" panose="020B0604020202020204" pitchFamily="34" charset="0"/>
+              </a:rPr>
+              <a:t>GradientBoostingRegressor</a:t>
+            </a:r>
+            <a:r>
+              <a:rPr lang="ru-RU" dirty="0">
+                <a:solidFill>
+                  <a:schemeClr val="tx1"/>
+                </a:solidFill>
+                <a:latin typeface="Times New Roman" panose="02020603050405020304" pitchFamily="18" charset="0"/>
+                <a:ea typeface="Arial" panose="020B0604020202020204" pitchFamily="34" charset="0"/>
+              </a:rPr>
+              <a:t>)</a:t>
             </a:r>
             <a:endParaRPr lang="ru-RU" dirty="0">
               <a:solidFill>
@@ -11725,8 +14833,8 @@
         </p:blipFill>
         <p:spPr>
           <a:xfrm>
-            <a:off x="6161608" y="3920983"/>
-            <a:ext cx="5090971" cy="2668113"/>
+            <a:off x="6161608" y="4112563"/>
+            <a:ext cx="5090971" cy="2476533"/>
           </a:xfrm>
           <a:prstGeom prst="rect">
             <a:avLst/>
@@ -11758,7 +14866,7 @@
 </p:sld>
 </file>
 
-<file path=ppt/slides/slide7.xml><?xml version="1.0" encoding="utf-8"?>
+<file path=ppt/slides/slide8.xml><?xml version="1.0" encoding="utf-8"?>
 <p:sld xmlns:a="http://schemas.openxmlformats.org/drawingml/2006/main" xmlns:r="http://schemas.openxmlformats.org/officeDocument/2006/relationships" xmlns:p="http://schemas.openxmlformats.org/presentationml/2006/main">
   <p:cSld>
     <p:spTree>
@@ -11806,10 +14914,16 @@
               <a:buNone/>
             </a:pPr>
             <a:fld id="{00000000-1234-1234-1234-123412341234}" type="slidenum">
-              <a:rPr lang="ru-RU" smtClean="0"/>
-              <a:t>7</a:t>
+              <a:rPr lang="ru-RU" smtClean="0">
+                <a:latin typeface="Times New Roman" panose="02020603050405020304" pitchFamily="18" charset="0"/>
+                <a:cs typeface="Times New Roman" panose="02020603050405020304" pitchFamily="18" charset="0"/>
+              </a:rPr>
+              <a:t>8</a:t>
             </a:fld>
-            <a:endParaRPr lang="ru-RU" dirty="0"/>
+            <a:endParaRPr lang="ru-RU" dirty="0">
+              <a:latin typeface="Times New Roman" panose="02020603050405020304" pitchFamily="18" charset="0"/>
+              <a:cs typeface="Times New Roman" panose="02020603050405020304" pitchFamily="18" charset="0"/>
+            </a:endParaRPr>
           </a:p>
         </p:txBody>
       </p:sp>
@@ -12084,11 +15198,17 @@
           </a:lstStyle>
           <a:p>
             <a:fld id="{00000000-1234-1234-1234-123412341234}" type="slidenum">
-              <a:rPr lang="ru-RU" smtClean="0"/>
+              <a:rPr lang="ru-RU" smtClean="0">
+                <a:latin typeface="Times New Roman" panose="02020603050405020304" pitchFamily="18" charset="0"/>
+                <a:cs typeface="Times New Roman" panose="02020603050405020304" pitchFamily="18" charset="0"/>
+              </a:rPr>
               <a:pPr/>
-              <a:t>7</a:t>
+              <a:t>8</a:t>
             </a:fld>
-            <a:endParaRPr lang="ru-RU" dirty="0"/>
+            <a:endParaRPr lang="ru-RU" dirty="0">
+              <a:latin typeface="Times New Roman" panose="02020603050405020304" pitchFamily="18" charset="0"/>
+              <a:cs typeface="Times New Roman" panose="02020603050405020304" pitchFamily="18" charset="0"/>
+            </a:endParaRPr>
           </a:p>
         </p:txBody>
       </p:sp>
@@ -12798,7 +15918,7 @@
                 <a:latin typeface="Times New Roman" panose="02020603050405020304" pitchFamily="18" charset="0"/>
                 <a:ea typeface="Arial" panose="020B0604020202020204" pitchFamily="34" charset="0"/>
               </a:rPr>
-              <a:t>'Соотношение матрица - наполнитель’</a:t>
+              <a:t>'Соотношение матрица - наполнитель'</a:t>
             </a:r>
             <a:endParaRPr lang="ru-RU" sz="1600" dirty="0">
               <a:solidFill>
@@ -12901,7 +16021,7 @@
         </p:nvSpPr>
         <p:spPr>
           <a:xfrm>
-            <a:off x="6365959" y="3631587"/>
+            <a:off x="6365959" y="3669687"/>
             <a:ext cx="5216432" cy="307777"/>
           </a:xfrm>
           <a:prstGeom prst="rect">
@@ -12999,7 +16119,7 @@
                 <a:latin typeface="Times New Roman" panose="02020603050405020304" pitchFamily="18" charset="0"/>
                 <a:ea typeface="Arial" panose="020B0604020202020204" pitchFamily="34" charset="0"/>
               </a:rPr>
-              <a:t>'Прочность при растяжении’</a:t>
+              <a:t>'Прочность при растяжении'</a:t>
             </a:r>
             <a:endParaRPr lang="ru-RU" sz="1600" dirty="0">
               <a:solidFill>
@@ -13085,7 +16205,7 @@
                 <a:latin typeface="Times New Roman" panose="02020603050405020304" pitchFamily="18" charset="0"/>
                 <a:ea typeface="Arial" panose="020B0604020202020204" pitchFamily="34" charset="0"/>
               </a:rPr>
-              <a:t>'Модуль упругости при растяжении’</a:t>
+              <a:t>'Модуль упругости при растяжении'</a:t>
             </a:r>
             <a:endParaRPr lang="ru-RU" dirty="0">
               <a:solidFill>
@@ -13389,7 +16509,7 @@
 </p:sld>
 </file>
 
-<file path=ppt/slides/slide8.xml><?xml version="1.0" encoding="utf-8"?>
+<file path=ppt/slides/slide9.xml><?xml version="1.0" encoding="utf-8"?>
 <p:sld xmlns:a="http://schemas.openxmlformats.org/drawingml/2006/main" xmlns:r="http://schemas.openxmlformats.org/officeDocument/2006/relationships" xmlns:p="http://schemas.openxmlformats.org/presentationml/2006/main">
   <p:cSld>
     <p:spTree>
@@ -13437,10 +16557,16 @@
               <a:buNone/>
             </a:pPr>
             <a:fld id="{00000000-1234-1234-1234-123412341234}" type="slidenum">
-              <a:rPr lang="ru-RU" smtClean="0"/>
-              <a:t>8</a:t>
+              <a:rPr lang="ru-RU" smtClean="0">
+                <a:latin typeface="Times New Roman" panose="02020603050405020304" pitchFamily="18" charset="0"/>
+                <a:cs typeface="Times New Roman" panose="02020603050405020304" pitchFamily="18" charset="0"/>
+              </a:rPr>
+              <a:t>9</a:t>
             </a:fld>
-            <a:endParaRPr lang="ru-RU" dirty="0"/>
+            <a:endParaRPr lang="ru-RU" dirty="0">
+              <a:latin typeface="Times New Roman" panose="02020603050405020304" pitchFamily="18" charset="0"/>
+              <a:cs typeface="Times New Roman" panose="02020603050405020304" pitchFamily="18" charset="0"/>
+            </a:endParaRPr>
           </a:p>
         </p:txBody>
       </p:sp>
@@ -14180,7 +17306,7 @@
                 <a:latin typeface="Times New Roman" panose="02020603050405020304" pitchFamily="18" charset="0"/>
                 <a:ea typeface="Arial" panose="020B0604020202020204" pitchFamily="34" charset="0"/>
               </a:rPr>
-              <a:t>'Соотношение матрица - наполнитель’ </a:t>
+              <a:t>'Соотношение матрица - наполнитель' </a:t>
             </a:r>
             <a:r>
               <a:rPr lang="en-US" dirty="0">
@@ -14373,7 +17499,7 @@
         </p:nvSpPr>
         <p:spPr>
           <a:xfrm>
-            <a:off x="6365959" y="3631587"/>
+            <a:off x="6365959" y="3679212"/>
             <a:ext cx="5216432" cy="307777"/>
           </a:xfrm>
           <a:prstGeom prst="rect">
@@ -14471,7 +17597,7 @@
                 <a:latin typeface="Times New Roman" panose="02020603050405020304" pitchFamily="18" charset="0"/>
                 <a:ea typeface="Arial" panose="020B0604020202020204" pitchFamily="34" charset="0"/>
               </a:rPr>
-              <a:t>'Прочность при растяжении’</a:t>
+              <a:t>'Прочность при растяжении'</a:t>
             </a:r>
             <a:r>
               <a:rPr lang="en-US" sz="1600" dirty="0">
@@ -14657,7 +17783,7 @@
                 <a:latin typeface="Times New Roman" panose="02020603050405020304" pitchFamily="18" charset="0"/>
                 <a:ea typeface="Arial" panose="020B0604020202020204" pitchFamily="34" charset="0"/>
               </a:rPr>
-              <a:t>'Модуль упругости при растяжении’</a:t>
+              <a:t>'Модуль упругости при растяжении'</a:t>
             </a:r>
             <a:r>
               <a:rPr lang="en-US" sz="1600" dirty="0">
@@ -15056,39 +18182,6 @@
       <p:transition spd="slow">
         <p:checker dir="vert"/>
       </p:transition>
-    </mc:Fallback>
-  </mc:AlternateContent>
-</p:sld>
-</file>
-
-<file path=ppt/slides/slide9.xml><?xml version="1.0" encoding="utf-8"?>
-<p:sld xmlns:a="http://schemas.openxmlformats.org/drawingml/2006/main" xmlns:r="http://schemas.openxmlformats.org/officeDocument/2006/relationships" xmlns:p="http://schemas.openxmlformats.org/presentationml/2006/main">
-  <p:cSld>
-    <p:spTree>
-      <p:nvGrpSpPr>
-        <p:cNvPr id="1" name="Shape 138"/>
-        <p:cNvGrpSpPr/>
-        <p:nvPr/>
-      </p:nvGrpSpPr>
-      <p:grpSpPr>
-        <a:xfrm>
-          <a:off x="0" y="0"/>
-          <a:ext cx="0" cy="0"/>
-          <a:chOff x="0" y="0"/>
-          <a:chExt cx="0" cy="0"/>
-        </a:xfrm>
-      </p:grpSpPr>
-    </p:spTree>
-  </p:cSld>
-  <p:clrMapOvr>
-    <a:masterClrMapping/>
-  </p:clrMapOvr>
-  <mc:AlternateContent xmlns:mc="http://schemas.openxmlformats.org/markup-compatibility/2006" xmlns:p14="http://schemas.microsoft.com/office/powerpoint/2010/main">
-    <mc:Choice Requires="p14">
-      <p:transition p14:dur="0"/>
-    </mc:Choice>
-    <mc:Fallback xmlns="">
-      <p:transition/>
     </mc:Fallback>
   </mc:AlternateContent>
 </p:sld>

--- a/Для защиты ВКР/Презентация ВКР. Горшков А. В..pptx
+++ b/Для защиты ВКР/Презентация ВКР. Горшков А. В..pptx
@@ -13478,7 +13478,7 @@
           <a:lstStyle/>
           <a:p>
             <a:pPr algn="ctr"/>
-            <a:endParaRPr lang="ru-RU"/>
+            <a:endParaRPr lang="ru-RU" dirty="0"/>
           </a:p>
         </p:txBody>
       </p:sp>

--- a/Для защиты ВКР/Презентация ВКР. Горшков А. В..pptx
+++ b/Для защиты ВКР/Презентация ВКР. Горшков А. В..pptx
@@ -288,7 +288,7 @@
       <p15:notesGuideLst xmlns:p15="http://schemas.microsoft.com/office/powerpoint/2012/main"/>
     </p:ext>
     <p:ext uri="http://customooxmlschemas.google.com/">
-      <go:slidesCustomData xmlns:go="http://customooxmlschemas.google.com/" xmlns:ahyp="http://schemas.microsoft.com/office/drawing/2018/hyperlinkcolor" xmlns:p15="http://schemas.microsoft.com/office/powerpoint/2012/main" xmlns:p14="http://schemas.microsoft.com/office/powerpoint/2010/main" xmlns:com="http://schemas.openxmlformats.org/drawingml/2006/compatibility" xmlns:pvml="urn:schemas-microsoft-com:office:powerpoint" xmlns:v="urn:schemas-microsoft-com:vml" xmlns:o="urn:schemas-microsoft-com:office:office" xmlns:dgm="http://schemas.openxmlformats.org/drawingml/2006/diagram" xmlns:c="http://schemas.openxmlformats.org/drawingml/2006/chart" xmlns:mv="urn:schemas-microsoft-com:mac:vml" xmlns:mc="http://schemas.openxmlformats.org/markup-compatibility/2006" xmlns="" r:id="rId25" roundtripDataSignature="AMtx7mg2fLzW2NWhC2ejww7VA5lENbgL/Q=="/>
+      <go:slidesCustomData xmlns="" xmlns:mc="http://schemas.openxmlformats.org/markup-compatibility/2006" xmlns:mv="urn:schemas-microsoft-com:mac:vml" xmlns:c="http://schemas.openxmlformats.org/drawingml/2006/chart" xmlns:dgm="http://schemas.openxmlformats.org/drawingml/2006/diagram" xmlns:o="urn:schemas-microsoft-com:office:office" xmlns:v="urn:schemas-microsoft-com:vml" xmlns:pvml="urn:schemas-microsoft-com:office:powerpoint" xmlns:com="http://schemas.openxmlformats.org/drawingml/2006/compatibility" xmlns:p14="http://schemas.microsoft.com/office/powerpoint/2010/main" xmlns:p15="http://schemas.microsoft.com/office/powerpoint/2012/main" xmlns:ahyp="http://schemas.microsoft.com/office/drawing/2018/hyperlinkcolor" xmlns:go="http://customooxmlschemas.google.com/" r:id="rId25" roundtripDataSignature="AMtx7mg2fLzW2NWhC2ejww7VA5lENbgL/Q=="/>
     </p:ext>
   </p:extLst>
 </p:presentation>
@@ -6904,7 +6904,7 @@
                     <a:latin typeface="Times New Roman" panose="02020603050405020304" pitchFamily="18" charset="0"/>
                     <a:cs typeface="Times New Roman" panose="02020603050405020304" pitchFamily="18" charset="0"/>
                   </a:rPr>
-                  <a:t> = 0,352.</a:t>
+                  <a:t> = 0,411.</a:t>
                 </a:r>
               </a:p>
               <a:p>
@@ -7407,7 +7407,7 @@
             <a:p>
               <a:pPr algn="ctr"/>
               <a:r>
-                <a:rPr lang="ru-RU" sz="2400" spc="180" dirty="0">
+                <a:rPr lang="ru-RU" sz="2800" spc="180" dirty="0">
                   <a:ln>
                     <a:solidFill>
                       <a:srgbClr val="065CAB"/>
@@ -7419,7 +7419,7 @@
                   <a:latin typeface="Times New Roman" panose="02020603050405020304" pitchFamily="18" charset="0"/>
                   <a:cs typeface="Times New Roman" panose="02020603050405020304" pitchFamily="18" charset="0"/>
                 </a:rPr>
-                <a:t>Выводы</a:t>
+                <a:t>Заключение</a:t>
               </a:r>
               <a:endParaRPr lang="ru-RU" sz="2400" spc="180" dirty="0">
                 <a:latin typeface="Times New Roman" panose="02020603050405020304" pitchFamily="18" charset="0"/>
@@ -11180,7 +11180,7 @@
         </p:nvSpPr>
         <p:spPr>
           <a:xfrm>
-            <a:off x="3131808" y="1405305"/>
+            <a:off x="3093708" y="1405305"/>
             <a:ext cx="6099381" cy="400110"/>
           </a:xfrm>
           <a:prstGeom prst="rect">
@@ -11356,7 +11356,7 @@
         </p:nvSpPr>
         <p:spPr>
           <a:xfrm>
-            <a:off x="3248771" y="2063466"/>
+            <a:off x="3277346" y="2063466"/>
             <a:ext cx="5672039" cy="400110"/>
           </a:xfrm>
           <a:prstGeom prst="rect">
@@ -11726,7 +11726,7 @@
                   <a:latin typeface="Times New Roman" panose="02020603050405020304" pitchFamily="18" charset="0"/>
                   <a:cs typeface="Times New Roman" panose="02020603050405020304" pitchFamily="18" charset="0"/>
                 </a:rPr>
-                <a:t>Расчет коэффициента детерминации </a:t>
+                <a:t>Аналитический коэффициент детерминации </a:t>
               </a:r>
               <a:r>
                 <a:rPr lang="en-US" sz="2800" i="1" spc="180" dirty="0">
@@ -11757,36 +11757,6 @@
                   <a:cs typeface="Times New Roman" panose="02020603050405020304" pitchFamily="18" charset="0"/>
                 </a:rPr>
                 <a:t>2</a:t>
-              </a:r>
-              <a:r>
-                <a:rPr lang="ru-RU" sz="2800" spc="180" baseline="30000" dirty="0">
-                  <a:ln>
-                    <a:solidFill>
-                      <a:srgbClr val="065CAB"/>
-                    </a:solidFill>
-                  </a:ln>
-                  <a:solidFill>
-                    <a:srgbClr val="065CAB"/>
-                  </a:solidFill>
-                  <a:latin typeface="Times New Roman" panose="02020603050405020304" pitchFamily="18" charset="0"/>
-                  <a:cs typeface="Times New Roman" panose="02020603050405020304" pitchFamily="18" charset="0"/>
-                </a:rPr>
-                <a:t> </a:t>
-              </a:r>
-              <a:r>
-                <a:rPr lang="ru-RU" sz="2800" spc="180" dirty="0">
-                  <a:ln>
-                    <a:solidFill>
-                      <a:srgbClr val="065CAB"/>
-                    </a:solidFill>
-                  </a:ln>
-                  <a:solidFill>
-                    <a:srgbClr val="065CAB"/>
-                  </a:solidFill>
-                  <a:latin typeface="Times New Roman" panose="02020603050405020304" pitchFamily="18" charset="0"/>
-                  <a:cs typeface="Times New Roman" panose="02020603050405020304" pitchFamily="18" charset="0"/>
-                </a:rPr>
-                <a:t>для МНК </a:t>
               </a:r>
               <a:endParaRPr lang="ru-RU" sz="2800" spc="180" dirty="0">
                 <a:latin typeface="Times New Roman" panose="02020603050405020304" pitchFamily="18" charset="0"/>
@@ -12283,8 +12253,8 @@
           </a:p>
         </p:txBody>
       </p:sp>
-      <mc:AlternateContent xmlns:mc="http://schemas.openxmlformats.org/markup-compatibility/2006">
-        <mc:Choice xmlns:a14="http://schemas.microsoft.com/office/drawing/2010/main" Requires="a14">
+      <mc:AlternateContent xmlns:mc="http://schemas.openxmlformats.org/markup-compatibility/2006" xmlns:a14="http://schemas.microsoft.com/office/drawing/2010/main">
+        <mc:Choice Requires="a14">
           <p:sp>
             <p:nvSpPr>
               <p:cNvPr id="14" name="Прямоугольник 13">
@@ -12312,6 +12282,7 @@
               </a:bodyPr>
               <a:lstStyle/>
               <a:p>
+                <a:pPr/>
                 <a14:m>
                   <m:oMathPara xmlns:m="http://schemas.openxmlformats.org/officeDocument/2006/math">
                     <m:oMathParaPr>
@@ -12321,7 +12292,7 @@
                       <m:sSup>
                         <m:sSupPr>
                           <m:ctrlPr>
-                            <a:rPr lang="ru-RU" sz="1800">
+                            <a:rPr lang="ru-RU" sz="1800" i="1">
                               <a:latin typeface="Cambria Math" panose="02040503050406030204" pitchFamily="18" charset="0"/>
                             </a:rPr>
                           </m:ctrlPr>
@@ -12407,7 +12378,7 @@
             </p:txBody>
           </p:sp>
         </mc:Choice>
-        <mc:Fallback>
+        <mc:Fallback xmlns="">
           <p:sp>
             <p:nvSpPr>
               <p:cNvPr id="14" name="Прямоугольник 13">
@@ -12776,8 +12747,8 @@
           </a:p>
         </p:txBody>
       </p:sp>
-      <mc:AlternateContent xmlns:mc="http://schemas.openxmlformats.org/markup-compatibility/2006">
-        <mc:Choice xmlns:a14="http://schemas.microsoft.com/office/drawing/2010/main" Requires="a14">
+      <mc:AlternateContent xmlns:mc="http://schemas.openxmlformats.org/markup-compatibility/2006" xmlns:a14="http://schemas.microsoft.com/office/drawing/2010/main">
+        <mc:Choice Requires="a14">
           <p:sp>
             <p:nvSpPr>
               <p:cNvPr id="19" name="Прямоугольник 18">
@@ -12810,7 +12781,7 @@
                     <m:sSup>
                       <m:sSupPr>
                         <m:ctrlPr>
-                          <a:rPr lang="ru-RU" sz="1600" smtClean="0">
+                          <a:rPr lang="ru-RU" sz="1600" i="1" smtClean="0">
                             <a:latin typeface="Cambria Math" panose="02040503050406030204" pitchFamily="18" charset="0"/>
                           </a:rPr>
                         </m:ctrlPr>
@@ -12849,7 +12820,7 @@
             </p:txBody>
           </p:sp>
         </mc:Choice>
-        <mc:Fallback>
+        <mc:Fallback xmlns="">
           <p:sp>
             <p:nvSpPr>
               <p:cNvPr id="19" name="Прямоугольник 18">
@@ -12894,8 +12865,8 @@
           </p:sp>
         </mc:Fallback>
       </mc:AlternateContent>
-      <mc:AlternateContent xmlns:mc="http://schemas.openxmlformats.org/markup-compatibility/2006">
-        <mc:Choice xmlns:a14="http://schemas.microsoft.com/office/drawing/2010/main" Requires="a14">
+      <mc:AlternateContent xmlns:mc="http://schemas.openxmlformats.org/markup-compatibility/2006" xmlns:a14="http://schemas.microsoft.com/office/drawing/2010/main">
+        <mc:Choice Requires="a14">
           <p:sp>
             <p:nvSpPr>
               <p:cNvPr id="21" name="Прямоугольник 20">
@@ -12928,7 +12899,7 @@
                     <m:sSup>
                       <m:sSupPr>
                         <m:ctrlPr>
-                          <a:rPr lang="ru-RU" sz="1600" smtClean="0">
+                          <a:rPr lang="ru-RU" sz="1600" i="1" smtClean="0">
                             <a:latin typeface="Cambria Math" panose="02040503050406030204" pitchFamily="18" charset="0"/>
                           </a:rPr>
                         </m:ctrlPr>
@@ -12963,7 +12934,7 @@
             </p:txBody>
           </p:sp>
         </mc:Choice>
-        <mc:Fallback>
+        <mc:Fallback xmlns="">
           <p:sp>
             <p:nvSpPr>
               <p:cNvPr id="21" name="Прямоугольник 20">
@@ -13095,7 +13066,6 @@
           </a:bodyPr>
           <a:lstStyle/>
           <a:p>
-            <a:pPr algn="ctr"/>
             <a:r>
               <a:rPr lang="ru-RU" sz="1600" b="1" dirty="0">
                 <a:solidFill>
@@ -13107,7 +13077,7 @@
                 <a:ea typeface="Arial" panose="020B0604020202020204" pitchFamily="34" charset="0"/>
                 <a:cs typeface="Times New Roman" panose="02020603050405020304" pitchFamily="18" charset="0"/>
               </a:rPr>
-              <a:t>Применение коэффициента детерминации для МНК </a:t>
+              <a:t>                                         Применение аналитического коэффициента детерминации</a:t>
             </a:r>
           </a:p>
           <a:p>

--- a/Для защиты ВКР/Презентация ВКР. Горшков А. В..pptx
+++ b/Для защиты ВКР/Презентация ВКР. Горшков А. В..pptx
@@ -288,7 +288,7 @@
       <p15:notesGuideLst xmlns:p15="http://schemas.microsoft.com/office/powerpoint/2012/main"/>
     </p:ext>
     <p:ext uri="http://customooxmlschemas.google.com/">
-      <go:slidesCustomData xmlns="" xmlns:mc="http://schemas.openxmlformats.org/markup-compatibility/2006" xmlns:mv="urn:schemas-microsoft-com:mac:vml" xmlns:c="http://schemas.openxmlformats.org/drawingml/2006/chart" xmlns:dgm="http://schemas.openxmlformats.org/drawingml/2006/diagram" xmlns:o="urn:schemas-microsoft-com:office:office" xmlns:v="urn:schemas-microsoft-com:vml" xmlns:pvml="urn:schemas-microsoft-com:office:powerpoint" xmlns:com="http://schemas.openxmlformats.org/drawingml/2006/compatibility" xmlns:p14="http://schemas.microsoft.com/office/powerpoint/2010/main" xmlns:p15="http://schemas.microsoft.com/office/powerpoint/2012/main" xmlns:ahyp="http://schemas.microsoft.com/office/drawing/2018/hyperlinkcolor" xmlns:go="http://customooxmlschemas.google.com/" r:id="rId25" roundtripDataSignature="AMtx7mg2fLzW2NWhC2ejww7VA5lENbgL/Q=="/>
+      <go:slidesCustomData xmlns:go="http://customooxmlschemas.google.com/" xmlns:ahyp="http://schemas.microsoft.com/office/drawing/2018/hyperlinkcolor" xmlns:p15="http://schemas.microsoft.com/office/powerpoint/2012/main" xmlns:p14="http://schemas.microsoft.com/office/powerpoint/2010/main" xmlns:com="http://schemas.openxmlformats.org/drawingml/2006/compatibility" xmlns:pvml="urn:schemas-microsoft-com:office:powerpoint" xmlns:v="urn:schemas-microsoft-com:vml" xmlns:o="urn:schemas-microsoft-com:office:office" xmlns:dgm="http://schemas.openxmlformats.org/drawingml/2006/diagram" xmlns:c="http://schemas.openxmlformats.org/drawingml/2006/chart" xmlns:mv="urn:schemas-microsoft-com:mac:vml" xmlns:mc="http://schemas.openxmlformats.org/markup-compatibility/2006" xmlns="" r:id="rId25" roundtripDataSignature="AMtx7mg2fLzW2NWhC2ejww7VA5lENbgL/Q=="/>
     </p:ext>
   </p:extLst>
 </p:presentation>
@@ -6813,7 +6813,7 @@
                     <a:latin typeface="Times New Roman" panose="02020603050405020304" pitchFamily="18" charset="0"/>
                     <a:cs typeface="Times New Roman" panose="02020603050405020304" pitchFamily="18" charset="0"/>
                   </a:rPr>
-                  <a:t>Для очистки датасета от шума и помех разработан фильтр, ядром (маской) которого являются наблюдения базового датасета.</a:t>
+                  <a:t>Для очистки датасета от шума и помех разработан фильтр, ядром (маской) которого являются объекты базового датасета.</a:t>
                 </a:r>
               </a:p>
               <a:p>
@@ -10049,7 +10049,7 @@
         <p:spPr>
           <a:xfrm>
             <a:off x="1797812" y="5252535"/>
-            <a:ext cx="3685624" cy="307777"/>
+            <a:ext cx="3385863" cy="307777"/>
           </a:xfrm>
           <a:prstGeom prst="rect">
             <a:avLst/>
@@ -10066,7 +10066,7 @@
                 <a:latin typeface="Times New Roman" panose="02020603050405020304" pitchFamily="18" charset="0"/>
                 <a:ea typeface="Arial" panose="020B0604020202020204" pitchFamily="34" charset="0"/>
               </a:rPr>
-              <a:t> - наблюдения базового датасета (23 строки); </a:t>
+              <a:t> - объекты базового датасета (23 строки); </a:t>
             </a:r>
             <a:endParaRPr lang="ru-RU" dirty="0"/>
           </a:p>
@@ -10087,7 +10087,7 @@
         <p:spPr>
           <a:xfrm>
             <a:off x="1797812" y="5550265"/>
-            <a:ext cx="3573414" cy="307777"/>
+            <a:ext cx="3273653" cy="307777"/>
           </a:xfrm>
           <a:prstGeom prst="rect">
             <a:avLst/>
@@ -10104,7 +10104,7 @@
                 <a:latin typeface="Times New Roman" panose="02020603050405020304" pitchFamily="18" charset="0"/>
                 <a:ea typeface="Arial" panose="020B0604020202020204" pitchFamily="34" charset="0"/>
               </a:rPr>
-              <a:t> - остальные наблюдения полного датасета; </a:t>
+              <a:t> - остальные объекты полного датасета; </a:t>
             </a:r>
             <a:endParaRPr lang="ru-RU" dirty="0"/>
           </a:p>
@@ -10142,7 +10142,7 @@
                 <a:latin typeface="Times New Roman" panose="02020603050405020304" pitchFamily="18" charset="0"/>
                 <a:ea typeface="Arial" panose="020B0604020202020204" pitchFamily="34" charset="0"/>
               </a:rPr>
-              <a:t> - наблюдения, ближайшие к наблюдениям</a:t>
+              <a:t> - объекты, ближайшие к объектам</a:t>
             </a:r>
           </a:p>
           <a:p>
@@ -10219,7 +10219,7 @@
                 <a:latin typeface="Times New Roman" panose="02020603050405020304" pitchFamily="18" charset="0"/>
                 <a:ea typeface="Arial" panose="020B0604020202020204" pitchFamily="34" charset="0"/>
               </a:rPr>
-              <a:t> - наблюдения, оставшиеся после </a:t>
+              <a:t> - объекты, оставшиеся после </a:t>
             </a:r>
           </a:p>
           <a:p>
@@ -10633,7 +10633,7 @@
                 <a:latin typeface="Times New Roman" panose="02020603050405020304" pitchFamily="18" charset="0"/>
                 <a:cs typeface="Times New Roman" panose="02020603050405020304" pitchFamily="18" charset="0"/>
               </a:rPr>
-              <a:t>ядром (маской) которого являются наблюдения (строки) базового датасета</a:t>
+              <a:t>ядром (маской) которого являются объекты (строки) базового датасета</a:t>
             </a:r>
             <a:endParaRPr lang="ru-RU" sz="2800" dirty="0">
               <a:solidFill>

--- a/Для защиты ВКР/Презентация ВКР. Горшков А. В..pptx
+++ b/Для защиты ВКР/Презентация ВКР. Горшков А. В..pptx
@@ -12105,7 +12105,7 @@
         </p:nvSpPr>
         <p:spPr>
           <a:xfrm>
-            <a:off x="2522205" y="1379176"/>
+            <a:off x="2522205" y="1361758"/>
             <a:ext cx="6099381" cy="400110"/>
           </a:xfrm>
           <a:prstGeom prst="rect">
@@ -13039,137 +13039,248 @@
           </a:prstGeom>
         </p:spPr>
       </p:pic>
-      <p:sp>
-        <p:nvSpPr>
-          <p:cNvPr id="25" name="Прямоугольник 24">
-            <a:extLst>
-              <a:ext uri="{FF2B5EF4-FFF2-40B4-BE49-F238E27FC236}">
-                <a16:creationId xmlns:a16="http://schemas.microsoft.com/office/drawing/2014/main" id="{52D7CA9F-3D9A-4D79-A277-003800426DC9}"/>
-              </a:ext>
-            </a:extLst>
-          </p:cNvPr>
-          <p:cNvSpPr/>
-          <p:nvPr/>
-        </p:nvSpPr>
-        <p:spPr>
-          <a:xfrm>
-            <a:off x="733426" y="5835999"/>
-            <a:ext cx="11345524" cy="877163"/>
-          </a:xfrm>
-          <a:prstGeom prst="rect">
-            <a:avLst/>
-          </a:prstGeom>
-        </p:spPr>
-        <p:txBody>
-          <a:bodyPr wrap="square">
-            <a:spAutoFit/>
-          </a:bodyPr>
-          <a:lstStyle/>
-          <a:p>
-            <a:r>
-              <a:rPr lang="ru-RU" sz="1600" b="1" dirty="0">
-                <a:solidFill>
-                  <a:schemeClr val="accent1">
-                    <a:lumMod val="75000"/>
-                  </a:schemeClr>
-                </a:solidFill>
-                <a:latin typeface="Times New Roman" panose="02020603050405020304" pitchFamily="18" charset="0"/>
-                <a:ea typeface="Arial" panose="020B0604020202020204" pitchFamily="34" charset="0"/>
-                <a:cs typeface="Times New Roman" panose="02020603050405020304" pitchFamily="18" charset="0"/>
-              </a:rPr>
-              <a:t>                                         Применение аналитического коэффициента детерминации</a:t>
-            </a:r>
-          </a:p>
-          <a:p>
-            <a:r>
-              <a:rPr lang="ru-RU" sz="1700" dirty="0">
-                <a:solidFill>
-                  <a:schemeClr val="accent1">
-                    <a:lumMod val="75000"/>
-                  </a:schemeClr>
-                </a:solidFill>
-                <a:latin typeface="Times New Roman" panose="02020603050405020304" pitchFamily="18" charset="0"/>
-                <a:ea typeface="Arial" panose="020B0604020202020204" pitchFamily="34" charset="0"/>
-                <a:cs typeface="Times New Roman" panose="02020603050405020304" pitchFamily="18" charset="0"/>
-              </a:rPr>
-              <a:t>1. Для оценки принципиальной возможности построения приемлемой модели для данного датасета.</a:t>
-            </a:r>
-          </a:p>
-          <a:p>
-            <a:r>
-              <a:rPr lang="ru-RU" sz="1700" dirty="0">
-                <a:solidFill>
-                  <a:schemeClr val="accent1">
-                    <a:lumMod val="75000"/>
-                  </a:schemeClr>
-                </a:solidFill>
-                <a:latin typeface="Times New Roman" panose="02020603050405020304" pitchFamily="18" charset="0"/>
-                <a:ea typeface="Arial" panose="020B0604020202020204" pitchFamily="34" charset="0"/>
-                <a:cs typeface="Times New Roman" panose="02020603050405020304" pitchFamily="18" charset="0"/>
-              </a:rPr>
-              <a:t>2. Для </a:t>
-            </a:r>
-            <a:r>
-              <a:rPr lang="ru-RU" sz="1700" dirty="0">
-                <a:solidFill>
-                  <a:schemeClr val="accent1">
-                    <a:lumMod val="75000"/>
-                  </a:schemeClr>
-                </a:solidFill>
-                <a:latin typeface="Times New Roman" panose="02020603050405020304" pitchFamily="18" charset="0"/>
-                <a:cs typeface="Times New Roman" panose="02020603050405020304" pitchFamily="18" charset="0"/>
-              </a:rPr>
-              <a:t>контроля подобия создаваемых обучающей и тестовой выборок (с целью предотвращения пере- и </a:t>
-            </a:r>
-            <a:r>
-              <a:rPr lang="ru-RU" sz="1700" dirty="0" err="1">
-                <a:solidFill>
-                  <a:schemeClr val="accent1">
-                    <a:lumMod val="75000"/>
-                  </a:schemeClr>
-                </a:solidFill>
-                <a:latin typeface="Times New Roman" panose="02020603050405020304" pitchFamily="18" charset="0"/>
-                <a:cs typeface="Times New Roman" panose="02020603050405020304" pitchFamily="18" charset="0"/>
-              </a:rPr>
-              <a:t>недообучения</a:t>
-            </a:r>
-            <a:r>
-              <a:rPr lang="ru-RU" sz="1700" dirty="0">
-                <a:solidFill>
-                  <a:schemeClr val="accent1">
-                    <a:lumMod val="75000"/>
-                  </a:schemeClr>
-                </a:solidFill>
-                <a:latin typeface="Times New Roman" panose="02020603050405020304" pitchFamily="18" charset="0"/>
-                <a:cs typeface="Times New Roman" panose="02020603050405020304" pitchFamily="18" charset="0"/>
-              </a:rPr>
-              <a:t>)</a:t>
-            </a:r>
-            <a:r>
-              <a:rPr lang="ru-RU" sz="1700" dirty="0">
-                <a:solidFill>
-                  <a:schemeClr val="accent1">
-                    <a:lumMod val="75000"/>
-                  </a:schemeClr>
-                </a:solidFill>
-                <a:latin typeface="Times New Roman" panose="02020603050405020304" pitchFamily="18" charset="0"/>
-                <a:ea typeface="Arial" panose="020B0604020202020204" pitchFamily="34" charset="0"/>
-                <a:cs typeface="Times New Roman" panose="02020603050405020304" pitchFamily="18" charset="0"/>
-              </a:rPr>
-              <a:t>.</a:t>
-            </a:r>
-            <a:endParaRPr lang="ru-RU" sz="1700" dirty="0">
-              <a:solidFill>
-                <a:schemeClr val="accent1">
-                  <a:lumMod val="75000"/>
-                </a:schemeClr>
-              </a:solidFill>
-              <a:latin typeface="Times New Roman" panose="02020603050405020304" pitchFamily="18" charset="0"/>
-              <a:cs typeface="Times New Roman" panose="02020603050405020304" pitchFamily="18" charset="0"/>
-            </a:endParaRPr>
-          </a:p>
-        </p:txBody>
-      </p:sp>
+      <mc:AlternateContent xmlns:mc="http://schemas.openxmlformats.org/markup-compatibility/2006">
+        <mc:Choice xmlns:a14="http://schemas.microsoft.com/office/drawing/2010/main" Requires="a14">
+          <p:sp>
+            <p:nvSpPr>
+              <p:cNvPr id="25" name="Прямоугольник 24">
+                <a:extLst>
+                  <a:ext uri="{FF2B5EF4-FFF2-40B4-BE49-F238E27FC236}">
+                    <a16:creationId xmlns:a16="http://schemas.microsoft.com/office/drawing/2014/main" id="{52D7CA9F-3D9A-4D79-A277-003800426DC9}"/>
+                  </a:ext>
+                </a:extLst>
+              </p:cNvPr>
+              <p:cNvSpPr/>
+              <p:nvPr/>
+            </p:nvSpPr>
+            <p:spPr>
+              <a:xfrm>
+                <a:off x="733426" y="5835999"/>
+                <a:ext cx="11345524" cy="877163"/>
+              </a:xfrm>
+              <a:prstGeom prst="rect">
+                <a:avLst/>
+              </a:prstGeom>
+            </p:spPr>
+            <p:txBody>
+              <a:bodyPr wrap="square">
+                <a:spAutoFit/>
+              </a:bodyPr>
+              <a:lstStyle/>
+              <a:p>
+                <a:r>
+                  <a:rPr lang="ru-RU" sz="1600" b="1" dirty="0">
+                    <a:solidFill>
+                      <a:schemeClr val="accent1">
+                        <a:lumMod val="75000"/>
+                      </a:schemeClr>
+                    </a:solidFill>
+                    <a:latin typeface="Times New Roman" panose="02020603050405020304" pitchFamily="18" charset="0"/>
+                    <a:ea typeface="Arial" panose="020B0604020202020204" pitchFamily="34" charset="0"/>
+                    <a:cs typeface="Times New Roman" panose="02020603050405020304" pitchFamily="18" charset="0"/>
+                  </a:rPr>
+                  <a:t>                                         Применение аналитического коэффициента детерминации </a:t>
+                </a:r>
+                <a14:m>
+                  <m:oMath xmlns:m="http://schemas.openxmlformats.org/officeDocument/2006/math">
+                    <m:sSup>
+                      <m:sSupPr>
+                        <m:ctrlPr>
+                          <a:rPr lang="ru-RU" sz="1600" b="1">
+                            <a:solidFill>
+                              <a:schemeClr val="accent1">
+                                <a:lumMod val="75000"/>
+                              </a:schemeClr>
+                            </a:solidFill>
+                            <a:latin typeface="Times New Roman" panose="02020603050405020304" pitchFamily="18" charset="0"/>
+                            <a:ea typeface="Arial" panose="020B0604020202020204" pitchFamily="34" charset="0"/>
+                            <a:cs typeface="Times New Roman" panose="02020603050405020304" pitchFamily="18" charset="0"/>
+                          </a:rPr>
+                        </m:ctrlPr>
+                      </m:sSupPr>
+                      <m:e>
+                        <m:r>
+                          <a:rPr lang="ru-RU" sz="1600" b="1" i="1">
+                            <a:solidFill>
+                              <a:schemeClr val="accent1">
+                                <a:lumMod val="75000"/>
+                              </a:schemeClr>
+                            </a:solidFill>
+                            <a:latin typeface="Times New Roman" panose="02020603050405020304" pitchFamily="18" charset="0"/>
+                            <a:ea typeface="Arial" panose="020B0604020202020204" pitchFamily="34" charset="0"/>
+                            <a:cs typeface="Times New Roman" panose="02020603050405020304" pitchFamily="18" charset="0"/>
+                          </a:rPr>
+                          <m:t>𝑹</m:t>
+                        </m:r>
+                      </m:e>
+                      <m:sup>
+                        <m:r>
+                          <a:rPr lang="ru-RU" sz="1600" b="1" i="1">
+                            <a:solidFill>
+                              <a:schemeClr val="accent1">
+                                <a:lumMod val="75000"/>
+                              </a:schemeClr>
+                            </a:solidFill>
+                            <a:latin typeface="Times New Roman" panose="02020603050405020304" pitchFamily="18" charset="0"/>
+                            <a:ea typeface="Arial" panose="020B0604020202020204" pitchFamily="34" charset="0"/>
+                            <a:cs typeface="Times New Roman" panose="02020603050405020304" pitchFamily="18" charset="0"/>
+                          </a:rPr>
+                          <m:t>𝟐</m:t>
+                        </m:r>
+                      </m:sup>
+                    </m:sSup>
+                  </m:oMath>
+                </a14:m>
+                <a:r>
+                  <a:rPr lang="ru-RU" sz="1600" b="1" dirty="0">
+                    <a:solidFill>
+                      <a:schemeClr val="accent1">
+                        <a:lumMod val="75000"/>
+                      </a:schemeClr>
+                    </a:solidFill>
+                    <a:latin typeface="Times New Roman" panose="02020603050405020304" pitchFamily="18" charset="0"/>
+                    <a:ea typeface="Arial" panose="020B0604020202020204" pitchFamily="34" charset="0"/>
+                    <a:cs typeface="Times New Roman" panose="02020603050405020304" pitchFamily="18" charset="0"/>
+                  </a:rPr>
+                  <a:t> </a:t>
+                </a:r>
+              </a:p>
+              <a:p>
+                <a:r>
+                  <a:rPr lang="ru-RU" sz="1700" dirty="0">
+                    <a:solidFill>
+                      <a:schemeClr val="accent1">
+                        <a:lumMod val="75000"/>
+                      </a:schemeClr>
+                    </a:solidFill>
+                    <a:latin typeface="Times New Roman" panose="02020603050405020304" pitchFamily="18" charset="0"/>
+                    <a:ea typeface="Arial" panose="020B0604020202020204" pitchFamily="34" charset="0"/>
+                    <a:cs typeface="Times New Roman" panose="02020603050405020304" pitchFamily="18" charset="0"/>
+                  </a:rPr>
+                  <a:t>1. Для оценки принципиальной возможности построения нетривиальной (не константной) модели для данного датасета.</a:t>
+                </a:r>
+              </a:p>
+              <a:p>
+                <a:r>
+                  <a:rPr lang="ru-RU" sz="1700" dirty="0">
+                    <a:solidFill>
+                      <a:schemeClr val="accent1">
+                        <a:lumMod val="75000"/>
+                      </a:schemeClr>
+                    </a:solidFill>
+                    <a:latin typeface="Times New Roman" panose="02020603050405020304" pitchFamily="18" charset="0"/>
+                    <a:ea typeface="Arial" panose="020B0604020202020204" pitchFamily="34" charset="0"/>
+                    <a:cs typeface="Times New Roman" panose="02020603050405020304" pitchFamily="18" charset="0"/>
+                  </a:rPr>
+                  <a:t>2. Для </a:t>
+                </a:r>
+                <a:r>
+                  <a:rPr lang="ru-RU" sz="1700" dirty="0">
+                    <a:solidFill>
+                      <a:schemeClr val="accent1">
+                        <a:lumMod val="75000"/>
+                      </a:schemeClr>
+                    </a:solidFill>
+                    <a:latin typeface="Times New Roman" panose="02020603050405020304" pitchFamily="18" charset="0"/>
+                    <a:cs typeface="Times New Roman" panose="02020603050405020304" pitchFamily="18" charset="0"/>
+                  </a:rPr>
+                  <a:t>контроля подобия создаваемых обучающей и тестовой выборок (с целью предотвращения пере- и </a:t>
+                </a:r>
+                <a:r>
+                  <a:rPr lang="ru-RU" sz="1700" dirty="0" err="1">
+                    <a:solidFill>
+                      <a:schemeClr val="accent1">
+                        <a:lumMod val="75000"/>
+                      </a:schemeClr>
+                    </a:solidFill>
+                    <a:latin typeface="Times New Roman" panose="02020603050405020304" pitchFamily="18" charset="0"/>
+                    <a:cs typeface="Times New Roman" panose="02020603050405020304" pitchFamily="18" charset="0"/>
+                  </a:rPr>
+                  <a:t>недообучения</a:t>
+                </a:r>
+                <a:r>
+                  <a:rPr lang="ru-RU" sz="1700" dirty="0">
+                    <a:solidFill>
+                      <a:schemeClr val="accent1">
+                        <a:lumMod val="75000"/>
+                      </a:schemeClr>
+                    </a:solidFill>
+                    <a:latin typeface="Times New Roman" panose="02020603050405020304" pitchFamily="18" charset="0"/>
+                    <a:cs typeface="Times New Roman" panose="02020603050405020304" pitchFamily="18" charset="0"/>
+                  </a:rPr>
+                  <a:t>)</a:t>
+                </a:r>
+                <a:r>
+                  <a:rPr lang="ru-RU" sz="1700" dirty="0">
+                    <a:solidFill>
+                      <a:schemeClr val="accent1">
+                        <a:lumMod val="75000"/>
+                      </a:schemeClr>
+                    </a:solidFill>
+                    <a:latin typeface="Times New Roman" panose="02020603050405020304" pitchFamily="18" charset="0"/>
+                    <a:ea typeface="Arial" panose="020B0604020202020204" pitchFamily="34" charset="0"/>
+                    <a:cs typeface="Times New Roman" panose="02020603050405020304" pitchFamily="18" charset="0"/>
+                  </a:rPr>
+                  <a:t>.</a:t>
+                </a:r>
+                <a:endParaRPr lang="ru-RU" sz="1700" dirty="0">
+                  <a:solidFill>
+                    <a:schemeClr val="accent1">
+                      <a:lumMod val="75000"/>
+                    </a:schemeClr>
+                  </a:solidFill>
+                  <a:latin typeface="Times New Roman" panose="02020603050405020304" pitchFamily="18" charset="0"/>
+                  <a:cs typeface="Times New Roman" panose="02020603050405020304" pitchFamily="18" charset="0"/>
+                </a:endParaRPr>
+              </a:p>
+            </p:txBody>
+          </p:sp>
+        </mc:Choice>
+        <mc:Fallback>
+          <p:sp>
+            <p:nvSpPr>
+              <p:cNvPr id="25" name="Прямоугольник 24">
+                <a:extLst>
+                  <a:ext uri="{FF2B5EF4-FFF2-40B4-BE49-F238E27FC236}">
+                    <a16:creationId xmlns:a16="http://schemas.microsoft.com/office/drawing/2014/main" id="{52D7CA9F-3D9A-4D79-A277-003800426DC9}"/>
+                  </a:ext>
+                </a:extLst>
+              </p:cNvPr>
+              <p:cNvSpPr>
+                <a:spLocks noRot="1" noChangeAspect="1" noMove="1" noResize="1" noEditPoints="1" noAdjustHandles="1" noChangeArrowheads="1" noChangeShapeType="1" noTextEdit="1"/>
+              </p:cNvSpPr>
+              <p:nvPr/>
+            </p:nvSpPr>
+            <p:spPr>
+              <a:xfrm>
+                <a:off x="733426" y="5835999"/>
+                <a:ext cx="11345524" cy="877163"/>
+              </a:xfrm>
+              <a:prstGeom prst="rect">
+                <a:avLst/>
+              </a:prstGeom>
+              <a:blipFill>
+                <a:blip r:embed="rId7"/>
+                <a:stretch>
+                  <a:fillRect l="-322" t="-1389" b="-8333"/>
+                </a:stretch>
+              </a:blipFill>
+            </p:spPr>
+            <p:txBody>
+              <a:bodyPr/>
+              <a:lstStyle/>
+              <a:p>
+                <a:r>
+                  <a:rPr lang="ru-RU">
+                    <a:noFill/>
+                  </a:rPr>
+                  <a:t> </a:t>
+                </a:r>
+              </a:p>
+            </p:txBody>
+          </p:sp>
+        </mc:Fallback>
+      </mc:AlternateContent>
     </p:spTree>
     <p:extLst>
       <p:ext uri="{BB962C8B-B14F-4D97-AF65-F5344CB8AC3E}">

--- a/Для защиты ВКР/Презентация ВКР. Горшков А. В..pptx
+++ b/Для защиты ВКР/Презентация ВКР. Горшков А. В..pptx
@@ -288,7 +288,7 @@
       <p15:notesGuideLst xmlns:p15="http://schemas.microsoft.com/office/powerpoint/2012/main"/>
     </p:ext>
     <p:ext uri="http://customooxmlschemas.google.com/">
-      <go:slidesCustomData xmlns:go="http://customooxmlschemas.google.com/" xmlns:ahyp="http://schemas.microsoft.com/office/drawing/2018/hyperlinkcolor" xmlns:p15="http://schemas.microsoft.com/office/powerpoint/2012/main" xmlns:p14="http://schemas.microsoft.com/office/powerpoint/2010/main" xmlns:com="http://schemas.openxmlformats.org/drawingml/2006/compatibility" xmlns:pvml="urn:schemas-microsoft-com:office:powerpoint" xmlns:v="urn:schemas-microsoft-com:vml" xmlns:o="urn:schemas-microsoft-com:office:office" xmlns:dgm="http://schemas.openxmlformats.org/drawingml/2006/diagram" xmlns:c="http://schemas.openxmlformats.org/drawingml/2006/chart" xmlns:mv="urn:schemas-microsoft-com:mac:vml" xmlns:mc="http://schemas.openxmlformats.org/markup-compatibility/2006" xmlns="" r:id="rId25" roundtripDataSignature="AMtx7mg2fLzW2NWhC2ejww7VA5lENbgL/Q=="/>
+      <go:slidesCustomData xmlns="" xmlns:mc="http://schemas.openxmlformats.org/markup-compatibility/2006" xmlns:mv="urn:schemas-microsoft-com:mac:vml" xmlns:c="http://schemas.openxmlformats.org/drawingml/2006/chart" xmlns:dgm="http://schemas.openxmlformats.org/drawingml/2006/diagram" xmlns:o="urn:schemas-microsoft-com:office:office" xmlns:v="urn:schemas-microsoft-com:vml" xmlns:pvml="urn:schemas-microsoft-com:office:powerpoint" xmlns:com="http://schemas.openxmlformats.org/drawingml/2006/compatibility" xmlns:p14="http://schemas.microsoft.com/office/powerpoint/2010/main" xmlns:p15="http://schemas.microsoft.com/office/powerpoint/2012/main" xmlns:ahyp="http://schemas.microsoft.com/office/drawing/2018/hyperlinkcolor" xmlns:go="http://customooxmlschemas.google.com/" r:id="rId25" roundtripDataSignature="AMtx7mg2fLzW2NWhC2ejww7VA5lENbgL/Q=="/>
     </p:ext>
   </p:extLst>
 </p:presentation>
@@ -6750,8 +6750,8 @@
           </a:p>
         </p:txBody>
       </p:sp>
-      <mc:AlternateContent xmlns:mc="http://schemas.openxmlformats.org/markup-compatibility/2006">
-        <mc:Choice xmlns:a14="http://schemas.microsoft.com/office/drawing/2010/main" Requires="a14">
+      <mc:AlternateContent xmlns:mc="http://schemas.openxmlformats.org/markup-compatibility/2006" xmlns:a14="http://schemas.microsoft.com/office/drawing/2010/main">
+        <mc:Choice Requires="a14">
           <p:sp>
             <p:nvSpPr>
               <p:cNvPr id="3" name="Текст 2">
@@ -7292,7 +7292,7 @@
             </p:txBody>
           </p:sp>
         </mc:Choice>
-        <mc:Fallback>
+        <mc:Fallback xmlns="">
           <p:sp>
             <p:nvSpPr>
               <p:cNvPr id="3" name="Текст 2">
@@ -10398,66 +10398,6 @@
           </a:p>
         </p:txBody>
       </p:sp>
-      <p:pic>
-        <p:nvPicPr>
-          <p:cNvPr id="35" name="Рисунок 34">
-            <a:extLst>
-              <a:ext uri="{FF2B5EF4-FFF2-40B4-BE49-F238E27FC236}">
-                <a16:creationId xmlns:a16="http://schemas.microsoft.com/office/drawing/2014/main" id="{BA1C4FA2-6EB8-4E22-A241-0B652F47B9B7}"/>
-              </a:ext>
-            </a:extLst>
-          </p:cNvPr>
-          <p:cNvPicPr>
-            <a:picLocks noChangeAspect="1"/>
-          </p:cNvPicPr>
-          <p:nvPr/>
-        </p:nvPicPr>
-        <p:blipFill>
-          <a:blip r:embed="rId5"/>
-          <a:stretch>
-            <a:fillRect/>
-          </a:stretch>
-        </p:blipFill>
-        <p:spPr>
-          <a:xfrm>
-            <a:off x="1608962" y="1879344"/>
-            <a:ext cx="3812263" cy="2993523"/>
-          </a:xfrm>
-          <a:prstGeom prst="rect">
-            <a:avLst/>
-          </a:prstGeom>
-        </p:spPr>
-      </p:pic>
-      <p:pic>
-        <p:nvPicPr>
-          <p:cNvPr id="37" name="Рисунок 36">
-            <a:extLst>
-              <a:ext uri="{FF2B5EF4-FFF2-40B4-BE49-F238E27FC236}">
-                <a16:creationId xmlns:a16="http://schemas.microsoft.com/office/drawing/2014/main" id="{C0932A2A-F931-4D3E-8D0A-1AA2C75BB0DF}"/>
-              </a:ext>
-            </a:extLst>
-          </p:cNvPr>
-          <p:cNvPicPr>
-            <a:picLocks noChangeAspect="1"/>
-          </p:cNvPicPr>
-          <p:nvPr/>
-        </p:nvPicPr>
-        <p:blipFill>
-          <a:blip r:embed="rId6"/>
-          <a:stretch>
-            <a:fillRect/>
-          </a:stretch>
-        </p:blipFill>
-        <p:spPr>
-          <a:xfrm>
-            <a:off x="6719044" y="1889428"/>
-            <a:ext cx="3653401" cy="3003146"/>
-          </a:xfrm>
-          <a:prstGeom prst="rect">
-            <a:avLst/>
-          </a:prstGeom>
-        </p:spPr>
-      </p:pic>
       <p:sp>
         <p:nvSpPr>
           <p:cNvPr id="38" name="Прямоугольник 37">
@@ -10712,6 +10652,66 @@
           </a:p>
         </p:txBody>
       </p:sp>
+      <p:pic>
+        <p:nvPicPr>
+          <p:cNvPr id="3" name="Рисунок 2">
+            <a:extLst>
+              <a:ext uri="{FF2B5EF4-FFF2-40B4-BE49-F238E27FC236}">
+                <a16:creationId xmlns:a16="http://schemas.microsoft.com/office/drawing/2014/main" id="{CF8C8D5F-23C1-442B-BD57-9697244F15C8}"/>
+              </a:ext>
+            </a:extLst>
+          </p:cNvPr>
+          <p:cNvPicPr>
+            <a:picLocks noChangeAspect="1"/>
+          </p:cNvPicPr>
+          <p:nvPr/>
+        </p:nvPicPr>
+        <p:blipFill>
+          <a:blip r:embed="rId5"/>
+          <a:stretch>
+            <a:fillRect/>
+          </a:stretch>
+        </p:blipFill>
+        <p:spPr>
+          <a:xfrm>
+            <a:off x="1620666" y="1889429"/>
+            <a:ext cx="3824518" cy="3003145"/>
+          </a:xfrm>
+          <a:prstGeom prst="rect">
+            <a:avLst/>
+          </a:prstGeom>
+        </p:spPr>
+      </p:pic>
+      <p:pic>
+        <p:nvPicPr>
+          <p:cNvPr id="15" name="Рисунок 14">
+            <a:extLst>
+              <a:ext uri="{FF2B5EF4-FFF2-40B4-BE49-F238E27FC236}">
+                <a16:creationId xmlns:a16="http://schemas.microsoft.com/office/drawing/2014/main" id="{3FABBEA0-DB97-40B1-BEA3-DEF244DFB717}"/>
+              </a:ext>
+            </a:extLst>
+          </p:cNvPr>
+          <p:cNvPicPr>
+            <a:picLocks noChangeAspect="1"/>
+          </p:cNvPicPr>
+          <p:nvPr/>
+        </p:nvPicPr>
+        <p:blipFill>
+          <a:blip r:embed="rId6"/>
+          <a:stretch>
+            <a:fillRect/>
+          </a:stretch>
+        </p:blipFill>
+        <p:spPr>
+          <a:xfrm>
+            <a:off x="6792683" y="1907432"/>
+            <a:ext cx="3644091" cy="2988495"/>
+          </a:xfrm>
+          <a:prstGeom prst="rect">
+            <a:avLst/>
+          </a:prstGeom>
+        </p:spPr>
+      </p:pic>
     </p:spTree>
     <p:extLst>
       <p:ext uri="{BB962C8B-B14F-4D97-AF65-F5344CB8AC3E}">
@@ -13039,8 +13039,8 @@
           </a:prstGeom>
         </p:spPr>
       </p:pic>
-      <mc:AlternateContent xmlns:mc="http://schemas.openxmlformats.org/markup-compatibility/2006">
-        <mc:Choice xmlns:a14="http://schemas.microsoft.com/office/drawing/2010/main" Requires="a14">
+      <mc:AlternateContent xmlns:mc="http://schemas.openxmlformats.org/markup-compatibility/2006" xmlns:a14="http://schemas.microsoft.com/office/drawing/2010/main">
+        <mc:Choice Requires="a14">
           <p:sp>
             <p:nvSpPr>
               <p:cNvPr id="25" name="Прямоугольник 24">
@@ -13086,13 +13086,13 @@
                     <m:sSup>
                       <m:sSupPr>
                         <m:ctrlPr>
-                          <a:rPr lang="ru-RU" sz="1600" b="1">
+                          <a:rPr lang="ru-RU" sz="1600" b="1" i="1">
                             <a:solidFill>
                               <a:schemeClr val="accent1">
                                 <a:lumMod val="75000"/>
                               </a:schemeClr>
                             </a:solidFill>
-                            <a:latin typeface="Times New Roman" panose="02020603050405020304" pitchFamily="18" charset="0"/>
+                            <a:latin typeface="Cambria Math" panose="02040503050406030204" pitchFamily="18" charset="0"/>
                             <a:ea typeface="Arial" panose="020B0604020202020204" pitchFamily="34" charset="0"/>
                             <a:cs typeface="Times New Roman" panose="02020603050405020304" pitchFamily="18" charset="0"/>
                           </a:rPr>
@@ -13106,7 +13106,7 @@
                                 <a:lumMod val="75000"/>
                               </a:schemeClr>
                             </a:solidFill>
-                            <a:latin typeface="Times New Roman" panose="02020603050405020304" pitchFamily="18" charset="0"/>
+                            <a:latin typeface="Cambria Math" panose="02040503050406030204" pitchFamily="18" charset="0"/>
                             <a:ea typeface="Arial" panose="020B0604020202020204" pitchFamily="34" charset="0"/>
                             <a:cs typeface="Times New Roman" panose="02020603050405020304" pitchFamily="18" charset="0"/>
                           </a:rPr>
@@ -13121,7 +13121,7 @@
                                 <a:lumMod val="75000"/>
                               </a:schemeClr>
                             </a:solidFill>
-                            <a:latin typeface="Times New Roman" panose="02020603050405020304" pitchFamily="18" charset="0"/>
+                            <a:latin typeface="Cambria Math" panose="02040503050406030204" pitchFamily="18" charset="0"/>
                             <a:ea typeface="Arial" panose="020B0604020202020204" pitchFamily="34" charset="0"/>
                             <a:cs typeface="Times New Roman" panose="02020603050405020304" pitchFamily="18" charset="0"/>
                           </a:rPr>
@@ -13236,7 +13236,7 @@
             </p:txBody>
           </p:sp>
         </mc:Choice>
-        <mc:Fallback>
+        <mc:Fallback xmlns="">
           <p:sp>
             <p:nvSpPr>
               <p:cNvPr id="25" name="Прямоугольник 24">

--- a/Для защиты ВКР/Презентация ВКР. Горшков А. В..pptx
+++ b/Для защиты ВКР/Презентация ВКР. Горшков А. В..pptx
@@ -288,7 +288,7 @@
       <p15:notesGuideLst xmlns:p15="http://schemas.microsoft.com/office/powerpoint/2012/main"/>
     </p:ext>
     <p:ext uri="http://customooxmlschemas.google.com/">
-      <go:slidesCustomData xmlns="" xmlns:mc="http://schemas.openxmlformats.org/markup-compatibility/2006" xmlns:mv="urn:schemas-microsoft-com:mac:vml" xmlns:c="http://schemas.openxmlformats.org/drawingml/2006/chart" xmlns:dgm="http://schemas.openxmlformats.org/drawingml/2006/diagram" xmlns:o="urn:schemas-microsoft-com:office:office" xmlns:v="urn:schemas-microsoft-com:vml" xmlns:pvml="urn:schemas-microsoft-com:office:powerpoint" xmlns:com="http://schemas.openxmlformats.org/drawingml/2006/compatibility" xmlns:p14="http://schemas.microsoft.com/office/powerpoint/2010/main" xmlns:p15="http://schemas.microsoft.com/office/powerpoint/2012/main" xmlns:ahyp="http://schemas.microsoft.com/office/drawing/2018/hyperlinkcolor" xmlns:go="http://customooxmlschemas.google.com/" r:id="rId25" roundtripDataSignature="AMtx7mg2fLzW2NWhC2ejww7VA5lENbgL/Q=="/>
+      <go:slidesCustomData xmlns:go="http://customooxmlschemas.google.com/" xmlns:ahyp="http://schemas.microsoft.com/office/drawing/2018/hyperlinkcolor" xmlns:p15="http://schemas.microsoft.com/office/powerpoint/2012/main" xmlns:p14="http://schemas.microsoft.com/office/powerpoint/2010/main" xmlns:com="http://schemas.openxmlformats.org/drawingml/2006/compatibility" xmlns:pvml="urn:schemas-microsoft-com:office:powerpoint" xmlns:v="urn:schemas-microsoft-com:vml" xmlns:o="urn:schemas-microsoft-com:office:office" xmlns:dgm="http://schemas.openxmlformats.org/drawingml/2006/diagram" xmlns:c="http://schemas.openxmlformats.org/drawingml/2006/chart" xmlns:mv="urn:schemas-microsoft-com:mac:vml" xmlns:mc="http://schemas.openxmlformats.org/markup-compatibility/2006" xmlns="" r:id="rId25" roundtripDataSignature="AMtx7mg2fLzW2NWhC2ejww7VA5lENbgL/Q=="/>
     </p:ext>
   </p:extLst>
 </p:presentation>
@@ -9388,7 +9388,7 @@
         </p:nvSpPr>
         <p:spPr>
           <a:xfrm>
-            <a:off x="1522918" y="1920127"/>
+            <a:off x="1549045" y="1920127"/>
             <a:ext cx="4018871" cy="2972447"/>
           </a:xfrm>
           <a:prstGeom prst="rect">
@@ -9913,7 +9913,7 @@
         </p:nvSpPr>
         <p:spPr>
           <a:xfrm>
-            <a:off x="2390393" y="4893069"/>
+            <a:off x="2416520" y="4893069"/>
             <a:ext cx="2249820" cy="369332"/>
           </a:xfrm>
           <a:prstGeom prst="rect">
@@ -9966,7 +9966,7 @@
         </p:blipFill>
         <p:spPr>
           <a:xfrm>
-            <a:off x="1651722" y="5353397"/>
+            <a:off x="1512378" y="5353397"/>
             <a:ext cx="133350" cy="133350"/>
           </a:xfrm>
           <a:prstGeom prst="rect">
@@ -9996,7 +9996,7 @@
         </p:blipFill>
         <p:spPr>
           <a:xfrm>
-            <a:off x="1665370" y="5686745"/>
+            <a:off x="1534735" y="5686745"/>
             <a:ext cx="95250" cy="95250"/>
           </a:xfrm>
           <a:prstGeom prst="rect">
@@ -10026,7 +10026,7 @@
         </p:blipFill>
         <p:spPr>
           <a:xfrm>
-            <a:off x="1665370" y="5967947"/>
+            <a:off x="1534735" y="5994074"/>
             <a:ext cx="95250" cy="95250"/>
           </a:xfrm>
           <a:prstGeom prst="rect">
@@ -10048,8 +10048,8 @@
         </p:nvSpPr>
         <p:spPr>
           <a:xfrm>
-            <a:off x="1797812" y="5252535"/>
-            <a:ext cx="3385863" cy="307777"/>
+            <a:off x="1667177" y="5252535"/>
+            <a:ext cx="4403770" cy="307777"/>
           </a:xfrm>
           <a:prstGeom prst="rect">
             <a:avLst/>
@@ -10066,7 +10066,18 @@
                 <a:latin typeface="Times New Roman" panose="02020603050405020304" pitchFamily="18" charset="0"/>
                 <a:ea typeface="Arial" panose="020B0604020202020204" pitchFamily="34" charset="0"/>
               </a:rPr>
-              <a:t> - объекты базового датасета (23 строки); </a:t>
+              <a:t> - центроиды </a:t>
+            </a:r>
+            <a:r>
+              <a:rPr lang="ru-RU" dirty="0"/>
+              <a:t>– </a:t>
+            </a:r>
+            <a:r>
+              <a:rPr lang="ru-RU" dirty="0">
+                <a:latin typeface="Times New Roman" panose="02020603050405020304" pitchFamily="18" charset="0"/>
+                <a:ea typeface="Arial" panose="020B0604020202020204" pitchFamily="34" charset="0"/>
+              </a:rPr>
+              <a:t>объекты базового датасета (23 строки); </a:t>
             </a:r>
             <a:endParaRPr lang="ru-RU" dirty="0"/>
           </a:p>
@@ -10086,7 +10097,7 @@
         </p:nvSpPr>
         <p:spPr>
           <a:xfrm>
-            <a:off x="1797812" y="5550265"/>
+            <a:off x="1667177" y="5550265"/>
             <a:ext cx="3273653" cy="307777"/>
           </a:xfrm>
           <a:prstGeom prst="rect">
@@ -10124,7 +10135,7 @@
         </p:nvSpPr>
         <p:spPr>
           <a:xfrm>
-            <a:off x="1797812" y="5843069"/>
+            <a:off x="1667177" y="5851778"/>
             <a:ext cx="3936794" cy="523220"/>
           </a:xfrm>
           <a:prstGeom prst="rect">
@@ -10179,7 +10190,7 @@
         </p:blipFill>
         <p:spPr>
           <a:xfrm>
-            <a:off x="7041857" y="5418841"/>
+            <a:off x="7128947" y="5418841"/>
             <a:ext cx="95250" cy="95250"/>
           </a:xfrm>
           <a:prstGeom prst="rect">
@@ -10201,7 +10212,7 @@
         </p:nvSpPr>
         <p:spPr>
           <a:xfrm>
-            <a:off x="7174299" y="5293963"/>
+            <a:off x="7261389" y="5293963"/>
             <a:ext cx="2830752" cy="523220"/>
           </a:xfrm>
           <a:prstGeom prst="rect">
@@ -10250,7 +10261,7 @@
         </p:nvCxnSpPr>
         <p:spPr>
           <a:xfrm>
-            <a:off x="1340032" y="6481903"/>
+            <a:off x="1218106" y="6481903"/>
             <a:ext cx="592183" cy="0"/>
           </a:xfrm>
           <a:prstGeom prst="line">
@@ -10292,7 +10303,7 @@
         </p:nvSpPr>
         <p:spPr>
           <a:xfrm>
-            <a:off x="1928834" y="6317362"/>
+            <a:off x="1798199" y="6317362"/>
             <a:ext cx="2866490" cy="307777"/>
           </a:xfrm>
           <a:prstGeom prst="rect">
@@ -10332,7 +10343,7 @@
         </p:nvCxnSpPr>
         <p:spPr>
           <a:xfrm>
-            <a:off x="6752401" y="5984800"/>
+            <a:off x="6839491" y="5984800"/>
             <a:ext cx="592183" cy="0"/>
           </a:xfrm>
           <a:prstGeom prst="line">
@@ -10374,7 +10385,7 @@
         </p:nvSpPr>
         <p:spPr>
           <a:xfrm>
-            <a:off x="7323785" y="5802841"/>
+            <a:off x="7410875" y="5802841"/>
             <a:ext cx="3180679" cy="307777"/>
           </a:xfrm>
           <a:prstGeom prst="rect">
@@ -10412,7 +10423,7 @@
         </p:nvSpPr>
         <p:spPr>
           <a:xfrm>
-            <a:off x="6936759" y="4913346"/>
+            <a:off x="7023849" y="4913346"/>
             <a:ext cx="3212739" cy="369332"/>
           </a:xfrm>
           <a:prstGeom prst="rect">
@@ -10674,7 +10685,7 @@
         </p:blipFill>
         <p:spPr>
           <a:xfrm>
-            <a:off x="1620666" y="1889429"/>
+            <a:off x="1646793" y="1889429"/>
             <a:ext cx="3824518" cy="3003145"/>
           </a:xfrm>
           <a:prstGeom prst="rect">

--- a/Для защиты ВКР/Презентация ВКР. Горшков А. В..pptx
+++ b/Для защиты ВКР/Презентация ВКР. Горшков А. В..pptx
@@ -288,7 +288,7 @@
       <p15:notesGuideLst xmlns:p15="http://schemas.microsoft.com/office/powerpoint/2012/main"/>
     </p:ext>
     <p:ext uri="http://customooxmlschemas.google.com/">
-      <go:slidesCustomData xmlns:go="http://customooxmlschemas.google.com/" xmlns:ahyp="http://schemas.microsoft.com/office/drawing/2018/hyperlinkcolor" xmlns:p15="http://schemas.microsoft.com/office/powerpoint/2012/main" xmlns:p14="http://schemas.microsoft.com/office/powerpoint/2010/main" xmlns:com="http://schemas.openxmlformats.org/drawingml/2006/compatibility" xmlns:pvml="urn:schemas-microsoft-com:office:powerpoint" xmlns:v="urn:schemas-microsoft-com:vml" xmlns:o="urn:schemas-microsoft-com:office:office" xmlns:dgm="http://schemas.openxmlformats.org/drawingml/2006/diagram" xmlns:c="http://schemas.openxmlformats.org/drawingml/2006/chart" xmlns:mv="urn:schemas-microsoft-com:mac:vml" xmlns:mc="http://schemas.openxmlformats.org/markup-compatibility/2006" xmlns="" r:id="rId25" roundtripDataSignature="AMtx7mg2fLzW2NWhC2ejww7VA5lENbgL/Q=="/>
+      <go:slidesCustomData xmlns="" xmlns:mc="http://schemas.openxmlformats.org/markup-compatibility/2006" xmlns:mv="urn:schemas-microsoft-com:mac:vml" xmlns:c="http://schemas.openxmlformats.org/drawingml/2006/chart" xmlns:dgm="http://schemas.openxmlformats.org/drawingml/2006/diagram" xmlns:o="urn:schemas-microsoft-com:office:office" xmlns:v="urn:schemas-microsoft-com:vml" xmlns:pvml="urn:schemas-microsoft-com:office:powerpoint" xmlns:com="http://schemas.openxmlformats.org/drawingml/2006/compatibility" xmlns:p14="http://schemas.microsoft.com/office/powerpoint/2010/main" xmlns:p15="http://schemas.microsoft.com/office/powerpoint/2012/main" xmlns:ahyp="http://schemas.microsoft.com/office/drawing/2018/hyperlinkcolor" xmlns:go="http://customooxmlschemas.google.com/" r:id="rId25" roundtripDataSignature="AMtx7mg2fLzW2NWhC2ejww7VA5lENbgL/Q=="/>
     </p:ext>
   </p:extLst>
 </p:presentation>
@@ -6794,7 +6794,7 @@
                     <a:latin typeface="Times New Roman" panose="02020603050405020304" pitchFamily="18" charset="0"/>
                     <a:cs typeface="Times New Roman" panose="02020603050405020304" pitchFamily="18" charset="0"/>
                   </a:rPr>
-                  <a:t>Рассмотрены и обработаны три варианта набора данных – базовый датасет (первые 23 строки), полный датасет (1023 строки) и очищенный от шума и помех датасет.</a:t>
+                  <a:t>Математические модели целевых переменных построены для трех наборов данных – базового датасета (первые 23 строки), полного датасета (1023 строки) и очищенного от шума датасета.</a:t>
                 </a:r>
               </a:p>
               <a:p>
@@ -6813,7 +6813,7 @@
                     <a:latin typeface="Times New Roman" panose="02020603050405020304" pitchFamily="18" charset="0"/>
                     <a:cs typeface="Times New Roman" panose="02020603050405020304" pitchFamily="18" charset="0"/>
                   </a:rPr>
-                  <a:t>Для очистки датасета от шума и помех разработан фильтр, ядром (маской) которого являются объекты базового датасета.</a:t>
+                  <a:t>Для очистки датасета от шума разработан фильтр, ядром (маской) которого являются объекты базового датасета.</a:t>
                 </a:r>
               </a:p>
               <a:p>
@@ -6831,7 +6831,7 @@
                     <a:latin typeface="Times New Roman" panose="02020603050405020304" pitchFamily="18" charset="0"/>
                     <a:cs typeface="Times New Roman" panose="02020603050405020304" pitchFamily="18" charset="0"/>
                   </a:rPr>
-                  <a:t>Для базового датасета получены линейные функциональные зависимости для целевых переменных </a:t>
+                  <a:t>По данным базового датасета выявлены линейные функциональные зависимости для целевых переменных </a:t>
                 </a:r>
                 <a:r>
                   <a:rPr lang="ru-RU" sz="2000" dirty="0">
@@ -6904,7 +6904,7 @@
                     <a:latin typeface="Times New Roman" panose="02020603050405020304" pitchFamily="18" charset="0"/>
                     <a:cs typeface="Times New Roman" panose="02020603050405020304" pitchFamily="18" charset="0"/>
                   </a:rPr>
-                  <a:t> = 0,411.</a:t>
+                  <a:t> = 0,505.</a:t>
                 </a:r>
               </a:p>
               <a:p>
@@ -6923,7 +6923,7 @@
                     <a:latin typeface="Times New Roman" panose="02020603050405020304" pitchFamily="18" charset="0"/>
                     <a:cs typeface="Times New Roman" panose="02020603050405020304" pitchFamily="18" charset="0"/>
                   </a:rPr>
-                  <a:t>Для полного датасета для целевых переменных </a:t>
+                  <a:t>На данных полного датасета для целевых переменных </a:t>
                 </a:r>
                 <a:r>
                   <a:rPr lang="ru-RU" sz="2000" dirty="0">
@@ -7114,7 +7114,7 @@
                     <a:latin typeface="Times New Roman" panose="02020603050405020304" pitchFamily="18" charset="0"/>
                     <a:cs typeface="Times New Roman" panose="02020603050405020304" pitchFamily="18" charset="0"/>
                   </a:rPr>
-                  <a:t>Для очищенного датасета для целевых переменных </a:t>
+                  <a:t>На данных очищенного датасета для целевых переменных </a:t>
                 </a:r>
                 <a:r>
                   <a:rPr lang="ru-RU" sz="2000" dirty="0">
@@ -8627,7 +8627,7 @@
         <p:grpSpPr>
           <a:xfrm>
             <a:off x="3167880" y="469293"/>
-            <a:ext cx="6037080" cy="666000"/>
+            <a:ext cx="6919096" cy="666000"/>
             <a:chOff x="1476753" y="3499669"/>
             <a:chExt cx="4619247" cy="666000"/>
           </a:xfrm>
@@ -8695,7 +8695,7 @@
                   <a:latin typeface="Times New Roman" panose="02020603050405020304" pitchFamily="18" charset="0"/>
                   <a:cs typeface="Times New Roman" panose="02020603050405020304" pitchFamily="18" charset="0"/>
                 </a:rPr>
-                <a:t>Пайплайны обработки датасетов </a:t>
+                <a:t>Пайплайны машинного обучения</a:t>
               </a:r>
               <a:endParaRPr lang="ru-RU" sz="2800" spc="180" dirty="0">
                 <a:latin typeface="Times New Roman" panose="02020603050405020304" pitchFamily="18" charset="0"/>
@@ -9020,7 +9020,7 @@
                 <a:latin typeface="Times New Roman" panose="02020603050405020304" pitchFamily="18" charset="0"/>
                 <a:ea typeface="Arial" panose="020B0604020202020204" pitchFamily="34" charset="0"/>
               </a:rPr>
-              <a:t>Пайплайн обработки базового датасета (23 строки)</a:t>
+              <a:t>Пайплайн обучения на данных базового датасета (23 строки)</a:t>
             </a:r>
             <a:endParaRPr lang="ru-RU" sz="1800" b="1" dirty="0">
               <a:solidFill>
@@ -9066,7 +9066,7 @@
                 <a:latin typeface="Times New Roman" panose="02020603050405020304" pitchFamily="18" charset="0"/>
                 <a:ea typeface="Arial" panose="020B0604020202020204" pitchFamily="34" charset="0"/>
               </a:rPr>
-              <a:t>Пайплайн обработки полного датасета (1023 строки)</a:t>
+              <a:t>Пайплайн обучения на данных полного датасета (1023 строки)</a:t>
             </a:r>
             <a:endParaRPr lang="ru-RU" sz="1800" b="1" dirty="0">
               <a:solidFill>
@@ -9112,7 +9112,7 @@
                 <a:latin typeface="Times New Roman" panose="02020603050405020304" pitchFamily="18" charset="0"/>
                 <a:ea typeface="Arial" panose="020B0604020202020204" pitchFamily="34" charset="0"/>
               </a:rPr>
-              <a:t>Пайплайн обработки очищенного датасета (</a:t>
+              <a:t>Пайплайн обучения на данных очищенного датасета (</a:t>
             </a:r>
             <a:r>
               <a:rPr lang="en-US" sz="1800" b="1" i="1" dirty="0">
@@ -10571,7 +10571,7 @@
                 <a:latin typeface="Times New Roman" panose="02020603050405020304" pitchFamily="18" charset="0"/>
                 <a:cs typeface="Times New Roman" panose="02020603050405020304" pitchFamily="18" charset="0"/>
               </a:rPr>
-              <a:t>Для очистки датасета от помех и шума разработан фильтр, </a:t>
+              <a:t>Для очистки датасета от шума разработан фильтр, </a:t>
             </a:r>
           </a:p>
           <a:p>
@@ -13348,7 +13348,7 @@
         </p:nvSpPr>
         <p:spPr>
           <a:xfrm>
-            <a:off x="861812" y="4153957"/>
+            <a:off x="861812" y="4382557"/>
             <a:ext cx="4525188" cy="2142535"/>
           </a:xfrm>
           <a:prstGeom prst="rect">
@@ -13400,7 +13400,7 @@
         </p:nvCxnSpPr>
         <p:spPr>
           <a:xfrm>
-            <a:off x="861813" y="4531707"/>
+            <a:off x="861813" y="4760307"/>
             <a:ext cx="4525188" cy="0"/>
           </a:xfrm>
           <a:prstGeom prst="line">
@@ -13441,8 +13441,8 @@
         </p:nvSpPr>
         <p:spPr>
           <a:xfrm>
-            <a:off x="6096000" y="1403257"/>
-            <a:ext cx="5221482" cy="5241384"/>
+            <a:off x="6096000" y="1527083"/>
+            <a:ext cx="5221482" cy="4985450"/>
           </a:xfrm>
           <a:prstGeom prst="rect">
             <a:avLst/>
@@ -13495,7 +13495,7 @@
         </p:nvCxnSpPr>
         <p:spPr>
           <a:xfrm>
-            <a:off x="6092341" y="1785356"/>
+            <a:off x="6092341" y="1909181"/>
             <a:ext cx="5225141" cy="0"/>
           </a:xfrm>
           <a:prstGeom prst="line">
@@ -13536,7 +13536,7 @@
         </p:nvSpPr>
         <p:spPr>
           <a:xfrm>
-            <a:off x="861811" y="1403257"/>
+            <a:off x="861811" y="1536607"/>
             <a:ext cx="4525188" cy="2142535"/>
           </a:xfrm>
           <a:prstGeom prst="rect">
@@ -13632,8 +13632,8 @@
         </p:nvGrpSpPr>
         <p:grpSpPr>
           <a:xfrm>
-            <a:off x="2873829" y="469293"/>
-            <a:ext cx="8456021" cy="661707"/>
+            <a:off x="3409951" y="469293"/>
+            <a:ext cx="6457950" cy="661707"/>
             <a:chOff x="1476753" y="3499669"/>
             <a:chExt cx="4619247" cy="666000"/>
           </a:xfrm>
@@ -13701,7 +13701,25 @@
                   <a:latin typeface="Times New Roman" panose="02020603050405020304" pitchFamily="18" charset="0"/>
                   <a:cs typeface="Times New Roman" panose="02020603050405020304" pitchFamily="18" charset="0"/>
                 </a:rPr>
-                <a:t>Результаты обработки базового датасета (23 строки)</a:t>
+                <a:t>Результаты обучения моделей </a:t>
+              </a:r>
+            </a:p>
+            <a:p>
+              <a:pPr algn="ctr"/>
+              <a:r>
+                <a:rPr lang="ru-RU" sz="2400" spc="180" dirty="0">
+                  <a:ln>
+                    <a:solidFill>
+                      <a:srgbClr val="065CAB"/>
+                    </a:solidFill>
+                  </a:ln>
+                  <a:solidFill>
+                    <a:srgbClr val="065CAB"/>
+                  </a:solidFill>
+                  <a:latin typeface="Times New Roman" panose="02020603050405020304" pitchFamily="18" charset="0"/>
+                  <a:cs typeface="Times New Roman" panose="02020603050405020304" pitchFamily="18" charset="0"/>
+                </a:rPr>
+                <a:t>на данных базового датасета (23 строки)</a:t>
               </a:r>
               <a:endParaRPr lang="ru-RU" sz="2400" spc="180" dirty="0">
                 <a:latin typeface="Times New Roman" panose="02020603050405020304" pitchFamily="18" charset="0"/>
@@ -13990,36 +14008,6 @@
           </p:txBody>
         </p:sp>
       </p:grpSp>
-      <p:pic>
-        <p:nvPicPr>
-          <p:cNvPr id="16" name="Рисунок 15">
-            <a:extLst>
-              <a:ext uri="{FF2B5EF4-FFF2-40B4-BE49-F238E27FC236}">
-                <a16:creationId xmlns:a16="http://schemas.microsoft.com/office/drawing/2014/main" id="{EA1C6FA6-132E-4E5D-93D3-5F125F1B6E5A}"/>
-              </a:ext>
-            </a:extLst>
-          </p:cNvPr>
-          <p:cNvPicPr>
-            <a:picLocks noChangeAspect="1"/>
-          </p:cNvPicPr>
-          <p:nvPr/>
-        </p:nvPicPr>
-        <p:blipFill>
-          <a:blip r:embed="rId2"/>
-          <a:stretch>
-            <a:fillRect/>
-          </a:stretch>
-        </p:blipFill>
-        <p:spPr>
-          <a:xfrm>
-            <a:off x="6222572" y="2202139"/>
-            <a:ext cx="4979101" cy="1343657"/>
-          </a:xfrm>
-          <a:prstGeom prst="rect">
-            <a:avLst/>
-          </a:prstGeom>
-        </p:spPr>
-      </p:pic>
       <p:sp>
         <p:nvSpPr>
           <p:cNvPr id="19" name="Прямоугольник 18">
@@ -14034,7 +14022,7 @@
         </p:nvSpPr>
         <p:spPr>
           <a:xfrm>
-            <a:off x="6083633" y="1403257"/>
+            <a:off x="6083633" y="1527082"/>
             <a:ext cx="5233849" cy="338554"/>
           </a:xfrm>
           <a:prstGeom prst="rect">
@@ -14090,7 +14078,7 @@
         </p:nvSpPr>
         <p:spPr>
           <a:xfrm>
-            <a:off x="6092341" y="1837534"/>
+            <a:off x="6092341" y="1961359"/>
             <a:ext cx="5233849" cy="307777"/>
           </a:xfrm>
           <a:prstGeom prst="rect">
@@ -14136,7 +14124,7 @@
         </p:nvSpPr>
         <p:spPr>
           <a:xfrm>
-            <a:off x="6061165" y="3589343"/>
+            <a:off x="6061165" y="3713168"/>
             <a:ext cx="5303519" cy="523220"/>
           </a:xfrm>
           <a:prstGeom prst="rect">
@@ -14158,7 +14146,7 @@
                 <a:latin typeface="Times New Roman" panose="02020603050405020304" pitchFamily="18" charset="0"/>
                 <a:ea typeface="Arial" panose="020B0604020202020204" pitchFamily="34" charset="0"/>
               </a:rPr>
-              <a:t>2. Доверительный интервал для прогноза тренировочных значений (</a:t>
+              <a:t>2. Доверительный интервал для прогноза обучающих значений (</a:t>
             </a:r>
             <a:r>
               <a:rPr lang="en-US" dirty="0">
@@ -14202,7 +14190,7 @@
         </p:nvSpPr>
         <p:spPr>
           <a:xfrm>
-            <a:off x="861811" y="4171375"/>
+            <a:off x="861811" y="4399975"/>
             <a:ext cx="4528786" cy="338554"/>
           </a:xfrm>
           <a:prstGeom prst="rect">
@@ -14278,7 +14266,7 @@
         </p:nvSpPr>
         <p:spPr>
           <a:xfrm>
-            <a:off x="865410" y="1411966"/>
+            <a:off x="865410" y="1545316"/>
             <a:ext cx="4521590" cy="338554"/>
           </a:xfrm>
           <a:prstGeom prst="rect">
@@ -14364,7 +14352,7 @@
         </p:nvSpPr>
         <p:spPr>
           <a:xfrm>
-            <a:off x="865409" y="2178793"/>
+            <a:off x="865409" y="2312143"/>
             <a:ext cx="4525188" cy="338554"/>
           </a:xfrm>
           <a:prstGeom prst="rect">
@@ -14520,7 +14508,7 @@
         </p:nvSpPr>
         <p:spPr>
           <a:xfrm>
-            <a:off x="1636421" y="2698814"/>
+            <a:off x="1636421" y="2832164"/>
             <a:ext cx="3754175" cy="307777"/>
           </a:xfrm>
           <a:prstGeom prst="rect">
@@ -14565,7 +14553,7 @@
         </p:nvSpPr>
         <p:spPr>
           <a:xfrm>
-            <a:off x="1653839" y="3017852"/>
+            <a:off x="1653839" y="3151202"/>
             <a:ext cx="3733160" cy="307777"/>
           </a:xfrm>
           <a:prstGeom prst="rect">
@@ -14610,7 +14598,7 @@
         </p:nvSpPr>
         <p:spPr>
           <a:xfrm>
-            <a:off x="861812" y="4921520"/>
+            <a:off x="861812" y="5150120"/>
             <a:ext cx="4525188" cy="338554"/>
           </a:xfrm>
           <a:prstGeom prst="rect">
@@ -14786,7 +14774,7 @@
         </p:nvCxnSpPr>
         <p:spPr>
           <a:xfrm>
-            <a:off x="861811" y="1785356"/>
+            <a:off x="861811" y="1918706"/>
             <a:ext cx="4525188" cy="0"/>
           </a:xfrm>
           <a:prstGeom prst="line">
@@ -14827,7 +14815,7 @@
         </p:nvSpPr>
         <p:spPr>
           <a:xfrm>
-            <a:off x="1636421" y="5436641"/>
+            <a:off x="1636421" y="5665241"/>
             <a:ext cx="3754175" cy="307777"/>
           </a:xfrm>
           <a:prstGeom prst="rect">
@@ -14872,7 +14860,7 @@
         </p:nvSpPr>
         <p:spPr>
           <a:xfrm>
-            <a:off x="1653839" y="5755679"/>
+            <a:off x="1653839" y="5984279"/>
             <a:ext cx="3733160" cy="307777"/>
           </a:xfrm>
           <a:prstGeom prst="rect">
@@ -14905,10 +14893,40 @@
       </p:sp>
       <p:pic>
         <p:nvPicPr>
-          <p:cNvPr id="48" name="Рисунок 47">
+          <p:cNvPr id="2" name="Рисунок 1">
             <a:extLst>
               <a:ext uri="{FF2B5EF4-FFF2-40B4-BE49-F238E27FC236}">
-                <a16:creationId xmlns:a16="http://schemas.microsoft.com/office/drawing/2014/main" id="{636861C5-6476-4650-883C-9EF518AB848E}"/>
+                <a16:creationId xmlns:a16="http://schemas.microsoft.com/office/drawing/2014/main" id="{39116D49-8A61-4A89-B506-2D9DA0735733}"/>
+              </a:ext>
+            </a:extLst>
+          </p:cNvPr>
+          <p:cNvPicPr>
+            <a:picLocks noChangeAspect="1"/>
+          </p:cNvPicPr>
+          <p:nvPr/>
+        </p:nvPicPr>
+        <p:blipFill>
+          <a:blip r:embed="rId2"/>
+          <a:stretch>
+            <a:fillRect/>
+          </a:stretch>
+        </p:blipFill>
+        <p:spPr>
+          <a:xfrm>
+            <a:off x="6160400" y="2274922"/>
+            <a:ext cx="5092179" cy="1254594"/>
+          </a:xfrm>
+          <a:prstGeom prst="rect">
+            <a:avLst/>
+          </a:prstGeom>
+        </p:spPr>
+      </p:pic>
+      <p:pic>
+        <p:nvPicPr>
+          <p:cNvPr id="4" name="Рисунок 3">
+            <a:extLst>
+              <a:ext uri="{FF2B5EF4-FFF2-40B4-BE49-F238E27FC236}">
+                <a16:creationId xmlns:a16="http://schemas.microsoft.com/office/drawing/2014/main" id="{5E56B753-26F5-45E5-B17A-C93D7B723401}"/>
               </a:ext>
             </a:extLst>
           </p:cNvPr>
@@ -14925,8 +14943,8 @@
         </p:blipFill>
         <p:spPr>
           <a:xfrm>
-            <a:off x="6161608" y="4112563"/>
-            <a:ext cx="5090971" cy="2476533"/>
+            <a:off x="6159833" y="4214466"/>
+            <a:ext cx="5092746" cy="2219586"/>
           </a:xfrm>
           <a:prstGeom prst="rect">
             <a:avLst/>
@@ -15318,8 +15336,8 @@
         </p:nvGrpSpPr>
         <p:grpSpPr>
           <a:xfrm>
-            <a:off x="2873829" y="469294"/>
-            <a:ext cx="8708562" cy="661706"/>
+            <a:off x="3257550" y="469294"/>
+            <a:ext cx="6706938" cy="661706"/>
             <a:chOff x="1476753" y="3499669"/>
             <a:chExt cx="4619247" cy="666000"/>
           </a:xfrm>
@@ -15387,7 +15405,25 @@
                   <a:latin typeface="Times New Roman" panose="02020603050405020304" pitchFamily="18" charset="0"/>
                   <a:cs typeface="Times New Roman" panose="02020603050405020304" pitchFamily="18" charset="0"/>
                 </a:rPr>
-                <a:t>Результаты обработки полного датасета (1023 строки)</a:t>
+                <a:t>Результаты обучения моделей </a:t>
+              </a:r>
+            </a:p>
+            <a:p>
+              <a:pPr algn="ctr"/>
+              <a:r>
+                <a:rPr lang="ru-RU" sz="2400" spc="180" dirty="0">
+                  <a:ln>
+                    <a:solidFill>
+                      <a:srgbClr val="065CAB"/>
+                    </a:solidFill>
+                  </a:ln>
+                  <a:solidFill>
+                    <a:srgbClr val="065CAB"/>
+                  </a:solidFill>
+                  <a:latin typeface="Times New Roman" panose="02020603050405020304" pitchFamily="18" charset="0"/>
+                  <a:cs typeface="Times New Roman" panose="02020603050405020304" pitchFamily="18" charset="0"/>
+                </a:rPr>
+                <a:t>на данных полного датасета (1023 строки)</a:t>
               </a:r>
               <a:endParaRPr lang="ru-RU" sz="2400" spc="180" dirty="0">
                 <a:latin typeface="Times New Roman" panose="02020603050405020304" pitchFamily="18" charset="0"/>
@@ -16964,8 +17000,8 @@
         </p:nvGrpSpPr>
         <p:grpSpPr>
           <a:xfrm>
-            <a:off x="2873828" y="469294"/>
-            <a:ext cx="8708563" cy="661706"/>
+            <a:off x="3257550" y="469294"/>
+            <a:ext cx="6705599" cy="661706"/>
             <a:chOff x="1476753" y="3499669"/>
             <a:chExt cx="4619247" cy="666000"/>
           </a:xfrm>
@@ -17033,7 +17069,25 @@
                   <a:latin typeface="Times New Roman" panose="02020603050405020304" pitchFamily="18" charset="0"/>
                   <a:cs typeface="Times New Roman" panose="02020603050405020304" pitchFamily="18" charset="0"/>
                 </a:rPr>
-                <a:t>Результаты обработки очищенного датасета (</a:t>
+                <a:t>Результаты обучения моделей </a:t>
+              </a:r>
+            </a:p>
+            <a:p>
+              <a:pPr algn="ctr"/>
+              <a:r>
+                <a:rPr lang="ru-RU" sz="2400" spc="180" dirty="0">
+                  <a:ln>
+                    <a:solidFill>
+                      <a:srgbClr val="065CAB"/>
+                    </a:solidFill>
+                  </a:ln>
+                  <a:solidFill>
+                    <a:srgbClr val="065CAB"/>
+                  </a:solidFill>
+                  <a:latin typeface="Times New Roman" panose="02020603050405020304" pitchFamily="18" charset="0"/>
+                  <a:cs typeface="Times New Roman" panose="02020603050405020304" pitchFamily="18" charset="0"/>
+                </a:rPr>
+                <a:t>на данных очищенного датасета (</a:t>
               </a:r>
               <a:r>
                 <a:rPr lang="en-US" sz="2400" i="1" spc="180" dirty="0">

--- a/Для защиты ВКР/Презентация ВКР. Горшков А. В..pptx
+++ b/Для защиты ВКР/Презентация ВКР. Горшков А. В..pptx
@@ -288,7 +288,7 @@
       <p15:notesGuideLst xmlns:p15="http://schemas.microsoft.com/office/powerpoint/2012/main"/>
     </p:ext>
     <p:ext uri="http://customooxmlschemas.google.com/">
-      <go:slidesCustomData xmlns="" xmlns:mc="http://schemas.openxmlformats.org/markup-compatibility/2006" xmlns:mv="urn:schemas-microsoft-com:mac:vml" xmlns:c="http://schemas.openxmlformats.org/drawingml/2006/chart" xmlns:dgm="http://schemas.openxmlformats.org/drawingml/2006/diagram" xmlns:o="urn:schemas-microsoft-com:office:office" xmlns:v="urn:schemas-microsoft-com:vml" xmlns:pvml="urn:schemas-microsoft-com:office:powerpoint" xmlns:com="http://schemas.openxmlformats.org/drawingml/2006/compatibility" xmlns:p14="http://schemas.microsoft.com/office/powerpoint/2010/main" xmlns:p15="http://schemas.microsoft.com/office/powerpoint/2012/main" xmlns:ahyp="http://schemas.microsoft.com/office/drawing/2018/hyperlinkcolor" xmlns:go="http://customooxmlschemas.google.com/" r:id="rId25" roundtripDataSignature="AMtx7mg2fLzW2NWhC2ejww7VA5lENbgL/Q=="/>
+      <go:slidesCustomData xmlns:go="http://customooxmlschemas.google.com/" xmlns:ahyp="http://schemas.microsoft.com/office/drawing/2018/hyperlinkcolor" xmlns:p15="http://schemas.microsoft.com/office/powerpoint/2012/main" xmlns:p14="http://schemas.microsoft.com/office/powerpoint/2010/main" xmlns:com="http://schemas.openxmlformats.org/drawingml/2006/compatibility" xmlns:pvml="urn:schemas-microsoft-com:office:powerpoint" xmlns:v="urn:schemas-microsoft-com:vml" xmlns:o="urn:schemas-microsoft-com:office:office" xmlns:dgm="http://schemas.openxmlformats.org/drawingml/2006/diagram" xmlns:c="http://schemas.openxmlformats.org/drawingml/2006/chart" xmlns:mv="urn:schemas-microsoft-com:mac:vml" xmlns:mc="http://schemas.openxmlformats.org/markup-compatibility/2006" xmlns="" r:id="rId25" roundtripDataSignature="AMtx7mg2fLzW2NWhC2ejww7VA5lENbgL/Q=="/>
     </p:ext>
   </p:extLst>
 </p:presentation>
@@ -9192,36 +9192,6 @@
           </a:prstGeom>
         </p:spPr>
       </p:pic>
-      <p:pic>
-        <p:nvPicPr>
-          <p:cNvPr id="21" name="Рисунок 20">
-            <a:extLst>
-              <a:ext uri="{FF2B5EF4-FFF2-40B4-BE49-F238E27FC236}">
-                <a16:creationId xmlns:a16="http://schemas.microsoft.com/office/drawing/2014/main" id="{E5C47C8A-3BC4-4810-881E-E4D828798676}"/>
-              </a:ext>
-            </a:extLst>
-          </p:cNvPr>
-          <p:cNvPicPr>
-            <a:picLocks noChangeAspect="1"/>
-          </p:cNvPicPr>
-          <p:nvPr/>
-        </p:nvPicPr>
-        <p:blipFill>
-          <a:blip r:embed="rId3"/>
-          <a:stretch>
-            <a:fillRect/>
-          </a:stretch>
-        </p:blipFill>
-        <p:spPr>
-          <a:xfrm>
-            <a:off x="1183572" y="4759129"/>
-            <a:ext cx="6705600" cy="1924050"/>
-          </a:xfrm>
-          <a:prstGeom prst="rect">
-            <a:avLst/>
-          </a:prstGeom>
-        </p:spPr>
-      </p:pic>
       <p:cxnSp>
         <p:nvCxnSpPr>
           <p:cNvPr id="23" name="Прямая соединительная линия 22">
@@ -9321,7 +9291,7 @@
           <p:nvPr/>
         </p:nvPicPr>
         <p:blipFill>
-          <a:blip r:embed="rId4"/>
+          <a:blip r:embed="rId3"/>
           <a:stretch>
             <a:fillRect/>
           </a:stretch>
@@ -9330,6 +9300,36 @@
           <a:xfrm>
             <a:off x="1183572" y="2475684"/>
             <a:ext cx="6705600" cy="1924050"/>
+          </a:xfrm>
+          <a:prstGeom prst="rect">
+            <a:avLst/>
+          </a:prstGeom>
+        </p:spPr>
+      </p:pic>
+      <p:pic>
+        <p:nvPicPr>
+          <p:cNvPr id="2" name="Рисунок 1">
+            <a:extLst>
+              <a:ext uri="{FF2B5EF4-FFF2-40B4-BE49-F238E27FC236}">
+                <a16:creationId xmlns:a16="http://schemas.microsoft.com/office/drawing/2014/main" id="{D62E659F-7A8C-4CB7-9E68-0B2F0F54212D}"/>
+              </a:ext>
+            </a:extLst>
+          </p:cNvPr>
+          <p:cNvPicPr>
+            <a:picLocks noChangeAspect="1"/>
+          </p:cNvPicPr>
+          <p:nvPr/>
+        </p:nvPicPr>
+        <p:blipFill>
+          <a:blip r:embed="rId4"/>
+          <a:stretch>
+            <a:fillRect/>
+          </a:stretch>
+        </p:blipFill>
+        <p:spPr>
+          <a:xfrm>
+            <a:off x="1183572" y="4804002"/>
+            <a:ext cx="6677025" cy="1885950"/>
           </a:xfrm>
           <a:prstGeom prst="rect">
             <a:avLst/>

--- a/Для защиты ВКР/Презентация ВКР. Горшков А. В..pptx
+++ b/Для защиты ВКР/Презентация ВКР. Горшков А. В..pptx
@@ -11581,7 +11581,12 @@
             <p:ph type="sldNum" idx="12"/>
           </p:nvPr>
         </p:nvSpPr>
-        <p:spPr/>
+        <p:spPr>
+          <a:xfrm>
+            <a:off x="160419" y="6434051"/>
+            <a:ext cx="570309" cy="275255"/>
+          </a:xfrm>
+        </p:spPr>
         <p:txBody>
           <a:bodyPr/>
           <a:lstStyle/>
@@ -11623,10 +11628,10 @@
         </p:nvGrpSpPr>
         <p:grpSpPr>
           <a:xfrm>
-            <a:off x="2690949" y="469293"/>
-            <a:ext cx="9425582" cy="666000"/>
-            <a:chOff x="1352313" y="3499669"/>
-            <a:chExt cx="4830153" cy="666000"/>
+            <a:off x="2856409" y="469293"/>
+            <a:ext cx="9161419" cy="666000"/>
+            <a:chOff x="1352312" y="3499669"/>
+            <a:chExt cx="4962544" cy="666000"/>
           </a:xfrm>
         </p:grpSpPr>
         <p:sp>
@@ -11643,8 +11648,8 @@
           </p:nvSpPr>
           <p:spPr>
             <a:xfrm>
-              <a:off x="1352313" y="3499669"/>
-              <a:ext cx="4830153" cy="666000"/>
+              <a:off x="1352312" y="3499669"/>
+              <a:ext cx="4962544" cy="666000"/>
             </a:xfrm>
             <a:prstGeom prst="rect">
               <a:avLst/>
@@ -11677,51 +11682,6 @@
           <p:txBody>
             <a:bodyPr rtlCol="0" anchor="ctr"/>
             <a:lstStyle/>
-            <a:p>
-              <a:pPr algn="ctr"/>
-              <a:r>
-                <a:rPr lang="ru-RU" sz="2800" spc="180" dirty="0">
-                  <a:ln>
-                    <a:solidFill>
-                      <a:srgbClr val="065CAB"/>
-                    </a:solidFill>
-                  </a:ln>
-                  <a:solidFill>
-                    <a:srgbClr val="065CAB"/>
-                  </a:solidFill>
-                  <a:latin typeface="Times New Roman" panose="02020603050405020304" pitchFamily="18" charset="0"/>
-                  <a:cs typeface="Times New Roman" panose="02020603050405020304" pitchFamily="18" charset="0"/>
-                </a:rPr>
-                <a:t>Коэффициенты корреляции</a:t>
-              </a:r>
-              <a:r>
-                <a:rPr lang="en-US" sz="2800" spc="180" dirty="0">
-                  <a:ln>
-                    <a:solidFill>
-                      <a:srgbClr val="065CAB"/>
-                    </a:solidFill>
-                  </a:ln>
-                  <a:solidFill>
-                    <a:srgbClr val="065CAB"/>
-                  </a:solidFill>
-                  <a:latin typeface="Times New Roman" panose="02020603050405020304" pitchFamily="18" charset="0"/>
-                  <a:cs typeface="Times New Roman" panose="02020603050405020304" pitchFamily="18" charset="0"/>
-                </a:rPr>
-                <a:t>. </a:t>
-              </a:r>
-              <a:endParaRPr lang="ru-RU" sz="2800" spc="180" dirty="0">
-                <a:ln>
-                  <a:solidFill>
-                    <a:srgbClr val="065CAB"/>
-                  </a:solidFill>
-                </a:ln>
-                <a:solidFill>
-                  <a:srgbClr val="065CAB"/>
-                </a:solidFill>
-                <a:latin typeface="Times New Roman" panose="02020603050405020304" pitchFamily="18" charset="0"/>
-                <a:cs typeface="Times New Roman" panose="02020603050405020304" pitchFamily="18" charset="0"/>
-              </a:endParaRPr>
-            </a:p>
             <a:p>
               <a:pPr algn="ctr"/>
               <a:r>
@@ -13050,8 +13010,8 @@
           </a:prstGeom>
         </p:spPr>
       </p:pic>
-      <mc:AlternateContent xmlns:mc="http://schemas.openxmlformats.org/markup-compatibility/2006" xmlns:a14="http://schemas.microsoft.com/office/drawing/2010/main">
-        <mc:Choice Requires="a14">
+      <mc:AlternateContent xmlns:mc="http://schemas.openxmlformats.org/markup-compatibility/2006">
+        <mc:Choice xmlns:a14="http://schemas.microsoft.com/office/drawing/2010/main" Requires="a14">
           <p:sp>
             <p:nvSpPr>
               <p:cNvPr id="25" name="Прямоугольник 24">
@@ -13066,8 +13026,8 @@
             </p:nvSpPr>
             <p:spPr>
               <a:xfrm>
-                <a:off x="733426" y="5835999"/>
-                <a:ext cx="11345524" cy="877163"/>
+                <a:off x="409309" y="5835999"/>
+                <a:ext cx="11773984" cy="867353"/>
               </a:xfrm>
               <a:prstGeom prst="rect">
                 <a:avLst/>
@@ -13158,7 +13118,7 @@
               </a:p>
               <a:p>
                 <a:r>
-                  <a:rPr lang="ru-RU" sz="1700" dirty="0">
+                  <a:rPr lang="ru-RU" sz="1600" dirty="0">
                     <a:solidFill>
                       <a:schemeClr val="accent1">
                         <a:lumMod val="75000"/>
@@ -13168,12 +13128,37 @@
                     <a:ea typeface="Arial" panose="020B0604020202020204" pitchFamily="34" charset="0"/>
                     <a:cs typeface="Times New Roman" panose="02020603050405020304" pitchFamily="18" charset="0"/>
                   </a:rPr>
-                  <a:t>1. Для оценки принципиальной возможности построения нетривиальной (не константной) модели для данного датасета.</a:t>
+                  <a:t>1. Для оценки принципиальной возможности построения не</a:t>
+                </a:r>
+                <a:r>
+                  <a:rPr lang="ru-RU" sz="1600" dirty="0">
+                    <a:solidFill>
+                      <a:schemeClr val="accent1">
+                        <a:lumMod val="75000"/>
+                      </a:schemeClr>
+                    </a:solidFill>
+                    <a:latin typeface="Times New Roman" panose="02020603050405020304" pitchFamily="18" charset="0"/>
+                    <a:cs typeface="Times New Roman" panose="02020603050405020304" pitchFamily="18" charset="0"/>
+                  </a:rPr>
+                  <a:t>константной модели с обобщающей способностью </a:t>
+                </a:r>
+                <a:r>
+                  <a:rPr lang="ru-RU" sz="1600" dirty="0">
+                    <a:solidFill>
+                      <a:schemeClr val="accent1">
+                        <a:lumMod val="75000"/>
+                      </a:schemeClr>
+                    </a:solidFill>
+                    <a:latin typeface="Times New Roman" panose="02020603050405020304" pitchFamily="18" charset="0"/>
+                    <a:ea typeface="Arial" panose="020B0604020202020204" pitchFamily="34" charset="0"/>
+                    <a:cs typeface="Times New Roman" panose="02020603050405020304" pitchFamily="18" charset="0"/>
+                  </a:rPr>
+                  <a:t>для данного датасета.</a:t>
                 </a:r>
               </a:p>
               <a:p>
                 <a:r>
-                  <a:rPr lang="ru-RU" sz="1700" dirty="0">
+                  <a:rPr lang="ru-RU" sz="1600" dirty="0">
                     <a:solidFill>
                       <a:schemeClr val="accent1">
                         <a:lumMod val="75000"/>
@@ -13186,7 +13171,7 @@
                   <a:t>2. Для </a:t>
                 </a:r>
                 <a:r>
-                  <a:rPr lang="ru-RU" sz="1700" dirty="0">
+                  <a:rPr lang="ru-RU" sz="1600" dirty="0">
                     <a:solidFill>
                       <a:schemeClr val="accent1">
                         <a:lumMod val="75000"/>
@@ -13195,34 +13180,10 @@
                     <a:latin typeface="Times New Roman" panose="02020603050405020304" pitchFamily="18" charset="0"/>
                     <a:cs typeface="Times New Roman" panose="02020603050405020304" pitchFamily="18" charset="0"/>
                   </a:rPr>
-                  <a:t>контроля подобия создаваемых обучающей и тестовой выборок (с целью предотвращения пере- и </a:t>
+                  <a:t>контроля подобия создаваемых обучающей и тестовой выборок (с целью предотвращения пере- и недообучения)</a:t>
                 </a:r>
                 <a:r>
-                  <a:rPr lang="ru-RU" sz="1700" dirty="0" err="1">
-                    <a:solidFill>
-                      <a:schemeClr val="accent1">
-                        <a:lumMod val="75000"/>
-                      </a:schemeClr>
-                    </a:solidFill>
-                    <a:latin typeface="Times New Roman" panose="02020603050405020304" pitchFamily="18" charset="0"/>
-                    <a:cs typeface="Times New Roman" panose="02020603050405020304" pitchFamily="18" charset="0"/>
-                  </a:rPr>
-                  <a:t>недообучения</a:t>
-                </a:r>
-                <a:r>
-                  <a:rPr lang="ru-RU" sz="1700" dirty="0">
-                    <a:solidFill>
-                      <a:schemeClr val="accent1">
-                        <a:lumMod val="75000"/>
-                      </a:schemeClr>
-                    </a:solidFill>
-                    <a:latin typeface="Times New Roman" panose="02020603050405020304" pitchFamily="18" charset="0"/>
-                    <a:cs typeface="Times New Roman" panose="02020603050405020304" pitchFamily="18" charset="0"/>
-                  </a:rPr>
-                  <a:t>)</a:t>
-                </a:r>
-                <a:r>
-                  <a:rPr lang="ru-RU" sz="1700" dirty="0">
+                  <a:rPr lang="ru-RU" sz="1600" dirty="0">
                     <a:solidFill>
                       <a:schemeClr val="accent1">
                         <a:lumMod val="75000"/>
@@ -13234,7 +13195,7 @@
                   </a:rPr>
                   <a:t>.</a:t>
                 </a:r>
-                <a:endParaRPr lang="ru-RU" sz="1700" dirty="0">
+                <a:endParaRPr lang="ru-RU" sz="1600" dirty="0">
                   <a:solidFill>
                     <a:schemeClr val="accent1">
                       <a:lumMod val="75000"/>
@@ -13247,7 +13208,7 @@
             </p:txBody>
           </p:sp>
         </mc:Choice>
-        <mc:Fallback xmlns="">
+        <mc:Fallback>
           <p:sp>
             <p:nvSpPr>
               <p:cNvPr id="25" name="Прямоугольник 24">
@@ -13264,8 +13225,8 @@
             </p:nvSpPr>
             <p:spPr>
               <a:xfrm>
-                <a:off x="733426" y="5835999"/>
-                <a:ext cx="11345524" cy="877163"/>
+                <a:off x="409309" y="5835999"/>
+                <a:ext cx="11773984" cy="867353"/>
               </a:xfrm>
               <a:prstGeom prst="rect">
                 <a:avLst/>
@@ -13273,7 +13234,7 @@
               <a:blipFill>
                 <a:blip r:embed="rId7"/>
                 <a:stretch>
-                  <a:fillRect l="-322" t="-1389" b="-8333"/>
+                  <a:fillRect l="-259" t="-1399" r="-104" b="-4196"/>
                 </a:stretch>
               </a:blipFill>
             </p:spPr>

--- a/Для защиты ВКР/Презентация ВКР. Горшков А. В..pptx
+++ b/Для защиты ВКР/Презентация ВКР. Горшков А. В..pptx
@@ -288,7 +288,7 @@
       <p15:notesGuideLst xmlns:p15="http://schemas.microsoft.com/office/powerpoint/2012/main"/>
     </p:ext>
     <p:ext uri="http://customooxmlschemas.google.com/">
-      <go:slidesCustomData xmlns:go="http://customooxmlschemas.google.com/" xmlns:ahyp="http://schemas.microsoft.com/office/drawing/2018/hyperlinkcolor" xmlns:p15="http://schemas.microsoft.com/office/powerpoint/2012/main" xmlns:p14="http://schemas.microsoft.com/office/powerpoint/2010/main" xmlns:com="http://schemas.openxmlformats.org/drawingml/2006/compatibility" xmlns:pvml="urn:schemas-microsoft-com:office:powerpoint" xmlns:v="urn:schemas-microsoft-com:vml" xmlns:o="urn:schemas-microsoft-com:office:office" xmlns:dgm="http://schemas.openxmlformats.org/drawingml/2006/diagram" xmlns:c="http://schemas.openxmlformats.org/drawingml/2006/chart" xmlns:mv="urn:schemas-microsoft-com:mac:vml" xmlns:mc="http://schemas.openxmlformats.org/markup-compatibility/2006" xmlns="" r:id="rId25" roundtripDataSignature="AMtx7mg2fLzW2NWhC2ejww7VA5lENbgL/Q=="/>
+      <go:slidesCustomData xmlns="" xmlns:mc="http://schemas.openxmlformats.org/markup-compatibility/2006" xmlns:mv="urn:schemas-microsoft-com:mac:vml" xmlns:c="http://schemas.openxmlformats.org/drawingml/2006/chart" xmlns:dgm="http://schemas.openxmlformats.org/drawingml/2006/diagram" xmlns:o="urn:schemas-microsoft-com:office:office" xmlns:v="urn:schemas-microsoft-com:vml" xmlns:pvml="urn:schemas-microsoft-com:office:powerpoint" xmlns:com="http://schemas.openxmlformats.org/drawingml/2006/compatibility" xmlns:p14="http://schemas.microsoft.com/office/powerpoint/2010/main" xmlns:p15="http://schemas.microsoft.com/office/powerpoint/2012/main" xmlns:ahyp="http://schemas.microsoft.com/office/drawing/2018/hyperlinkcolor" xmlns:go="http://customooxmlschemas.google.com/" r:id="rId25" roundtripDataSignature="AMtx7mg2fLzW2NWhC2ejww7VA5lENbgL/Q=="/>
     </p:ext>
   </p:extLst>
 </p:presentation>
@@ -6728,7 +6728,12 @@
             <p:ph type="sldNum" idx="12"/>
           </p:nvPr>
         </p:nvSpPr>
-        <p:spPr/>
+        <p:spPr>
+          <a:xfrm>
+            <a:off x="130753" y="6434051"/>
+            <a:ext cx="632459" cy="275255"/>
+          </a:xfrm>
+        </p:spPr>
         <p:txBody>
           <a:bodyPr/>
           <a:lstStyle/>
@@ -6750,8 +6755,8 @@
           </a:p>
         </p:txBody>
       </p:sp>
-      <mc:AlternateContent xmlns:mc="http://schemas.openxmlformats.org/markup-compatibility/2006" xmlns:a14="http://schemas.microsoft.com/office/drawing/2010/main">
-        <mc:Choice Requires="a14">
+      <mc:AlternateContent xmlns:mc="http://schemas.openxmlformats.org/markup-compatibility/2006">
+        <mc:Choice xmlns:a14="http://schemas.microsoft.com/office/drawing/2010/main" Requires="a14">
           <p:sp>
             <p:nvSpPr>
               <p:cNvPr id="3" name="Текст 2">
@@ -6770,21 +6775,23 @@
             </p:nvSpPr>
             <p:spPr>
               <a:xfrm>
-                <a:off x="425059" y="1676400"/>
-                <a:ext cx="11195441" cy="4781550"/>
+                <a:off x="571501" y="1266825"/>
+                <a:ext cx="11106150" cy="5213881"/>
               </a:xfrm>
             </p:spPr>
             <p:txBody>
               <a:bodyPr>
-                <a:normAutofit lnSpcReduction="10000"/>
+                <a:noAutofit/>
               </a:bodyPr>
               <a:lstStyle/>
               <a:p>
-                <a:pPr marL="533400" indent="-457200" algn="just">
-                  <a:buAutoNum type="arabicPeriod"/>
+                <a:pPr algn="just">
+                  <a:lnSpc>
+                    <a:spcPct val="125000"/>
+                  </a:lnSpc>
                 </a:pPr>
                 <a:r>
-                  <a:rPr lang="ru-RU" sz="2000" dirty="0">
+                  <a:rPr lang="ru-RU" sz="1750" dirty="0">
                     <a:solidFill>
                       <a:schemeClr val="bg2">
                         <a:lumMod val="75000"/>
@@ -6794,16 +6801,17 @@
                     <a:latin typeface="Times New Roman" panose="02020603050405020304" pitchFamily="18" charset="0"/>
                     <a:cs typeface="Times New Roman" panose="02020603050405020304" pitchFamily="18" charset="0"/>
                   </a:rPr>
-                  <a:t>Математические модели целевых переменных построены для трех наборов данных – базового датасета (первые 23 строки), полного датасета (1023 строки) и очищенного от шума датасета.</a:t>
+                  <a:t>1. Математические модели целевых переменных построены для трех наборов данных – базового датасета (первые 23 строки), полного датасета (1023 строки) и очищенного от шума датасета.</a:t>
                 </a:r>
               </a:p>
               <a:p>
-                <a:pPr marL="533400" indent="-457200" algn="just">
-                  <a:buFont typeface="Noto Sans Symbols"/>
-                  <a:buAutoNum type="arabicPeriod"/>
+                <a:pPr algn="just">
+                  <a:lnSpc>
+                    <a:spcPct val="125000"/>
+                  </a:lnSpc>
                 </a:pPr>
                 <a:r>
-                  <a:rPr lang="ru-RU" sz="2000" dirty="0">
+                  <a:rPr lang="ru-RU" sz="1750" dirty="0">
                     <a:solidFill>
                       <a:schemeClr val="bg2">
                         <a:lumMod val="75000"/>
@@ -6813,15 +6821,17 @@
                     <a:latin typeface="Times New Roman" panose="02020603050405020304" pitchFamily="18" charset="0"/>
                     <a:cs typeface="Times New Roman" panose="02020603050405020304" pitchFamily="18" charset="0"/>
                   </a:rPr>
-                  <a:t>Для очистки датасета от шума разработан фильтр, ядром (маской) которого являются объекты базового датасета.</a:t>
+                  <a:t>2. Для очистки датасета от шума разработан фильтр, ядром (маской) которого являются объекты базового датасета.</a:t>
                 </a:r>
               </a:p>
               <a:p>
-                <a:pPr marL="533400" indent="-457200" algn="just">
-                  <a:buAutoNum type="arabicPeriod"/>
+                <a:pPr algn="just">
+                  <a:lnSpc>
+                    <a:spcPct val="125000"/>
+                  </a:lnSpc>
                 </a:pPr>
                 <a:r>
-                  <a:rPr lang="ru-RU" sz="2000" dirty="0">
+                  <a:rPr lang="ru-RU" sz="1750" dirty="0">
                     <a:solidFill>
                       <a:schemeClr val="bg2">
                         <a:lumMod val="75000"/>
@@ -6831,10 +6841,10 @@
                     <a:latin typeface="Times New Roman" panose="02020603050405020304" pitchFamily="18" charset="0"/>
                     <a:cs typeface="Times New Roman" panose="02020603050405020304" pitchFamily="18" charset="0"/>
                   </a:rPr>
-                  <a:t>По данным базового датасета выявлены линейные функциональные зависимости для целевых переменных </a:t>
+                  <a:t>3. По данным базового датасета выявлены линейные функциональные зависимости для целевых переменных </a:t>
                 </a:r>
                 <a:r>
-                  <a:rPr lang="ru-RU" sz="2000" dirty="0">
+                  <a:rPr lang="ru-RU" sz="1750" dirty="0">
                     <a:solidFill>
                       <a:schemeClr val="bg2">
                         <a:lumMod val="75000"/>
@@ -6851,7 +6861,7 @@
                     <m:sSup>
                       <m:sSupPr>
                         <m:ctrlPr>
-                          <a:rPr lang="ru-RU" sz="2000" i="1">
+                          <a:rPr lang="ru-RU" sz="1750" i="1">
                             <a:solidFill>
                               <a:schemeClr val="bg2">
                                 <a:lumMod val="75000"/>
@@ -6864,7 +6874,7 @@
                       </m:sSupPr>
                       <m:e>
                         <m:r>
-                          <a:rPr lang="ru-RU" sz="2000" i="1">
+                          <a:rPr lang="ru-RU" sz="1750" i="1">
                             <a:solidFill>
                               <a:schemeClr val="bg2">
                                 <a:lumMod val="75000"/>
@@ -6878,7 +6888,7 @@
                       </m:e>
                       <m:sup>
                         <m:r>
-                          <a:rPr lang="ru-RU" sz="2000">
+                          <a:rPr lang="ru-RU" sz="1750">
                             <a:solidFill>
                               <a:schemeClr val="bg2">
                                 <a:lumMod val="75000"/>
@@ -6894,7 +6904,7 @@
                   </m:oMath>
                 </a14:m>
                 <a:r>
-                  <a:rPr lang="ru-RU" sz="2000" dirty="0">
+                  <a:rPr lang="ru-RU" sz="1750" dirty="0">
                     <a:solidFill>
                       <a:schemeClr val="bg2">
                         <a:lumMod val="75000"/>
@@ -6908,12 +6918,13 @@
                 </a:r>
               </a:p>
               <a:p>
-                <a:pPr marL="533400" indent="-457200" algn="just">
-                  <a:buFont typeface="Noto Sans Symbols"/>
-                  <a:buAutoNum type="arabicPeriod"/>
+                <a:pPr algn="just">
+                  <a:lnSpc>
+                    <a:spcPct val="125000"/>
+                  </a:lnSpc>
                 </a:pPr>
                 <a:r>
-                  <a:rPr lang="ru-RU" sz="2000" dirty="0">
+                  <a:rPr lang="ru-RU" sz="1750" dirty="0">
                     <a:solidFill>
                       <a:schemeClr val="bg2">
                         <a:lumMod val="75000"/>
@@ -6923,10 +6934,10 @@
                     <a:latin typeface="Times New Roman" panose="02020603050405020304" pitchFamily="18" charset="0"/>
                     <a:cs typeface="Times New Roman" panose="02020603050405020304" pitchFamily="18" charset="0"/>
                   </a:rPr>
-                  <a:t>На данных полного датасета для целевых переменных </a:t>
+                  <a:t>4. На данных полного датасета для целевых переменных </a:t>
                 </a:r>
                 <a:r>
-                  <a:rPr lang="ru-RU" sz="2000" dirty="0">
+                  <a:rPr lang="ru-RU" sz="1750" dirty="0">
                     <a:solidFill>
                       <a:schemeClr val="bg2">
                         <a:lumMod val="75000"/>
@@ -6939,7 +6950,7 @@
                   <a:t>'Модуль упругости при растяжении' и 'Прочность при растяжении' </a:t>
                 </a:r>
                 <a:r>
-                  <a:rPr lang="ru-RU" sz="2000" dirty="0">
+                  <a:rPr lang="ru-RU" sz="1750" dirty="0">
                     <a:solidFill>
                       <a:schemeClr val="bg2">
                         <a:lumMod val="75000"/>
@@ -6952,7 +6963,7 @@
                   <a:t>обучены модели регрессоров</a:t>
                 </a:r>
                 <a:r>
-                  <a:rPr lang="ru-RU" sz="2000" dirty="0">
+                  <a:rPr lang="ru-RU" sz="1750" dirty="0">
                     <a:solidFill>
                       <a:schemeClr val="bg2">
                         <a:lumMod val="75000"/>
@@ -6969,7 +6980,7 @@
                     <m:sSup>
                       <m:sSupPr>
                         <m:ctrlPr>
-                          <a:rPr lang="ru-RU" sz="2000" i="1">
+                          <a:rPr lang="ru-RU" sz="1750" i="1">
                             <a:solidFill>
                               <a:schemeClr val="bg2">
                                 <a:lumMod val="75000"/>
@@ -6982,7 +6993,7 @@
                       </m:sSupPr>
                       <m:e>
                         <m:r>
-                          <a:rPr lang="ru-RU" sz="2000" i="1">
+                          <a:rPr lang="ru-RU" sz="1750" i="1">
                             <a:solidFill>
                               <a:schemeClr val="bg2">
                                 <a:lumMod val="75000"/>
@@ -6996,7 +7007,7 @@
                       </m:e>
                       <m:sup>
                         <m:r>
-                          <a:rPr lang="ru-RU" sz="2000">
+                          <a:rPr lang="ru-RU" sz="1750">
                             <a:solidFill>
                               <a:schemeClr val="bg2">
                                 <a:lumMod val="75000"/>
@@ -7012,7 +7023,7 @@
                   </m:oMath>
                 </a14:m>
                 <a:r>
-                  <a:rPr lang="ru-RU" sz="2000" dirty="0">
+                  <a:rPr lang="ru-RU" sz="1750" dirty="0">
                     <a:solidFill>
                       <a:schemeClr val="bg2">
                         <a:lumMod val="75000"/>
@@ -7025,7 +7036,7 @@
                   <a:t> = 0,012. </a:t>
                 </a:r>
                 <a:r>
-                  <a:rPr lang="ru-RU" sz="2000" dirty="0">
+                  <a:rPr lang="ru-RU" sz="1750" dirty="0">
                     <a:solidFill>
                       <a:schemeClr val="bg2">
                         <a:lumMod val="75000"/>
@@ -7042,7 +7053,7 @@
                     <m:sSup>
                       <m:sSupPr>
                         <m:ctrlPr>
-                          <a:rPr lang="ru-RU" sz="2000" i="1">
+                          <a:rPr lang="ru-RU" sz="1750" i="1">
                             <a:solidFill>
                               <a:schemeClr val="bg2">
                                 <a:lumMod val="75000"/>
@@ -7055,7 +7066,7 @@
                       </m:sSupPr>
                       <m:e>
                         <m:r>
-                          <a:rPr lang="ru-RU" sz="2000" i="1">
+                          <a:rPr lang="ru-RU" sz="1750" i="1">
                             <a:solidFill>
                               <a:schemeClr val="bg2">
                                 <a:lumMod val="75000"/>
@@ -7069,7 +7080,7 @@
                       </m:e>
                       <m:sup>
                         <m:r>
-                          <a:rPr lang="ru-RU" sz="2000">
+                          <a:rPr lang="ru-RU" sz="1750">
                             <a:solidFill>
                               <a:schemeClr val="bg2">
                                 <a:lumMod val="75000"/>
@@ -7085,7 +7096,7 @@
                   </m:oMath>
                 </a14:m>
                 <a:r>
-                  <a:rPr lang="ru-RU" sz="2000" dirty="0">
+                  <a:rPr lang="ru-RU" sz="1750" dirty="0">
                     <a:solidFill>
                       <a:schemeClr val="bg2">
                         <a:lumMod val="75000"/>
@@ -7099,12 +7110,13 @@
                 </a:r>
               </a:p>
               <a:p>
-                <a:pPr marL="533400" indent="-457200" algn="just">
-                  <a:buFont typeface="Noto Sans Symbols"/>
-                  <a:buAutoNum type="arabicPeriod"/>
+                <a:pPr algn="just">
+                  <a:lnSpc>
+                    <a:spcPct val="125000"/>
+                  </a:lnSpc>
                 </a:pPr>
                 <a:r>
-                  <a:rPr lang="ru-RU" sz="2000" dirty="0">
+                  <a:rPr lang="ru-RU" sz="1750" dirty="0">
                     <a:solidFill>
                       <a:schemeClr val="bg2">
                         <a:lumMod val="75000"/>
@@ -7114,10 +7126,10 @@
                     <a:latin typeface="Times New Roman" panose="02020603050405020304" pitchFamily="18" charset="0"/>
                     <a:cs typeface="Times New Roman" panose="02020603050405020304" pitchFamily="18" charset="0"/>
                   </a:rPr>
-                  <a:t>На данных очищенного датасета для целевых переменных </a:t>
+                  <a:t>5. На данных очищенного датасета для целевых переменных </a:t>
                 </a:r>
                 <a:r>
-                  <a:rPr lang="ru-RU" sz="2000" dirty="0">
+                  <a:rPr lang="ru-RU" sz="1750" dirty="0">
                     <a:solidFill>
                       <a:schemeClr val="bg2">
                         <a:lumMod val="75000"/>
@@ -7130,7 +7142,7 @@
                   <a:t>'Модуль упругости при растяжении' и 'Прочность при растяжении' </a:t>
                 </a:r>
                 <a:r>
-                  <a:rPr lang="ru-RU" sz="2000" dirty="0">
+                  <a:rPr lang="ru-RU" sz="1750" dirty="0">
                     <a:solidFill>
                       <a:schemeClr val="bg2">
                         <a:lumMod val="75000"/>
@@ -7143,7 +7155,7 @@
                   <a:t>обучены модели регрессоров</a:t>
                 </a:r>
                 <a:r>
-                  <a:rPr lang="ru-RU" sz="2000" dirty="0">
+                  <a:rPr lang="ru-RU" sz="1750" dirty="0">
                     <a:solidFill>
                       <a:schemeClr val="bg2">
                         <a:lumMod val="75000"/>
@@ -7160,7 +7172,7 @@
                     <m:sSup>
                       <m:sSupPr>
                         <m:ctrlPr>
-                          <a:rPr lang="ru-RU" sz="2000" i="1">
+                          <a:rPr lang="ru-RU" sz="1750" i="1">
                             <a:solidFill>
                               <a:schemeClr val="bg2">
                                 <a:lumMod val="75000"/>
@@ -7173,7 +7185,7 @@
                       </m:sSupPr>
                       <m:e>
                         <m:r>
-                          <a:rPr lang="ru-RU" sz="2000" i="1">
+                          <a:rPr lang="ru-RU" sz="1750" i="1">
                             <a:solidFill>
                               <a:schemeClr val="bg2">
                                 <a:lumMod val="75000"/>
@@ -7187,7 +7199,7 @@
                       </m:e>
                       <m:sup>
                         <m:r>
-                          <a:rPr lang="ru-RU" sz="2000">
+                          <a:rPr lang="ru-RU" sz="1750">
                             <a:solidFill>
                               <a:schemeClr val="bg2">
                                 <a:lumMod val="75000"/>
@@ -7203,7 +7215,7 @@
                   </m:oMath>
                 </a14:m>
                 <a:r>
-                  <a:rPr lang="ru-RU" sz="2000" dirty="0">
+                  <a:rPr lang="ru-RU" sz="1750" dirty="0">
                     <a:solidFill>
                       <a:schemeClr val="bg2">
                         <a:lumMod val="75000"/>
@@ -7216,7 +7228,7 @@
                   <a:t> = 0,737. </a:t>
                 </a:r>
                 <a:r>
-                  <a:rPr lang="ru-RU" sz="2000" dirty="0">
+                  <a:rPr lang="ru-RU" sz="1750" dirty="0">
                     <a:solidFill>
                       <a:schemeClr val="bg2">
                         <a:lumMod val="75000"/>
@@ -7226,14 +7238,27 @@
                     <a:latin typeface="Times New Roman" panose="02020603050405020304" pitchFamily="18" charset="0"/>
                     <a:ea typeface="Arial" panose="020B0604020202020204" pitchFamily="34" charset="0"/>
                   </a:rPr>
-                  <a:t>Для целевой переменной 'Соотношение матрица - наполнитель' обучена модель ИНС, для которой </a:t>
+                  <a:t>Для цел</a:t>
+                </a:r>
+                <a:r>
+                  <a:rPr lang="ru-RU" sz="1800" dirty="0">
+                    <a:solidFill>
+                      <a:schemeClr val="bg2">
+                        <a:lumMod val="75000"/>
+                        <a:lumOff val="25000"/>
+                      </a:schemeClr>
+                    </a:solidFill>
+                    <a:latin typeface="Times New Roman" panose="02020603050405020304" pitchFamily="18" charset="0"/>
+                    <a:ea typeface="Arial" panose="020B0604020202020204" pitchFamily="34" charset="0"/>
+                  </a:rPr>
+                  <a:t>евой переменной 'Соотношение матрица - наполнитель' обучена модель ИНС, для которой </a:t>
                 </a:r>
                 <a14:m>
                   <m:oMath xmlns:m="http://schemas.openxmlformats.org/officeDocument/2006/math">
                     <m:sSup>
                       <m:sSupPr>
                         <m:ctrlPr>
-                          <a:rPr lang="ru-RU" sz="2000" i="1">
+                          <a:rPr lang="ru-RU" sz="1800" i="1">
                             <a:solidFill>
                               <a:schemeClr val="bg2">
                                 <a:lumMod val="75000"/>
@@ -7246,7 +7271,7 @@
                       </m:sSupPr>
                       <m:e>
                         <m:r>
-                          <a:rPr lang="ru-RU" sz="2000" i="1">
+                          <a:rPr lang="ru-RU" sz="1800" i="1">
                             <a:solidFill>
                               <a:schemeClr val="bg2">
                                 <a:lumMod val="75000"/>
@@ -7260,7 +7285,7 @@
                       </m:e>
                       <m:sup>
                         <m:r>
-                          <a:rPr lang="ru-RU" sz="2000">
+                          <a:rPr lang="ru-RU" sz="1800">
                             <a:solidFill>
                               <a:schemeClr val="bg2">
                                 <a:lumMod val="75000"/>
@@ -7276,7 +7301,7 @@
                   </m:oMath>
                 </a14:m>
                 <a:r>
-                  <a:rPr lang="ru-RU" sz="2000" dirty="0">
+                  <a:rPr lang="ru-RU" sz="1800" dirty="0">
                     <a:solidFill>
                       <a:schemeClr val="bg2">
                         <a:lumMod val="75000"/>
@@ -7292,7 +7317,7 @@
             </p:txBody>
           </p:sp>
         </mc:Choice>
-        <mc:Fallback xmlns="">
+        <mc:Fallback>
           <p:sp>
             <p:nvSpPr>
               <p:cNvPr id="3" name="Текст 2">
@@ -7311,13 +7336,13 @@
             </p:nvSpPr>
             <p:spPr>
               <a:xfrm>
-                <a:off x="425059" y="1676400"/>
-                <a:ext cx="11195441" cy="4781550"/>
+                <a:off x="571501" y="1266825"/>
+                <a:ext cx="11106150" cy="5213881"/>
               </a:xfrm>
               <a:blipFill>
                 <a:blip r:embed="rId2"/>
                 <a:stretch>
-                  <a:fillRect l="-54" t="-638" r="-599"/>
+                  <a:fillRect r="-439" b="-2690"/>
                 </a:stretch>
               </a:blipFill>
             </p:spPr>
@@ -8396,7 +8421,7 @@
         </p:nvSpPr>
         <p:spPr>
           <a:xfrm>
-            <a:off x="273628" y="6416633"/>
+            <a:off x="226003" y="6416633"/>
             <a:ext cx="570309" cy="275255"/>
           </a:xfrm>
         </p:spPr>
@@ -8581,7 +8606,7 @@
         </p:nvSpPr>
         <p:spPr>
           <a:xfrm>
-            <a:off x="273628" y="6416633"/>
+            <a:off x="197428" y="6416633"/>
             <a:ext cx="570309" cy="275255"/>
           </a:xfrm>
         </p:spPr>
@@ -8998,7 +9023,7 @@
         </p:nvSpPr>
         <p:spPr>
           <a:xfrm>
-            <a:off x="8012086" y="1443047"/>
+            <a:off x="8020795" y="1443047"/>
             <a:ext cx="3875113" cy="646331"/>
           </a:xfrm>
           <a:prstGeom prst="rect">
@@ -9044,7 +9069,7 @@
         </p:nvSpPr>
         <p:spPr>
           <a:xfrm>
-            <a:off x="7977639" y="3131789"/>
+            <a:off x="8056020" y="3131789"/>
             <a:ext cx="3813769" cy="646331"/>
           </a:xfrm>
           <a:prstGeom prst="rect">
@@ -9090,7 +9115,7 @@
         </p:nvSpPr>
         <p:spPr>
           <a:xfrm>
-            <a:off x="7973161" y="5385755"/>
+            <a:off x="7964452" y="5385755"/>
             <a:ext cx="4070793" cy="646331"/>
           </a:xfrm>
           <a:prstGeom prst="rect">
@@ -9496,7 +9521,7 @@
         </p:nvSpPr>
         <p:spPr>
           <a:xfrm>
-            <a:off x="273628" y="6434051"/>
+            <a:off x="216478" y="6434051"/>
             <a:ext cx="570309" cy="275255"/>
           </a:xfrm>
         </p:spPr>
@@ -10777,7 +10802,12 @@
             <p:ph type="sldNum" idx="12"/>
           </p:nvPr>
         </p:nvSpPr>
-        <p:spPr/>
+        <p:spPr>
+          <a:xfrm>
+            <a:off x="226003" y="6434051"/>
+            <a:ext cx="570309" cy="275255"/>
+          </a:xfrm>
+        </p:spPr>
         <p:txBody>
           <a:bodyPr/>
           <a:lstStyle/>
@@ -11583,7 +11613,7 @@
         </p:nvSpPr>
         <p:spPr>
           <a:xfrm>
-            <a:off x="160419" y="6434051"/>
+            <a:off x="93744" y="6434051"/>
             <a:ext cx="570309" cy="275255"/>
           </a:xfrm>
         </p:spPr>
@@ -13010,8 +13040,8 @@
           </a:prstGeom>
         </p:spPr>
       </p:pic>
-      <mc:AlternateContent xmlns:mc="http://schemas.openxmlformats.org/markup-compatibility/2006">
-        <mc:Choice xmlns:a14="http://schemas.microsoft.com/office/drawing/2010/main" Requires="a14">
+      <mc:AlternateContent xmlns:mc="http://schemas.openxmlformats.org/markup-compatibility/2006" xmlns:a14="http://schemas.microsoft.com/office/drawing/2010/main">
+        <mc:Choice Requires="a14">
           <p:sp>
             <p:nvSpPr>
               <p:cNvPr id="25" name="Прямоугольник 24">
@@ -13208,7 +13238,7 @@
             </p:txBody>
           </p:sp>
         </mc:Choice>
-        <mc:Fallback>
+        <mc:Fallback xmlns="">
           <p:sp>
             <p:nvSpPr>
               <p:cNvPr id="25" name="Прямоугольник 24">
@@ -13551,7 +13581,12 @@
             <p:ph type="sldNum" idx="12"/>
           </p:nvPr>
         </p:nvSpPr>
-        <p:spPr/>
+        <p:spPr>
+          <a:xfrm>
+            <a:off x="178378" y="6434051"/>
+            <a:ext cx="632459" cy="275255"/>
+          </a:xfrm>
+        </p:spPr>
         <p:txBody>
           <a:bodyPr/>
           <a:lstStyle/>
@@ -14970,7 +15005,12 @@
             <p:ph type="sldNum" idx="12"/>
           </p:nvPr>
         </p:nvSpPr>
-        <p:spPr/>
+        <p:spPr>
+          <a:xfrm>
+            <a:off x="178378" y="6434051"/>
+            <a:ext cx="632459" cy="275255"/>
+          </a:xfrm>
+        </p:spPr>
         <p:txBody>
           <a:bodyPr/>
           <a:lstStyle/>
@@ -14989,291 +15029,6 @@
                 <a:latin typeface="Times New Roman" panose="02020603050405020304" pitchFamily="18" charset="0"/>
                 <a:cs typeface="Times New Roman" panose="02020603050405020304" pitchFamily="18" charset="0"/>
               </a:rPr>
-              <a:t>8</a:t>
-            </a:fld>
-            <a:endParaRPr lang="ru-RU" dirty="0">
-              <a:latin typeface="Times New Roman" panose="02020603050405020304" pitchFamily="18" charset="0"/>
-              <a:cs typeface="Times New Roman" panose="02020603050405020304" pitchFamily="18" charset="0"/>
-            </a:endParaRPr>
-          </a:p>
-        </p:txBody>
-      </p:sp>
-      <p:sp>
-        <p:nvSpPr>
-          <p:cNvPr id="11" name="Номер слайда 2">
-            <a:extLst>
-              <a:ext uri="{FF2B5EF4-FFF2-40B4-BE49-F238E27FC236}">
-                <a16:creationId xmlns:a16="http://schemas.microsoft.com/office/drawing/2014/main" id="{8C03D95E-B355-4AF0-B731-AD0E241E3785}"/>
-              </a:ext>
-            </a:extLst>
-          </p:cNvPr>
-          <p:cNvSpPr txBox="1">
-            <a:spLocks/>
-          </p:cNvSpPr>
-          <p:nvPr/>
-        </p:nvSpPr>
-        <p:spPr>
-          <a:xfrm>
-            <a:off x="273628" y="6434051"/>
-            <a:ext cx="632459" cy="275255"/>
-          </a:xfrm>
-          <a:prstGeom prst="rect">
-            <a:avLst/>
-          </a:prstGeom>
-          <a:noFill/>
-          <a:ln>
-            <a:noFill/>
-          </a:ln>
-        </p:spPr>
-        <p:txBody>
-          <a:bodyPr spcFirstLastPara="1" wrap="square" lIns="91425" tIns="45700" rIns="91425" bIns="45700" anchor="ctr" anchorCtr="0">
-            <a:noAutofit/>
-          </a:bodyPr>
-          <a:lstStyle>
-            <a:defPPr marR="0" lvl="0" algn="l" rtl="0">
-              <a:lnSpc>
-                <a:spcPct val="100000"/>
-              </a:lnSpc>
-              <a:spcBef>
-                <a:spcPts val="0"/>
-              </a:spcBef>
-              <a:spcAft>
-                <a:spcPts val="0"/>
-              </a:spcAft>
-            </a:defPPr>
-            <a:lvl1pPr marL="0" marR="0" lvl="0" indent="0" algn="l" rtl="0">
-              <a:lnSpc>
-                <a:spcPct val="100000"/>
-              </a:lnSpc>
-              <a:spcBef>
-                <a:spcPts val="0"/>
-              </a:spcBef>
-              <a:spcAft>
-                <a:spcPts val="0"/>
-              </a:spcAft>
-              <a:buClr>
-                <a:srgbClr val="000000"/>
-              </a:buClr>
-              <a:buFont typeface="Arial"/>
-              <a:buNone/>
-              <a:defRPr sz="2400" b="0" i="0" u="none" strike="noStrike" cap="none">
-                <a:solidFill>
-                  <a:srgbClr val="898989"/>
-                </a:solidFill>
-                <a:latin typeface="+mj-lt"/>
-                <a:ea typeface="Open Sans"/>
-                <a:cs typeface="Open Sans"/>
-                <a:sym typeface="Open Sans"/>
-              </a:defRPr>
-            </a:lvl1pPr>
-            <a:lvl2pPr marL="0" marR="0" lvl="1" indent="0" algn="l" rtl="0">
-              <a:lnSpc>
-                <a:spcPct val="100000"/>
-              </a:lnSpc>
-              <a:spcBef>
-                <a:spcPts val="0"/>
-              </a:spcBef>
-              <a:spcAft>
-                <a:spcPts val="0"/>
-              </a:spcAft>
-              <a:buClr>
-                <a:srgbClr val="000000"/>
-              </a:buClr>
-              <a:buFont typeface="Arial"/>
-              <a:buNone/>
-              <a:defRPr sz="2400" b="0" i="0" u="none" strike="noStrike" cap="none">
-                <a:solidFill>
-                  <a:srgbClr val="898989"/>
-                </a:solidFill>
-                <a:latin typeface="Open Sans"/>
-                <a:ea typeface="Open Sans"/>
-                <a:cs typeface="Open Sans"/>
-                <a:sym typeface="Open Sans"/>
-              </a:defRPr>
-            </a:lvl2pPr>
-            <a:lvl3pPr marL="0" marR="0" lvl="2" indent="0" algn="l" rtl="0">
-              <a:lnSpc>
-                <a:spcPct val="100000"/>
-              </a:lnSpc>
-              <a:spcBef>
-                <a:spcPts val="0"/>
-              </a:spcBef>
-              <a:spcAft>
-                <a:spcPts val="0"/>
-              </a:spcAft>
-              <a:buClr>
-                <a:srgbClr val="000000"/>
-              </a:buClr>
-              <a:buFont typeface="Arial"/>
-              <a:buNone/>
-              <a:defRPr sz="2400" b="0" i="0" u="none" strike="noStrike" cap="none">
-                <a:solidFill>
-                  <a:srgbClr val="898989"/>
-                </a:solidFill>
-                <a:latin typeface="Open Sans"/>
-                <a:ea typeface="Open Sans"/>
-                <a:cs typeface="Open Sans"/>
-                <a:sym typeface="Open Sans"/>
-              </a:defRPr>
-            </a:lvl3pPr>
-            <a:lvl4pPr marL="0" marR="0" lvl="3" indent="0" algn="l" rtl="0">
-              <a:lnSpc>
-                <a:spcPct val="100000"/>
-              </a:lnSpc>
-              <a:spcBef>
-                <a:spcPts val="0"/>
-              </a:spcBef>
-              <a:spcAft>
-                <a:spcPts val="0"/>
-              </a:spcAft>
-              <a:buClr>
-                <a:srgbClr val="000000"/>
-              </a:buClr>
-              <a:buFont typeface="Arial"/>
-              <a:buNone/>
-              <a:defRPr sz="2400" b="0" i="0" u="none" strike="noStrike" cap="none">
-                <a:solidFill>
-                  <a:srgbClr val="898989"/>
-                </a:solidFill>
-                <a:latin typeface="Open Sans"/>
-                <a:ea typeface="Open Sans"/>
-                <a:cs typeface="Open Sans"/>
-                <a:sym typeface="Open Sans"/>
-              </a:defRPr>
-            </a:lvl4pPr>
-            <a:lvl5pPr marL="0" marR="0" lvl="4" indent="0" algn="l" rtl="0">
-              <a:lnSpc>
-                <a:spcPct val="100000"/>
-              </a:lnSpc>
-              <a:spcBef>
-                <a:spcPts val="0"/>
-              </a:spcBef>
-              <a:spcAft>
-                <a:spcPts val="0"/>
-              </a:spcAft>
-              <a:buClr>
-                <a:srgbClr val="000000"/>
-              </a:buClr>
-              <a:buFont typeface="Arial"/>
-              <a:buNone/>
-              <a:defRPr sz="2400" b="0" i="0" u="none" strike="noStrike" cap="none">
-                <a:solidFill>
-                  <a:srgbClr val="898989"/>
-                </a:solidFill>
-                <a:latin typeface="Open Sans"/>
-                <a:ea typeface="Open Sans"/>
-                <a:cs typeface="Open Sans"/>
-                <a:sym typeface="Open Sans"/>
-              </a:defRPr>
-            </a:lvl5pPr>
-            <a:lvl6pPr marL="0" marR="0" lvl="5" indent="0" algn="l" rtl="0">
-              <a:lnSpc>
-                <a:spcPct val="100000"/>
-              </a:lnSpc>
-              <a:spcBef>
-                <a:spcPts val="0"/>
-              </a:spcBef>
-              <a:spcAft>
-                <a:spcPts val="0"/>
-              </a:spcAft>
-              <a:buClr>
-                <a:srgbClr val="000000"/>
-              </a:buClr>
-              <a:buFont typeface="Arial"/>
-              <a:buNone/>
-              <a:defRPr sz="2400" b="0" i="0" u="none" strike="noStrike" cap="none">
-                <a:solidFill>
-                  <a:srgbClr val="898989"/>
-                </a:solidFill>
-                <a:latin typeface="Open Sans"/>
-                <a:ea typeface="Open Sans"/>
-                <a:cs typeface="Open Sans"/>
-                <a:sym typeface="Open Sans"/>
-              </a:defRPr>
-            </a:lvl6pPr>
-            <a:lvl7pPr marL="0" marR="0" lvl="6" indent="0" algn="l" rtl="0">
-              <a:lnSpc>
-                <a:spcPct val="100000"/>
-              </a:lnSpc>
-              <a:spcBef>
-                <a:spcPts val="0"/>
-              </a:spcBef>
-              <a:spcAft>
-                <a:spcPts val="0"/>
-              </a:spcAft>
-              <a:buClr>
-                <a:srgbClr val="000000"/>
-              </a:buClr>
-              <a:buFont typeface="Arial"/>
-              <a:buNone/>
-              <a:defRPr sz="2400" b="0" i="0" u="none" strike="noStrike" cap="none">
-                <a:solidFill>
-                  <a:srgbClr val="898989"/>
-                </a:solidFill>
-                <a:latin typeface="Open Sans"/>
-                <a:ea typeface="Open Sans"/>
-                <a:cs typeface="Open Sans"/>
-                <a:sym typeface="Open Sans"/>
-              </a:defRPr>
-            </a:lvl7pPr>
-            <a:lvl8pPr marL="0" marR="0" lvl="7" indent="0" algn="l" rtl="0">
-              <a:lnSpc>
-                <a:spcPct val="100000"/>
-              </a:lnSpc>
-              <a:spcBef>
-                <a:spcPts val="0"/>
-              </a:spcBef>
-              <a:spcAft>
-                <a:spcPts val="0"/>
-              </a:spcAft>
-              <a:buClr>
-                <a:srgbClr val="000000"/>
-              </a:buClr>
-              <a:buFont typeface="Arial"/>
-              <a:buNone/>
-              <a:defRPr sz="2400" b="0" i="0" u="none" strike="noStrike" cap="none">
-                <a:solidFill>
-                  <a:srgbClr val="898989"/>
-                </a:solidFill>
-                <a:latin typeface="Open Sans"/>
-                <a:ea typeface="Open Sans"/>
-                <a:cs typeface="Open Sans"/>
-                <a:sym typeface="Open Sans"/>
-              </a:defRPr>
-            </a:lvl8pPr>
-            <a:lvl9pPr marL="0" marR="0" lvl="8" indent="0" algn="l" rtl="0">
-              <a:lnSpc>
-                <a:spcPct val="100000"/>
-              </a:lnSpc>
-              <a:spcBef>
-                <a:spcPts val="0"/>
-              </a:spcBef>
-              <a:spcAft>
-                <a:spcPts val="0"/>
-              </a:spcAft>
-              <a:buClr>
-                <a:srgbClr val="000000"/>
-              </a:buClr>
-              <a:buFont typeface="Arial"/>
-              <a:buNone/>
-              <a:defRPr sz="2400" b="0" i="0" u="none" strike="noStrike" cap="none">
-                <a:solidFill>
-                  <a:srgbClr val="898989"/>
-                </a:solidFill>
-                <a:latin typeface="Open Sans"/>
-                <a:ea typeface="Open Sans"/>
-                <a:cs typeface="Open Sans"/>
-                <a:sym typeface="Open Sans"/>
-              </a:defRPr>
-            </a:lvl9pPr>
-          </a:lstStyle>
-          <a:p>
-            <a:fld id="{00000000-1234-1234-1234-123412341234}" type="slidenum">
-              <a:rPr lang="ru-RU" smtClean="0">
-                <a:latin typeface="Times New Roman" panose="02020603050405020304" pitchFamily="18" charset="0"/>
-                <a:cs typeface="Times New Roman" panose="02020603050405020304" pitchFamily="18" charset="0"/>
-              </a:rPr>
-              <a:pPr/>
               <a:t>8</a:t>
             </a:fld>
             <a:endParaRPr lang="ru-RU" dirty="0">
@@ -16631,7 +16386,12 @@
             <p:ph type="sldNum" idx="12"/>
           </p:nvPr>
         </p:nvSpPr>
-        <p:spPr/>
+        <p:spPr>
+          <a:xfrm>
+            <a:off x="168853" y="6434051"/>
+            <a:ext cx="632459" cy="275255"/>
+          </a:xfrm>
+        </p:spPr>
         <p:txBody>
           <a:bodyPr/>
           <a:lstStyle/>

--- a/Для защиты ВКР/Презентация ВКР. Горшков А. В..pptx
+++ b/Для защиты ВКР/Презентация ВКР. Горшков А. В..pptx
@@ -9413,7 +9413,7 @@
         </p:nvSpPr>
         <p:spPr>
           <a:xfrm>
-            <a:off x="1549045" y="1920127"/>
+            <a:off x="1358545" y="1920127"/>
             <a:ext cx="4018871" cy="2972447"/>
           </a:xfrm>
           <a:prstGeom prst="rect">
@@ -9465,7 +9465,7 @@
         </p:nvSpPr>
         <p:spPr>
           <a:xfrm>
-            <a:off x="6617417" y="1923410"/>
+            <a:off x="6817442" y="1923410"/>
             <a:ext cx="4018871" cy="2972447"/>
           </a:xfrm>
           <a:prstGeom prst="rect">
@@ -9566,7 +9566,7 @@
         </p:nvGrpSpPr>
         <p:grpSpPr>
           <a:xfrm>
-            <a:off x="4404498" y="504127"/>
+            <a:off x="4299723" y="504127"/>
             <a:ext cx="3835398" cy="666000"/>
             <a:chOff x="1476753" y="3499669"/>
             <a:chExt cx="4619247" cy="666000"/>
@@ -9938,7 +9938,7 @@
         </p:nvSpPr>
         <p:spPr>
           <a:xfrm>
-            <a:off x="2416520" y="4893069"/>
+            <a:off x="2226020" y="4893069"/>
             <a:ext cx="2249820" cy="369332"/>
           </a:xfrm>
           <a:prstGeom prst="rect">
@@ -9991,7 +9991,7 @@
         </p:blipFill>
         <p:spPr>
           <a:xfrm>
-            <a:off x="1512378" y="5353397"/>
+            <a:off x="1321878" y="5353397"/>
             <a:ext cx="133350" cy="133350"/>
           </a:xfrm>
           <a:prstGeom prst="rect">
@@ -10021,7 +10021,7 @@
         </p:blipFill>
         <p:spPr>
           <a:xfrm>
-            <a:off x="1534735" y="5686745"/>
+            <a:off x="1344235" y="6115370"/>
             <a:ext cx="95250" cy="95250"/>
           </a:xfrm>
           <a:prstGeom prst="rect">
@@ -10051,7 +10051,7 @@
         </p:blipFill>
         <p:spPr>
           <a:xfrm>
-            <a:off x="1534735" y="5994074"/>
+            <a:off x="1341836" y="5743104"/>
             <a:ext cx="95250" cy="95250"/>
           </a:xfrm>
           <a:prstGeom prst="rect">
@@ -10073,7 +10073,7 @@
         </p:nvSpPr>
         <p:spPr>
           <a:xfrm>
-            <a:off x="1667177" y="5252535"/>
+            <a:off x="1486202" y="5252535"/>
             <a:ext cx="4403770" cy="307777"/>
           </a:xfrm>
           <a:prstGeom prst="rect">
@@ -10102,7 +10102,21 @@
                 <a:latin typeface="Times New Roman" panose="02020603050405020304" pitchFamily="18" charset="0"/>
                 <a:ea typeface="Arial" panose="020B0604020202020204" pitchFamily="34" charset="0"/>
               </a:rPr>
-              <a:t>объекты базового датасета (23 строки); </a:t>
+              <a:t>объекты базового датасета (23</a:t>
+            </a:r>
+            <a:r>
+              <a:rPr lang="ru-RU" sz="1200" dirty="0">
+                <a:latin typeface="Times New Roman" panose="02020603050405020304" pitchFamily="18" charset="0"/>
+                <a:ea typeface="Arial" panose="020B0604020202020204" pitchFamily="34" charset="0"/>
+              </a:rPr>
+              <a:t> </a:t>
+            </a:r>
+            <a:r>
+              <a:rPr lang="ru-RU" dirty="0">
+                <a:latin typeface="Times New Roman" panose="02020603050405020304" pitchFamily="18" charset="0"/>
+                <a:ea typeface="Arial" panose="020B0604020202020204" pitchFamily="34" charset="0"/>
+              </a:rPr>
+              <a:t>строки); </a:t>
             </a:r>
             <a:endParaRPr lang="ru-RU" dirty="0"/>
           </a:p>
@@ -10122,7 +10136,7 @@
         </p:nvSpPr>
         <p:spPr>
           <a:xfrm>
-            <a:off x="1667177" y="5550265"/>
+            <a:off x="1476677" y="5978890"/>
             <a:ext cx="3273653" cy="307777"/>
           </a:xfrm>
           <a:prstGeom prst="rect">
@@ -10160,8 +10174,8 @@
         </p:nvSpPr>
         <p:spPr>
           <a:xfrm>
-            <a:off x="1667177" y="5851778"/>
-            <a:ext cx="3936794" cy="523220"/>
+            <a:off x="1474277" y="5600808"/>
+            <a:ext cx="5183697" cy="307777"/>
           </a:xfrm>
           <a:prstGeom prst="rect">
             <a:avLst/>
@@ -10178,16 +10192,7 @@
                 <a:latin typeface="Times New Roman" panose="02020603050405020304" pitchFamily="18" charset="0"/>
                 <a:ea typeface="Arial" panose="020B0604020202020204" pitchFamily="34" charset="0"/>
               </a:rPr>
-              <a:t> - объекты, ближайшие к объектам</a:t>
-            </a:r>
-          </a:p>
-          <a:p>
-            <a:r>
-              <a:rPr lang="ru-RU" dirty="0">
-                <a:latin typeface="Times New Roman" panose="02020603050405020304" pitchFamily="18" charset="0"/>
-                <a:ea typeface="Arial" panose="020B0604020202020204" pitchFamily="34" charset="0"/>
-              </a:rPr>
-              <a:t>   базового датасета («ближайшие соседи»); </a:t>
+              <a:t> - объекты, ближайшие к центроидам («ближайшие соседи»); </a:t>
             </a:r>
             <a:endParaRPr lang="ru-RU" dirty="0"/>
           </a:p>
@@ -10215,7 +10220,7 @@
         </p:blipFill>
         <p:spPr>
           <a:xfrm>
-            <a:off x="7128947" y="5418841"/>
+            <a:off x="7328972" y="5418841"/>
             <a:ext cx="95250" cy="95250"/>
           </a:xfrm>
           <a:prstGeom prst="rect">
@@ -10237,8 +10242,8 @@
         </p:nvSpPr>
         <p:spPr>
           <a:xfrm>
-            <a:off x="7261389" y="5293963"/>
-            <a:ext cx="2830752" cy="523220"/>
+            <a:off x="7461414" y="5293963"/>
+            <a:ext cx="3549486" cy="307777"/>
           </a:xfrm>
           <a:prstGeom prst="rect">
             <a:avLst/>
@@ -10255,16 +10260,7 @@
                 <a:latin typeface="Times New Roman" panose="02020603050405020304" pitchFamily="18" charset="0"/>
                 <a:ea typeface="Arial" panose="020B0604020202020204" pitchFamily="34" charset="0"/>
               </a:rPr>
-              <a:t> - объекты, оставшиеся после </a:t>
-            </a:r>
-          </a:p>
-          <a:p>
-            <a:r>
-              <a:rPr lang="ru-RU" dirty="0">
-                <a:latin typeface="Times New Roman" panose="02020603050405020304" pitchFamily="18" charset="0"/>
-                <a:ea typeface="Arial" panose="020B0604020202020204" pitchFamily="34" charset="0"/>
-              </a:rPr>
-              <a:t>   фильтрации  полного  датасета; </a:t>
+              <a:t> - объекты, оставшиеся после фильтрации; </a:t>
             </a:r>
             <a:endParaRPr lang="ru-RU" dirty="0"/>
           </a:p>
@@ -10286,7 +10282,7 @@
         </p:nvCxnSpPr>
         <p:spPr>
           <a:xfrm>
-            <a:off x="1218106" y="6481903"/>
+            <a:off x="1065706" y="6500953"/>
             <a:ext cx="592183" cy="0"/>
           </a:xfrm>
           <a:prstGeom prst="line">
@@ -10328,7 +10324,7 @@
         </p:nvSpPr>
         <p:spPr>
           <a:xfrm>
-            <a:off x="1798199" y="6317362"/>
+            <a:off x="1617224" y="6336412"/>
             <a:ext cx="2866490" cy="307777"/>
           </a:xfrm>
           <a:prstGeom prst="rect">
@@ -10368,7 +10364,7 @@
         </p:nvCxnSpPr>
         <p:spPr>
           <a:xfrm>
-            <a:off x="6839491" y="5984800"/>
+            <a:off x="7058566" y="5803825"/>
             <a:ext cx="592183" cy="0"/>
           </a:xfrm>
           <a:prstGeom prst="line">
@@ -10410,7 +10406,7 @@
         </p:nvSpPr>
         <p:spPr>
           <a:xfrm>
-            <a:off x="7410875" y="5802841"/>
+            <a:off x="7610900" y="5621866"/>
             <a:ext cx="3180679" cy="307777"/>
           </a:xfrm>
           <a:prstGeom prst="rect">
@@ -10448,7 +10444,7 @@
         </p:nvSpPr>
         <p:spPr>
           <a:xfrm>
-            <a:off x="7023849" y="4913346"/>
+            <a:off x="7233399" y="4913346"/>
             <a:ext cx="3212739" cy="369332"/>
           </a:xfrm>
           <a:prstGeom prst="rect">
@@ -10472,7 +10468,7 @@
               <a:t>б) очищенный датасет (</a:t>
             </a:r>
             <a:r>
-              <a:rPr lang="en-US" sz="1800" i="1" dirty="0" err="1">
+              <a:rPr lang="en-US" sz="1800" i="1" dirty="0">
                 <a:solidFill>
                   <a:srgbClr val="C00000"/>
                 </a:solidFill>
@@ -10482,7 +10478,7 @@
               <a:t>k</a:t>
             </a:r>
             <a:r>
-              <a:rPr lang="en-US" sz="1800" i="1" baseline="-25000" dirty="0" err="1">
+              <a:rPr lang="en-US" sz="1800" i="1" baseline="-25000" dirty="0">
                 <a:solidFill>
                   <a:srgbClr val="C00000"/>
                 </a:solidFill>
@@ -10523,7 +10519,7 @@
         </p:nvSpPr>
         <p:spPr>
           <a:xfrm rot="16200000">
-            <a:off x="5936250" y="3064333"/>
+            <a:off x="5964825" y="3064333"/>
             <a:ext cx="341815" cy="600891"/>
           </a:xfrm>
           <a:prstGeom prst="downArrow">
@@ -10574,7 +10570,7 @@
         </p:nvSpPr>
         <p:spPr>
           <a:xfrm>
-            <a:off x="2149922" y="1121134"/>
+            <a:off x="2064197" y="1121134"/>
             <a:ext cx="8365678" cy="707886"/>
           </a:xfrm>
           <a:prstGeom prst="rect">
@@ -10635,8 +10631,8 @@
         </p:nvSpPr>
         <p:spPr>
           <a:xfrm>
-            <a:off x="5421225" y="6202596"/>
-            <a:ext cx="6656478" cy="446276"/>
+            <a:off x="4940830" y="6202596"/>
+            <a:ext cx="7136874" cy="477054"/>
           </a:xfrm>
           <a:prstGeom prst="rect">
             <a:avLst/>
@@ -10649,7 +10645,7 @@
           <a:lstStyle/>
           <a:p>
             <a:r>
-              <a:rPr lang="ru-RU" sz="1150" b="1" dirty="0">
+              <a:rPr lang="ru-RU" sz="1250" b="1" dirty="0">
                 <a:solidFill>
                   <a:srgbClr val="0000FF"/>
                 </a:solidFill>
@@ -10659,7 +10655,7 @@
               <a:t>Примечание. </a:t>
             </a:r>
             <a:r>
-              <a:rPr lang="ru-RU" sz="1150" dirty="0">
+              <a:rPr lang="ru-RU" sz="1250" dirty="0">
                 <a:solidFill>
                   <a:srgbClr val="0000FF"/>
                 </a:solidFill>
@@ -10671,7 +10667,7 @@
           </a:p>
           <a:p>
             <a:r>
-              <a:rPr lang="ru-RU" sz="1150" dirty="0">
+              <a:rPr lang="ru-RU" sz="1250" dirty="0">
                 <a:solidFill>
                   <a:srgbClr val="0000FF"/>
                 </a:solidFill>
@@ -10680,7 +10676,7 @@
               </a:rPr>
               <a:t>процедуру следует рассматривать не как фильтрацию датасета, а как размножение базового датасета.</a:t>
             </a:r>
-            <a:endParaRPr lang="ru-RU" sz="1150" dirty="0">
+            <a:endParaRPr lang="ru-RU" sz="1250" dirty="0">
               <a:solidFill>
                 <a:srgbClr val="0000FF"/>
               </a:solidFill>
@@ -10710,7 +10706,7 @@
         </p:blipFill>
         <p:spPr>
           <a:xfrm>
-            <a:off x="1646793" y="1889429"/>
+            <a:off x="1456293" y="1889429"/>
             <a:ext cx="3824518" cy="3003145"/>
           </a:xfrm>
           <a:prstGeom prst="rect">
@@ -10740,7 +10736,7 @@
         </p:blipFill>
         <p:spPr>
           <a:xfrm>
-            <a:off x="6792683" y="1907432"/>
+            <a:off x="6992708" y="1907432"/>
             <a:ext cx="3644091" cy="2988495"/>
           </a:xfrm>
           <a:prstGeom prst="rect">
@@ -11468,7 +11464,7 @@
               <a:t>Очищенный датасет (</a:t>
             </a:r>
             <a:r>
-              <a:rPr lang="en-US" sz="2000" i="1" dirty="0" err="1">
+              <a:rPr lang="en-US" sz="2000" i="1" dirty="0">
                 <a:solidFill>
                   <a:schemeClr val="tx1"/>
                 </a:solidFill>
@@ -11478,7 +11474,7 @@
               <a:t>k</a:t>
             </a:r>
             <a:r>
-              <a:rPr lang="en-US" sz="2000" i="1" baseline="-25000" dirty="0" err="1">
+              <a:rPr lang="en-US" sz="2000" i="1" baseline="-25000" dirty="0">
                 <a:solidFill>
                   <a:schemeClr val="tx1"/>
                 </a:solidFill>
@@ -12217,7 +12213,7 @@
               <a:t>Очищенный датасет (</a:t>
             </a:r>
             <a:r>
-              <a:rPr lang="en-US" sz="1800" i="1" dirty="0" err="1">
+              <a:rPr lang="en-US" sz="1800" i="1" dirty="0">
                 <a:solidFill>
                   <a:schemeClr val="tx1"/>
                 </a:solidFill>
@@ -12227,7 +12223,7 @@
               <a:t>k</a:t>
             </a:r>
             <a:r>
-              <a:rPr lang="en-US" sz="1800" i="1" baseline="-25000" dirty="0" err="1">
+              <a:rPr lang="en-US" sz="1800" i="1" baseline="-25000" dirty="0">
                 <a:solidFill>
                   <a:schemeClr val="tx1"/>
                 </a:solidFill>
@@ -17216,7 +17212,7 @@
               <a:t>76, </a:t>
             </a:r>
             <a:r>
-              <a:rPr lang="en-US" i="1" dirty="0" err="1">
+              <a:rPr lang="en-US" i="1" dirty="0">
                 <a:solidFill>
                   <a:srgbClr val="0000FF"/>
                 </a:solidFill>
@@ -17226,7 +17222,7 @@
               <a:t>k</a:t>
             </a:r>
             <a:r>
-              <a:rPr lang="en-US" i="1" baseline="-25000" dirty="0" err="1">
+              <a:rPr lang="en-US" i="1" baseline="-25000" dirty="0">
                 <a:solidFill>
                   <a:srgbClr val="0000FF"/>
                 </a:solidFill>
@@ -17517,7 +17513,7 @@
               <a:t>76, </a:t>
             </a:r>
             <a:r>
-              <a:rPr lang="en-US" i="1" dirty="0" err="1">
+              <a:rPr lang="en-US" i="1" dirty="0">
                 <a:solidFill>
                   <a:srgbClr val="0000FF"/>
                 </a:solidFill>
@@ -17527,7 +17523,7 @@
               <a:t>k</a:t>
             </a:r>
             <a:r>
-              <a:rPr lang="en-US" i="1" baseline="-25000" dirty="0" err="1">
+              <a:rPr lang="en-US" i="1" baseline="-25000" dirty="0">
                 <a:solidFill>
                   <a:srgbClr val="0000FF"/>
                 </a:solidFill>
@@ -17703,7 +17699,7 @@
               <a:t>, </a:t>
             </a:r>
             <a:r>
-              <a:rPr lang="en-US" i="1" dirty="0" err="1">
+              <a:rPr lang="en-US" i="1" dirty="0">
                 <a:solidFill>
                   <a:srgbClr val="0000FF"/>
                 </a:solidFill>
@@ -17713,7 +17709,7 @@
               <a:t>k</a:t>
             </a:r>
             <a:r>
-              <a:rPr lang="en-US" i="1" baseline="-25000" dirty="0" err="1">
+              <a:rPr lang="en-US" i="1" baseline="-25000" dirty="0">
                 <a:solidFill>
                   <a:srgbClr val="0000FF"/>
                 </a:solidFill>

--- a/Для защиты ВКР/Презентация ВКР. Горшков А. В..pptx
+++ b/Для защиты ВКР/Презентация ВКР. Горшков А. В..pptx
@@ -288,7 +288,7 @@
       <p15:notesGuideLst xmlns:p15="http://schemas.microsoft.com/office/powerpoint/2012/main"/>
     </p:ext>
     <p:ext uri="http://customooxmlschemas.google.com/">
-      <go:slidesCustomData xmlns="" xmlns:mc="http://schemas.openxmlformats.org/markup-compatibility/2006" xmlns:mv="urn:schemas-microsoft-com:mac:vml" xmlns:c="http://schemas.openxmlformats.org/drawingml/2006/chart" xmlns:dgm="http://schemas.openxmlformats.org/drawingml/2006/diagram" xmlns:o="urn:schemas-microsoft-com:office:office" xmlns:v="urn:schemas-microsoft-com:vml" xmlns:pvml="urn:schemas-microsoft-com:office:powerpoint" xmlns:com="http://schemas.openxmlformats.org/drawingml/2006/compatibility" xmlns:p14="http://schemas.microsoft.com/office/powerpoint/2010/main" xmlns:p15="http://schemas.microsoft.com/office/powerpoint/2012/main" xmlns:ahyp="http://schemas.microsoft.com/office/drawing/2018/hyperlinkcolor" xmlns:go="http://customooxmlschemas.google.com/" r:id="rId25" roundtripDataSignature="AMtx7mg2fLzW2NWhC2ejww7VA5lENbgL/Q=="/>
+      <go:slidesCustomData xmlns:go="http://customooxmlschemas.google.com/" xmlns:ahyp="http://schemas.microsoft.com/office/drawing/2018/hyperlinkcolor" xmlns:p15="http://schemas.microsoft.com/office/powerpoint/2012/main" xmlns:p14="http://schemas.microsoft.com/office/powerpoint/2010/main" xmlns:com="http://schemas.openxmlformats.org/drawingml/2006/compatibility" xmlns:pvml="urn:schemas-microsoft-com:office:powerpoint" xmlns:v="urn:schemas-microsoft-com:vml" xmlns:o="urn:schemas-microsoft-com:office:office" xmlns:dgm="http://schemas.openxmlformats.org/drawingml/2006/diagram" xmlns:c="http://schemas.openxmlformats.org/drawingml/2006/chart" xmlns:mv="urn:schemas-microsoft-com:mac:vml" xmlns:mc="http://schemas.openxmlformats.org/markup-compatibility/2006" xmlns="" r:id="rId25" roundtripDataSignature="AMtx7mg2fLzW2NWhC2ejww7VA5lENbgL/Q=="/>
     </p:ext>
   </p:extLst>
 </p:presentation>
@@ -6775,7 +6775,7 @@
             </p:nvSpPr>
             <p:spPr>
               <a:xfrm>
-                <a:off x="571501" y="1266825"/>
+                <a:off x="571501" y="1346335"/>
                 <a:ext cx="11106150" cy="5213881"/>
               </a:xfrm>
             </p:spPr>
@@ -6821,7 +6821,7 @@
                     <a:latin typeface="Times New Roman" panose="02020603050405020304" pitchFamily="18" charset="0"/>
                     <a:cs typeface="Times New Roman" panose="02020603050405020304" pitchFamily="18" charset="0"/>
                   </a:rPr>
-                  <a:t>2. Для очистки датасета от шума разработан фильтр, ядром (маской) которого являются объекты базового датасета.</a:t>
+                  <a:t>2. Для очистки датасета от шума разработан фильтр, ядром которого являются объекты базового датасета.</a:t>
                 </a:r>
               </a:p>
               <a:p>
@@ -6841,7 +6841,53 @@
                     <a:latin typeface="Times New Roman" panose="02020603050405020304" pitchFamily="18" charset="0"/>
                     <a:cs typeface="Times New Roman" panose="02020603050405020304" pitchFamily="18" charset="0"/>
                   </a:rPr>
-                  <a:t>3. По данным базового датасета выявлены линейные функциональные зависимости для целевых переменных </a:t>
+                  <a:t>3. По данным </a:t>
+                </a:r>
+                <a:r>
+                  <a:rPr lang="ru-RU" sz="1750" dirty="0">
+                    <a:solidFill>
+                      <a:srgbClr val="C00000"/>
+                    </a:solidFill>
+                    <a:latin typeface="Times New Roman" panose="02020603050405020304" pitchFamily="18" charset="0"/>
+                    <a:cs typeface="Times New Roman" panose="02020603050405020304" pitchFamily="18" charset="0"/>
+                  </a:rPr>
+                  <a:t>базового датасета </a:t>
+                </a:r>
+                <a:r>
+                  <a:rPr lang="ru-RU" sz="1750" dirty="0">
+                    <a:solidFill>
+                      <a:schemeClr val="bg2">
+                        <a:lumMod val="75000"/>
+                        <a:lumOff val="25000"/>
+                      </a:schemeClr>
+                    </a:solidFill>
+                    <a:latin typeface="Times New Roman" panose="02020603050405020304" pitchFamily="18" charset="0"/>
+                    <a:cs typeface="Times New Roman" panose="02020603050405020304" pitchFamily="18" charset="0"/>
+                  </a:rPr>
+                  <a:t>выявлены линейные </a:t>
+                </a:r>
+                <a:r>
+                  <a:rPr lang="ru-RU" sz="1750" dirty="0">
+                    <a:solidFill>
+                      <a:srgbClr val="C00000"/>
+                    </a:solidFill>
+                    <a:latin typeface="Times New Roman" panose="02020603050405020304" pitchFamily="18" charset="0"/>
+                    <a:cs typeface="Times New Roman" panose="02020603050405020304" pitchFamily="18" charset="0"/>
+                  </a:rPr>
+                  <a:t>функциональные зависимости </a:t>
+                </a:r>
+                <a:r>
+                  <a:rPr lang="ru-RU" sz="1750" dirty="0">
+                    <a:solidFill>
+                      <a:schemeClr val="bg2">
+                        <a:lumMod val="75000"/>
+                        <a:lumOff val="25000"/>
+                      </a:schemeClr>
+                    </a:solidFill>
+                    <a:latin typeface="Times New Roman" panose="02020603050405020304" pitchFamily="18" charset="0"/>
+                    <a:cs typeface="Times New Roman" panose="02020603050405020304" pitchFamily="18" charset="0"/>
+                  </a:rPr>
+                  <a:t>для целевых переменных </a:t>
                 </a:r>
                 <a:r>
                   <a:rPr lang="ru-RU" sz="1750" dirty="0">
@@ -6854,19 +6900,16 @@
                     <a:latin typeface="Times New Roman" panose="02020603050405020304" pitchFamily="18" charset="0"/>
                     <a:ea typeface="Arial" panose="020B0604020202020204" pitchFamily="34" charset="0"/>
                   </a:rPr>
-                  <a:t>'Модуль упругости при растяжении' и 'Прочность при растяжении' от признаков 'Поверхностная плотность, г/м2' и 'Потребление смолы, г/м2'. Для целевой переменной 'Соотношение матрица - наполнитель' обучены модели, для которых наибольший </a:t>
+                  <a:t>'Модуль упругости при растяжении' и 'Прочность при растяжении' от признаков 'Поверхностная плотность, г/м2' и 'Потребление смолы, г/м2'. Для целевой переменной 'Соотношение матрица - наполнитель' обучены модели регрессоров, для которых наибольший </a:t>
                 </a:r>
                 <a14:m>
                   <m:oMath xmlns:m="http://schemas.openxmlformats.org/officeDocument/2006/math">
                     <m:sSup>
                       <m:sSupPr>
                         <m:ctrlPr>
-                          <a:rPr lang="ru-RU" sz="1750" i="1">
+                          <a:rPr lang="ru-RU" sz="1750" i="1" smtClean="0">
                             <a:solidFill>
-                              <a:schemeClr val="bg2">
-                                <a:lumMod val="75000"/>
-                                <a:lumOff val="25000"/>
-                              </a:schemeClr>
+                              <a:srgbClr val="C00000"/>
                             </a:solidFill>
                             <a:latin typeface="Cambria Math" panose="02040503050406030204" pitchFamily="18" charset="0"/>
                           </a:rPr>
@@ -6874,12 +6917,9 @@
                       </m:sSupPr>
                       <m:e>
                         <m:r>
-                          <a:rPr lang="ru-RU" sz="1750" i="1">
+                          <a:rPr lang="ru-RU" sz="1750" b="0" i="1">
                             <a:solidFill>
-                              <a:schemeClr val="bg2">
-                                <a:lumMod val="75000"/>
-                                <a:lumOff val="25000"/>
-                              </a:schemeClr>
+                              <a:srgbClr val="C00000"/>
                             </a:solidFill>
                             <a:latin typeface="Cambria Math" panose="02040503050406030204" pitchFamily="18" charset="0"/>
                           </a:rPr>
@@ -6888,12 +6928,9 @@
                       </m:e>
                       <m:sup>
                         <m:r>
-                          <a:rPr lang="ru-RU" sz="1750">
+                          <a:rPr lang="ru-RU" sz="1750" b="0" i="1">
                             <a:solidFill>
-                              <a:schemeClr val="bg2">
-                                <a:lumMod val="75000"/>
-                                <a:lumOff val="25000"/>
-                              </a:schemeClr>
+                              <a:srgbClr val="C00000"/>
                             </a:solidFill>
                             <a:latin typeface="Cambria Math" panose="02040503050406030204" pitchFamily="18" charset="0"/>
                           </a:rPr>
@@ -6906,6 +6943,16 @@
                 <a:r>
                   <a:rPr lang="ru-RU" sz="1750" dirty="0">
                     <a:solidFill>
+                      <a:srgbClr val="C00000"/>
+                    </a:solidFill>
+                    <a:latin typeface="Times New Roman" panose="02020603050405020304" pitchFamily="18" charset="0"/>
+                    <a:cs typeface="Times New Roman" panose="02020603050405020304" pitchFamily="18" charset="0"/>
+                  </a:rPr>
+                  <a:t> = 0,505</a:t>
+                </a:r>
+                <a:r>
+                  <a:rPr lang="ru-RU" sz="1750" dirty="0">
+                    <a:solidFill>
                       <a:schemeClr val="bg2">
                         <a:lumMod val="75000"/>
                         <a:lumOff val="25000"/>
@@ -6914,7 +6961,7 @@
                     <a:latin typeface="Times New Roman" panose="02020603050405020304" pitchFamily="18" charset="0"/>
                     <a:cs typeface="Times New Roman" panose="02020603050405020304" pitchFamily="18" charset="0"/>
                   </a:rPr>
-                  <a:t> = 0,505.</a:t>
+                  <a:t>.</a:t>
                 </a:r>
               </a:p>
               <a:p>
@@ -6934,7 +6981,30 @@
                     <a:latin typeface="Times New Roman" panose="02020603050405020304" pitchFamily="18" charset="0"/>
                     <a:cs typeface="Times New Roman" panose="02020603050405020304" pitchFamily="18" charset="0"/>
                   </a:rPr>
-                  <a:t>4. На данных полного датасета для целевых переменных </a:t>
+                  <a:t>4. На данных </a:t>
+                </a:r>
+                <a:r>
+                  <a:rPr lang="ru-RU" sz="1750" dirty="0">
+                    <a:solidFill>
+                      <a:srgbClr val="C00000"/>
+                    </a:solidFill>
+                    <a:latin typeface="Times New Roman" panose="02020603050405020304" pitchFamily="18" charset="0"/>
+                    <a:cs typeface="Times New Roman" panose="02020603050405020304" pitchFamily="18" charset="0"/>
+                  </a:rPr>
+                  <a:t>полного датасета </a:t>
+                </a:r>
+                <a:r>
+                  <a:rPr lang="ru-RU" sz="1750" dirty="0">
+                    <a:solidFill>
+                      <a:schemeClr val="bg2">
+                        <a:lumMod val="75000"/>
+                        <a:lumOff val="25000"/>
+                      </a:schemeClr>
+                    </a:solidFill>
+                    <a:latin typeface="Times New Roman" panose="02020603050405020304" pitchFamily="18" charset="0"/>
+                    <a:cs typeface="Times New Roman" panose="02020603050405020304" pitchFamily="18" charset="0"/>
+                  </a:rPr>
+                  <a:t>для целевых переменных </a:t>
                 </a:r>
                 <a:r>
                   <a:rPr lang="ru-RU" sz="1750" dirty="0">
@@ -6980,12 +7050,9 @@
                     <m:sSup>
                       <m:sSupPr>
                         <m:ctrlPr>
-                          <a:rPr lang="ru-RU" sz="1750" i="1">
+                          <a:rPr lang="ru-RU" sz="1750" i="1" smtClean="0">
                             <a:solidFill>
-                              <a:schemeClr val="bg2">
-                                <a:lumMod val="75000"/>
-                                <a:lumOff val="25000"/>
-                              </a:schemeClr>
+                              <a:srgbClr val="C00000"/>
                             </a:solidFill>
                             <a:latin typeface="Cambria Math" panose="02040503050406030204" pitchFamily="18" charset="0"/>
                           </a:rPr>
@@ -6993,12 +7060,9 @@
                       </m:sSupPr>
                       <m:e>
                         <m:r>
-                          <a:rPr lang="ru-RU" sz="1750" i="1">
+                          <a:rPr lang="ru-RU" sz="1750" b="0" i="1">
                             <a:solidFill>
-                              <a:schemeClr val="bg2">
-                                <a:lumMod val="75000"/>
-                                <a:lumOff val="25000"/>
-                              </a:schemeClr>
+                              <a:srgbClr val="C00000"/>
                             </a:solidFill>
                             <a:latin typeface="Cambria Math" panose="02040503050406030204" pitchFamily="18" charset="0"/>
                           </a:rPr>
@@ -7007,12 +7071,9 @@
                       </m:e>
                       <m:sup>
                         <m:r>
-                          <a:rPr lang="ru-RU" sz="1750">
+                          <a:rPr lang="ru-RU" sz="1750" b="0" i="1">
                             <a:solidFill>
-                              <a:schemeClr val="bg2">
-                                <a:lumMod val="75000"/>
-                                <a:lumOff val="25000"/>
-                              </a:schemeClr>
+                              <a:srgbClr val="C00000"/>
                             </a:solidFill>
                             <a:latin typeface="Cambria Math" panose="02040503050406030204" pitchFamily="18" charset="0"/>
                           </a:rPr>
@@ -7025,6 +7086,16 @@
                 <a:r>
                   <a:rPr lang="ru-RU" sz="1750" dirty="0">
                     <a:solidFill>
+                      <a:srgbClr val="C00000"/>
+                    </a:solidFill>
+                    <a:latin typeface="Times New Roman" panose="02020603050405020304" pitchFamily="18" charset="0"/>
+                    <a:cs typeface="Times New Roman" panose="02020603050405020304" pitchFamily="18" charset="0"/>
+                  </a:rPr>
+                  <a:t> = 0,012</a:t>
+                </a:r>
+                <a:r>
+                  <a:rPr lang="ru-RU" sz="1750" dirty="0">
+                    <a:solidFill>
                       <a:schemeClr val="bg2">
                         <a:lumMod val="75000"/>
                         <a:lumOff val="25000"/>
@@ -7033,7 +7104,7 @@
                     <a:latin typeface="Times New Roman" panose="02020603050405020304" pitchFamily="18" charset="0"/>
                     <a:cs typeface="Times New Roman" panose="02020603050405020304" pitchFamily="18" charset="0"/>
                   </a:rPr>
-                  <a:t> = 0,012. </a:t>
+                  <a:t>. </a:t>
                 </a:r>
                 <a:r>
                   <a:rPr lang="ru-RU" sz="1750" dirty="0">
@@ -7046,19 +7117,16 @@
                     <a:latin typeface="Times New Roman" panose="02020603050405020304" pitchFamily="18" charset="0"/>
                     <a:ea typeface="Arial" panose="020B0604020202020204" pitchFamily="34" charset="0"/>
                   </a:rPr>
-                  <a:t>Для целевой переменной 'Соотношение матрица - наполнитель' обучена модель ИНС, для которой </a:t>
+                  <a:t>Для целевой переменной 'Соотношение матрица - наполнитель' обучена модель нейронной сети, для которой </a:t>
                 </a:r>
                 <a14:m>
                   <m:oMath xmlns:m="http://schemas.openxmlformats.org/officeDocument/2006/math">
                     <m:sSup>
                       <m:sSupPr>
                         <m:ctrlPr>
-                          <a:rPr lang="ru-RU" sz="1750" i="1">
+                          <a:rPr lang="ru-RU" sz="1750" i="1" smtClean="0">
                             <a:solidFill>
-                              <a:schemeClr val="bg2">
-                                <a:lumMod val="75000"/>
-                                <a:lumOff val="25000"/>
-                              </a:schemeClr>
+                              <a:srgbClr val="C00000"/>
                             </a:solidFill>
                             <a:latin typeface="Cambria Math" panose="02040503050406030204" pitchFamily="18" charset="0"/>
                           </a:rPr>
@@ -7066,12 +7134,9 @@
                       </m:sSupPr>
                       <m:e>
                         <m:r>
-                          <a:rPr lang="ru-RU" sz="1750" i="1">
+                          <a:rPr lang="ru-RU" sz="1750" b="0" i="1">
                             <a:solidFill>
-                              <a:schemeClr val="bg2">
-                                <a:lumMod val="75000"/>
-                                <a:lumOff val="25000"/>
-                              </a:schemeClr>
+                              <a:srgbClr val="C00000"/>
                             </a:solidFill>
                             <a:latin typeface="Cambria Math" panose="02040503050406030204" pitchFamily="18" charset="0"/>
                           </a:rPr>
@@ -7080,12 +7145,9 @@
                       </m:e>
                       <m:sup>
                         <m:r>
-                          <a:rPr lang="ru-RU" sz="1750">
+                          <a:rPr lang="ru-RU" sz="1750" b="0" i="1">
                             <a:solidFill>
-                              <a:schemeClr val="bg2">
-                                <a:lumMod val="75000"/>
-                                <a:lumOff val="25000"/>
-                              </a:schemeClr>
+                              <a:srgbClr val="C00000"/>
                             </a:solidFill>
                             <a:latin typeface="Cambria Math" panose="02040503050406030204" pitchFamily="18" charset="0"/>
                           </a:rPr>
@@ -7098,6 +7160,16 @@
                 <a:r>
                   <a:rPr lang="ru-RU" sz="1750" dirty="0">
                     <a:solidFill>
+                      <a:srgbClr val="C00000"/>
+                    </a:solidFill>
+                    <a:latin typeface="Times New Roman" panose="02020603050405020304" pitchFamily="18" charset="0"/>
+                    <a:cs typeface="Times New Roman" panose="02020603050405020304" pitchFamily="18" charset="0"/>
+                  </a:rPr>
+                  <a:t> = 0,026</a:t>
+                </a:r>
+                <a:r>
+                  <a:rPr lang="ru-RU" sz="1750" dirty="0">
+                    <a:solidFill>
                       <a:schemeClr val="bg2">
                         <a:lumMod val="75000"/>
                         <a:lumOff val="25000"/>
@@ -7106,7 +7178,7 @@
                     <a:latin typeface="Times New Roman" panose="02020603050405020304" pitchFamily="18" charset="0"/>
                     <a:cs typeface="Times New Roman" panose="02020603050405020304" pitchFamily="18" charset="0"/>
                   </a:rPr>
-                  <a:t> = 0,026.</a:t>
+                  <a:t>.</a:t>
                 </a:r>
               </a:p>
               <a:p>
@@ -7126,7 +7198,30 @@
                     <a:latin typeface="Times New Roman" panose="02020603050405020304" pitchFamily="18" charset="0"/>
                     <a:cs typeface="Times New Roman" panose="02020603050405020304" pitchFamily="18" charset="0"/>
                   </a:rPr>
-                  <a:t>5. На данных очищенного датасета для целевых переменных </a:t>
+                  <a:t>5. На данных </a:t>
+                </a:r>
+                <a:r>
+                  <a:rPr lang="ru-RU" sz="1750" dirty="0">
+                    <a:solidFill>
+                      <a:srgbClr val="C00000"/>
+                    </a:solidFill>
+                    <a:latin typeface="Times New Roman" panose="02020603050405020304" pitchFamily="18" charset="0"/>
+                    <a:cs typeface="Times New Roman" panose="02020603050405020304" pitchFamily="18" charset="0"/>
+                  </a:rPr>
+                  <a:t>очищенного датасета </a:t>
+                </a:r>
+                <a:r>
+                  <a:rPr lang="ru-RU" sz="1750" dirty="0">
+                    <a:solidFill>
+                      <a:schemeClr val="bg2">
+                        <a:lumMod val="75000"/>
+                        <a:lumOff val="25000"/>
+                      </a:schemeClr>
+                    </a:solidFill>
+                    <a:latin typeface="Times New Roman" panose="02020603050405020304" pitchFamily="18" charset="0"/>
+                    <a:cs typeface="Times New Roman" panose="02020603050405020304" pitchFamily="18" charset="0"/>
+                  </a:rPr>
+                  <a:t>для целевых переменных </a:t>
                 </a:r>
                 <a:r>
                   <a:rPr lang="ru-RU" sz="1750" dirty="0">
@@ -7172,12 +7267,9 @@
                     <m:sSup>
                       <m:sSupPr>
                         <m:ctrlPr>
-                          <a:rPr lang="ru-RU" sz="1750" i="1">
+                          <a:rPr lang="ru-RU" sz="1750" i="1" smtClean="0">
                             <a:solidFill>
-                              <a:schemeClr val="bg2">
-                                <a:lumMod val="75000"/>
-                                <a:lumOff val="25000"/>
-                              </a:schemeClr>
+                              <a:srgbClr val="C00000"/>
                             </a:solidFill>
                             <a:latin typeface="Cambria Math" panose="02040503050406030204" pitchFamily="18" charset="0"/>
                           </a:rPr>
@@ -7185,12 +7277,9 @@
                       </m:sSupPr>
                       <m:e>
                         <m:r>
-                          <a:rPr lang="ru-RU" sz="1750" i="1">
+                          <a:rPr lang="ru-RU" sz="1750" b="0" i="1">
                             <a:solidFill>
-                              <a:schemeClr val="bg2">
-                                <a:lumMod val="75000"/>
-                                <a:lumOff val="25000"/>
-                              </a:schemeClr>
+                              <a:srgbClr val="C00000"/>
                             </a:solidFill>
                             <a:latin typeface="Cambria Math" panose="02040503050406030204" pitchFamily="18" charset="0"/>
                           </a:rPr>
@@ -7199,12 +7288,9 @@
                       </m:e>
                       <m:sup>
                         <m:r>
-                          <a:rPr lang="ru-RU" sz="1750">
+                          <a:rPr lang="ru-RU" sz="1750" b="0" i="1">
                             <a:solidFill>
-                              <a:schemeClr val="bg2">
-                                <a:lumMod val="75000"/>
-                                <a:lumOff val="25000"/>
-                              </a:schemeClr>
+                              <a:srgbClr val="C00000"/>
                             </a:solidFill>
                             <a:latin typeface="Cambria Math" panose="02040503050406030204" pitchFamily="18" charset="0"/>
                           </a:rPr>
@@ -7217,6 +7303,16 @@
                 <a:r>
                   <a:rPr lang="ru-RU" sz="1750" dirty="0">
                     <a:solidFill>
+                      <a:srgbClr val="C00000"/>
+                    </a:solidFill>
+                    <a:latin typeface="Times New Roman" panose="02020603050405020304" pitchFamily="18" charset="0"/>
+                    <a:cs typeface="Times New Roman" panose="02020603050405020304" pitchFamily="18" charset="0"/>
+                  </a:rPr>
+                  <a:t> = 0,737</a:t>
+                </a:r>
+                <a:r>
+                  <a:rPr lang="ru-RU" sz="1750" dirty="0">
+                    <a:solidFill>
                       <a:schemeClr val="bg2">
                         <a:lumMod val="75000"/>
                         <a:lumOff val="25000"/>
@@ -7225,7 +7321,7 @@
                     <a:latin typeface="Times New Roman" panose="02020603050405020304" pitchFamily="18" charset="0"/>
                     <a:cs typeface="Times New Roman" panose="02020603050405020304" pitchFamily="18" charset="0"/>
                   </a:rPr>
-                  <a:t> = 0,737. </a:t>
+                  <a:t>. </a:t>
                 </a:r>
                 <a:r>
                   <a:rPr lang="ru-RU" sz="1750" dirty="0">
@@ -7251,19 +7347,16 @@
                     <a:latin typeface="Times New Roman" panose="02020603050405020304" pitchFamily="18" charset="0"/>
                     <a:ea typeface="Arial" panose="020B0604020202020204" pitchFamily="34" charset="0"/>
                   </a:rPr>
-                  <a:t>евой переменной 'Соотношение матрица - наполнитель' обучена модель ИНС, для которой </a:t>
+                  <a:t>евой переменной 'Соотношение матрица - наполнитель' обучена модель нейронной сети, для которой </a:t>
                 </a:r>
                 <a14:m>
                   <m:oMath xmlns:m="http://schemas.openxmlformats.org/officeDocument/2006/math">
                     <m:sSup>
                       <m:sSupPr>
                         <m:ctrlPr>
-                          <a:rPr lang="ru-RU" sz="1800" i="1">
+                          <a:rPr lang="ru-RU" sz="1800" i="1" smtClean="0">
                             <a:solidFill>
-                              <a:schemeClr val="bg2">
-                                <a:lumMod val="75000"/>
-                                <a:lumOff val="25000"/>
-                              </a:schemeClr>
+                              <a:srgbClr val="C00000"/>
                             </a:solidFill>
                             <a:latin typeface="Cambria Math" panose="02040503050406030204" pitchFamily="18" charset="0"/>
                           </a:rPr>
@@ -7271,12 +7364,9 @@
                       </m:sSupPr>
                       <m:e>
                         <m:r>
-                          <a:rPr lang="ru-RU" sz="1800" i="1">
+                          <a:rPr lang="ru-RU" sz="1800" b="0" i="1">
                             <a:solidFill>
-                              <a:schemeClr val="bg2">
-                                <a:lumMod val="75000"/>
-                                <a:lumOff val="25000"/>
-                              </a:schemeClr>
+                              <a:srgbClr val="C00000"/>
                             </a:solidFill>
                             <a:latin typeface="Cambria Math" panose="02040503050406030204" pitchFamily="18" charset="0"/>
                           </a:rPr>
@@ -7285,12 +7375,9 @@
                       </m:e>
                       <m:sup>
                         <m:r>
-                          <a:rPr lang="ru-RU" sz="1800">
+                          <a:rPr lang="ru-RU" sz="1800" b="0" i="1">
                             <a:solidFill>
-                              <a:schemeClr val="bg2">
-                                <a:lumMod val="75000"/>
-                                <a:lumOff val="25000"/>
-                              </a:schemeClr>
+                              <a:srgbClr val="C00000"/>
                             </a:solidFill>
                             <a:latin typeface="Cambria Math" panose="02040503050406030204" pitchFamily="18" charset="0"/>
                           </a:rPr>
@@ -7303,6 +7390,16 @@
                 <a:r>
                   <a:rPr lang="ru-RU" sz="1800" dirty="0">
                     <a:solidFill>
+                      <a:srgbClr val="C00000"/>
+                    </a:solidFill>
+                    <a:latin typeface="Times New Roman" panose="02020603050405020304" pitchFamily="18" charset="0"/>
+                    <a:cs typeface="Times New Roman" panose="02020603050405020304" pitchFamily="18" charset="0"/>
+                  </a:rPr>
+                  <a:t> = 0,227</a:t>
+                </a:r>
+                <a:r>
+                  <a:rPr lang="ru-RU" sz="1800" dirty="0">
+                    <a:solidFill>
                       <a:schemeClr val="bg2">
                         <a:lumMod val="75000"/>
                         <a:lumOff val="25000"/>
@@ -7311,7 +7408,7 @@
                     <a:latin typeface="Times New Roman" panose="02020603050405020304" pitchFamily="18" charset="0"/>
                     <a:cs typeface="Times New Roman" panose="02020603050405020304" pitchFamily="18" charset="0"/>
                   </a:rPr>
-                  <a:t> = 0,227.</a:t>
+                  <a:t>.</a:t>
                 </a:r>
               </a:p>
             </p:txBody>
@@ -7336,13 +7433,13 @@
             </p:nvSpPr>
             <p:spPr>
               <a:xfrm>
-                <a:off x="571501" y="1266825"/>
+                <a:off x="571501" y="1346335"/>
                 <a:ext cx="11106150" cy="5213881"/>
               </a:xfrm>
               <a:blipFill>
                 <a:blip r:embed="rId2"/>
                 <a:stretch>
-                  <a:fillRect r="-439" b="-2690"/>
+                  <a:fillRect r="-439"/>
                 </a:stretch>
               </a:blipFill>
             </p:spPr>

--- a/Для защиты ВКР/Презентация ВКР. Горшков А. В..pptx
+++ b/Для защиты ВКР/Презентация ВКР. Горшков А. В..pptx
@@ -288,7 +288,7 @@
       <p15:notesGuideLst xmlns:p15="http://schemas.microsoft.com/office/powerpoint/2012/main"/>
     </p:ext>
     <p:ext uri="http://customooxmlschemas.google.com/">
-      <go:slidesCustomData xmlns:go="http://customooxmlschemas.google.com/" xmlns:ahyp="http://schemas.microsoft.com/office/drawing/2018/hyperlinkcolor" xmlns:p15="http://schemas.microsoft.com/office/powerpoint/2012/main" xmlns:p14="http://schemas.microsoft.com/office/powerpoint/2010/main" xmlns:com="http://schemas.openxmlformats.org/drawingml/2006/compatibility" xmlns:pvml="urn:schemas-microsoft-com:office:powerpoint" xmlns:v="urn:schemas-microsoft-com:vml" xmlns:o="urn:schemas-microsoft-com:office:office" xmlns:dgm="http://schemas.openxmlformats.org/drawingml/2006/diagram" xmlns:c="http://schemas.openxmlformats.org/drawingml/2006/chart" xmlns:mv="urn:schemas-microsoft-com:mac:vml" xmlns:mc="http://schemas.openxmlformats.org/markup-compatibility/2006" xmlns="" r:id="rId25" roundtripDataSignature="AMtx7mg2fLzW2NWhC2ejww7VA5lENbgL/Q=="/>
+      <go:slidesCustomData xmlns="" xmlns:mc="http://schemas.openxmlformats.org/markup-compatibility/2006" xmlns:mv="urn:schemas-microsoft-com:mac:vml" xmlns:c="http://schemas.openxmlformats.org/drawingml/2006/chart" xmlns:dgm="http://schemas.openxmlformats.org/drawingml/2006/diagram" xmlns:o="urn:schemas-microsoft-com:office:office" xmlns:v="urn:schemas-microsoft-com:vml" xmlns:pvml="urn:schemas-microsoft-com:office:powerpoint" xmlns:com="http://schemas.openxmlformats.org/drawingml/2006/compatibility" xmlns:p14="http://schemas.microsoft.com/office/powerpoint/2010/main" xmlns:p15="http://schemas.microsoft.com/office/powerpoint/2012/main" xmlns:ahyp="http://schemas.microsoft.com/office/drawing/2018/hyperlinkcolor" xmlns:go="http://customooxmlschemas.google.com/" r:id="rId25" roundtripDataSignature="AMtx7mg2fLzW2NWhC2ejww7VA5lENbgL/Q=="/>
     </p:ext>
   </p:extLst>
 </p:presentation>
@@ -6775,8 +6775,8 @@
             </p:nvSpPr>
             <p:spPr>
               <a:xfrm>
-                <a:off x="571501" y="1346335"/>
-                <a:ext cx="11106150" cy="5213881"/>
+                <a:off x="295275" y="1441585"/>
+                <a:ext cx="11665912" cy="5213881"/>
               </a:xfrm>
             </p:spPr>
             <p:txBody>
@@ -6801,7 +6801,30 @@
                     <a:latin typeface="Times New Roman" panose="02020603050405020304" pitchFamily="18" charset="0"/>
                     <a:cs typeface="Times New Roman" panose="02020603050405020304" pitchFamily="18" charset="0"/>
                   </a:rPr>
-                  <a:t>1. Математические модели целевых переменных построены для трех наборов данных – базового датасета (первые 23 строки), полного датасета (1023 строки) и очищенного от шума датасета.</a:t>
+                  <a:t>1. Математические модели целевых переменных построены на </a:t>
+                </a:r>
+                <a:r>
+                  <a:rPr lang="ru-RU" sz="1750" dirty="0">
+                    <a:solidFill>
+                      <a:srgbClr val="C00000"/>
+                    </a:solidFill>
+                    <a:latin typeface="Times New Roman" panose="02020603050405020304" pitchFamily="18" charset="0"/>
+                    <a:cs typeface="Times New Roman" panose="02020603050405020304" pitchFamily="18" charset="0"/>
+                  </a:rPr>
+                  <a:t>трех вариантах наборов данных </a:t>
+                </a:r>
+                <a:r>
+                  <a:rPr lang="ru-RU" sz="1750" dirty="0">
+                    <a:solidFill>
+                      <a:schemeClr val="bg2">
+                        <a:lumMod val="75000"/>
+                        <a:lumOff val="25000"/>
+                      </a:schemeClr>
+                    </a:solidFill>
+                    <a:latin typeface="Times New Roman" panose="02020603050405020304" pitchFamily="18" charset="0"/>
+                    <a:cs typeface="Times New Roman" panose="02020603050405020304" pitchFamily="18" charset="0"/>
+                  </a:rPr>
+                  <a:t>– базового датасета (первые 23 строки), полного датасета (1023 строки) и очищенного от шума датасета.</a:t>
                 </a:r>
               </a:p>
               <a:p>
@@ -6821,13 +6844,36 @@
                     <a:latin typeface="Times New Roman" panose="02020603050405020304" pitchFamily="18" charset="0"/>
                     <a:cs typeface="Times New Roman" panose="02020603050405020304" pitchFamily="18" charset="0"/>
                   </a:rPr>
-                  <a:t>2. Для очистки датасета от шума разработан фильтр, ядром которого являются объекты базового датасета.</a:t>
+                  <a:t>2. Для очистки датасета от шума </a:t>
+                </a:r>
+                <a:r>
+                  <a:rPr lang="ru-RU" sz="1750" dirty="0">
+                    <a:solidFill>
+                      <a:srgbClr val="C00000"/>
+                    </a:solidFill>
+                    <a:latin typeface="Times New Roman" panose="02020603050405020304" pitchFamily="18" charset="0"/>
+                    <a:cs typeface="Times New Roman" panose="02020603050405020304" pitchFamily="18" charset="0"/>
+                  </a:rPr>
+                  <a:t>разработан фильтр</a:t>
+                </a:r>
+                <a:r>
+                  <a:rPr lang="ru-RU" sz="1750" dirty="0">
+                    <a:solidFill>
+                      <a:schemeClr val="bg2">
+                        <a:lumMod val="75000"/>
+                        <a:lumOff val="25000"/>
+                      </a:schemeClr>
+                    </a:solidFill>
+                    <a:latin typeface="Times New Roman" panose="02020603050405020304" pitchFamily="18" charset="0"/>
+                    <a:cs typeface="Times New Roman" panose="02020603050405020304" pitchFamily="18" charset="0"/>
+                  </a:rPr>
+                  <a:t>, ядром которого являются объекты базового датасета.</a:t>
                 </a:r>
               </a:p>
               <a:p>
                 <a:pPr algn="just">
                   <a:lnSpc>
-                    <a:spcPct val="125000"/>
+                    <a:spcPct val="120000"/>
                   </a:lnSpc>
                 </a:pPr>
                 <a:r>
@@ -7043,7 +7089,68 @@
                     <a:latin typeface="Times New Roman" panose="02020603050405020304" pitchFamily="18" charset="0"/>
                     <a:ea typeface="Arial" panose="020B0604020202020204" pitchFamily="34" charset="0"/>
                   </a:rPr>
-                  <a:t>, для которых наибольший </a:t>
+                  <a:t>, для которых наибольшие </a:t>
+                </a:r>
+                <a14:m>
+                  <m:oMath xmlns:m="http://schemas.openxmlformats.org/officeDocument/2006/math">
+                    <m:sSup>
+                      <m:sSupPr>
+                        <m:ctrlPr>
+                          <a:rPr lang="ru-RU" sz="1750" i="1">
+                            <a:solidFill>
+                              <a:srgbClr val="C00000"/>
+                            </a:solidFill>
+                            <a:latin typeface="Cambria Math" panose="02040503050406030204" pitchFamily="18" charset="0"/>
+                          </a:rPr>
+                        </m:ctrlPr>
+                      </m:sSupPr>
+                      <m:e>
+                        <m:r>
+                          <a:rPr lang="ru-RU" sz="1750" i="1">
+                            <a:solidFill>
+                              <a:srgbClr val="C00000"/>
+                            </a:solidFill>
+                            <a:latin typeface="Cambria Math" panose="02040503050406030204" pitchFamily="18" charset="0"/>
+                          </a:rPr>
+                          <m:t>𝑅</m:t>
+                        </m:r>
+                      </m:e>
+                      <m:sup>
+                        <m:r>
+                          <a:rPr lang="ru-RU" sz="1750" i="1">
+                            <a:solidFill>
+                              <a:srgbClr val="C00000"/>
+                            </a:solidFill>
+                            <a:latin typeface="Cambria Math" panose="02040503050406030204" pitchFamily="18" charset="0"/>
+                          </a:rPr>
+                          <m:t>2</m:t>
+                        </m:r>
+                      </m:sup>
+                    </m:sSup>
+                  </m:oMath>
+                </a14:m>
+                <a:r>
+                  <a:rPr lang="ru-RU" sz="1750" dirty="0">
+                    <a:solidFill>
+                      <a:srgbClr val="C00000"/>
+                    </a:solidFill>
+                    <a:latin typeface="Times New Roman" panose="02020603050405020304" pitchFamily="18" charset="0"/>
+                    <a:cs typeface="Times New Roman" panose="02020603050405020304" pitchFamily="18" charset="0"/>
+                  </a:rPr>
+                  <a:t> = 0,01 </a:t>
+                </a:r>
+                <a:r>
+                  <a:rPr lang="ru-RU" sz="1750" dirty="0">
+                    <a:solidFill>
+                      <a:schemeClr val="bg2">
+                        <a:lumMod val="75000"/>
+                        <a:lumOff val="25000"/>
+                      </a:schemeClr>
+                    </a:solidFill>
+                    <a:latin typeface="Times New Roman" panose="02020603050405020304" pitchFamily="18" charset="0"/>
+                    <a:ea typeface="Arial" panose="020B0604020202020204" pitchFamily="34" charset="0"/>
+                  </a:rPr>
+                  <a:t>и </a:t>
                 </a:r>
                 <a14:m>
                   <m:oMath xmlns:m="http://schemas.openxmlformats.org/officeDocument/2006/math">
@@ -7092,6 +7199,19 @@
                     <a:cs typeface="Times New Roman" panose="02020603050405020304" pitchFamily="18" charset="0"/>
                   </a:rPr>
                   <a:t> = 0,012</a:t>
+                </a:r>
+                <a:r>
+                  <a:rPr lang="ru-RU" sz="1750" dirty="0">
+                    <a:solidFill>
+                      <a:schemeClr val="bg2">
+                        <a:lumMod val="75000"/>
+                        <a:lumOff val="25000"/>
+                      </a:schemeClr>
+                    </a:solidFill>
+                    <a:latin typeface="Times New Roman" panose="02020603050405020304" pitchFamily="18" charset="0"/>
+                    <a:ea typeface="Arial" panose="020B0604020202020204" pitchFamily="34" charset="0"/>
+                  </a:rPr>
+                  <a:t>, соответственно</a:t>
                 </a:r>
                 <a:r>
                   <a:rPr lang="ru-RU" sz="1750" dirty="0">
@@ -7260,7 +7380,68 @@
                     <a:latin typeface="Times New Roman" panose="02020603050405020304" pitchFamily="18" charset="0"/>
                     <a:ea typeface="Arial" panose="020B0604020202020204" pitchFamily="34" charset="0"/>
                   </a:rPr>
-                  <a:t>, для которых наибольший </a:t>
+                  <a:t>, для которых наибольшие </a:t>
+                </a:r>
+                <a14:m>
+                  <m:oMath xmlns:m="http://schemas.openxmlformats.org/officeDocument/2006/math">
+                    <m:sSup>
+                      <m:sSupPr>
+                        <m:ctrlPr>
+                          <a:rPr lang="ru-RU" sz="1750" i="1">
+                            <a:solidFill>
+                              <a:srgbClr val="C00000"/>
+                            </a:solidFill>
+                            <a:latin typeface="Cambria Math" panose="02040503050406030204" pitchFamily="18" charset="0"/>
+                          </a:rPr>
+                        </m:ctrlPr>
+                      </m:sSupPr>
+                      <m:e>
+                        <m:r>
+                          <a:rPr lang="ru-RU" sz="1750" i="1">
+                            <a:solidFill>
+                              <a:srgbClr val="C00000"/>
+                            </a:solidFill>
+                            <a:latin typeface="Cambria Math" panose="02040503050406030204" pitchFamily="18" charset="0"/>
+                          </a:rPr>
+                          <m:t>𝑅</m:t>
+                        </m:r>
+                      </m:e>
+                      <m:sup>
+                        <m:r>
+                          <a:rPr lang="ru-RU" sz="1750" i="1">
+                            <a:solidFill>
+                              <a:srgbClr val="C00000"/>
+                            </a:solidFill>
+                            <a:latin typeface="Cambria Math" panose="02040503050406030204" pitchFamily="18" charset="0"/>
+                          </a:rPr>
+                          <m:t>2</m:t>
+                        </m:r>
+                      </m:sup>
+                    </m:sSup>
+                  </m:oMath>
+                </a14:m>
+                <a:r>
+                  <a:rPr lang="ru-RU" sz="1750" dirty="0">
+                    <a:solidFill>
+                      <a:srgbClr val="C00000"/>
+                    </a:solidFill>
+                    <a:latin typeface="Times New Roman" panose="02020603050405020304" pitchFamily="18" charset="0"/>
+                    <a:cs typeface="Times New Roman" panose="02020603050405020304" pitchFamily="18" charset="0"/>
+                  </a:rPr>
+                  <a:t> = 0,49 </a:t>
+                </a:r>
+                <a:r>
+                  <a:rPr lang="ru-RU" sz="1750" dirty="0">
+                    <a:solidFill>
+                      <a:schemeClr val="bg2">
+                        <a:lumMod val="75000"/>
+                        <a:lumOff val="25000"/>
+                      </a:schemeClr>
+                    </a:solidFill>
+                    <a:latin typeface="Times New Roman" panose="02020603050405020304" pitchFamily="18" charset="0"/>
+                    <a:ea typeface="Arial" panose="020B0604020202020204" pitchFamily="34" charset="0"/>
+                  </a:rPr>
+                  <a:t>и </a:t>
                 </a:r>
                 <a14:m>
                   <m:oMath xmlns:m="http://schemas.openxmlformats.org/officeDocument/2006/math">
@@ -7309,6 +7490,19 @@
                     <a:cs typeface="Times New Roman" panose="02020603050405020304" pitchFamily="18" charset="0"/>
                   </a:rPr>
                   <a:t> = 0,737</a:t>
+                </a:r>
+                <a:r>
+                  <a:rPr lang="ru-RU" sz="1750" dirty="0">
+                    <a:solidFill>
+                      <a:schemeClr val="bg2">
+                        <a:lumMod val="75000"/>
+                        <a:lumOff val="25000"/>
+                      </a:schemeClr>
+                    </a:solidFill>
+                    <a:latin typeface="Times New Roman" panose="02020603050405020304" pitchFamily="18" charset="0"/>
+                    <a:ea typeface="Arial" panose="020B0604020202020204" pitchFamily="34" charset="0"/>
+                  </a:rPr>
+                  <a:t>, соответственно</a:t>
                 </a:r>
                 <a:r>
                   <a:rPr lang="ru-RU" sz="1750" dirty="0">
@@ -7433,13 +7627,13 @@
             </p:nvSpPr>
             <p:spPr>
               <a:xfrm>
-                <a:off x="571501" y="1346335"/>
-                <a:ext cx="11106150" cy="5213881"/>
+                <a:off x="295275" y="1441585"/>
+                <a:ext cx="11665912" cy="5213881"/>
               </a:xfrm>
               <a:blipFill>
                 <a:blip r:embed="rId2"/>
                 <a:stretch>
-                  <a:fillRect r="-439"/>
+                  <a:fillRect r="-418"/>
                 </a:stretch>
               </a:blipFill>
             </p:spPr>
@@ -8642,7 +8836,28 @@
                 </a:solidFill>
                 <a:latin typeface="Times New Roman" panose="02020603050405020304" pitchFamily="18" charset="0"/>
               </a:rPr>
-              <a:t>Следовательно, данные в этих строках являются достоверными. </a:t>
+              <a:t>Следовательно, данные в этих строках являются </a:t>
+            </a:r>
+            <a:r>
+              <a:rPr lang="ru-RU" b="1" dirty="0">
+                <a:solidFill>
+                  <a:srgbClr val="C00000"/>
+                </a:solidFill>
+                <a:latin typeface="Times New Roman" panose="02020603050405020304" pitchFamily="18" charset="0"/>
+              </a:rPr>
+              <a:t>достоверными</a:t>
+            </a:r>
+            <a:r>
+              <a:rPr lang="ru-RU" b="1" dirty="0">
+                <a:solidFill>
+                  <a:schemeClr val="tx2">
+                    <a:lumMod val="75000"/>
+                    <a:lumOff val="25000"/>
+                  </a:schemeClr>
+                </a:solidFill>
+                <a:latin typeface="Times New Roman" panose="02020603050405020304" pitchFamily="18" charset="0"/>
+              </a:rPr>
+              <a:t>. </a:t>
             </a:r>
           </a:p>
         </p:txBody>
@@ -9212,7 +9427,7 @@
         </p:nvSpPr>
         <p:spPr>
           <a:xfrm>
-            <a:off x="7964452" y="5385755"/>
+            <a:off x="7964452" y="5404805"/>
             <a:ext cx="4070793" cy="646331"/>
           </a:xfrm>
           <a:prstGeom prst="rect">
@@ -9458,6 +9673,118 @@
           </a:prstGeom>
         </p:spPr>
       </p:pic>
+      <p:sp>
+        <p:nvSpPr>
+          <p:cNvPr id="15" name="Прямоугольник 14">
+            <a:extLst>
+              <a:ext uri="{FF2B5EF4-FFF2-40B4-BE49-F238E27FC236}">
+                <a16:creationId xmlns:a16="http://schemas.microsoft.com/office/drawing/2014/main" id="{E3ED8568-FAE9-4539-AD58-5A239A1470A5}"/>
+              </a:ext>
+            </a:extLst>
+          </p:cNvPr>
+          <p:cNvSpPr/>
+          <p:nvPr/>
+        </p:nvSpPr>
+        <p:spPr>
+          <a:xfrm>
+            <a:off x="8264283" y="3974772"/>
+            <a:ext cx="3699117" cy="477054"/>
+          </a:xfrm>
+          <a:prstGeom prst="rect">
+            <a:avLst/>
+          </a:prstGeom>
+        </p:spPr>
+        <p:txBody>
+          <a:bodyPr wrap="square">
+            <a:spAutoFit/>
+          </a:bodyPr>
+          <a:lstStyle/>
+          <a:p>
+            <a:pPr algn="just"/>
+            <a:r>
+              <a:rPr lang="ru-RU" sz="1250" b="1" dirty="0">
+                <a:solidFill>
+                  <a:schemeClr val="tx1"/>
+                </a:solidFill>
+                <a:latin typeface="Times New Roman" panose="02020603050405020304" pitchFamily="18" charset="0"/>
+                <a:ea typeface="Arial" panose="020B0604020202020204" pitchFamily="34" charset="0"/>
+              </a:rPr>
+              <a:t>Примечание</a:t>
+            </a:r>
+            <a:r>
+              <a:rPr lang="ru-RU" sz="1250" dirty="0">
+                <a:solidFill>
+                  <a:schemeClr val="tx1"/>
+                </a:solidFill>
+                <a:latin typeface="Times New Roman" panose="02020603050405020304" pitchFamily="18" charset="0"/>
+                <a:ea typeface="Arial" panose="020B0604020202020204" pitchFamily="34" charset="0"/>
+              </a:rPr>
+              <a:t>. Нормализация данных – приведение данных к нормальному закону распределения</a:t>
+            </a:r>
+            <a:endParaRPr lang="ru-RU" sz="1250" dirty="0">
+              <a:solidFill>
+                <a:schemeClr val="tx1"/>
+              </a:solidFill>
+            </a:endParaRPr>
+          </a:p>
+        </p:txBody>
+      </p:sp>
+      <p:sp>
+        <p:nvSpPr>
+          <p:cNvPr id="20" name="Прямоугольник 19">
+            <a:extLst>
+              <a:ext uri="{FF2B5EF4-FFF2-40B4-BE49-F238E27FC236}">
+                <a16:creationId xmlns:a16="http://schemas.microsoft.com/office/drawing/2014/main" id="{0909B2D7-5A70-4AA1-AAF4-127F3859A840}"/>
+              </a:ext>
+            </a:extLst>
+          </p:cNvPr>
+          <p:cNvSpPr/>
+          <p:nvPr/>
+        </p:nvSpPr>
+        <p:spPr>
+          <a:xfrm>
+            <a:off x="8276432" y="6282421"/>
+            <a:ext cx="3699117" cy="477054"/>
+          </a:xfrm>
+          <a:prstGeom prst="rect">
+            <a:avLst/>
+          </a:prstGeom>
+        </p:spPr>
+        <p:txBody>
+          <a:bodyPr wrap="square">
+            <a:spAutoFit/>
+          </a:bodyPr>
+          <a:lstStyle/>
+          <a:p>
+            <a:pPr algn="just"/>
+            <a:r>
+              <a:rPr lang="ru-RU" sz="1250" b="1" dirty="0">
+                <a:solidFill>
+                  <a:schemeClr val="tx1"/>
+                </a:solidFill>
+                <a:latin typeface="Times New Roman" panose="02020603050405020304" pitchFamily="18" charset="0"/>
+                <a:ea typeface="Arial" panose="020B0604020202020204" pitchFamily="34" charset="0"/>
+              </a:rPr>
+              <a:t>Примечание</a:t>
+            </a:r>
+            <a:r>
+              <a:rPr lang="ru-RU" sz="1250" dirty="0">
+                <a:solidFill>
+                  <a:schemeClr val="tx1"/>
+                </a:solidFill>
+                <a:latin typeface="Times New Roman" panose="02020603050405020304" pitchFamily="18" charset="0"/>
+                <a:ea typeface="Arial" panose="020B0604020202020204" pitchFamily="34" charset="0"/>
+              </a:rPr>
+              <a:t>. Нормализация данных – приведение данных к нормальному закону распределения</a:t>
+            </a:r>
+            <a:endParaRPr lang="ru-RU" sz="1250" dirty="0">
+              <a:solidFill>
+                <a:schemeClr val="tx1"/>
+              </a:solidFill>
+            </a:endParaRPr>
+          </a:p>
+        </p:txBody>
+      </p:sp>
     </p:spTree>
     <p:extLst>
       <p:ext uri="{BB962C8B-B14F-4D97-AF65-F5344CB8AC3E}">
@@ -10421,7 +10748,7 @@
         </p:nvSpPr>
         <p:spPr>
           <a:xfrm>
-            <a:off x="1617224" y="6336412"/>
+            <a:off x="1626749" y="6336412"/>
             <a:ext cx="2866490" cy="307777"/>
           </a:xfrm>
           <a:prstGeom prst="rect">
@@ -10667,7 +10994,7 @@
         </p:nvSpPr>
         <p:spPr>
           <a:xfrm>
-            <a:off x="2064197" y="1121134"/>
+            <a:off x="2064197" y="1111609"/>
             <a:ext cx="8365678" cy="707886"/>
           </a:xfrm>
           <a:prstGeom prst="rect">
@@ -10771,7 +11098,27 @@
                 <a:latin typeface="Times New Roman" panose="02020603050405020304" pitchFamily="18" charset="0"/>
                 <a:ea typeface="Arial" panose="020B0604020202020204" pitchFamily="34" charset="0"/>
               </a:rPr>
-              <a:t>процедуру следует рассматривать не как фильтрацию датасета, а как размножение базового датасета.</a:t>
+              <a:t>процедуру следует рассматривать не как фильтрацию датасета, а как </a:t>
+            </a:r>
+            <a:r>
+              <a:rPr lang="ru-RU" sz="1250" dirty="0">
+                <a:solidFill>
+                  <a:srgbClr val="C00000"/>
+                </a:solidFill>
+                <a:latin typeface="Times New Roman" panose="02020603050405020304" pitchFamily="18" charset="0"/>
+                <a:ea typeface="Arial" panose="020B0604020202020204" pitchFamily="34" charset="0"/>
+              </a:rPr>
+              <a:t>размножение</a:t>
+            </a:r>
+            <a:r>
+              <a:rPr lang="ru-RU" sz="1250" dirty="0">
+                <a:solidFill>
+                  <a:srgbClr val="0000FF"/>
+                </a:solidFill>
+                <a:latin typeface="Times New Roman" panose="02020603050405020304" pitchFamily="18" charset="0"/>
+                <a:ea typeface="Arial" panose="020B0604020202020204" pitchFamily="34" charset="0"/>
+              </a:rPr>
+              <a:t> базового датасета.</a:t>
             </a:r>
             <a:endParaRPr lang="ru-RU" sz="1250" dirty="0">
               <a:solidFill>
@@ -11650,8 +11997,8 @@
         </p:nvSpPr>
         <p:spPr>
           <a:xfrm>
-            <a:off x="9571644" y="2578408"/>
-            <a:ext cx="1885837" cy="738664"/>
+            <a:off x="9571644" y="2464108"/>
+            <a:ext cx="1699953" cy="666000"/>
           </a:xfrm>
           <a:prstGeom prst="rect">
             <a:avLst/>
@@ -11684,7 +12031,7 @@
           <a:lstStyle/>
           <a:p>
             <a:pPr algn="ctr"/>
-            <a:endParaRPr lang="ru-RU" sz="1600"/>
+            <a:endParaRPr lang="ru-RU"/>
           </a:p>
         </p:txBody>
       </p:sp>
@@ -12153,8 +12500,8 @@
         </p:nvSpPr>
         <p:spPr>
           <a:xfrm>
-            <a:off x="2168433" y="1782703"/>
-            <a:ext cx="3168108" cy="369332"/>
+            <a:off x="1961704" y="1663811"/>
+            <a:ext cx="3499130" cy="553998"/>
           </a:xfrm>
           <a:prstGeom prst="rect">
             <a:avLst/>
@@ -12168,16 +12515,29 @@
           <a:p>
             <a:pPr algn="ctr"/>
             <a:r>
-              <a:rPr lang="ru-RU" sz="1800" dirty="0">
+              <a:rPr lang="ru-RU" sz="1500" dirty="0">
                 <a:solidFill>
                   <a:schemeClr val="tx1"/>
                 </a:solidFill>
                 <a:latin typeface="Times New Roman" panose="02020603050405020304" pitchFamily="18" charset="0"/>
                 <a:ea typeface="Arial" panose="020B0604020202020204" pitchFamily="34" charset="0"/>
               </a:rPr>
-              <a:t>Полный датасет</a:t>
-            </a:r>
-            <a:endParaRPr lang="ru-RU" sz="1800" dirty="0">
+              <a:t>Корреляционная матрица </a:t>
+            </a:r>
+          </a:p>
+          <a:p>
+            <a:pPr algn="ctr"/>
+            <a:r>
+              <a:rPr lang="ru-RU" sz="1500" dirty="0">
+                <a:solidFill>
+                  <a:schemeClr val="tx1"/>
+                </a:solidFill>
+                <a:latin typeface="Times New Roman" panose="02020603050405020304" pitchFamily="18" charset="0"/>
+                <a:ea typeface="Arial" panose="020B0604020202020204" pitchFamily="34" charset="0"/>
+              </a:rPr>
+              <a:t>(полный датасет)</a:t>
+            </a:r>
+            <a:endParaRPr lang="ru-RU" sz="1500" dirty="0">
               <a:solidFill>
                 <a:schemeClr val="tx1"/>
               </a:solidFill>
@@ -12199,7 +12559,7 @@
         </p:nvSpPr>
         <p:spPr>
           <a:xfrm>
-            <a:off x="2522205" y="1361758"/>
+            <a:off x="2522205" y="1218883"/>
             <a:ext cx="6099381" cy="400110"/>
           </a:xfrm>
           <a:prstGeom prst="rect">
@@ -12266,82 +12626,6 @@
             <a:endParaRPr lang="ru-RU" sz="1800" dirty="0">
               <a:solidFill>
                 <a:srgbClr val="C00000"/>
-              </a:solidFill>
-            </a:endParaRPr>
-          </a:p>
-        </p:txBody>
-      </p:sp>
-      <p:sp>
-        <p:nvSpPr>
-          <p:cNvPr id="13" name="Прямоугольник 12">
-            <a:extLst>
-              <a:ext uri="{FF2B5EF4-FFF2-40B4-BE49-F238E27FC236}">
-                <a16:creationId xmlns:a16="http://schemas.microsoft.com/office/drawing/2014/main" id="{035BDAAC-3815-41DD-9D7A-E57E76407B6C}"/>
-              </a:ext>
-            </a:extLst>
-          </p:cNvPr>
-          <p:cNvSpPr/>
-          <p:nvPr/>
-        </p:nvSpPr>
-        <p:spPr>
-          <a:xfrm>
-            <a:off x="5544111" y="1779542"/>
-            <a:ext cx="3316155" cy="369332"/>
-          </a:xfrm>
-          <a:prstGeom prst="rect">
-            <a:avLst/>
-          </a:prstGeom>
-        </p:spPr>
-        <p:txBody>
-          <a:bodyPr wrap="square">
-            <a:spAutoFit/>
-          </a:bodyPr>
-          <a:lstStyle/>
-          <a:p>
-            <a:pPr algn="ctr"/>
-            <a:r>
-              <a:rPr lang="ru-RU" sz="1800" dirty="0">
-                <a:solidFill>
-                  <a:schemeClr val="tx1"/>
-                </a:solidFill>
-                <a:latin typeface="Times New Roman" panose="02020603050405020304" pitchFamily="18" charset="0"/>
-                <a:ea typeface="Arial" panose="020B0604020202020204" pitchFamily="34" charset="0"/>
-              </a:rPr>
-              <a:t>Очищенный датасет (</a:t>
-            </a:r>
-            <a:r>
-              <a:rPr lang="en-US" sz="1800" i="1" dirty="0">
-                <a:solidFill>
-                  <a:schemeClr val="tx1"/>
-                </a:solidFill>
-                <a:latin typeface="Times New Roman" panose="02020603050405020304" pitchFamily="18" charset="0"/>
-                <a:ea typeface="Arial" panose="020B0604020202020204" pitchFamily="34" charset="0"/>
-              </a:rPr>
-              <a:t>k</a:t>
-            </a:r>
-            <a:r>
-              <a:rPr lang="en-US" sz="1800" i="1" baseline="-25000" dirty="0">
-                <a:solidFill>
-                  <a:schemeClr val="tx1"/>
-                </a:solidFill>
-                <a:latin typeface="Times New Roman" panose="02020603050405020304" pitchFamily="18" charset="0"/>
-                <a:ea typeface="Arial" panose="020B0604020202020204" pitchFamily="34" charset="0"/>
-              </a:rPr>
-              <a:t>nn</a:t>
-            </a:r>
-            <a:r>
-              <a:rPr lang="ru-RU" sz="1800" dirty="0">
-                <a:solidFill>
-                  <a:schemeClr val="tx1"/>
-                </a:solidFill>
-                <a:latin typeface="Times New Roman" panose="02020603050405020304" pitchFamily="18" charset="0"/>
-                <a:ea typeface="Arial" panose="020B0604020202020204" pitchFamily="34" charset="0"/>
-              </a:rPr>
-              <a:t> = 5)</a:t>
-            </a:r>
-            <a:endParaRPr lang="ru-RU" sz="1800" dirty="0">
-              <a:solidFill>
-                <a:schemeClr val="tx1"/>
               </a:solidFill>
             </a:endParaRPr>
           </a:p>
@@ -12363,8 +12647,8 @@
             </p:nvSpPr>
             <p:spPr>
               <a:xfrm>
-                <a:off x="9564624" y="2613244"/>
-                <a:ext cx="1885837" cy="639278"/>
+                <a:off x="9564624" y="2498944"/>
+                <a:ext cx="1699953" cy="578620"/>
               </a:xfrm>
               <a:prstGeom prst="rect">
                 <a:avLst/>
@@ -12386,14 +12670,14 @@
                       <m:sSup>
                         <m:sSupPr>
                           <m:ctrlPr>
-                            <a:rPr lang="ru-RU" sz="1800" i="1">
+                            <a:rPr lang="ru-RU" sz="1600" i="1">
                               <a:latin typeface="Cambria Math" panose="02040503050406030204" pitchFamily="18" charset="0"/>
                             </a:rPr>
                           </m:ctrlPr>
                         </m:sSupPr>
                         <m:e>
                           <m:r>
-                            <a:rPr lang="ru-RU" sz="1800" i="1">
+                            <a:rPr lang="ru-RU" sz="1600" i="1">
                               <a:latin typeface="Cambria Math" panose="02040503050406030204" pitchFamily="18" charset="0"/>
                             </a:rPr>
                             <m:t>𝑅</m:t>
@@ -12401,7 +12685,7 @@
                         </m:e>
                         <m:sup>
                           <m:r>
-                            <a:rPr lang="ru-RU" sz="1800">
+                            <a:rPr lang="ru-RU" sz="1600">
                               <a:latin typeface="Cambria Math" panose="02040503050406030204" pitchFamily="18" charset="0"/>
                             </a:rPr>
                             <m:t>2</m:t>
@@ -12409,7 +12693,7 @@
                         </m:sup>
                       </m:sSup>
                       <m:r>
-                        <a:rPr lang="ru-RU" sz="1800">
+                        <a:rPr lang="ru-RU" sz="1600">
                           <a:latin typeface="Cambria Math" panose="02040503050406030204" pitchFamily="18" charset="0"/>
                         </a:rPr>
                         <m:t>=1− </m:t>
@@ -12417,14 +12701,14 @@
                       <m:f>
                         <m:fPr>
                           <m:ctrlPr>
-                            <a:rPr lang="ru-RU" sz="1800" i="1">
+                            <a:rPr lang="ru-RU" sz="1600" i="1">
                               <a:latin typeface="Cambria Math" panose="02040503050406030204" pitchFamily="18" charset="0"/>
                             </a:rPr>
                           </m:ctrlPr>
                         </m:fPr>
                         <m:num>
                           <m:r>
-                            <a:rPr lang="ru-RU" sz="1800" i="1">
+                            <a:rPr lang="ru-RU" sz="1600" i="1">
                               <a:latin typeface="Cambria Math" panose="02040503050406030204" pitchFamily="18" charset="0"/>
                             </a:rPr>
                             <m:t>𝑑𝑒𝑡</m:t>
@@ -12432,14 +12716,14 @@
                           <m:sSup>
                             <m:sSupPr>
                               <m:ctrlPr>
-                                <a:rPr lang="ru-RU" sz="1800" i="1">
+                                <a:rPr lang="ru-RU" sz="1600" i="1">
                                   <a:latin typeface="Cambria Math" panose="02040503050406030204" pitchFamily="18" charset="0"/>
                                 </a:rPr>
                               </m:ctrlPr>
                             </m:sSupPr>
                             <m:e>
                               <m:r>
-                                <a:rPr lang="ru-RU" sz="1800" i="1">
+                                <a:rPr lang="ru-RU" sz="1600" i="1">
                                   <a:latin typeface="Cambria Math" panose="02040503050406030204" pitchFamily="18" charset="0"/>
                                 </a:rPr>
                                 <m:t>𝐴</m:t>
@@ -12447,7 +12731,7 @@
                             </m:e>
                             <m:sup>
                               <m:r>
-                                <a:rPr lang="ru-RU" sz="1800">
+                                <a:rPr lang="ru-RU" sz="1600">
                                   <a:latin typeface="Cambria Math" panose="02040503050406030204" pitchFamily="18" charset="0"/>
                                 </a:rPr>
                                 <m:t>+</m:t>
@@ -12457,7 +12741,7 @@
                         </m:num>
                         <m:den>
                           <m:r>
-                            <a:rPr lang="ru-RU" sz="1800" i="1">
+                            <a:rPr lang="ru-RU" sz="1600" i="1">
                               <a:latin typeface="Cambria Math" panose="02040503050406030204" pitchFamily="18" charset="0"/>
                             </a:rPr>
                             <m:t>𝑑𝑒𝑡𝐴</m:t>
@@ -12467,7 +12751,7 @@
                     </m:oMath>
                   </m:oMathPara>
                 </a14:m>
-                <a:endParaRPr lang="ru-RU" sz="1600" dirty="0"/>
+                <a:endParaRPr lang="ru-RU" dirty="0"/>
               </a:p>
             </p:txBody>
           </p:sp>
@@ -12489,8 +12773,8 @@
             </p:nvSpPr>
             <p:spPr>
               <a:xfrm>
-                <a:off x="9564624" y="2613244"/>
-                <a:ext cx="1885837" cy="639278"/>
+                <a:off x="9564624" y="2498944"/>
+                <a:ext cx="1699953" cy="578620"/>
               </a:xfrm>
               <a:prstGeom prst="rect">
                 <a:avLst/>
@@ -12531,8 +12815,8 @@
         </p:nvSpPr>
         <p:spPr>
           <a:xfrm>
-            <a:off x="8880317" y="4493172"/>
-            <a:ext cx="3236214" cy="738664"/>
+            <a:off x="8937467" y="4321722"/>
+            <a:ext cx="3236214" cy="669414"/>
           </a:xfrm>
           <a:prstGeom prst="rect">
             <a:avLst/>
@@ -12545,7 +12829,7 @@
           <a:lstStyle/>
           <a:p>
             <a:r>
-              <a:rPr lang="en-US" i="1" dirty="0">
+              <a:rPr lang="en-US" sz="1250" i="1" dirty="0">
                 <a:solidFill>
                   <a:srgbClr val="3D3D3D"/>
                 </a:solidFill>
@@ -12555,7 +12839,7 @@
               <a:t>det</a:t>
             </a:r>
             <a:r>
-              <a:rPr lang="ru-RU" i="1" dirty="0">
+              <a:rPr lang="ru-RU" sz="1250" i="1" dirty="0">
                 <a:solidFill>
                   <a:srgbClr val="3D3D3D"/>
                 </a:solidFill>
@@ -12565,7 +12849,7 @@
               <a:t>А</a:t>
             </a:r>
             <a:r>
-              <a:rPr lang="ru-RU" dirty="0">
+              <a:rPr lang="ru-RU" sz="1250" dirty="0">
                 <a:solidFill>
                   <a:srgbClr val="3D3D3D"/>
                 </a:solidFill>
@@ -12575,22 +12859,22 @@
               <a:t> </a:t>
             </a:r>
             <a:r>
-              <a:rPr lang="ru-RU" dirty="0"/>
+              <a:rPr lang="ru-RU" sz="1250" dirty="0"/>
               <a:t>– </a:t>
             </a:r>
             <a:r>
-              <a:rPr lang="ru-RU" dirty="0">
+              <a:rPr lang="ru-RU" sz="1250" dirty="0">
                 <a:latin typeface="Times New Roman" panose="02020603050405020304" pitchFamily="18" charset="0"/>
                 <a:cs typeface="Times New Roman" panose="02020603050405020304" pitchFamily="18" charset="0"/>
               </a:rPr>
               <a:t>определитель</a:t>
             </a:r>
             <a:r>
-              <a:rPr lang="ru-RU" dirty="0"/>
+              <a:rPr lang="ru-RU" sz="1250" dirty="0"/>
               <a:t> </a:t>
             </a:r>
             <a:r>
-              <a:rPr lang="ru-RU" dirty="0">
+              <a:rPr lang="ru-RU" sz="1250" dirty="0">
                 <a:solidFill>
                   <a:srgbClr val="3D3D3D"/>
                 </a:solidFill>
@@ -12600,7 +12884,7 @@
               <a:t>матрицы  парных коэффициентов межфакторной корреляции</a:t>
             </a:r>
             <a:r>
-              <a:rPr lang="en-US" dirty="0">
+              <a:rPr lang="en-US" sz="1250" dirty="0">
                 <a:solidFill>
                   <a:srgbClr val="3D3D3D"/>
                 </a:solidFill>
@@ -12610,70 +12894,70 @@
               <a:t> </a:t>
             </a:r>
             <a:r>
-              <a:rPr lang="ru-RU" dirty="0">
+              <a:rPr lang="ru-RU" sz="1250" dirty="0">
                 <a:latin typeface="Times New Roman" panose="02020603050405020304" pitchFamily="18" charset="0"/>
                 <a:cs typeface="Times New Roman" panose="02020603050405020304" pitchFamily="18" charset="0"/>
               </a:rPr>
               <a:t>(между</a:t>
             </a:r>
             <a:r>
-              <a:rPr lang="en-US" dirty="0">
+              <a:rPr lang="en-US" sz="1250" dirty="0">
                 <a:latin typeface="Times New Roman" panose="02020603050405020304" pitchFamily="18" charset="0"/>
                 <a:cs typeface="Times New Roman" panose="02020603050405020304" pitchFamily="18" charset="0"/>
               </a:rPr>
               <a:t> </a:t>
             </a:r>
             <a:r>
-              <a:rPr lang="ru-RU" dirty="0">
+              <a:rPr lang="ru-RU" sz="1250" dirty="0">
                 <a:latin typeface="Times New Roman" panose="02020603050405020304" pitchFamily="18" charset="0"/>
                 <a:cs typeface="Times New Roman" panose="02020603050405020304" pitchFamily="18" charset="0"/>
               </a:rPr>
               <a:t>признаками</a:t>
             </a:r>
             <a:r>
-              <a:rPr lang="en-US" dirty="0">
+              <a:rPr lang="en-US" sz="1250" dirty="0">
                 <a:latin typeface="Times New Roman" panose="02020603050405020304" pitchFamily="18" charset="0"/>
                 <a:cs typeface="Times New Roman" panose="02020603050405020304" pitchFamily="18" charset="0"/>
               </a:rPr>
               <a:t> </a:t>
             </a:r>
             <a:r>
-              <a:rPr lang="en-US" i="1" dirty="0">
+              <a:rPr lang="en-US" sz="1250" i="1" dirty="0">
                 <a:latin typeface="Times New Roman" panose="02020603050405020304" pitchFamily="18" charset="0"/>
                 <a:cs typeface="Times New Roman" panose="02020603050405020304" pitchFamily="18" charset="0"/>
               </a:rPr>
               <a:t>x</a:t>
             </a:r>
             <a:r>
-              <a:rPr lang="en-US" i="1" baseline="-25000" dirty="0">
+              <a:rPr lang="en-US" sz="1250" i="1" baseline="-25000" dirty="0">
                 <a:latin typeface="Times New Roman" panose="02020603050405020304" pitchFamily="18" charset="0"/>
                 <a:cs typeface="Times New Roman" panose="02020603050405020304" pitchFamily="18" charset="0"/>
               </a:rPr>
               <a:t>i </a:t>
             </a:r>
             <a:r>
-              <a:rPr lang="ru-RU" dirty="0">
+              <a:rPr lang="ru-RU" sz="1250" dirty="0">
                 <a:latin typeface="Times New Roman" panose="02020603050405020304" pitchFamily="18" charset="0"/>
                 <a:cs typeface="Times New Roman" panose="02020603050405020304" pitchFamily="18" charset="0"/>
               </a:rPr>
               <a:t>и </a:t>
             </a:r>
             <a:r>
-              <a:rPr lang="en-US" i="1" dirty="0" err="1">
+              <a:rPr lang="en-US" sz="1250" i="1" dirty="0" err="1">
                 <a:latin typeface="Times New Roman" panose="02020603050405020304" pitchFamily="18" charset="0"/>
                 <a:cs typeface="Times New Roman" panose="02020603050405020304" pitchFamily="18" charset="0"/>
               </a:rPr>
               <a:t>x</a:t>
             </a:r>
             <a:r>
-              <a:rPr lang="en-US" i="1" baseline="-25000" dirty="0" err="1">
+              <a:rPr lang="en-US" sz="1250" i="1" baseline="-25000" dirty="0" err="1">
                 <a:latin typeface="Times New Roman" panose="02020603050405020304" pitchFamily="18" charset="0"/>
                 <a:cs typeface="Times New Roman" panose="02020603050405020304" pitchFamily="18" charset="0"/>
               </a:rPr>
               <a:t>j</a:t>
             </a:r>
             <a:r>
-              <a:rPr lang="ru-RU" dirty="0">
+              <a:rPr lang="ru-RU" sz="1250" dirty="0">
                 <a:solidFill>
                   <a:srgbClr val="3D3D3D"/>
                 </a:solidFill>
@@ -12683,7 +12967,7 @@
               </a:rPr>
               <a:t>).</a:t>
             </a:r>
-            <a:endParaRPr lang="ru-RU" dirty="0">
+            <a:endParaRPr lang="ru-RU" sz="1250" dirty="0">
               <a:latin typeface="Times New Roman" panose="02020603050405020304" pitchFamily="18" charset="0"/>
               <a:cs typeface="Times New Roman" panose="02020603050405020304" pitchFamily="18" charset="0"/>
             </a:endParaRPr>
@@ -12704,8 +12988,8 @@
         </p:nvSpPr>
         <p:spPr>
           <a:xfrm>
-            <a:off x="8903533" y="3600125"/>
-            <a:ext cx="3236214" cy="738664"/>
+            <a:off x="8951158" y="3447725"/>
+            <a:ext cx="3236214" cy="669414"/>
           </a:xfrm>
           <a:prstGeom prst="rect">
             <a:avLst/>
@@ -12718,7 +13002,7 @@
           <a:lstStyle/>
           <a:p>
             <a:r>
-              <a:rPr lang="en-US" i="1" dirty="0">
+              <a:rPr lang="en-US" sz="1250" i="1" dirty="0">
                 <a:solidFill>
                   <a:srgbClr val="3D3D3D"/>
                 </a:solidFill>
@@ -12728,7 +13012,7 @@
               <a:t>det</a:t>
             </a:r>
             <a:r>
-              <a:rPr lang="ru-RU" i="1" dirty="0">
+              <a:rPr lang="ru-RU" sz="1250" i="1" dirty="0">
                 <a:solidFill>
                   <a:srgbClr val="3D3D3D"/>
                 </a:solidFill>
@@ -12738,7 +13022,7 @@
               <a:t>А</a:t>
             </a:r>
             <a:r>
-              <a:rPr lang="ru-RU" i="1" baseline="30000" dirty="0">
+              <a:rPr lang="ru-RU" sz="1250" i="1" baseline="30000" dirty="0">
                 <a:solidFill>
                   <a:srgbClr val="3D3D3D"/>
                 </a:solidFill>
@@ -12748,7 +13032,7 @@
               <a:t>+</a:t>
             </a:r>
             <a:r>
-              <a:rPr lang="ru-RU" dirty="0">
+              <a:rPr lang="ru-RU" sz="1250" dirty="0">
                 <a:solidFill>
                   <a:srgbClr val="3D3D3D"/>
                 </a:solidFill>
@@ -12758,22 +13042,22 @@
               <a:t> </a:t>
             </a:r>
             <a:r>
-              <a:rPr lang="ru-RU" dirty="0"/>
+              <a:rPr lang="ru-RU" sz="1250" dirty="0"/>
               <a:t>– </a:t>
             </a:r>
             <a:r>
-              <a:rPr lang="ru-RU" dirty="0">
+              <a:rPr lang="ru-RU" sz="1250" dirty="0">
                 <a:latin typeface="Times New Roman" panose="02020603050405020304" pitchFamily="18" charset="0"/>
                 <a:cs typeface="Times New Roman" panose="02020603050405020304" pitchFamily="18" charset="0"/>
               </a:rPr>
               <a:t>определитель</a:t>
             </a:r>
             <a:r>
-              <a:rPr lang="ru-RU" dirty="0"/>
+              <a:rPr lang="ru-RU" sz="1250" dirty="0"/>
               <a:t> </a:t>
             </a:r>
             <a:r>
-              <a:rPr lang="ru-RU" dirty="0">
+              <a:rPr lang="ru-RU" sz="1250" dirty="0">
                 <a:solidFill>
                   <a:srgbClr val="3D3D3D"/>
                 </a:solidFill>
@@ -12783,56 +13067,56 @@
               <a:t>матрицы парных коэффициентов </a:t>
             </a:r>
             <a:r>
-              <a:rPr lang="ru-RU" dirty="0">
+              <a:rPr lang="ru-RU" sz="1250" dirty="0">
                 <a:latin typeface="Times New Roman" panose="02020603050405020304" pitchFamily="18" charset="0"/>
                 <a:cs typeface="Times New Roman" panose="02020603050405020304" pitchFamily="18" charset="0"/>
               </a:rPr>
               <a:t>корреляции между целевой переменной </a:t>
             </a:r>
             <a:r>
-              <a:rPr lang="en-US" i="1" dirty="0">
+              <a:rPr lang="en-US" sz="1250" i="1" dirty="0">
                 <a:latin typeface="Times New Roman" panose="02020603050405020304" pitchFamily="18" charset="0"/>
                 <a:cs typeface="Times New Roman" panose="02020603050405020304" pitchFamily="18" charset="0"/>
               </a:rPr>
               <a:t>y</a:t>
             </a:r>
             <a:r>
-              <a:rPr lang="ru-RU" dirty="0">
+              <a:rPr lang="ru-RU" sz="1250" dirty="0">
                 <a:latin typeface="Times New Roman" panose="02020603050405020304" pitchFamily="18" charset="0"/>
                 <a:cs typeface="Times New Roman" panose="02020603050405020304" pitchFamily="18" charset="0"/>
               </a:rPr>
               <a:t> и признаками</a:t>
             </a:r>
             <a:r>
-              <a:rPr lang="en-US" dirty="0">
+              <a:rPr lang="en-US" sz="1250" dirty="0">
                 <a:latin typeface="Times New Roman" panose="02020603050405020304" pitchFamily="18" charset="0"/>
                 <a:cs typeface="Times New Roman" panose="02020603050405020304" pitchFamily="18" charset="0"/>
               </a:rPr>
               <a:t> </a:t>
             </a:r>
             <a:r>
-              <a:rPr lang="en-US" i="1" dirty="0">
+              <a:rPr lang="en-US" sz="1250" i="1" dirty="0">
                 <a:latin typeface="Times New Roman" panose="02020603050405020304" pitchFamily="18" charset="0"/>
                 <a:cs typeface="Times New Roman" panose="02020603050405020304" pitchFamily="18" charset="0"/>
               </a:rPr>
               <a:t>x</a:t>
             </a:r>
             <a:r>
-              <a:rPr lang="en-US" i="1" baseline="-25000" dirty="0">
+              <a:rPr lang="en-US" sz="1250" i="1" baseline="-25000" dirty="0">
                 <a:latin typeface="Times New Roman" panose="02020603050405020304" pitchFamily="18" charset="0"/>
                 <a:cs typeface="Times New Roman" panose="02020603050405020304" pitchFamily="18" charset="0"/>
               </a:rPr>
               <a:t>i</a:t>
             </a:r>
             <a:r>
-              <a:rPr lang="ru-RU" i="1" baseline="-25000" dirty="0">
+              <a:rPr lang="ru-RU" sz="1250" i="1" baseline="-25000" dirty="0">
                 <a:latin typeface="Times New Roman" panose="02020603050405020304" pitchFamily="18" charset="0"/>
                 <a:cs typeface="Times New Roman" panose="02020603050405020304" pitchFamily="18" charset="0"/>
               </a:rPr>
               <a:t> </a:t>
             </a:r>
             <a:r>
-              <a:rPr lang="ru-RU" dirty="0">
+              <a:rPr lang="ru-RU" sz="1250" dirty="0">
                 <a:latin typeface="Times New Roman" panose="02020603050405020304" pitchFamily="18" charset="0"/>
                 <a:cs typeface="Times New Roman" panose="02020603050405020304" pitchFamily="18" charset="0"/>
               </a:rPr>
@@ -12857,7 +13141,7 @@
             </p:nvSpPr>
             <p:spPr>
               <a:xfrm>
-                <a:off x="3134004" y="5508156"/>
+                <a:off x="3134004" y="5546256"/>
                 <a:ext cx="1096903" cy="338554"/>
               </a:xfrm>
               <a:prstGeom prst="rect">
@@ -12931,7 +13215,7 @@
             </p:nvSpPr>
             <p:spPr>
               <a:xfrm>
-                <a:off x="3134004" y="5508156"/>
+                <a:off x="3134004" y="5546256"/>
                 <a:ext cx="1096903" cy="338554"/>
               </a:xfrm>
               <a:prstGeom prst="rect">
@@ -12975,7 +13259,7 @@
             </p:nvSpPr>
             <p:spPr>
               <a:xfrm>
-                <a:off x="6581388" y="5498858"/>
+                <a:off x="6581388" y="5536958"/>
                 <a:ext cx="1096903" cy="338554"/>
               </a:xfrm>
               <a:prstGeom prst="rect">
@@ -13045,7 +13329,7 @@
             </p:nvSpPr>
             <p:spPr>
               <a:xfrm>
-                <a:off x="6581388" y="5498858"/>
+                <a:off x="6581388" y="5536958"/>
                 <a:ext cx="1096903" cy="338554"/>
               </a:xfrm>
               <a:prstGeom prst="rect">
@@ -13095,7 +13379,7 @@
         </p:blipFill>
         <p:spPr>
           <a:xfrm>
-            <a:off x="284951" y="2143038"/>
+            <a:off x="246851" y="2181138"/>
             <a:ext cx="5095136" cy="3376459"/>
           </a:xfrm>
           <a:prstGeom prst="rect">
@@ -13125,7 +13409,7 @@
         </p:blipFill>
         <p:spPr>
           <a:xfrm>
-            <a:off x="5517984" y="2141306"/>
+            <a:off x="5517984" y="2179406"/>
             <a:ext cx="3337653" cy="3378191"/>
           </a:xfrm>
           <a:prstGeom prst="rect">
@@ -13251,7 +13535,31 @@
                     <a:ea typeface="Arial" panose="020B0604020202020204" pitchFamily="34" charset="0"/>
                     <a:cs typeface="Times New Roman" panose="02020603050405020304" pitchFamily="18" charset="0"/>
                   </a:rPr>
-                  <a:t>1. Для оценки принципиальной возможности построения не</a:t>
+                  <a:t>1. Для оценки </a:t>
+                </a:r>
+                <a:r>
+                  <a:rPr lang="ru-RU" sz="1600" dirty="0">
+                    <a:solidFill>
+                      <a:srgbClr val="C00000"/>
+                    </a:solidFill>
+                    <a:latin typeface="Times New Roman" panose="02020603050405020304" pitchFamily="18" charset="0"/>
+                    <a:ea typeface="Arial" panose="020B0604020202020204" pitchFamily="34" charset="0"/>
+                    <a:cs typeface="Times New Roman" panose="02020603050405020304" pitchFamily="18" charset="0"/>
+                  </a:rPr>
+                  <a:t>принципиальной возможности </a:t>
+                </a:r>
+                <a:r>
+                  <a:rPr lang="ru-RU" sz="1600" dirty="0">
+                    <a:solidFill>
+                      <a:schemeClr val="accent1">
+                        <a:lumMod val="75000"/>
+                      </a:schemeClr>
+                    </a:solidFill>
+                    <a:latin typeface="Times New Roman" panose="02020603050405020304" pitchFamily="18" charset="0"/>
+                    <a:ea typeface="Arial" panose="020B0604020202020204" pitchFamily="34" charset="0"/>
+                    <a:cs typeface="Times New Roman" panose="02020603050405020304" pitchFamily="18" charset="0"/>
+                  </a:rPr>
+                  <a:t>построения не</a:t>
                 </a:r>
                 <a:r>
                   <a:rPr lang="ru-RU" sz="1600" dirty="0">
@@ -13303,7 +13611,29 @@
                     <a:latin typeface="Times New Roman" panose="02020603050405020304" pitchFamily="18" charset="0"/>
                     <a:cs typeface="Times New Roman" panose="02020603050405020304" pitchFamily="18" charset="0"/>
                   </a:rPr>
-                  <a:t>контроля подобия создаваемых обучающей и тестовой выборок (с целью предотвращения пере- и недообучения)</a:t>
+                  <a:t>контроля подобия создаваемых обучающей и тестовой выборок с целью </a:t>
+                </a:r>
+                <a:r>
+                  <a:rPr lang="ru-RU" sz="1600" dirty="0">
+                    <a:solidFill>
+                      <a:srgbClr val="C00000"/>
+                    </a:solidFill>
+                    <a:latin typeface="Times New Roman" panose="02020603050405020304" pitchFamily="18" charset="0"/>
+                    <a:cs typeface="Times New Roman" panose="02020603050405020304" pitchFamily="18" charset="0"/>
+                  </a:rPr>
+                  <a:t>предотвращения пере- и недообучения </a:t>
+                </a:r>
+                <a:r>
+                  <a:rPr lang="ru-RU" sz="1600" dirty="0">
+                    <a:solidFill>
+                      <a:schemeClr val="accent1">
+                        <a:lumMod val="75000"/>
+                      </a:schemeClr>
+                    </a:solidFill>
+                    <a:latin typeface="Times New Roman" panose="02020603050405020304" pitchFamily="18" charset="0"/>
+                    <a:cs typeface="Times New Roman" panose="02020603050405020304" pitchFamily="18" charset="0"/>
+                  </a:rPr>
+                  <a:t>моделей</a:t>
                 </a:r>
                 <a:r>
                   <a:rPr lang="ru-RU" sz="1600" dirty="0">
@@ -13376,6 +13706,95 @@
           </p:sp>
         </mc:Fallback>
       </mc:AlternateContent>
+      <p:sp>
+        <p:nvSpPr>
+          <p:cNvPr id="20" name="Прямоугольник 19">
+            <a:extLst>
+              <a:ext uri="{FF2B5EF4-FFF2-40B4-BE49-F238E27FC236}">
+                <a16:creationId xmlns:a16="http://schemas.microsoft.com/office/drawing/2014/main" id="{E7F09A8C-91F6-4969-B5AA-A6C08D678B11}"/>
+              </a:ext>
+            </a:extLst>
+          </p:cNvPr>
+          <p:cNvSpPr/>
+          <p:nvPr/>
+        </p:nvSpPr>
+        <p:spPr>
+          <a:xfrm>
+            <a:off x="5556084" y="1661837"/>
+            <a:ext cx="3279599" cy="553998"/>
+          </a:xfrm>
+          <a:prstGeom prst="rect">
+            <a:avLst/>
+          </a:prstGeom>
+        </p:spPr>
+        <p:txBody>
+          <a:bodyPr wrap="square">
+            <a:spAutoFit/>
+          </a:bodyPr>
+          <a:lstStyle/>
+          <a:p>
+            <a:pPr algn="ctr"/>
+            <a:r>
+              <a:rPr lang="ru-RU" sz="1500" dirty="0">
+                <a:solidFill>
+                  <a:schemeClr val="tx1"/>
+                </a:solidFill>
+                <a:latin typeface="Times New Roman" panose="02020603050405020304" pitchFamily="18" charset="0"/>
+                <a:ea typeface="Arial" panose="020B0604020202020204" pitchFamily="34" charset="0"/>
+              </a:rPr>
+              <a:t>Корреляционная матрица </a:t>
+            </a:r>
+          </a:p>
+          <a:p>
+            <a:pPr algn="ctr"/>
+            <a:r>
+              <a:rPr lang="ru-RU" sz="1500" dirty="0">
+                <a:solidFill>
+                  <a:schemeClr val="tx1"/>
+                </a:solidFill>
+                <a:latin typeface="Times New Roman" panose="02020603050405020304" pitchFamily="18" charset="0"/>
+                <a:ea typeface="Arial" panose="020B0604020202020204" pitchFamily="34" charset="0"/>
+              </a:rPr>
+              <a:t>(очищенный датасет, </a:t>
+            </a:r>
+            <a:r>
+              <a:rPr lang="en-US" sz="1500" i="1" dirty="0">
+                <a:solidFill>
+                  <a:schemeClr val="tx1"/>
+                </a:solidFill>
+                <a:latin typeface="Times New Roman" panose="02020603050405020304" pitchFamily="18" charset="0"/>
+                <a:ea typeface="Arial" panose="020B0604020202020204" pitchFamily="34" charset="0"/>
+              </a:rPr>
+              <a:t>k</a:t>
+            </a:r>
+            <a:r>
+              <a:rPr lang="en-US" sz="1500" i="1" baseline="-25000" dirty="0">
+                <a:solidFill>
+                  <a:schemeClr val="tx1"/>
+                </a:solidFill>
+                <a:latin typeface="Times New Roman" panose="02020603050405020304" pitchFamily="18" charset="0"/>
+                <a:ea typeface="Arial" panose="020B0604020202020204" pitchFamily="34" charset="0"/>
+              </a:rPr>
+              <a:t>nn</a:t>
+            </a:r>
+            <a:r>
+              <a:rPr lang="ru-RU" sz="1500" dirty="0">
+                <a:solidFill>
+                  <a:schemeClr val="tx1"/>
+                </a:solidFill>
+                <a:latin typeface="Times New Roman" panose="02020603050405020304" pitchFamily="18" charset="0"/>
+                <a:ea typeface="Arial" panose="020B0604020202020204" pitchFamily="34" charset="0"/>
+              </a:rPr>
+              <a:t> = 5)</a:t>
+            </a:r>
+            <a:endParaRPr lang="ru-RU" sz="1500" dirty="0">
+              <a:solidFill>
+                <a:schemeClr val="tx1"/>
+              </a:solidFill>
+            </a:endParaRPr>
+          </a:p>
+        </p:txBody>
+      </p:sp>
     </p:spTree>
     <p:extLst>
       <p:ext uri="{BB962C8B-B14F-4D97-AF65-F5344CB8AC3E}">
@@ -14213,8 +14632,8 @@
         </p:nvSpPr>
         <p:spPr>
           <a:xfrm>
-            <a:off x="6061165" y="3713168"/>
-            <a:ext cx="5303519" cy="523220"/>
+            <a:off x="6092341" y="3713168"/>
+            <a:ext cx="5224071" cy="523220"/>
           </a:xfrm>
           <a:prstGeom prst="rect">
             <a:avLst/>
@@ -14235,7 +14654,11 @@
                 <a:latin typeface="Times New Roman" panose="02020603050405020304" pitchFamily="18" charset="0"/>
                 <a:ea typeface="Arial" panose="020B0604020202020204" pitchFamily="34" charset="0"/>
               </a:rPr>
-              <a:t>2. Доверительный интервал для прогноза обучающих значений (</a:t>
+              <a:t>2. Доверительный интервал для расчетных значений наилучшей модели </a:t>
+            </a:r>
+            <a:r>
+              <a:rPr lang="ru-RU" dirty="0"/>
+              <a:t>– </a:t>
             </a:r>
             <a:r>
               <a:rPr lang="en-US" dirty="0">
@@ -14255,7 +14678,7 @@
                 <a:latin typeface="Times New Roman" panose="02020603050405020304" pitchFamily="18" charset="0"/>
                 <a:ea typeface="Arial" panose="020B0604020202020204" pitchFamily="34" charset="0"/>
               </a:rPr>
-              <a:t>)</a:t>
+              <a:t> (обучающая выборка)</a:t>
             </a:r>
             <a:endParaRPr lang="ru-RU" dirty="0">
               <a:solidFill>
@@ -15040,6 +15463,54 @@
           </a:prstGeom>
         </p:spPr>
       </p:pic>
+      <p:sp>
+        <p:nvSpPr>
+          <p:cNvPr id="28" name="Прямоугольник 27">
+            <a:extLst>
+              <a:ext uri="{FF2B5EF4-FFF2-40B4-BE49-F238E27FC236}">
+                <a16:creationId xmlns:a16="http://schemas.microsoft.com/office/drawing/2014/main" id="{EAF6CEB3-3E55-4B4B-9417-0AC1707C34A6}"/>
+              </a:ext>
+            </a:extLst>
+          </p:cNvPr>
+          <p:cNvSpPr/>
+          <p:nvPr/>
+        </p:nvSpPr>
+        <p:spPr>
+          <a:xfrm>
+            <a:off x="8709265" y="2992920"/>
+            <a:ext cx="522388" cy="253916"/>
+          </a:xfrm>
+          <a:prstGeom prst="rect">
+            <a:avLst/>
+          </a:prstGeom>
+          <a:solidFill>
+            <a:schemeClr val="bg1"/>
+          </a:solidFill>
+        </p:spPr>
+        <p:txBody>
+          <a:bodyPr wrap="square">
+            <a:spAutoFit/>
+          </a:bodyPr>
+          <a:lstStyle/>
+          <a:p>
+            <a:r>
+              <a:rPr lang="ru-RU" sz="1050" b="1" dirty="0">
+                <a:solidFill>
+                  <a:schemeClr val="tx1"/>
+                </a:solidFill>
+                <a:latin typeface="Arial" panose="020B0604020202020204" pitchFamily="34" charset="0"/>
+                <a:ea typeface="Arial" panose="020B0604020202020204" pitchFamily="34" charset="0"/>
+                <a:cs typeface="Arial" panose="020B0604020202020204" pitchFamily="34" charset="0"/>
+              </a:rPr>
+              <a:t>0.505</a:t>
+            </a:r>
+            <a:endParaRPr lang="ru-RU" sz="1050" b="1" dirty="0">
+              <a:latin typeface="Arial" panose="020B0604020202020204" pitchFamily="34" charset="0"/>
+              <a:cs typeface="Arial" panose="020B0604020202020204" pitchFamily="34" charset="0"/>
+            </a:endParaRPr>
+          </a:p>
+        </p:txBody>
+      </p:sp>
     </p:spTree>
     <p:extLst>
       <p:ext uri="{BB962C8B-B14F-4D97-AF65-F5344CB8AC3E}">
@@ -16421,6 +16892,106 @@
           </a:prstGeom>
         </p:spPr>
       </p:pic>
+      <p:sp>
+        <p:nvSpPr>
+          <p:cNvPr id="3" name="Прямоугольник 2">
+            <a:extLst>
+              <a:ext uri="{FF2B5EF4-FFF2-40B4-BE49-F238E27FC236}">
+                <a16:creationId xmlns:a16="http://schemas.microsoft.com/office/drawing/2014/main" id="{4E0F70C1-D97B-40D9-AF65-38B4613685FE}"/>
+              </a:ext>
+            </a:extLst>
+          </p:cNvPr>
+          <p:cNvSpPr/>
+          <p:nvPr/>
+        </p:nvSpPr>
+        <p:spPr>
+          <a:xfrm>
+            <a:off x="4862751" y="3512023"/>
+            <a:ext cx="522388" cy="253916"/>
+          </a:xfrm>
+          <a:prstGeom prst="rect">
+            <a:avLst/>
+          </a:prstGeom>
+          <a:solidFill>
+            <a:schemeClr val="bg1">
+              <a:lumMod val="95000"/>
+            </a:schemeClr>
+          </a:solidFill>
+        </p:spPr>
+        <p:txBody>
+          <a:bodyPr wrap="square">
+            <a:spAutoFit/>
+          </a:bodyPr>
+          <a:lstStyle/>
+          <a:p>
+            <a:r>
+              <a:rPr lang="ru-RU" sz="1050" b="1" dirty="0">
+                <a:solidFill>
+                  <a:schemeClr val="tx1"/>
+                </a:solidFill>
+                <a:latin typeface="Arial" panose="020B0604020202020204" pitchFamily="34" charset="0"/>
+                <a:ea typeface="Arial" panose="020B0604020202020204" pitchFamily="34" charset="0"/>
+                <a:cs typeface="Arial" panose="020B0604020202020204" pitchFamily="34" charset="0"/>
+              </a:rPr>
+              <a:t>0.010</a:t>
+            </a:r>
+            <a:endParaRPr lang="ru-RU" sz="1050" b="1" dirty="0">
+              <a:latin typeface="Arial" panose="020B0604020202020204" pitchFamily="34" charset="0"/>
+              <a:cs typeface="Arial" panose="020B0604020202020204" pitchFamily="34" charset="0"/>
+            </a:endParaRPr>
+          </a:p>
+        </p:txBody>
+      </p:sp>
+      <p:sp>
+        <p:nvSpPr>
+          <p:cNvPr id="27" name="Прямоугольник 26">
+            <a:extLst>
+              <a:ext uri="{FF2B5EF4-FFF2-40B4-BE49-F238E27FC236}">
+                <a16:creationId xmlns:a16="http://schemas.microsoft.com/office/drawing/2014/main" id="{1C2551FE-E24C-4128-9CFA-8350BB45BD05}"/>
+              </a:ext>
+            </a:extLst>
+          </p:cNvPr>
+          <p:cNvSpPr/>
+          <p:nvPr/>
+        </p:nvSpPr>
+        <p:spPr>
+          <a:xfrm>
+            <a:off x="5309999" y="6343150"/>
+            <a:ext cx="522388" cy="253916"/>
+          </a:xfrm>
+          <a:prstGeom prst="rect">
+            <a:avLst/>
+          </a:prstGeom>
+          <a:solidFill>
+            <a:schemeClr val="bg1">
+              <a:lumMod val="95000"/>
+            </a:schemeClr>
+          </a:solidFill>
+        </p:spPr>
+        <p:txBody>
+          <a:bodyPr wrap="square">
+            <a:spAutoFit/>
+          </a:bodyPr>
+          <a:lstStyle/>
+          <a:p>
+            <a:r>
+              <a:rPr lang="ru-RU" sz="1050" b="1" dirty="0">
+                <a:solidFill>
+                  <a:schemeClr val="tx1"/>
+                </a:solidFill>
+                <a:latin typeface="Arial" panose="020B0604020202020204" pitchFamily="34" charset="0"/>
+                <a:ea typeface="Arial" panose="020B0604020202020204" pitchFamily="34" charset="0"/>
+                <a:cs typeface="Arial" panose="020B0604020202020204" pitchFamily="34" charset="0"/>
+              </a:rPr>
+              <a:t>0.012</a:t>
+            </a:r>
+            <a:endParaRPr lang="ru-RU" sz="1050" b="1" dirty="0">
+              <a:latin typeface="Arial" panose="020B0604020202020204" pitchFamily="34" charset="0"/>
+              <a:cs typeface="Arial" panose="020B0604020202020204" pitchFamily="34" charset="0"/>
+            </a:endParaRPr>
+          </a:p>
+        </p:txBody>
+      </p:sp>
     </p:spTree>
     <p:extLst>
       <p:ext uri="{BB962C8B-B14F-4D97-AF65-F5344CB8AC3E}">
@@ -18122,6 +18693,106 @@
           </a:prstGeom>
         </p:spPr>
       </p:pic>
+      <p:sp>
+        <p:nvSpPr>
+          <p:cNvPr id="26" name="Прямоугольник 25">
+            <a:extLst>
+              <a:ext uri="{FF2B5EF4-FFF2-40B4-BE49-F238E27FC236}">
+                <a16:creationId xmlns:a16="http://schemas.microsoft.com/office/drawing/2014/main" id="{B51621FE-3C44-410C-8194-8C24C16196BB}"/>
+              </a:ext>
+            </a:extLst>
+          </p:cNvPr>
+          <p:cNvSpPr/>
+          <p:nvPr/>
+        </p:nvSpPr>
+        <p:spPr>
+          <a:xfrm>
+            <a:off x="3368718" y="3517633"/>
+            <a:ext cx="522388" cy="253916"/>
+          </a:xfrm>
+          <a:prstGeom prst="rect">
+            <a:avLst/>
+          </a:prstGeom>
+          <a:solidFill>
+            <a:schemeClr val="bg1">
+              <a:lumMod val="95000"/>
+            </a:schemeClr>
+          </a:solidFill>
+        </p:spPr>
+        <p:txBody>
+          <a:bodyPr wrap="square">
+            <a:spAutoFit/>
+          </a:bodyPr>
+          <a:lstStyle/>
+          <a:p>
+            <a:r>
+              <a:rPr lang="ru-RU" sz="1050" b="1" dirty="0">
+                <a:solidFill>
+                  <a:schemeClr val="tx1"/>
+                </a:solidFill>
+                <a:latin typeface="Arial" panose="020B0604020202020204" pitchFamily="34" charset="0"/>
+                <a:ea typeface="Arial" panose="020B0604020202020204" pitchFamily="34" charset="0"/>
+                <a:cs typeface="Arial" panose="020B0604020202020204" pitchFamily="34" charset="0"/>
+              </a:rPr>
+              <a:t>0.490</a:t>
+            </a:r>
+            <a:endParaRPr lang="ru-RU" sz="1050" b="1" dirty="0">
+              <a:latin typeface="Arial" panose="020B0604020202020204" pitchFamily="34" charset="0"/>
+              <a:cs typeface="Arial" panose="020B0604020202020204" pitchFamily="34" charset="0"/>
+            </a:endParaRPr>
+          </a:p>
+        </p:txBody>
+      </p:sp>
+      <p:sp>
+        <p:nvSpPr>
+          <p:cNvPr id="27" name="Прямоугольник 26">
+            <a:extLst>
+              <a:ext uri="{FF2B5EF4-FFF2-40B4-BE49-F238E27FC236}">
+                <a16:creationId xmlns:a16="http://schemas.microsoft.com/office/drawing/2014/main" id="{9D87E5EE-593A-4771-A637-0BA1C6E22594}"/>
+              </a:ext>
+            </a:extLst>
+          </p:cNvPr>
+          <p:cNvSpPr/>
+          <p:nvPr/>
+        </p:nvSpPr>
+        <p:spPr>
+          <a:xfrm>
+            <a:off x="4130718" y="6340118"/>
+            <a:ext cx="522388" cy="253916"/>
+          </a:xfrm>
+          <a:prstGeom prst="rect">
+            <a:avLst/>
+          </a:prstGeom>
+          <a:solidFill>
+            <a:schemeClr val="bg1">
+              <a:lumMod val="95000"/>
+            </a:schemeClr>
+          </a:solidFill>
+        </p:spPr>
+        <p:txBody>
+          <a:bodyPr wrap="square">
+            <a:spAutoFit/>
+          </a:bodyPr>
+          <a:lstStyle/>
+          <a:p>
+            <a:r>
+              <a:rPr lang="ru-RU" sz="1050" b="1" dirty="0">
+                <a:solidFill>
+                  <a:schemeClr val="tx1"/>
+                </a:solidFill>
+                <a:latin typeface="Arial" panose="020B0604020202020204" pitchFamily="34" charset="0"/>
+                <a:ea typeface="Arial" panose="020B0604020202020204" pitchFamily="34" charset="0"/>
+                <a:cs typeface="Arial" panose="020B0604020202020204" pitchFamily="34" charset="0"/>
+              </a:rPr>
+              <a:t>0.737</a:t>
+            </a:r>
+            <a:endParaRPr lang="ru-RU" sz="1050" b="1" dirty="0">
+              <a:latin typeface="Arial" panose="020B0604020202020204" pitchFamily="34" charset="0"/>
+              <a:cs typeface="Arial" panose="020B0604020202020204" pitchFamily="34" charset="0"/>
+            </a:endParaRPr>
+          </a:p>
+        </p:txBody>
+      </p:sp>
     </p:spTree>
     <p:extLst>
       <p:ext uri="{BB962C8B-B14F-4D97-AF65-F5344CB8AC3E}">

--- a/Для защиты ВКР/Презентация ВКР. Горшков А. В..pptx
+++ b/Для защиты ВКР/Презентация ВКР. Горшков А. В..pptx
@@ -288,7 +288,7 @@
       <p15:notesGuideLst xmlns:p15="http://schemas.microsoft.com/office/powerpoint/2012/main"/>
     </p:ext>
     <p:ext uri="http://customooxmlschemas.google.com/">
-      <go:slidesCustomData xmlns="" xmlns:mc="http://schemas.openxmlformats.org/markup-compatibility/2006" xmlns:mv="urn:schemas-microsoft-com:mac:vml" xmlns:c="http://schemas.openxmlformats.org/drawingml/2006/chart" xmlns:dgm="http://schemas.openxmlformats.org/drawingml/2006/diagram" xmlns:o="urn:schemas-microsoft-com:office:office" xmlns:v="urn:schemas-microsoft-com:vml" xmlns:pvml="urn:schemas-microsoft-com:office:powerpoint" xmlns:com="http://schemas.openxmlformats.org/drawingml/2006/compatibility" xmlns:p14="http://schemas.microsoft.com/office/powerpoint/2010/main" xmlns:p15="http://schemas.microsoft.com/office/powerpoint/2012/main" xmlns:ahyp="http://schemas.microsoft.com/office/drawing/2018/hyperlinkcolor" xmlns:go="http://customooxmlschemas.google.com/" r:id="rId25" roundtripDataSignature="AMtx7mg2fLzW2NWhC2ejww7VA5lENbgL/Q=="/>
+      <go:slidesCustomData xmlns:go="http://customooxmlschemas.google.com/" xmlns:ahyp="http://schemas.microsoft.com/office/drawing/2018/hyperlinkcolor" xmlns:p15="http://schemas.microsoft.com/office/powerpoint/2012/main" xmlns:p14="http://schemas.microsoft.com/office/powerpoint/2010/main" xmlns:com="http://schemas.openxmlformats.org/drawingml/2006/compatibility" xmlns:pvml="urn:schemas-microsoft-com:office:powerpoint" xmlns:v="urn:schemas-microsoft-com:vml" xmlns:o="urn:schemas-microsoft-com:office:office" xmlns:dgm="http://schemas.openxmlformats.org/drawingml/2006/diagram" xmlns:c="http://schemas.openxmlformats.org/drawingml/2006/chart" xmlns:mv="urn:schemas-microsoft-com:mac:vml" xmlns:mc="http://schemas.openxmlformats.org/markup-compatibility/2006" xmlns="" r:id="rId25" roundtripDataSignature="AMtx7mg2fLzW2NWhC2ejww7VA5lENbgL/Q=="/>
     </p:ext>
   </p:extLst>
 </p:presentation>
@@ -6755,8 +6755,8 @@
           </a:p>
         </p:txBody>
       </p:sp>
-      <mc:AlternateContent xmlns:mc="http://schemas.openxmlformats.org/markup-compatibility/2006">
-        <mc:Choice xmlns:a14="http://schemas.microsoft.com/office/drawing/2010/main" Requires="a14">
+      <mc:AlternateContent xmlns:mc="http://schemas.openxmlformats.org/markup-compatibility/2006" xmlns:a14="http://schemas.microsoft.com/office/drawing/2010/main">
+        <mc:Choice Requires="a14">
           <p:sp>
             <p:nvSpPr>
               <p:cNvPr id="3" name="Текст 2">
@@ -7137,7 +7137,27 @@
                     <a:latin typeface="Times New Roman" panose="02020603050405020304" pitchFamily="18" charset="0"/>
                     <a:cs typeface="Times New Roman" panose="02020603050405020304" pitchFamily="18" charset="0"/>
                   </a:rPr>
-                  <a:t> = 0,01 </a:t>
+                  <a:t> = 0,01</a:t>
+                </a:r>
+                <a:r>
+                  <a:rPr lang="en-US" sz="1750" dirty="0">
+                    <a:solidFill>
+                      <a:srgbClr val="C00000"/>
+                    </a:solidFill>
+                    <a:latin typeface="Times New Roman" panose="02020603050405020304" pitchFamily="18" charset="0"/>
+                    <a:cs typeface="Times New Roman" panose="02020603050405020304" pitchFamily="18" charset="0"/>
+                  </a:rPr>
+                  <a:t>0</a:t>
+                </a:r>
+                <a:r>
+                  <a:rPr lang="ru-RU" sz="1750" dirty="0">
+                    <a:solidFill>
+                      <a:srgbClr val="C00000"/>
+                    </a:solidFill>
+                    <a:latin typeface="Times New Roman" panose="02020603050405020304" pitchFamily="18" charset="0"/>
+                    <a:cs typeface="Times New Roman" panose="02020603050405020304" pitchFamily="18" charset="0"/>
+                  </a:rPr>
+                  <a:t> </a:t>
                 </a:r>
                 <a:r>
                   <a:rPr lang="ru-RU" sz="1750" dirty="0">
@@ -7428,7 +7448,27 @@
                     <a:latin typeface="Times New Roman" panose="02020603050405020304" pitchFamily="18" charset="0"/>
                     <a:cs typeface="Times New Roman" panose="02020603050405020304" pitchFamily="18" charset="0"/>
                   </a:rPr>
-                  <a:t> = 0,49 </a:t>
+                  <a:t> = 0,49</a:t>
+                </a:r>
+                <a:r>
+                  <a:rPr lang="en-US" sz="1750" dirty="0">
+                    <a:solidFill>
+                      <a:srgbClr val="C00000"/>
+                    </a:solidFill>
+                    <a:latin typeface="Times New Roman" panose="02020603050405020304" pitchFamily="18" charset="0"/>
+                    <a:cs typeface="Times New Roman" panose="02020603050405020304" pitchFamily="18" charset="0"/>
+                  </a:rPr>
+                  <a:t>0</a:t>
+                </a:r>
+                <a:r>
+                  <a:rPr lang="ru-RU" sz="1750" dirty="0">
+                    <a:solidFill>
+                      <a:srgbClr val="C00000"/>
+                    </a:solidFill>
+                    <a:latin typeface="Times New Roman" panose="02020603050405020304" pitchFamily="18" charset="0"/>
+                    <a:cs typeface="Times New Roman" panose="02020603050405020304" pitchFamily="18" charset="0"/>
+                  </a:rPr>
+                  <a:t> </a:t>
                 </a:r>
                 <a:r>
                   <a:rPr lang="ru-RU" sz="1750" dirty="0">
@@ -7608,7 +7648,7 @@
             </p:txBody>
           </p:sp>
         </mc:Choice>
-        <mc:Fallback>
+        <mc:Fallback xmlns="">
           <p:sp>
             <p:nvSpPr>
               <p:cNvPr id="3" name="Текст 2">
@@ -12053,7 +12093,7 @@
         </p:nvSpPr>
         <p:spPr>
           <a:xfrm>
-            <a:off x="93744" y="6434051"/>
+            <a:off x="74694" y="6434051"/>
             <a:ext cx="570309" cy="275255"/>
           </a:xfrm>
         </p:spPr>
@@ -12098,10 +12138,10 @@
         </p:nvGrpSpPr>
         <p:grpSpPr>
           <a:xfrm>
-            <a:off x="2856409" y="469293"/>
-            <a:ext cx="9161419" cy="666000"/>
-            <a:chOff x="1352312" y="3499669"/>
-            <a:chExt cx="4962544" cy="666000"/>
+            <a:off x="2856411" y="478818"/>
+            <a:ext cx="8868866" cy="666000"/>
+            <a:chOff x="1352313" y="3499669"/>
+            <a:chExt cx="4832786" cy="666000"/>
           </a:xfrm>
         </p:grpSpPr>
         <p:sp>
@@ -12118,8 +12158,8 @@
           </p:nvSpPr>
           <p:spPr>
             <a:xfrm>
-              <a:off x="1352312" y="3499669"/>
-              <a:ext cx="4962544" cy="666000"/>
+              <a:off x="1352313" y="3499669"/>
+              <a:ext cx="4832786" cy="666000"/>
             </a:xfrm>
             <a:prstGeom prst="rect">
               <a:avLst/>
@@ -12943,14 +12983,14 @@
               <a:t>и </a:t>
             </a:r>
             <a:r>
-              <a:rPr lang="en-US" sz="1250" i="1" dirty="0" err="1">
+              <a:rPr lang="en-US" sz="1250" i="1" dirty="0">
                 <a:latin typeface="Times New Roman" panose="02020603050405020304" pitchFamily="18" charset="0"/>
                 <a:cs typeface="Times New Roman" panose="02020603050405020304" pitchFamily="18" charset="0"/>
               </a:rPr>
               <a:t>x</a:t>
             </a:r>
             <a:r>
-              <a:rPr lang="en-US" sz="1250" i="1" baseline="-25000" dirty="0" err="1">
+              <a:rPr lang="en-US" sz="1250" i="1" baseline="-25000" dirty="0">
                 <a:latin typeface="Times New Roman" panose="02020603050405020304" pitchFamily="18" charset="0"/>
                 <a:cs typeface="Times New Roman" panose="02020603050405020304" pitchFamily="18" charset="0"/>
               </a:rPr>
@@ -13417,8 +13457,8 @@
           </a:prstGeom>
         </p:spPr>
       </p:pic>
-      <mc:AlternateContent xmlns:mc="http://schemas.openxmlformats.org/markup-compatibility/2006" xmlns:a14="http://schemas.microsoft.com/office/drawing/2010/main">
-        <mc:Choice Requires="a14">
+      <mc:AlternateContent xmlns:mc="http://schemas.openxmlformats.org/markup-compatibility/2006">
+        <mc:Choice xmlns:a14="http://schemas.microsoft.com/office/drawing/2010/main" Requires="a14">
           <p:sp>
             <p:nvSpPr>
               <p:cNvPr id="25" name="Прямоугольник 24">
@@ -13433,7 +13473,7 @@
             </p:nvSpPr>
             <p:spPr>
               <a:xfrm>
-                <a:off x="409309" y="5835999"/>
+                <a:off x="371209" y="5835999"/>
                 <a:ext cx="11773984" cy="867353"/>
               </a:xfrm>
               <a:prstGeom prst="rect">
@@ -13457,7 +13497,7 @@
                     <a:ea typeface="Arial" panose="020B0604020202020204" pitchFamily="34" charset="0"/>
                     <a:cs typeface="Times New Roman" panose="02020603050405020304" pitchFamily="18" charset="0"/>
                   </a:rPr>
-                  <a:t>                                         Применение аналитического коэффициента детерминации </a:t>
+                  <a:t>                                           Применение аналитического коэффициента детерминации </a:t>
                 </a:r>
                 <a14:m>
                   <m:oMath xmlns:m="http://schemas.openxmlformats.org/officeDocument/2006/math">
@@ -13535,7 +13575,31 @@
                     <a:ea typeface="Arial" panose="020B0604020202020204" pitchFamily="34" charset="0"/>
                     <a:cs typeface="Times New Roman" panose="02020603050405020304" pitchFamily="18" charset="0"/>
                   </a:rPr>
-                  <a:t>1. Для оценки </a:t>
+                  <a:t>1. Для </a:t>
+                </a:r>
+                <a:r>
+                  <a:rPr lang="ru-RU" sz="1600" dirty="0">
+                    <a:solidFill>
+                      <a:srgbClr val="C00000"/>
+                    </a:solidFill>
+                    <a:latin typeface="Times New Roman" panose="02020603050405020304" pitchFamily="18" charset="0"/>
+                    <a:ea typeface="Arial" panose="020B0604020202020204" pitchFamily="34" charset="0"/>
+                    <a:cs typeface="Times New Roman" panose="02020603050405020304" pitchFamily="18" charset="0"/>
+                  </a:rPr>
+                  <a:t>оценки</a:t>
+                </a:r>
+                <a:r>
+                  <a:rPr lang="ru-RU" sz="1600" dirty="0">
+                    <a:solidFill>
+                      <a:schemeClr val="accent1">
+                        <a:lumMod val="75000"/>
+                      </a:schemeClr>
+                    </a:solidFill>
+                    <a:latin typeface="Times New Roman" panose="02020603050405020304" pitchFamily="18" charset="0"/>
+                    <a:ea typeface="Arial" panose="020B0604020202020204" pitchFamily="34" charset="0"/>
+                    <a:cs typeface="Times New Roman" panose="02020603050405020304" pitchFamily="18" charset="0"/>
+                  </a:rPr>
+                  <a:t> </a:t>
                 </a:r>
                 <a:r>
                   <a:rPr lang="ru-RU" sz="1600" dirty="0">
@@ -13571,7 +13635,17 @@
                     <a:latin typeface="Times New Roman" panose="02020603050405020304" pitchFamily="18" charset="0"/>
                     <a:cs typeface="Times New Roman" panose="02020603050405020304" pitchFamily="18" charset="0"/>
                   </a:rPr>
-                  <a:t>константной модели с обобщающей способностью </a:t>
+                  <a:t>константной модели </a:t>
+                </a:r>
+                <a:r>
+                  <a:rPr lang="ru-RU" sz="1600" dirty="0">
+                    <a:solidFill>
+                      <a:srgbClr val="C00000"/>
+                    </a:solidFill>
+                    <a:latin typeface="Times New Roman" panose="02020603050405020304" pitchFamily="18" charset="0"/>
+                    <a:cs typeface="Times New Roman" panose="02020603050405020304" pitchFamily="18" charset="0"/>
+                  </a:rPr>
+                  <a:t>с обобщающей способностью </a:t>
                 </a:r>
                 <a:r>
                   <a:rPr lang="ru-RU" sz="1600" dirty="0">
@@ -13621,7 +13695,7 @@
                     <a:latin typeface="Times New Roman" panose="02020603050405020304" pitchFamily="18" charset="0"/>
                     <a:cs typeface="Times New Roman" panose="02020603050405020304" pitchFamily="18" charset="0"/>
                   </a:rPr>
-                  <a:t>предотвращения пере- и недообучения </a:t>
+                  <a:t>предотвращения пере-  и недообучения </a:t>
                 </a:r>
                 <a:r>
                   <a:rPr lang="ru-RU" sz="1600" dirty="0">
@@ -13661,7 +13735,7 @@
             </p:txBody>
           </p:sp>
         </mc:Choice>
-        <mc:Fallback xmlns="">
+        <mc:Fallback>
           <p:sp>
             <p:nvSpPr>
               <p:cNvPr id="25" name="Прямоугольник 24">
@@ -13678,7 +13752,7 @@
             </p:nvSpPr>
             <p:spPr>
               <a:xfrm>
-                <a:off x="409309" y="5835999"/>
+                <a:off x="371209" y="5835999"/>
                 <a:ext cx="11773984" cy="867353"/>
               </a:xfrm>
               <a:prstGeom prst="rect">
@@ -13687,7 +13761,7 @@
               <a:blipFill>
                 <a:blip r:embed="rId7"/>
                 <a:stretch>
-                  <a:fillRect l="-259" t="-1399" r="-104" b="-4196"/>
+                  <a:fillRect l="-311" t="-1399" r="-104" b="-4196"/>
                 </a:stretch>
               </a:blipFill>
             </p:spPr>
@@ -13978,7 +14052,7 @@
           <a:lstStyle/>
           <a:p>
             <a:pPr algn="ctr"/>
-            <a:endParaRPr lang="ru-RU"/>
+            <a:endParaRPr lang="ru-RU" dirty="0"/>
           </a:p>
         </p:txBody>
       </p:sp>
@@ -14610,6 +14684,26 @@
               </a:rPr>
               <a:t>1. Метрики различных моделей</a:t>
             </a:r>
+            <a:r>
+              <a:rPr lang="en-US" dirty="0">
+                <a:solidFill>
+                  <a:schemeClr val="tx1"/>
+                </a:solidFill>
+                <a:latin typeface="Times New Roman" panose="02020603050405020304" pitchFamily="18" charset="0"/>
+                <a:ea typeface="Arial" panose="020B0604020202020204" pitchFamily="34" charset="0"/>
+              </a:rPr>
+              <a:t> </a:t>
+            </a:r>
+            <a:r>
+              <a:rPr lang="ru-RU" dirty="0">
+                <a:solidFill>
+                  <a:schemeClr val="tx1"/>
+                </a:solidFill>
+                <a:latin typeface="Times New Roman" panose="02020603050405020304" pitchFamily="18" charset="0"/>
+                <a:ea typeface="Arial" panose="020B0604020202020204" pitchFamily="34" charset="0"/>
+              </a:rPr>
+              <a:t>регрессоров</a:t>
+            </a:r>
             <a:endParaRPr lang="ru-RU" dirty="0">
               <a:solidFill>
                 <a:schemeClr val="tx1"/>
@@ -16123,7 +16217,7 @@
                 <a:latin typeface="Times New Roman" panose="02020603050405020304" pitchFamily="18" charset="0"/>
                 <a:ea typeface="Arial" panose="020B0604020202020204" pitchFamily="34" charset="0"/>
               </a:rPr>
-              <a:t>1. Метрики различных моделей</a:t>
+              <a:t>Метрики различных моделей регрессоров</a:t>
             </a:r>
             <a:endParaRPr lang="ru-RU" dirty="0">
               <a:solidFill>
@@ -16372,27 +16466,7 @@
                 <a:latin typeface="Times New Roman" panose="02020603050405020304" pitchFamily="18" charset="0"/>
                 <a:ea typeface="Arial" panose="020B0604020202020204" pitchFamily="34" charset="0"/>
               </a:rPr>
-              <a:t>1. Метрики </a:t>
-            </a:r>
-            <a:r>
-              <a:rPr lang="ru-RU" dirty="0" err="1">
-                <a:solidFill>
-                  <a:schemeClr val="tx1"/>
-                </a:solidFill>
-                <a:latin typeface="Times New Roman" panose="02020603050405020304" pitchFamily="18" charset="0"/>
-                <a:ea typeface="Arial" panose="020B0604020202020204" pitchFamily="34" charset="0"/>
-              </a:rPr>
-              <a:t>полносвязной</a:t>
-            </a:r>
-            <a:r>
-              <a:rPr lang="ru-RU" dirty="0">
-                <a:solidFill>
-                  <a:schemeClr val="tx1"/>
-                </a:solidFill>
-                <a:latin typeface="Times New Roman" panose="02020603050405020304" pitchFamily="18" charset="0"/>
-                <a:ea typeface="Arial" panose="020B0604020202020204" pitchFamily="34" charset="0"/>
-              </a:rPr>
-              <a:t> нейронной сети</a:t>
+              <a:t>1. Метрики модели полносвязной нейронной сети</a:t>
             </a:r>
           </a:p>
           <a:p>
@@ -16702,7 +16776,7 @@
                 <a:latin typeface="Times New Roman" panose="02020603050405020304" pitchFamily="18" charset="0"/>
                 <a:ea typeface="Arial" panose="020B0604020202020204" pitchFamily="34" charset="0"/>
               </a:rPr>
-              <a:t>1. Метрики различных моделей</a:t>
+              <a:t>Метрики различных моделей регрессоров</a:t>
             </a:r>
             <a:endParaRPr lang="ru-RU" dirty="0">
               <a:solidFill>
@@ -17214,7 +17288,7 @@
                 <a:latin typeface="Times New Roman" panose="02020603050405020304" pitchFamily="18" charset="0"/>
                 <a:ea typeface="Arial" panose="020B0604020202020204" pitchFamily="34" charset="0"/>
               </a:rPr>
-              <a:t>1. Метрики различных моделей</a:t>
+              <a:t>Метрики различных моделей регрессоров</a:t>
             </a:r>
             <a:endParaRPr lang="ru-RU" dirty="0">
               <a:solidFill>
@@ -17973,27 +18047,7 @@
                 <a:latin typeface="Times New Roman" panose="02020603050405020304" pitchFamily="18" charset="0"/>
                 <a:ea typeface="Arial" panose="020B0604020202020204" pitchFamily="34" charset="0"/>
               </a:rPr>
-              <a:t>1. Метрики </a:t>
-            </a:r>
-            <a:r>
-              <a:rPr lang="ru-RU" dirty="0" err="1">
-                <a:solidFill>
-                  <a:schemeClr val="tx1"/>
-                </a:solidFill>
-                <a:latin typeface="Times New Roman" panose="02020603050405020304" pitchFamily="18" charset="0"/>
-                <a:ea typeface="Arial" panose="020B0604020202020204" pitchFamily="34" charset="0"/>
-              </a:rPr>
-              <a:t>полносвязной</a:t>
-            </a:r>
-            <a:r>
-              <a:rPr lang="ru-RU" dirty="0">
-                <a:solidFill>
-                  <a:schemeClr val="tx1"/>
-                </a:solidFill>
-                <a:latin typeface="Times New Roman" panose="02020603050405020304" pitchFamily="18" charset="0"/>
-                <a:ea typeface="Arial" panose="020B0604020202020204" pitchFamily="34" charset="0"/>
-              </a:rPr>
-              <a:t> нейронной сети</a:t>
+              <a:t>1. Метрики модели полносвязной нейронной сети</a:t>
             </a:r>
           </a:p>
           <a:p>
@@ -18503,7 +18557,7 @@
                 <a:latin typeface="Times New Roman" panose="02020603050405020304" pitchFamily="18" charset="0"/>
                 <a:ea typeface="Arial" panose="020B0604020202020204" pitchFamily="34" charset="0"/>
               </a:rPr>
-              <a:t>1. Метрики различных моделей</a:t>
+              <a:t>Метрики различных моделей регрессоров</a:t>
             </a:r>
             <a:endParaRPr lang="ru-RU" dirty="0">
               <a:solidFill>

--- a/Для защиты ВКР/Презентация ВКР. Горшков А. В..pptx
+++ b/Для защиты ВКР/Презентация ВКР. Горшков А. В..pptx
@@ -11,9 +11,9 @@
     <p:sldId id="256" r:id="rId2"/>
     <p:sldId id="271" r:id="rId3"/>
     <p:sldId id="261" r:id="rId4"/>
-    <p:sldId id="272" r:id="rId5"/>
-    <p:sldId id="269" r:id="rId6"/>
-    <p:sldId id="276" r:id="rId7"/>
+    <p:sldId id="276" r:id="rId5"/>
+    <p:sldId id="272" r:id="rId6"/>
+    <p:sldId id="269" r:id="rId7"/>
     <p:sldId id="273" r:id="rId8"/>
     <p:sldId id="274" r:id="rId9"/>
     <p:sldId id="275" r:id="rId10"/>
@@ -288,7 +288,7 @@
       <p15:notesGuideLst xmlns:p15="http://schemas.microsoft.com/office/powerpoint/2012/main"/>
     </p:ext>
     <p:ext uri="http://customooxmlschemas.google.com/">
-      <go:slidesCustomData xmlns:go="http://customooxmlschemas.google.com/" xmlns:ahyp="http://schemas.microsoft.com/office/drawing/2018/hyperlinkcolor" xmlns:p15="http://schemas.microsoft.com/office/powerpoint/2012/main" xmlns:p14="http://schemas.microsoft.com/office/powerpoint/2010/main" xmlns:com="http://schemas.openxmlformats.org/drawingml/2006/compatibility" xmlns:pvml="urn:schemas-microsoft-com:office:powerpoint" xmlns:v="urn:schemas-microsoft-com:vml" xmlns:o="urn:schemas-microsoft-com:office:office" xmlns:dgm="http://schemas.openxmlformats.org/drawingml/2006/diagram" xmlns:c="http://schemas.openxmlformats.org/drawingml/2006/chart" xmlns:mv="urn:schemas-microsoft-com:mac:vml" xmlns:mc="http://schemas.openxmlformats.org/markup-compatibility/2006" xmlns="" r:id="rId25" roundtripDataSignature="AMtx7mg2fLzW2NWhC2ejww7VA5lENbgL/Q=="/>
+      <go:slidesCustomData xmlns="" xmlns:mc="http://schemas.openxmlformats.org/markup-compatibility/2006" xmlns:mv="urn:schemas-microsoft-com:mac:vml" xmlns:c="http://schemas.openxmlformats.org/drawingml/2006/chart" xmlns:dgm="http://schemas.openxmlformats.org/drawingml/2006/diagram" xmlns:o="urn:schemas-microsoft-com:office:office" xmlns:v="urn:schemas-microsoft-com:vml" xmlns:pvml="urn:schemas-microsoft-com:office:powerpoint" xmlns:com="http://schemas.openxmlformats.org/drawingml/2006/compatibility" xmlns:p14="http://schemas.microsoft.com/office/powerpoint/2010/main" xmlns:p15="http://schemas.microsoft.com/office/powerpoint/2012/main" xmlns:ahyp="http://schemas.microsoft.com/office/drawing/2018/hyperlinkcolor" xmlns:go="http://customooxmlschemas.google.com/" r:id="rId25" roundtripDataSignature="AMtx7mg2fLzW2NWhC2ejww7VA5lENbgL/Q=="/>
     </p:ext>
   </p:extLst>
 </p:presentation>
@@ -9865,2166 +9865,6 @@
       </p:grpSpPr>
       <p:sp>
         <p:nvSpPr>
-          <p:cNvPr id="41" name="Прямоугольник 40">
-            <a:extLst>
-              <a:ext uri="{FF2B5EF4-FFF2-40B4-BE49-F238E27FC236}">
-                <a16:creationId xmlns:a16="http://schemas.microsoft.com/office/drawing/2014/main" id="{FBD290E7-1BB2-4A31-BB4F-8BF4377A1C02}"/>
-              </a:ext>
-            </a:extLst>
-          </p:cNvPr>
-          <p:cNvSpPr/>
-          <p:nvPr/>
-        </p:nvSpPr>
-        <p:spPr>
-          <a:xfrm>
-            <a:off x="1358545" y="1920127"/>
-            <a:ext cx="4018871" cy="2972447"/>
-          </a:xfrm>
-          <a:prstGeom prst="rect">
-            <a:avLst/>
-          </a:prstGeom>
-          <a:solidFill>
-            <a:schemeClr val="bg1">
-              <a:lumMod val="95000"/>
-            </a:schemeClr>
-          </a:solidFill>
-          <a:ln w="3175"/>
-        </p:spPr>
-        <p:style>
-          <a:lnRef idx="2">
-            <a:schemeClr val="accent6">
-              <a:shade val="50000"/>
-            </a:schemeClr>
-          </a:lnRef>
-          <a:fillRef idx="1">
-            <a:schemeClr val="accent6"/>
-          </a:fillRef>
-          <a:effectRef idx="0">
-            <a:schemeClr val="accent6"/>
-          </a:effectRef>
-          <a:fontRef idx="minor">
-            <a:schemeClr val="lt1"/>
-          </a:fontRef>
-        </p:style>
-        <p:txBody>
-          <a:bodyPr rtlCol="0" anchor="ctr"/>
-          <a:lstStyle/>
-          <a:p>
-            <a:pPr algn="ctr"/>
-            <a:endParaRPr lang="ru-RU"/>
-          </a:p>
-        </p:txBody>
-      </p:sp>
-      <p:sp>
-        <p:nvSpPr>
-          <p:cNvPr id="34" name="Прямоугольник 33">
-            <a:extLst>
-              <a:ext uri="{FF2B5EF4-FFF2-40B4-BE49-F238E27FC236}">
-                <a16:creationId xmlns:a16="http://schemas.microsoft.com/office/drawing/2014/main" id="{10E54A0B-A97E-4EA1-8C0B-D58497B01CD3}"/>
-              </a:ext>
-            </a:extLst>
-          </p:cNvPr>
-          <p:cNvSpPr/>
-          <p:nvPr/>
-        </p:nvSpPr>
-        <p:spPr>
-          <a:xfrm>
-            <a:off x="6817442" y="1923410"/>
-            <a:ext cx="4018871" cy="2972447"/>
-          </a:xfrm>
-          <a:prstGeom prst="rect">
-            <a:avLst/>
-          </a:prstGeom>
-          <a:solidFill>
-            <a:schemeClr val="bg1">
-              <a:lumMod val="95000"/>
-            </a:schemeClr>
-          </a:solidFill>
-          <a:ln w="3175"/>
-        </p:spPr>
-        <p:style>
-          <a:lnRef idx="2">
-            <a:schemeClr val="accent6">
-              <a:shade val="50000"/>
-            </a:schemeClr>
-          </a:lnRef>
-          <a:fillRef idx="1">
-            <a:schemeClr val="accent6"/>
-          </a:fillRef>
-          <a:effectRef idx="0">
-            <a:schemeClr val="accent6"/>
-          </a:effectRef>
-          <a:fontRef idx="minor">
-            <a:schemeClr val="lt1"/>
-          </a:fontRef>
-        </p:style>
-        <p:txBody>
-          <a:bodyPr rtlCol="0" anchor="ctr"/>
-          <a:lstStyle/>
-          <a:p>
-            <a:pPr algn="ctr"/>
-            <a:endParaRPr lang="ru-RU"/>
-          </a:p>
-        </p:txBody>
-      </p:sp>
-      <p:sp>
-        <p:nvSpPr>
-          <p:cNvPr id="8" name="Номер слайда 3">
-            <a:extLst>
-              <a:ext uri="{FF2B5EF4-FFF2-40B4-BE49-F238E27FC236}">
-                <a16:creationId xmlns:a16="http://schemas.microsoft.com/office/drawing/2014/main" id="{542A9EF0-C372-49E0-A6DB-C1F10C19AABF}"/>
-              </a:ext>
-            </a:extLst>
-          </p:cNvPr>
-          <p:cNvSpPr>
-            <a:spLocks noGrp="1"/>
-          </p:cNvSpPr>
-          <p:nvPr>
-            <p:ph type="sldNum" idx="12"/>
-          </p:nvPr>
-        </p:nvSpPr>
-        <p:spPr>
-          <a:xfrm>
-            <a:off x="216478" y="6434051"/>
-            <a:ext cx="570309" cy="275255"/>
-          </a:xfrm>
-        </p:spPr>
-        <p:txBody>
-          <a:bodyPr/>
-          <a:lstStyle/>
-          <a:p>
-            <a:pPr marL="0" lvl="0" indent="0" algn="l" rtl="0">
-              <a:spcBef>
-                <a:spcPts val="0"/>
-              </a:spcBef>
-              <a:spcAft>
-                <a:spcPts val="0"/>
-              </a:spcAft>
-              <a:buNone/>
-            </a:pPr>
-            <a:fld id="{00000000-1234-1234-1234-123412341234}" type="slidenum">
-              <a:rPr lang="ru-RU" smtClean="0">
-                <a:latin typeface="Times New Roman" panose="02020603050405020304" pitchFamily="18" charset="0"/>
-                <a:cs typeface="Times New Roman" panose="02020603050405020304" pitchFamily="18" charset="0"/>
-              </a:rPr>
-              <a:t>4</a:t>
-            </a:fld>
-            <a:endParaRPr lang="ru-RU" dirty="0">
-              <a:latin typeface="Times New Roman" panose="02020603050405020304" pitchFamily="18" charset="0"/>
-              <a:cs typeface="Times New Roman" panose="02020603050405020304" pitchFamily="18" charset="0"/>
-            </a:endParaRPr>
-          </a:p>
-        </p:txBody>
-      </p:sp>
-      <p:grpSp>
-        <p:nvGrpSpPr>
-          <p:cNvPr id="19" name="Группа 18">
-            <a:extLst>
-              <a:ext uri="{FF2B5EF4-FFF2-40B4-BE49-F238E27FC236}">
-                <a16:creationId xmlns:a16="http://schemas.microsoft.com/office/drawing/2014/main" id="{68AC1BDB-9797-4A12-B4FC-ED5D4C2B9CD1}"/>
-              </a:ext>
-            </a:extLst>
-          </p:cNvPr>
-          <p:cNvGrpSpPr/>
-          <p:nvPr/>
-        </p:nvGrpSpPr>
-        <p:grpSpPr>
-          <a:xfrm>
-            <a:off x="4299723" y="504127"/>
-            <a:ext cx="3835398" cy="666000"/>
-            <a:chOff x="1476753" y="3499669"/>
-            <a:chExt cx="4619247" cy="666000"/>
-          </a:xfrm>
-        </p:grpSpPr>
-        <p:sp>
-          <p:nvSpPr>
-            <p:cNvPr id="20" name="Прямоугольник 19">
-              <a:extLst>
-                <a:ext uri="{FF2B5EF4-FFF2-40B4-BE49-F238E27FC236}">
-                  <a16:creationId xmlns:a16="http://schemas.microsoft.com/office/drawing/2014/main" id="{89C13AD3-6AFD-447D-B4AF-345F80DAE2DD}"/>
-                </a:ext>
-              </a:extLst>
-            </p:cNvPr>
-            <p:cNvSpPr/>
-            <p:nvPr/>
-          </p:nvSpPr>
-          <p:spPr>
-            <a:xfrm>
-              <a:off x="1476753" y="3499669"/>
-              <a:ext cx="4619247" cy="666000"/>
-            </a:xfrm>
-            <a:prstGeom prst="rect">
-              <a:avLst/>
-            </a:prstGeom>
-            <a:solidFill>
-              <a:schemeClr val="bg1"/>
-            </a:solidFill>
-            <a:ln>
-              <a:solidFill>
-                <a:schemeClr val="bg1"/>
-              </a:solidFill>
-            </a:ln>
-          </p:spPr>
-          <p:style>
-            <a:lnRef idx="2">
-              <a:schemeClr val="accent1">
-                <a:shade val="50000"/>
-              </a:schemeClr>
-            </a:lnRef>
-            <a:fillRef idx="1">
-              <a:schemeClr val="accent1"/>
-            </a:fillRef>
-            <a:effectRef idx="0">
-              <a:schemeClr val="accent1"/>
-            </a:effectRef>
-            <a:fontRef idx="minor">
-              <a:schemeClr val="lt1"/>
-            </a:fontRef>
-          </p:style>
-          <p:txBody>
-            <a:bodyPr rtlCol="0" anchor="ctr"/>
-            <a:lstStyle/>
-            <a:p>
-              <a:pPr algn="ctr"/>
-              <a:r>
-                <a:rPr lang="ru-RU" sz="2800" spc="180" dirty="0">
-                  <a:ln>
-                    <a:solidFill>
-                      <a:srgbClr val="065CAB"/>
-                    </a:solidFill>
-                  </a:ln>
-                  <a:solidFill>
-                    <a:srgbClr val="065CAB"/>
-                  </a:solidFill>
-                  <a:latin typeface="Times New Roman" panose="02020603050405020304" pitchFamily="18" charset="0"/>
-                  <a:cs typeface="Times New Roman" panose="02020603050405020304" pitchFamily="18" charset="0"/>
-                </a:rPr>
-                <a:t>Фильтрация шума</a:t>
-              </a:r>
-              <a:endParaRPr lang="ru-RU" sz="2800" spc="180" dirty="0">
-                <a:latin typeface="Times New Roman" panose="02020603050405020304" pitchFamily="18" charset="0"/>
-                <a:cs typeface="Times New Roman" panose="02020603050405020304" pitchFamily="18" charset="0"/>
-              </a:endParaRPr>
-            </a:p>
-          </p:txBody>
-        </p:sp>
-        <p:sp>
-          <p:nvSpPr>
-            <p:cNvPr id="22" name="Прямоугольник 58">
-              <a:extLst>
-                <a:ext uri="{FF2B5EF4-FFF2-40B4-BE49-F238E27FC236}">
-                  <a16:creationId xmlns:a16="http://schemas.microsoft.com/office/drawing/2014/main" id="{6B9297EB-1310-4C5F-A390-8C10AE4D1F31}"/>
-                </a:ext>
-              </a:extLst>
-            </p:cNvPr>
-            <p:cNvSpPr/>
-            <p:nvPr/>
-          </p:nvSpPr>
-          <p:spPr>
-            <a:xfrm rot="10800000" flipH="1">
-              <a:off x="1476754" y="3499669"/>
-              <a:ext cx="76579" cy="666000"/>
-            </a:xfrm>
-            <a:custGeom>
-              <a:avLst/>
-              <a:gdLst>
-                <a:gd name="connsiteX0" fmla="*/ 0 w 424732"/>
-                <a:gd name="connsiteY0" fmla="*/ 0 h 424732"/>
-                <a:gd name="connsiteX1" fmla="*/ 424732 w 424732"/>
-                <a:gd name="connsiteY1" fmla="*/ 0 h 424732"/>
-                <a:gd name="connsiteX2" fmla="*/ 424732 w 424732"/>
-                <a:gd name="connsiteY2" fmla="*/ 424732 h 424732"/>
-                <a:gd name="connsiteX3" fmla="*/ 0 w 424732"/>
-                <a:gd name="connsiteY3" fmla="*/ 424732 h 424732"/>
-                <a:gd name="connsiteX4" fmla="*/ 0 w 424732"/>
-                <a:gd name="connsiteY4" fmla="*/ 0 h 424732"/>
-                <a:gd name="connsiteX0" fmla="*/ 0 w 425450"/>
-                <a:gd name="connsiteY0" fmla="*/ 0 h 424732"/>
-                <a:gd name="connsiteX1" fmla="*/ 424732 w 425450"/>
-                <a:gd name="connsiteY1" fmla="*/ 0 h 424732"/>
-                <a:gd name="connsiteX2" fmla="*/ 425450 w 425450"/>
-                <a:gd name="connsiteY2" fmla="*/ 238890 h 424732"/>
-                <a:gd name="connsiteX3" fmla="*/ 424732 w 425450"/>
-                <a:gd name="connsiteY3" fmla="*/ 424732 h 424732"/>
-                <a:gd name="connsiteX4" fmla="*/ 0 w 425450"/>
-                <a:gd name="connsiteY4" fmla="*/ 424732 h 424732"/>
-                <a:gd name="connsiteX5" fmla="*/ 0 w 425450"/>
-                <a:gd name="connsiteY5" fmla="*/ 0 h 424732"/>
-                <a:gd name="connsiteX0" fmla="*/ 425450 w 516890"/>
-                <a:gd name="connsiteY0" fmla="*/ 238890 h 424732"/>
-                <a:gd name="connsiteX1" fmla="*/ 424732 w 516890"/>
-                <a:gd name="connsiteY1" fmla="*/ 424732 h 424732"/>
-                <a:gd name="connsiteX2" fmla="*/ 0 w 516890"/>
-                <a:gd name="connsiteY2" fmla="*/ 424732 h 424732"/>
-                <a:gd name="connsiteX3" fmla="*/ 0 w 516890"/>
-                <a:gd name="connsiteY3" fmla="*/ 0 h 424732"/>
-                <a:gd name="connsiteX4" fmla="*/ 424732 w 516890"/>
-                <a:gd name="connsiteY4" fmla="*/ 0 h 424732"/>
-                <a:gd name="connsiteX5" fmla="*/ 516890 w 516890"/>
-                <a:gd name="connsiteY5" fmla="*/ 330330 h 424732"/>
-                <a:gd name="connsiteX0" fmla="*/ 424732 w 516890"/>
-                <a:gd name="connsiteY0" fmla="*/ 424732 h 424732"/>
-                <a:gd name="connsiteX1" fmla="*/ 0 w 516890"/>
-                <a:gd name="connsiteY1" fmla="*/ 424732 h 424732"/>
-                <a:gd name="connsiteX2" fmla="*/ 0 w 516890"/>
-                <a:gd name="connsiteY2" fmla="*/ 0 h 424732"/>
-                <a:gd name="connsiteX3" fmla="*/ 424732 w 516890"/>
-                <a:gd name="connsiteY3" fmla="*/ 0 h 424732"/>
-                <a:gd name="connsiteX4" fmla="*/ 516890 w 516890"/>
-                <a:gd name="connsiteY4" fmla="*/ 330330 h 424732"/>
-                <a:gd name="connsiteX0" fmla="*/ 424732 w 424732"/>
-                <a:gd name="connsiteY0" fmla="*/ 424732 h 424732"/>
-                <a:gd name="connsiteX1" fmla="*/ 0 w 424732"/>
-                <a:gd name="connsiteY1" fmla="*/ 424732 h 424732"/>
-                <a:gd name="connsiteX2" fmla="*/ 0 w 424732"/>
-                <a:gd name="connsiteY2" fmla="*/ 0 h 424732"/>
-                <a:gd name="connsiteX3" fmla="*/ 424732 w 424732"/>
-                <a:gd name="connsiteY3" fmla="*/ 0 h 424732"/>
-              </a:gdLst>
-              <a:ahLst/>
-              <a:cxnLst>
-                <a:cxn ang="0">
-                  <a:pos x="connsiteX0" y="connsiteY0"/>
-                </a:cxn>
-                <a:cxn ang="0">
-                  <a:pos x="connsiteX1" y="connsiteY1"/>
-                </a:cxn>
-                <a:cxn ang="0">
-                  <a:pos x="connsiteX2" y="connsiteY2"/>
-                </a:cxn>
-                <a:cxn ang="0">
-                  <a:pos x="connsiteX3" y="connsiteY3"/>
-                </a:cxn>
-              </a:cxnLst>
-              <a:rect l="l" t="t" r="r" b="b"/>
-              <a:pathLst>
-                <a:path w="424732" h="424732">
-                  <a:moveTo>
-                    <a:pt x="424732" y="424732"/>
-                  </a:moveTo>
-                  <a:lnTo>
-                    <a:pt x="0" y="424732"/>
-                  </a:lnTo>
-                  <a:lnTo>
-                    <a:pt x="0" y="0"/>
-                  </a:lnTo>
-                  <a:lnTo>
-                    <a:pt x="424732" y="0"/>
-                  </a:lnTo>
-                </a:path>
-              </a:pathLst>
-            </a:custGeom>
-            <a:ln w="16510">
-              <a:solidFill>
-                <a:srgbClr val="065CAB"/>
-              </a:solidFill>
-            </a:ln>
-          </p:spPr>
-          <p:style>
-            <a:lnRef idx="1">
-              <a:schemeClr val="accent1"/>
-            </a:lnRef>
-            <a:fillRef idx="0">
-              <a:schemeClr val="accent1"/>
-            </a:fillRef>
-            <a:effectRef idx="0">
-              <a:schemeClr val="accent1"/>
-            </a:effectRef>
-            <a:fontRef idx="minor">
-              <a:schemeClr val="tx1"/>
-            </a:fontRef>
-          </p:style>
-          <p:txBody>
-            <a:bodyPr rtlCol="0" anchor="ctr"/>
-            <a:lstStyle/>
-            <a:p>
-              <a:pPr algn="ctr"/>
-              <a:endParaRPr lang="ru-RU" dirty="0">
-                <a:latin typeface="ALS Sector Regular" panose="02000000000000000000" pitchFamily="2" charset="0"/>
-              </a:endParaRPr>
-            </a:p>
-          </p:txBody>
-        </p:sp>
-        <p:sp>
-          <p:nvSpPr>
-            <p:cNvPr id="23" name="Прямоугольник 58">
-              <a:extLst>
-                <a:ext uri="{FF2B5EF4-FFF2-40B4-BE49-F238E27FC236}">
-                  <a16:creationId xmlns:a16="http://schemas.microsoft.com/office/drawing/2014/main" id="{2A56CCB7-652F-4E87-98F1-EB2990DFF5AA}"/>
-                </a:ext>
-              </a:extLst>
-            </p:cNvPr>
-            <p:cNvSpPr>
-              <a:spLocks noChangeAspect="1"/>
-            </p:cNvSpPr>
-            <p:nvPr/>
-          </p:nvSpPr>
-          <p:spPr>
-            <a:xfrm flipH="1">
-              <a:off x="6005951" y="3499669"/>
-              <a:ext cx="90049" cy="666000"/>
-            </a:xfrm>
-            <a:custGeom>
-              <a:avLst/>
-              <a:gdLst>
-                <a:gd name="connsiteX0" fmla="*/ 0 w 424732"/>
-                <a:gd name="connsiteY0" fmla="*/ 0 h 424732"/>
-                <a:gd name="connsiteX1" fmla="*/ 424732 w 424732"/>
-                <a:gd name="connsiteY1" fmla="*/ 0 h 424732"/>
-                <a:gd name="connsiteX2" fmla="*/ 424732 w 424732"/>
-                <a:gd name="connsiteY2" fmla="*/ 424732 h 424732"/>
-                <a:gd name="connsiteX3" fmla="*/ 0 w 424732"/>
-                <a:gd name="connsiteY3" fmla="*/ 424732 h 424732"/>
-                <a:gd name="connsiteX4" fmla="*/ 0 w 424732"/>
-                <a:gd name="connsiteY4" fmla="*/ 0 h 424732"/>
-                <a:gd name="connsiteX0" fmla="*/ 0 w 425450"/>
-                <a:gd name="connsiteY0" fmla="*/ 0 h 424732"/>
-                <a:gd name="connsiteX1" fmla="*/ 424732 w 425450"/>
-                <a:gd name="connsiteY1" fmla="*/ 0 h 424732"/>
-                <a:gd name="connsiteX2" fmla="*/ 425450 w 425450"/>
-                <a:gd name="connsiteY2" fmla="*/ 238890 h 424732"/>
-                <a:gd name="connsiteX3" fmla="*/ 424732 w 425450"/>
-                <a:gd name="connsiteY3" fmla="*/ 424732 h 424732"/>
-                <a:gd name="connsiteX4" fmla="*/ 0 w 425450"/>
-                <a:gd name="connsiteY4" fmla="*/ 424732 h 424732"/>
-                <a:gd name="connsiteX5" fmla="*/ 0 w 425450"/>
-                <a:gd name="connsiteY5" fmla="*/ 0 h 424732"/>
-                <a:gd name="connsiteX0" fmla="*/ 425450 w 516890"/>
-                <a:gd name="connsiteY0" fmla="*/ 238890 h 424732"/>
-                <a:gd name="connsiteX1" fmla="*/ 424732 w 516890"/>
-                <a:gd name="connsiteY1" fmla="*/ 424732 h 424732"/>
-                <a:gd name="connsiteX2" fmla="*/ 0 w 516890"/>
-                <a:gd name="connsiteY2" fmla="*/ 424732 h 424732"/>
-                <a:gd name="connsiteX3" fmla="*/ 0 w 516890"/>
-                <a:gd name="connsiteY3" fmla="*/ 0 h 424732"/>
-                <a:gd name="connsiteX4" fmla="*/ 424732 w 516890"/>
-                <a:gd name="connsiteY4" fmla="*/ 0 h 424732"/>
-                <a:gd name="connsiteX5" fmla="*/ 516890 w 516890"/>
-                <a:gd name="connsiteY5" fmla="*/ 330330 h 424732"/>
-                <a:gd name="connsiteX0" fmla="*/ 424732 w 516890"/>
-                <a:gd name="connsiteY0" fmla="*/ 424732 h 424732"/>
-                <a:gd name="connsiteX1" fmla="*/ 0 w 516890"/>
-                <a:gd name="connsiteY1" fmla="*/ 424732 h 424732"/>
-                <a:gd name="connsiteX2" fmla="*/ 0 w 516890"/>
-                <a:gd name="connsiteY2" fmla="*/ 0 h 424732"/>
-                <a:gd name="connsiteX3" fmla="*/ 424732 w 516890"/>
-                <a:gd name="connsiteY3" fmla="*/ 0 h 424732"/>
-                <a:gd name="connsiteX4" fmla="*/ 516890 w 516890"/>
-                <a:gd name="connsiteY4" fmla="*/ 330330 h 424732"/>
-                <a:gd name="connsiteX0" fmla="*/ 424732 w 424732"/>
-                <a:gd name="connsiteY0" fmla="*/ 424732 h 424732"/>
-                <a:gd name="connsiteX1" fmla="*/ 0 w 424732"/>
-                <a:gd name="connsiteY1" fmla="*/ 424732 h 424732"/>
-                <a:gd name="connsiteX2" fmla="*/ 0 w 424732"/>
-                <a:gd name="connsiteY2" fmla="*/ 0 h 424732"/>
-                <a:gd name="connsiteX3" fmla="*/ 424732 w 424732"/>
-                <a:gd name="connsiteY3" fmla="*/ 0 h 424732"/>
-              </a:gdLst>
-              <a:ahLst/>
-              <a:cxnLst>
-                <a:cxn ang="0">
-                  <a:pos x="connsiteX0" y="connsiteY0"/>
-                </a:cxn>
-                <a:cxn ang="0">
-                  <a:pos x="connsiteX1" y="connsiteY1"/>
-                </a:cxn>
-                <a:cxn ang="0">
-                  <a:pos x="connsiteX2" y="connsiteY2"/>
-                </a:cxn>
-                <a:cxn ang="0">
-                  <a:pos x="connsiteX3" y="connsiteY3"/>
-                </a:cxn>
-              </a:cxnLst>
-              <a:rect l="l" t="t" r="r" b="b"/>
-              <a:pathLst>
-                <a:path w="424732" h="424732">
-                  <a:moveTo>
-                    <a:pt x="424732" y="424732"/>
-                  </a:moveTo>
-                  <a:lnTo>
-                    <a:pt x="0" y="424732"/>
-                  </a:lnTo>
-                  <a:lnTo>
-                    <a:pt x="0" y="0"/>
-                  </a:lnTo>
-                  <a:lnTo>
-                    <a:pt x="424732" y="0"/>
-                  </a:lnTo>
-                </a:path>
-              </a:pathLst>
-            </a:custGeom>
-            <a:ln w="16510">
-              <a:solidFill>
-                <a:srgbClr val="0046A2"/>
-              </a:solidFill>
-            </a:ln>
-          </p:spPr>
-          <p:style>
-            <a:lnRef idx="1">
-              <a:schemeClr val="accent1"/>
-            </a:lnRef>
-            <a:fillRef idx="0">
-              <a:schemeClr val="accent1"/>
-            </a:fillRef>
-            <a:effectRef idx="0">
-              <a:schemeClr val="accent1"/>
-            </a:effectRef>
-            <a:fontRef idx="minor">
-              <a:schemeClr val="tx1"/>
-            </a:fontRef>
-          </p:style>
-          <p:txBody>
-            <a:bodyPr rtlCol="0" anchor="ctr"/>
-            <a:lstStyle/>
-            <a:p>
-              <a:pPr algn="ctr"/>
-              <a:endParaRPr lang="ru-RU" dirty="0">
-                <a:solidFill>
-                  <a:srgbClr val="065CAB"/>
-                </a:solidFill>
-                <a:latin typeface="ALS Sector Regular" panose="02000000000000000000" pitchFamily="2" charset="0"/>
-              </a:endParaRPr>
-            </a:p>
-          </p:txBody>
-        </p:sp>
-      </p:grpSp>
-      <p:sp>
-        <p:nvSpPr>
-          <p:cNvPr id="4" name="Прямоугольник 3">
-            <a:extLst>
-              <a:ext uri="{FF2B5EF4-FFF2-40B4-BE49-F238E27FC236}">
-                <a16:creationId xmlns:a16="http://schemas.microsoft.com/office/drawing/2014/main" id="{FDB5EEA5-266D-42C2-B81C-6B35AF8F92AA}"/>
-              </a:ext>
-            </a:extLst>
-          </p:cNvPr>
-          <p:cNvSpPr/>
-          <p:nvPr/>
-        </p:nvSpPr>
-        <p:spPr>
-          <a:xfrm>
-            <a:off x="2226020" y="4893069"/>
-            <a:ext cx="2249820" cy="369332"/>
-          </a:xfrm>
-          <a:prstGeom prst="rect">
-            <a:avLst/>
-          </a:prstGeom>
-        </p:spPr>
-        <p:txBody>
-          <a:bodyPr wrap="square">
-            <a:spAutoFit/>
-          </a:bodyPr>
-          <a:lstStyle/>
-          <a:p>
-            <a:r>
-              <a:rPr lang="ru-RU" sz="1800" dirty="0">
-                <a:solidFill>
-                  <a:srgbClr val="C00000"/>
-                </a:solidFill>
-                <a:latin typeface="Times New Roman" panose="02020603050405020304" pitchFamily="18" charset="0"/>
-                <a:ea typeface="Arial" panose="020B0604020202020204" pitchFamily="34" charset="0"/>
-              </a:rPr>
-              <a:t> а) полный датасет                                               </a:t>
-            </a:r>
-            <a:endParaRPr lang="ru-RU" sz="1800" dirty="0">
-              <a:solidFill>
-                <a:srgbClr val="C00000"/>
-              </a:solidFill>
-            </a:endParaRPr>
-          </a:p>
-        </p:txBody>
-      </p:sp>
-      <p:pic>
-        <p:nvPicPr>
-          <p:cNvPr id="6" name="Рисунок 5">
-            <a:extLst>
-              <a:ext uri="{FF2B5EF4-FFF2-40B4-BE49-F238E27FC236}">
-                <a16:creationId xmlns:a16="http://schemas.microsoft.com/office/drawing/2014/main" id="{A4C270FB-B1F0-45EB-8169-CF8753ED97FD}"/>
-              </a:ext>
-            </a:extLst>
-          </p:cNvPr>
-          <p:cNvPicPr>
-            <a:picLocks noChangeAspect="1"/>
-          </p:cNvPicPr>
-          <p:nvPr/>
-        </p:nvPicPr>
-        <p:blipFill>
-          <a:blip r:embed="rId2"/>
-          <a:stretch>
-            <a:fillRect/>
-          </a:stretch>
-        </p:blipFill>
-        <p:spPr>
-          <a:xfrm>
-            <a:off x="1321878" y="5353397"/>
-            <a:ext cx="133350" cy="133350"/>
-          </a:xfrm>
-          <a:prstGeom prst="rect">
-            <a:avLst/>
-          </a:prstGeom>
-        </p:spPr>
-      </p:pic>
-      <p:pic>
-        <p:nvPicPr>
-          <p:cNvPr id="7" name="Рисунок 6">
-            <a:extLst>
-              <a:ext uri="{FF2B5EF4-FFF2-40B4-BE49-F238E27FC236}">
-                <a16:creationId xmlns:a16="http://schemas.microsoft.com/office/drawing/2014/main" id="{341D7A58-E79B-4176-82B9-AB1AC682344F}"/>
-              </a:ext>
-            </a:extLst>
-          </p:cNvPr>
-          <p:cNvPicPr>
-            <a:picLocks noChangeAspect="1"/>
-          </p:cNvPicPr>
-          <p:nvPr/>
-        </p:nvPicPr>
-        <p:blipFill>
-          <a:blip r:embed="rId3"/>
-          <a:stretch>
-            <a:fillRect/>
-          </a:stretch>
-        </p:blipFill>
-        <p:spPr>
-          <a:xfrm>
-            <a:off x="1344235" y="6115370"/>
-            <a:ext cx="95250" cy="95250"/>
-          </a:xfrm>
-          <a:prstGeom prst="rect">
-            <a:avLst/>
-          </a:prstGeom>
-        </p:spPr>
-      </p:pic>
-      <p:pic>
-        <p:nvPicPr>
-          <p:cNvPr id="11" name="Рисунок 10">
-            <a:extLst>
-              <a:ext uri="{FF2B5EF4-FFF2-40B4-BE49-F238E27FC236}">
-                <a16:creationId xmlns:a16="http://schemas.microsoft.com/office/drawing/2014/main" id="{E8AF0B97-0A70-4819-BDAD-84323790F417}"/>
-              </a:ext>
-            </a:extLst>
-          </p:cNvPr>
-          <p:cNvPicPr>
-            <a:picLocks noChangeAspect="1"/>
-          </p:cNvPicPr>
-          <p:nvPr/>
-        </p:nvPicPr>
-        <p:blipFill>
-          <a:blip r:embed="rId4"/>
-          <a:stretch>
-            <a:fillRect/>
-          </a:stretch>
-        </p:blipFill>
-        <p:spPr>
-          <a:xfrm>
-            <a:off x="1341836" y="5743104"/>
-            <a:ext cx="95250" cy="95250"/>
-          </a:xfrm>
-          <a:prstGeom prst="rect">
-            <a:avLst/>
-          </a:prstGeom>
-        </p:spPr>
-      </p:pic>
-      <p:sp>
-        <p:nvSpPr>
-          <p:cNvPr id="12" name="Прямоугольник 11">
-            <a:extLst>
-              <a:ext uri="{FF2B5EF4-FFF2-40B4-BE49-F238E27FC236}">
-                <a16:creationId xmlns:a16="http://schemas.microsoft.com/office/drawing/2014/main" id="{4BB613F2-C593-4543-88E0-E7EA89550219}"/>
-              </a:ext>
-            </a:extLst>
-          </p:cNvPr>
-          <p:cNvSpPr/>
-          <p:nvPr/>
-        </p:nvSpPr>
-        <p:spPr>
-          <a:xfrm>
-            <a:off x="1486202" y="5252535"/>
-            <a:ext cx="4403770" cy="307777"/>
-          </a:xfrm>
-          <a:prstGeom prst="rect">
-            <a:avLst/>
-          </a:prstGeom>
-        </p:spPr>
-        <p:txBody>
-          <a:bodyPr wrap="none">
-            <a:spAutoFit/>
-          </a:bodyPr>
-          <a:lstStyle/>
-          <a:p>
-            <a:r>
-              <a:rPr lang="ru-RU" dirty="0">
-                <a:latin typeface="Times New Roman" panose="02020603050405020304" pitchFamily="18" charset="0"/>
-                <a:ea typeface="Arial" panose="020B0604020202020204" pitchFamily="34" charset="0"/>
-              </a:rPr>
-              <a:t> - центроиды </a:t>
-            </a:r>
-            <a:r>
-              <a:rPr lang="ru-RU" dirty="0"/>
-              <a:t>– </a:t>
-            </a:r>
-            <a:r>
-              <a:rPr lang="ru-RU" dirty="0">
-                <a:latin typeface="Times New Roman" panose="02020603050405020304" pitchFamily="18" charset="0"/>
-                <a:ea typeface="Arial" panose="020B0604020202020204" pitchFamily="34" charset="0"/>
-              </a:rPr>
-              <a:t>объекты базового датасета (23</a:t>
-            </a:r>
-            <a:r>
-              <a:rPr lang="ru-RU" sz="1200" dirty="0">
-                <a:latin typeface="Times New Roman" panose="02020603050405020304" pitchFamily="18" charset="0"/>
-                <a:ea typeface="Arial" panose="020B0604020202020204" pitchFamily="34" charset="0"/>
-              </a:rPr>
-              <a:t> </a:t>
-            </a:r>
-            <a:r>
-              <a:rPr lang="ru-RU" dirty="0">
-                <a:latin typeface="Times New Roman" panose="02020603050405020304" pitchFamily="18" charset="0"/>
-                <a:ea typeface="Arial" panose="020B0604020202020204" pitchFamily="34" charset="0"/>
-              </a:rPr>
-              <a:t>строки); </a:t>
-            </a:r>
-            <a:endParaRPr lang="ru-RU" dirty="0"/>
-          </a:p>
-        </p:txBody>
-      </p:sp>
-      <p:sp>
-        <p:nvSpPr>
-          <p:cNvPr id="24" name="Прямоугольник 23">
-            <a:extLst>
-              <a:ext uri="{FF2B5EF4-FFF2-40B4-BE49-F238E27FC236}">
-                <a16:creationId xmlns:a16="http://schemas.microsoft.com/office/drawing/2014/main" id="{A84B3694-5F26-4F60-A0CB-CADE3C72ED26}"/>
-              </a:ext>
-            </a:extLst>
-          </p:cNvPr>
-          <p:cNvSpPr/>
-          <p:nvPr/>
-        </p:nvSpPr>
-        <p:spPr>
-          <a:xfrm>
-            <a:off x="1476677" y="5978890"/>
-            <a:ext cx="3273653" cy="307777"/>
-          </a:xfrm>
-          <a:prstGeom prst="rect">
-            <a:avLst/>
-          </a:prstGeom>
-        </p:spPr>
-        <p:txBody>
-          <a:bodyPr wrap="none">
-            <a:spAutoFit/>
-          </a:bodyPr>
-          <a:lstStyle/>
-          <a:p>
-            <a:r>
-              <a:rPr lang="ru-RU" dirty="0">
-                <a:latin typeface="Times New Roman" panose="02020603050405020304" pitchFamily="18" charset="0"/>
-                <a:ea typeface="Arial" panose="020B0604020202020204" pitchFamily="34" charset="0"/>
-              </a:rPr>
-              <a:t> - остальные объекты полного датасета; </a:t>
-            </a:r>
-            <a:endParaRPr lang="ru-RU" dirty="0"/>
-          </a:p>
-        </p:txBody>
-      </p:sp>
-      <p:sp>
-        <p:nvSpPr>
-          <p:cNvPr id="25" name="Прямоугольник 24">
-            <a:extLst>
-              <a:ext uri="{FF2B5EF4-FFF2-40B4-BE49-F238E27FC236}">
-                <a16:creationId xmlns:a16="http://schemas.microsoft.com/office/drawing/2014/main" id="{198961FF-1BE6-4B63-AC0A-1BF047BF8817}"/>
-              </a:ext>
-            </a:extLst>
-          </p:cNvPr>
-          <p:cNvSpPr/>
-          <p:nvPr/>
-        </p:nvSpPr>
-        <p:spPr>
-          <a:xfrm>
-            <a:off x="1474277" y="5600808"/>
-            <a:ext cx="5183697" cy="307777"/>
-          </a:xfrm>
-          <a:prstGeom prst="rect">
-            <a:avLst/>
-          </a:prstGeom>
-        </p:spPr>
-        <p:txBody>
-          <a:bodyPr wrap="square">
-            <a:spAutoFit/>
-          </a:bodyPr>
-          <a:lstStyle/>
-          <a:p>
-            <a:r>
-              <a:rPr lang="ru-RU" dirty="0">
-                <a:latin typeface="Times New Roman" panose="02020603050405020304" pitchFamily="18" charset="0"/>
-                <a:ea typeface="Arial" panose="020B0604020202020204" pitchFamily="34" charset="0"/>
-              </a:rPr>
-              <a:t> - объекты, ближайшие к центроидам («ближайшие соседи»); </a:t>
-            </a:r>
-            <a:endParaRPr lang="ru-RU" dirty="0"/>
-          </a:p>
-        </p:txBody>
-      </p:sp>
-      <p:pic>
-        <p:nvPicPr>
-          <p:cNvPr id="26" name="Рисунок 25">
-            <a:extLst>
-              <a:ext uri="{FF2B5EF4-FFF2-40B4-BE49-F238E27FC236}">
-                <a16:creationId xmlns:a16="http://schemas.microsoft.com/office/drawing/2014/main" id="{28623D23-F566-491C-9F2F-D3B7B8B94C73}"/>
-              </a:ext>
-            </a:extLst>
-          </p:cNvPr>
-          <p:cNvPicPr>
-            <a:picLocks noChangeAspect="1"/>
-          </p:cNvPicPr>
-          <p:nvPr/>
-        </p:nvPicPr>
-        <p:blipFill>
-          <a:blip r:embed="rId4"/>
-          <a:stretch>
-            <a:fillRect/>
-          </a:stretch>
-        </p:blipFill>
-        <p:spPr>
-          <a:xfrm>
-            <a:off x="7328972" y="5418841"/>
-            <a:ext cx="95250" cy="95250"/>
-          </a:xfrm>
-          <a:prstGeom prst="rect">
-            <a:avLst/>
-          </a:prstGeom>
-        </p:spPr>
-      </p:pic>
-      <p:sp>
-        <p:nvSpPr>
-          <p:cNvPr id="27" name="Прямоугольник 26">
-            <a:extLst>
-              <a:ext uri="{FF2B5EF4-FFF2-40B4-BE49-F238E27FC236}">
-                <a16:creationId xmlns:a16="http://schemas.microsoft.com/office/drawing/2014/main" id="{225BB7DA-68EA-41FF-AEB6-DD56675AF0C4}"/>
-              </a:ext>
-            </a:extLst>
-          </p:cNvPr>
-          <p:cNvSpPr/>
-          <p:nvPr/>
-        </p:nvSpPr>
-        <p:spPr>
-          <a:xfrm>
-            <a:off x="7461414" y="5293963"/>
-            <a:ext cx="3549486" cy="307777"/>
-          </a:xfrm>
-          <a:prstGeom prst="rect">
-            <a:avLst/>
-          </a:prstGeom>
-        </p:spPr>
-        <p:txBody>
-          <a:bodyPr wrap="square">
-            <a:spAutoFit/>
-          </a:bodyPr>
-          <a:lstStyle/>
-          <a:p>
-            <a:r>
-              <a:rPr lang="ru-RU" dirty="0">
-                <a:latin typeface="Times New Roman" panose="02020603050405020304" pitchFamily="18" charset="0"/>
-                <a:ea typeface="Arial" panose="020B0604020202020204" pitchFamily="34" charset="0"/>
-              </a:rPr>
-              <a:t> - объекты, оставшиеся после фильтрации; </a:t>
-            </a:r>
-            <a:endParaRPr lang="ru-RU" dirty="0"/>
-          </a:p>
-        </p:txBody>
-      </p:sp>
-      <p:cxnSp>
-        <p:nvCxnSpPr>
-          <p:cNvPr id="30" name="Прямая соединительная линия 29">
-            <a:extLst>
-              <a:ext uri="{FF2B5EF4-FFF2-40B4-BE49-F238E27FC236}">
-                <a16:creationId xmlns:a16="http://schemas.microsoft.com/office/drawing/2014/main" id="{4239E8A4-8F74-41AA-8841-BA9529E9F957}"/>
-              </a:ext>
-            </a:extLst>
-          </p:cNvPr>
-          <p:cNvCxnSpPr>
-            <a:cxnSpLocks/>
-          </p:cNvCxnSpPr>
-          <p:nvPr/>
-        </p:nvCxnSpPr>
-        <p:spPr>
-          <a:xfrm>
-            <a:off x="1065706" y="6500953"/>
-            <a:ext cx="592183" cy="0"/>
-          </a:xfrm>
-          <a:prstGeom prst="line">
-            <a:avLst/>
-          </a:prstGeom>
-          <a:ln w="19050">
-            <a:solidFill>
-              <a:schemeClr val="tx1"/>
-            </a:solidFill>
-            <a:prstDash val="lgDash"/>
-          </a:ln>
-        </p:spPr>
-        <p:style>
-          <a:lnRef idx="1">
-            <a:schemeClr val="dk1"/>
-          </a:lnRef>
-          <a:fillRef idx="0">
-            <a:schemeClr val="dk1"/>
-          </a:fillRef>
-          <a:effectRef idx="0">
-            <a:schemeClr val="dk1"/>
-          </a:effectRef>
-          <a:fontRef idx="minor">
-            <a:schemeClr val="tx1"/>
-          </a:fontRef>
-        </p:style>
-      </p:cxnSp>
-      <p:sp>
-        <p:nvSpPr>
-          <p:cNvPr id="31" name="Прямоугольник 30">
-            <a:extLst>
-              <a:ext uri="{FF2B5EF4-FFF2-40B4-BE49-F238E27FC236}">
-                <a16:creationId xmlns:a16="http://schemas.microsoft.com/office/drawing/2014/main" id="{556CB3DD-440A-41EC-80DA-2DC3703B0CCA}"/>
-              </a:ext>
-            </a:extLst>
-          </p:cNvPr>
-          <p:cNvSpPr/>
-          <p:nvPr/>
-        </p:nvSpPr>
-        <p:spPr>
-          <a:xfrm>
-            <a:off x="1626749" y="6336412"/>
-            <a:ext cx="2866490" cy="307777"/>
-          </a:xfrm>
-          <a:prstGeom prst="rect">
-            <a:avLst/>
-          </a:prstGeom>
-        </p:spPr>
-        <p:txBody>
-          <a:bodyPr wrap="none">
-            <a:spAutoFit/>
-          </a:bodyPr>
-          <a:lstStyle/>
-          <a:p>
-            <a:r>
-              <a:rPr lang="ru-RU" dirty="0">
-                <a:latin typeface="Times New Roman" panose="02020603050405020304" pitchFamily="18" charset="0"/>
-                <a:ea typeface="Arial" panose="020B0604020202020204" pitchFamily="34" charset="0"/>
-              </a:rPr>
-              <a:t>линия регрессии полного датасета.</a:t>
-            </a:r>
-            <a:endParaRPr lang="ru-RU" dirty="0"/>
-          </a:p>
-        </p:txBody>
-      </p:sp>
-      <p:cxnSp>
-        <p:nvCxnSpPr>
-          <p:cNvPr id="32" name="Прямая соединительная линия 31">
-            <a:extLst>
-              <a:ext uri="{FF2B5EF4-FFF2-40B4-BE49-F238E27FC236}">
-                <a16:creationId xmlns:a16="http://schemas.microsoft.com/office/drawing/2014/main" id="{A1C7BAFB-D2F7-4B49-8A9E-3E692B9C2579}"/>
-              </a:ext>
-            </a:extLst>
-          </p:cNvPr>
-          <p:cNvCxnSpPr>
-            <a:cxnSpLocks/>
-          </p:cNvCxnSpPr>
-          <p:nvPr/>
-        </p:nvCxnSpPr>
-        <p:spPr>
-          <a:xfrm>
-            <a:off x="7058566" y="5803825"/>
-            <a:ext cx="592183" cy="0"/>
-          </a:xfrm>
-          <a:prstGeom prst="line">
-            <a:avLst/>
-          </a:prstGeom>
-          <a:ln w="19050">
-            <a:solidFill>
-              <a:schemeClr val="tx1"/>
-            </a:solidFill>
-            <a:prstDash val="lgDash"/>
-          </a:ln>
-        </p:spPr>
-        <p:style>
-          <a:lnRef idx="1">
-            <a:schemeClr val="dk1"/>
-          </a:lnRef>
-          <a:fillRef idx="0">
-            <a:schemeClr val="dk1"/>
-          </a:fillRef>
-          <a:effectRef idx="0">
-            <a:schemeClr val="dk1"/>
-          </a:effectRef>
-          <a:fontRef idx="minor">
-            <a:schemeClr val="tx1"/>
-          </a:fontRef>
-        </p:style>
-      </p:cxnSp>
-      <p:sp>
-        <p:nvSpPr>
-          <p:cNvPr id="33" name="Прямоугольник 32">
-            <a:extLst>
-              <a:ext uri="{FF2B5EF4-FFF2-40B4-BE49-F238E27FC236}">
-                <a16:creationId xmlns:a16="http://schemas.microsoft.com/office/drawing/2014/main" id="{D76292F8-8836-4063-9FA8-6AD9B77EED9C}"/>
-              </a:ext>
-            </a:extLst>
-          </p:cNvPr>
-          <p:cNvSpPr/>
-          <p:nvPr/>
-        </p:nvSpPr>
-        <p:spPr>
-          <a:xfrm>
-            <a:off x="7610900" y="5621866"/>
-            <a:ext cx="3180679" cy="307777"/>
-          </a:xfrm>
-          <a:prstGeom prst="rect">
-            <a:avLst/>
-          </a:prstGeom>
-        </p:spPr>
-        <p:txBody>
-          <a:bodyPr wrap="none">
-            <a:spAutoFit/>
-          </a:bodyPr>
-          <a:lstStyle/>
-          <a:p>
-            <a:r>
-              <a:rPr lang="ru-RU" dirty="0">
-                <a:latin typeface="Times New Roman" panose="02020603050405020304" pitchFamily="18" charset="0"/>
-                <a:ea typeface="Arial" panose="020B0604020202020204" pitchFamily="34" charset="0"/>
-              </a:rPr>
-              <a:t>линия регрессии очищенного датасета.</a:t>
-            </a:r>
-            <a:endParaRPr lang="ru-RU" dirty="0"/>
-          </a:p>
-        </p:txBody>
-      </p:sp>
-      <p:sp>
-        <p:nvSpPr>
-          <p:cNvPr id="38" name="Прямоугольник 37">
-            <a:extLst>
-              <a:ext uri="{FF2B5EF4-FFF2-40B4-BE49-F238E27FC236}">
-                <a16:creationId xmlns:a16="http://schemas.microsoft.com/office/drawing/2014/main" id="{CD64A13E-AD0E-46CC-B147-4C100E174E0A}"/>
-              </a:ext>
-            </a:extLst>
-          </p:cNvPr>
-          <p:cNvSpPr/>
-          <p:nvPr/>
-        </p:nvSpPr>
-        <p:spPr>
-          <a:xfrm>
-            <a:off x="7233399" y="4913346"/>
-            <a:ext cx="3212739" cy="369332"/>
-          </a:xfrm>
-          <a:prstGeom prst="rect">
-            <a:avLst/>
-          </a:prstGeom>
-        </p:spPr>
-        <p:txBody>
-          <a:bodyPr wrap="none">
-            <a:spAutoFit/>
-          </a:bodyPr>
-          <a:lstStyle/>
-          <a:p>
-            <a:r>
-              <a:rPr lang="ru-RU" sz="1800" dirty="0">
-                <a:solidFill>
-                  <a:srgbClr val="C00000"/>
-                </a:solidFill>
-                <a:latin typeface="Times New Roman" panose="02020603050405020304" pitchFamily="18" charset="0"/>
-                <a:ea typeface="Arial" panose="020B0604020202020204" pitchFamily="34" charset="0"/>
-              </a:rPr>
-              <a:t>б) очищенный датасет (</a:t>
-            </a:r>
-            <a:r>
-              <a:rPr lang="en-US" sz="1800" i="1" dirty="0">
-                <a:solidFill>
-                  <a:srgbClr val="C00000"/>
-                </a:solidFill>
-                <a:latin typeface="Times New Roman" panose="02020603050405020304" pitchFamily="18" charset="0"/>
-                <a:ea typeface="Arial" panose="020B0604020202020204" pitchFamily="34" charset="0"/>
-              </a:rPr>
-              <a:t>k</a:t>
-            </a:r>
-            <a:r>
-              <a:rPr lang="en-US" sz="1800" i="1" baseline="-25000" dirty="0">
-                <a:solidFill>
-                  <a:srgbClr val="C00000"/>
-                </a:solidFill>
-                <a:latin typeface="Times New Roman" panose="02020603050405020304" pitchFamily="18" charset="0"/>
-                <a:ea typeface="Arial" panose="020B0604020202020204" pitchFamily="34" charset="0"/>
-              </a:rPr>
-              <a:t>nn</a:t>
-            </a:r>
-            <a:r>
-              <a:rPr lang="ru-RU" sz="1800" dirty="0">
-                <a:solidFill>
-                  <a:srgbClr val="C00000"/>
-                </a:solidFill>
-                <a:latin typeface="Times New Roman" panose="02020603050405020304" pitchFamily="18" charset="0"/>
-                <a:ea typeface="Arial" panose="020B0604020202020204" pitchFamily="34" charset="0"/>
-              </a:rPr>
-              <a:t> = 5)</a:t>
-            </a:r>
-            <a:endParaRPr lang="ru-RU" sz="1800" dirty="0">
-              <a:solidFill>
-                <a:srgbClr val="C00000"/>
-              </a:solidFill>
-            </a:endParaRPr>
-          </a:p>
-        </p:txBody>
-      </p:sp>
-      <p:sp>
-        <p:nvSpPr>
-          <p:cNvPr id="39" name="Стрелка: вниз 38">
-            <a:extLst>
-              <a:ext uri="{FF2B5EF4-FFF2-40B4-BE49-F238E27FC236}">
-                <a16:creationId xmlns:a16="http://schemas.microsoft.com/office/drawing/2014/main" id="{67106706-FAC9-4EBC-964E-853E5AA4192B}"/>
-              </a:ext>
-            </a:extLst>
-          </p:cNvPr>
-          <p:cNvSpPr/>
-          <p:nvPr/>
-        </p:nvSpPr>
-        <p:spPr>
-          <a:xfrm rot="16200000">
-            <a:off x="5964825" y="3064333"/>
-            <a:ext cx="341815" cy="600891"/>
-          </a:xfrm>
-          <a:prstGeom prst="downArrow">
-            <a:avLst/>
-          </a:prstGeom>
-          <a:solidFill>
-            <a:schemeClr val="accent4">
-              <a:lumMod val="50000"/>
-            </a:schemeClr>
-          </a:solidFill>
-        </p:spPr>
-        <p:style>
-          <a:lnRef idx="2">
-            <a:schemeClr val="accent1">
-              <a:shade val="50000"/>
-            </a:schemeClr>
-          </a:lnRef>
-          <a:fillRef idx="1">
-            <a:schemeClr val="accent1"/>
-          </a:fillRef>
-          <a:effectRef idx="0">
-            <a:schemeClr val="accent1"/>
-          </a:effectRef>
-          <a:fontRef idx="minor">
-            <a:schemeClr val="lt1"/>
-          </a:fontRef>
-        </p:style>
-        <p:txBody>
-          <a:bodyPr rtlCol="0" anchor="ctr"/>
-          <a:lstStyle/>
-          <a:p>
-            <a:pPr algn="ctr"/>
-            <a:endParaRPr lang="ru-RU"/>
-          </a:p>
-        </p:txBody>
-      </p:sp>
-      <p:sp>
-        <p:nvSpPr>
-          <p:cNvPr id="40" name="Прямоугольник 39">
-            <a:extLst>
-              <a:ext uri="{FF2B5EF4-FFF2-40B4-BE49-F238E27FC236}">
-                <a16:creationId xmlns:a16="http://schemas.microsoft.com/office/drawing/2014/main" id="{06423A47-1AB7-4AAF-8DF3-ED448A13BB94}"/>
-              </a:ext>
-            </a:extLst>
-          </p:cNvPr>
-          <p:cNvSpPr/>
-          <p:nvPr/>
-        </p:nvSpPr>
-        <p:spPr>
-          <a:xfrm>
-            <a:off x="2064197" y="1111609"/>
-            <a:ext cx="8365678" cy="707886"/>
-          </a:xfrm>
-          <a:prstGeom prst="rect">
-            <a:avLst/>
-          </a:prstGeom>
-        </p:spPr>
-        <p:txBody>
-          <a:bodyPr wrap="square">
-            <a:spAutoFit/>
-          </a:bodyPr>
-          <a:lstStyle/>
-          <a:p>
-            <a:pPr algn="ctr"/>
-            <a:r>
-              <a:rPr lang="ru-RU" sz="2000" dirty="0">
-                <a:solidFill>
-                  <a:srgbClr val="C00000"/>
-                </a:solidFill>
-                <a:latin typeface="Times New Roman" panose="02020603050405020304" pitchFamily="18" charset="0"/>
-                <a:cs typeface="Times New Roman" panose="02020603050405020304" pitchFamily="18" charset="0"/>
-              </a:rPr>
-              <a:t>Для очистки датасета от шума разработан фильтр, </a:t>
-            </a:r>
-          </a:p>
-          <a:p>
-            <a:pPr algn="ctr"/>
-            <a:r>
-              <a:rPr lang="ru-RU" sz="2000" dirty="0">
-                <a:solidFill>
-                  <a:srgbClr val="C00000"/>
-                </a:solidFill>
-                <a:latin typeface="Times New Roman" panose="02020603050405020304" pitchFamily="18" charset="0"/>
-                <a:cs typeface="Times New Roman" panose="02020603050405020304" pitchFamily="18" charset="0"/>
-              </a:rPr>
-              <a:t>ядром (маской) которого являются объекты (строки) базового датасета</a:t>
-            </a:r>
-            <a:endParaRPr lang="ru-RU" sz="2800" dirty="0">
-              <a:solidFill>
-                <a:srgbClr val="C00000"/>
-              </a:solidFill>
-              <a:latin typeface="Times New Roman" panose="02020603050405020304" pitchFamily="18" charset="0"/>
-              <a:cs typeface="Times New Roman" panose="02020603050405020304" pitchFamily="18" charset="0"/>
-            </a:endParaRPr>
-          </a:p>
-        </p:txBody>
-      </p:sp>
-      <p:sp>
-        <p:nvSpPr>
-          <p:cNvPr id="42" name="Прямоугольник 41">
-            <a:extLst>
-              <a:ext uri="{FF2B5EF4-FFF2-40B4-BE49-F238E27FC236}">
-                <a16:creationId xmlns:a16="http://schemas.microsoft.com/office/drawing/2014/main" id="{056FA315-1EE2-42F9-9F50-F92A04D77A77}"/>
-              </a:ext>
-            </a:extLst>
-          </p:cNvPr>
-          <p:cNvSpPr/>
-          <p:nvPr/>
-        </p:nvSpPr>
-        <p:spPr>
-          <a:xfrm>
-            <a:off x="4940830" y="6202596"/>
-            <a:ext cx="7136874" cy="477054"/>
-          </a:xfrm>
-          <a:prstGeom prst="rect">
-            <a:avLst/>
-          </a:prstGeom>
-        </p:spPr>
-        <p:txBody>
-          <a:bodyPr wrap="square">
-            <a:spAutoFit/>
-          </a:bodyPr>
-          <a:lstStyle/>
-          <a:p>
-            <a:r>
-              <a:rPr lang="ru-RU" sz="1250" b="1" dirty="0">
-                <a:solidFill>
-                  <a:srgbClr val="0000FF"/>
-                </a:solidFill>
-                <a:latin typeface="Times New Roman" panose="02020603050405020304" pitchFamily="18" charset="0"/>
-                <a:ea typeface="Arial" panose="020B0604020202020204" pitchFamily="34" charset="0"/>
-              </a:rPr>
-              <a:t>Примечание. </a:t>
-            </a:r>
-            <a:r>
-              <a:rPr lang="ru-RU" sz="1250" dirty="0">
-                <a:solidFill>
-                  <a:srgbClr val="0000FF"/>
-                </a:solidFill>
-                <a:latin typeface="Times New Roman" panose="02020603050405020304" pitchFamily="18" charset="0"/>
-                <a:ea typeface="Arial" panose="020B0604020202020204" pitchFamily="34" charset="0"/>
-              </a:rPr>
-              <a:t>Если последние 1000 строк датасета сгенерированы случайным образом, то данную </a:t>
-            </a:r>
-          </a:p>
-          <a:p>
-            <a:r>
-              <a:rPr lang="ru-RU" sz="1250" dirty="0">
-                <a:solidFill>
-                  <a:srgbClr val="0000FF"/>
-                </a:solidFill>
-                <a:latin typeface="Times New Roman" panose="02020603050405020304" pitchFamily="18" charset="0"/>
-                <a:ea typeface="Arial" panose="020B0604020202020204" pitchFamily="34" charset="0"/>
-              </a:rPr>
-              <a:t>процедуру следует рассматривать не как фильтрацию датасета, а как </a:t>
-            </a:r>
-            <a:r>
-              <a:rPr lang="ru-RU" sz="1250" dirty="0">
-                <a:solidFill>
-                  <a:srgbClr val="C00000"/>
-                </a:solidFill>
-                <a:latin typeface="Times New Roman" panose="02020603050405020304" pitchFamily="18" charset="0"/>
-                <a:ea typeface="Arial" panose="020B0604020202020204" pitchFamily="34" charset="0"/>
-              </a:rPr>
-              <a:t>размножение</a:t>
-            </a:r>
-            <a:r>
-              <a:rPr lang="ru-RU" sz="1250" dirty="0">
-                <a:solidFill>
-                  <a:srgbClr val="0000FF"/>
-                </a:solidFill>
-                <a:latin typeface="Times New Roman" panose="02020603050405020304" pitchFamily="18" charset="0"/>
-                <a:ea typeface="Arial" panose="020B0604020202020204" pitchFamily="34" charset="0"/>
-              </a:rPr>
-              <a:t> базового датасета.</a:t>
-            </a:r>
-            <a:endParaRPr lang="ru-RU" sz="1250" dirty="0">
-              <a:solidFill>
-                <a:srgbClr val="0000FF"/>
-              </a:solidFill>
-            </a:endParaRPr>
-          </a:p>
-        </p:txBody>
-      </p:sp>
-      <p:pic>
-        <p:nvPicPr>
-          <p:cNvPr id="3" name="Рисунок 2">
-            <a:extLst>
-              <a:ext uri="{FF2B5EF4-FFF2-40B4-BE49-F238E27FC236}">
-                <a16:creationId xmlns:a16="http://schemas.microsoft.com/office/drawing/2014/main" id="{CF8C8D5F-23C1-442B-BD57-9697244F15C8}"/>
-              </a:ext>
-            </a:extLst>
-          </p:cNvPr>
-          <p:cNvPicPr>
-            <a:picLocks noChangeAspect="1"/>
-          </p:cNvPicPr>
-          <p:nvPr/>
-        </p:nvPicPr>
-        <p:blipFill>
-          <a:blip r:embed="rId5"/>
-          <a:stretch>
-            <a:fillRect/>
-          </a:stretch>
-        </p:blipFill>
-        <p:spPr>
-          <a:xfrm>
-            <a:off x="1456293" y="1889429"/>
-            <a:ext cx="3824518" cy="3003145"/>
-          </a:xfrm>
-          <a:prstGeom prst="rect">
-            <a:avLst/>
-          </a:prstGeom>
-        </p:spPr>
-      </p:pic>
-      <p:pic>
-        <p:nvPicPr>
-          <p:cNvPr id="15" name="Рисунок 14">
-            <a:extLst>
-              <a:ext uri="{FF2B5EF4-FFF2-40B4-BE49-F238E27FC236}">
-                <a16:creationId xmlns:a16="http://schemas.microsoft.com/office/drawing/2014/main" id="{3FABBEA0-DB97-40B1-BEA3-DEF244DFB717}"/>
-              </a:ext>
-            </a:extLst>
-          </p:cNvPr>
-          <p:cNvPicPr>
-            <a:picLocks noChangeAspect="1"/>
-          </p:cNvPicPr>
-          <p:nvPr/>
-        </p:nvPicPr>
-        <p:blipFill>
-          <a:blip r:embed="rId6"/>
-          <a:stretch>
-            <a:fillRect/>
-          </a:stretch>
-        </p:blipFill>
-        <p:spPr>
-          <a:xfrm>
-            <a:off x="6992708" y="1907432"/>
-            <a:ext cx="3644091" cy="2988495"/>
-          </a:xfrm>
-          <a:prstGeom prst="rect">
-            <a:avLst/>
-          </a:prstGeom>
-        </p:spPr>
-      </p:pic>
-    </p:spTree>
-    <p:extLst>
-      <p:ext uri="{BB962C8B-B14F-4D97-AF65-F5344CB8AC3E}">
-        <p14:creationId xmlns:p14="http://schemas.microsoft.com/office/powerpoint/2010/main" val="1268718429"/>
-      </p:ext>
-    </p:extLst>
-  </p:cSld>
-  <p:clrMapOvr>
-    <a:masterClrMapping/>
-  </p:clrMapOvr>
-  <mc:AlternateContent xmlns:mc="http://schemas.openxmlformats.org/markup-compatibility/2006" xmlns:p14="http://schemas.microsoft.com/office/powerpoint/2010/main">
-    <mc:Choice Requires="p14">
-      <p:transition p14:dur="0"/>
-    </mc:Choice>
-    <mc:Fallback xmlns="">
-      <p:transition/>
-    </mc:Fallback>
-  </mc:AlternateContent>
-</p:sld>
-</file>
-
-<file path=ppt/slides/slide5.xml><?xml version="1.0" encoding="utf-8"?>
-<p:sld xmlns:a="http://schemas.openxmlformats.org/drawingml/2006/main" xmlns:r="http://schemas.openxmlformats.org/officeDocument/2006/relationships" xmlns:p="http://schemas.openxmlformats.org/presentationml/2006/main">
-  <p:cSld>
-    <p:spTree>
-      <p:nvGrpSpPr>
-        <p:cNvPr id="1" name=""/>
-        <p:cNvGrpSpPr/>
-        <p:nvPr/>
-      </p:nvGrpSpPr>
-      <p:grpSpPr>
-        <a:xfrm>
-          <a:off x="0" y="0"/>
-          <a:ext cx="0" cy="0"/>
-          <a:chOff x="0" y="0"/>
-          <a:chExt cx="0" cy="0"/>
-        </a:xfrm>
-      </p:grpSpPr>
-      <p:sp>
-        <p:nvSpPr>
-          <p:cNvPr id="4" name="Номер слайда 3">
-            <a:extLst>
-              <a:ext uri="{FF2B5EF4-FFF2-40B4-BE49-F238E27FC236}">
-                <a16:creationId xmlns:a16="http://schemas.microsoft.com/office/drawing/2014/main" id="{06555008-558A-4705-ADA6-A99A535D9A16}"/>
-              </a:ext>
-            </a:extLst>
-          </p:cNvPr>
-          <p:cNvSpPr>
-            <a:spLocks noGrp="1"/>
-          </p:cNvSpPr>
-          <p:nvPr>
-            <p:ph type="sldNum" idx="12"/>
-          </p:nvPr>
-        </p:nvSpPr>
-        <p:spPr>
-          <a:xfrm>
-            <a:off x="226003" y="6434051"/>
-            <a:ext cx="570309" cy="275255"/>
-          </a:xfrm>
-        </p:spPr>
-        <p:txBody>
-          <a:bodyPr/>
-          <a:lstStyle/>
-          <a:p>
-            <a:pPr marL="0" lvl="0" indent="0" algn="l" rtl="0">
-              <a:spcBef>
-                <a:spcPts val="0"/>
-              </a:spcBef>
-              <a:spcAft>
-                <a:spcPts val="0"/>
-              </a:spcAft>
-              <a:buNone/>
-            </a:pPr>
-            <a:fld id="{00000000-1234-1234-1234-123412341234}" type="slidenum">
-              <a:rPr lang="ru-RU" smtClean="0">
-                <a:latin typeface="Times New Roman" panose="02020603050405020304" pitchFamily="18" charset="0"/>
-                <a:cs typeface="Times New Roman" panose="02020603050405020304" pitchFamily="18" charset="0"/>
-              </a:rPr>
-              <a:t>5</a:t>
-            </a:fld>
-            <a:endParaRPr lang="ru-RU" dirty="0">
-              <a:latin typeface="Times New Roman" panose="02020603050405020304" pitchFamily="18" charset="0"/>
-              <a:cs typeface="Times New Roman" panose="02020603050405020304" pitchFamily="18" charset="0"/>
-            </a:endParaRPr>
-          </a:p>
-        </p:txBody>
-      </p:sp>
-      <p:grpSp>
-        <p:nvGrpSpPr>
-          <p:cNvPr id="14" name="Группа 13">
-            <a:extLst>
-              <a:ext uri="{FF2B5EF4-FFF2-40B4-BE49-F238E27FC236}">
-                <a16:creationId xmlns:a16="http://schemas.microsoft.com/office/drawing/2014/main" id="{F324A62E-A256-4354-8835-CFA3C09136B2}"/>
-              </a:ext>
-            </a:extLst>
-          </p:cNvPr>
-          <p:cNvGrpSpPr/>
-          <p:nvPr/>
-        </p:nvGrpSpPr>
-        <p:grpSpPr>
-          <a:xfrm>
-            <a:off x="3167880" y="469293"/>
-            <a:ext cx="6212171" cy="666000"/>
-            <a:chOff x="1476753" y="3499669"/>
-            <a:chExt cx="4619247" cy="666000"/>
-          </a:xfrm>
-        </p:grpSpPr>
-        <p:sp>
-          <p:nvSpPr>
-            <p:cNvPr id="15" name="Прямоугольник 14">
-              <a:extLst>
-                <a:ext uri="{FF2B5EF4-FFF2-40B4-BE49-F238E27FC236}">
-                  <a16:creationId xmlns:a16="http://schemas.microsoft.com/office/drawing/2014/main" id="{E589737A-BA23-46A0-A36B-BE16171D8E61}"/>
-                </a:ext>
-              </a:extLst>
-            </p:cNvPr>
-            <p:cNvSpPr/>
-            <p:nvPr/>
-          </p:nvSpPr>
-          <p:spPr>
-            <a:xfrm>
-              <a:off x="1476753" y="3499669"/>
-              <a:ext cx="4619247" cy="666000"/>
-            </a:xfrm>
-            <a:prstGeom prst="rect">
-              <a:avLst/>
-            </a:prstGeom>
-            <a:solidFill>
-              <a:schemeClr val="bg1"/>
-            </a:solidFill>
-            <a:ln>
-              <a:solidFill>
-                <a:schemeClr val="bg1"/>
-              </a:solidFill>
-            </a:ln>
-          </p:spPr>
-          <p:style>
-            <a:lnRef idx="2">
-              <a:schemeClr val="accent1">
-                <a:shade val="50000"/>
-              </a:schemeClr>
-            </a:lnRef>
-            <a:fillRef idx="1">
-              <a:schemeClr val="accent1"/>
-            </a:fillRef>
-            <a:effectRef idx="0">
-              <a:schemeClr val="accent1"/>
-            </a:effectRef>
-            <a:fontRef idx="minor">
-              <a:schemeClr val="lt1"/>
-            </a:fontRef>
-          </p:style>
-          <p:txBody>
-            <a:bodyPr rtlCol="0" anchor="ctr"/>
-            <a:lstStyle/>
-            <a:p>
-              <a:pPr algn="ctr"/>
-              <a:r>
-                <a:rPr lang="ru-RU" sz="2800" spc="180" dirty="0">
-                  <a:ln>
-                    <a:solidFill>
-                      <a:srgbClr val="065CAB"/>
-                    </a:solidFill>
-                  </a:ln>
-                  <a:solidFill>
-                    <a:srgbClr val="065CAB"/>
-                  </a:solidFill>
-                  <a:latin typeface="Times New Roman" panose="02020603050405020304" pitchFamily="18" charset="0"/>
-                  <a:cs typeface="Times New Roman" panose="02020603050405020304" pitchFamily="18" charset="0"/>
-                </a:rPr>
-                <a:t>Результаты фильтрации датасета</a:t>
-              </a:r>
-              <a:endParaRPr lang="ru-RU" sz="2800" spc="180" dirty="0">
-                <a:latin typeface="Times New Roman" panose="02020603050405020304" pitchFamily="18" charset="0"/>
-                <a:cs typeface="Times New Roman" panose="02020603050405020304" pitchFamily="18" charset="0"/>
-              </a:endParaRPr>
-            </a:p>
-          </p:txBody>
-        </p:sp>
-        <p:sp>
-          <p:nvSpPr>
-            <p:cNvPr id="16" name="Прямоугольник 58">
-              <a:extLst>
-                <a:ext uri="{FF2B5EF4-FFF2-40B4-BE49-F238E27FC236}">
-                  <a16:creationId xmlns:a16="http://schemas.microsoft.com/office/drawing/2014/main" id="{1C3517E3-F6E0-4F52-AEE5-DC80364E562C}"/>
-                </a:ext>
-              </a:extLst>
-            </p:cNvPr>
-            <p:cNvSpPr/>
-            <p:nvPr/>
-          </p:nvSpPr>
-          <p:spPr>
-            <a:xfrm rot="10800000" flipH="1">
-              <a:off x="1476754" y="3499669"/>
-              <a:ext cx="76579" cy="666000"/>
-            </a:xfrm>
-            <a:custGeom>
-              <a:avLst/>
-              <a:gdLst>
-                <a:gd name="connsiteX0" fmla="*/ 0 w 424732"/>
-                <a:gd name="connsiteY0" fmla="*/ 0 h 424732"/>
-                <a:gd name="connsiteX1" fmla="*/ 424732 w 424732"/>
-                <a:gd name="connsiteY1" fmla="*/ 0 h 424732"/>
-                <a:gd name="connsiteX2" fmla="*/ 424732 w 424732"/>
-                <a:gd name="connsiteY2" fmla="*/ 424732 h 424732"/>
-                <a:gd name="connsiteX3" fmla="*/ 0 w 424732"/>
-                <a:gd name="connsiteY3" fmla="*/ 424732 h 424732"/>
-                <a:gd name="connsiteX4" fmla="*/ 0 w 424732"/>
-                <a:gd name="connsiteY4" fmla="*/ 0 h 424732"/>
-                <a:gd name="connsiteX0" fmla="*/ 0 w 425450"/>
-                <a:gd name="connsiteY0" fmla="*/ 0 h 424732"/>
-                <a:gd name="connsiteX1" fmla="*/ 424732 w 425450"/>
-                <a:gd name="connsiteY1" fmla="*/ 0 h 424732"/>
-                <a:gd name="connsiteX2" fmla="*/ 425450 w 425450"/>
-                <a:gd name="connsiteY2" fmla="*/ 238890 h 424732"/>
-                <a:gd name="connsiteX3" fmla="*/ 424732 w 425450"/>
-                <a:gd name="connsiteY3" fmla="*/ 424732 h 424732"/>
-                <a:gd name="connsiteX4" fmla="*/ 0 w 425450"/>
-                <a:gd name="connsiteY4" fmla="*/ 424732 h 424732"/>
-                <a:gd name="connsiteX5" fmla="*/ 0 w 425450"/>
-                <a:gd name="connsiteY5" fmla="*/ 0 h 424732"/>
-                <a:gd name="connsiteX0" fmla="*/ 425450 w 516890"/>
-                <a:gd name="connsiteY0" fmla="*/ 238890 h 424732"/>
-                <a:gd name="connsiteX1" fmla="*/ 424732 w 516890"/>
-                <a:gd name="connsiteY1" fmla="*/ 424732 h 424732"/>
-                <a:gd name="connsiteX2" fmla="*/ 0 w 516890"/>
-                <a:gd name="connsiteY2" fmla="*/ 424732 h 424732"/>
-                <a:gd name="connsiteX3" fmla="*/ 0 w 516890"/>
-                <a:gd name="connsiteY3" fmla="*/ 0 h 424732"/>
-                <a:gd name="connsiteX4" fmla="*/ 424732 w 516890"/>
-                <a:gd name="connsiteY4" fmla="*/ 0 h 424732"/>
-                <a:gd name="connsiteX5" fmla="*/ 516890 w 516890"/>
-                <a:gd name="connsiteY5" fmla="*/ 330330 h 424732"/>
-                <a:gd name="connsiteX0" fmla="*/ 424732 w 516890"/>
-                <a:gd name="connsiteY0" fmla="*/ 424732 h 424732"/>
-                <a:gd name="connsiteX1" fmla="*/ 0 w 516890"/>
-                <a:gd name="connsiteY1" fmla="*/ 424732 h 424732"/>
-                <a:gd name="connsiteX2" fmla="*/ 0 w 516890"/>
-                <a:gd name="connsiteY2" fmla="*/ 0 h 424732"/>
-                <a:gd name="connsiteX3" fmla="*/ 424732 w 516890"/>
-                <a:gd name="connsiteY3" fmla="*/ 0 h 424732"/>
-                <a:gd name="connsiteX4" fmla="*/ 516890 w 516890"/>
-                <a:gd name="connsiteY4" fmla="*/ 330330 h 424732"/>
-                <a:gd name="connsiteX0" fmla="*/ 424732 w 424732"/>
-                <a:gd name="connsiteY0" fmla="*/ 424732 h 424732"/>
-                <a:gd name="connsiteX1" fmla="*/ 0 w 424732"/>
-                <a:gd name="connsiteY1" fmla="*/ 424732 h 424732"/>
-                <a:gd name="connsiteX2" fmla="*/ 0 w 424732"/>
-                <a:gd name="connsiteY2" fmla="*/ 0 h 424732"/>
-                <a:gd name="connsiteX3" fmla="*/ 424732 w 424732"/>
-                <a:gd name="connsiteY3" fmla="*/ 0 h 424732"/>
-              </a:gdLst>
-              <a:ahLst/>
-              <a:cxnLst>
-                <a:cxn ang="0">
-                  <a:pos x="connsiteX0" y="connsiteY0"/>
-                </a:cxn>
-                <a:cxn ang="0">
-                  <a:pos x="connsiteX1" y="connsiteY1"/>
-                </a:cxn>
-                <a:cxn ang="0">
-                  <a:pos x="connsiteX2" y="connsiteY2"/>
-                </a:cxn>
-                <a:cxn ang="0">
-                  <a:pos x="connsiteX3" y="connsiteY3"/>
-                </a:cxn>
-              </a:cxnLst>
-              <a:rect l="l" t="t" r="r" b="b"/>
-              <a:pathLst>
-                <a:path w="424732" h="424732">
-                  <a:moveTo>
-                    <a:pt x="424732" y="424732"/>
-                  </a:moveTo>
-                  <a:lnTo>
-                    <a:pt x="0" y="424732"/>
-                  </a:lnTo>
-                  <a:lnTo>
-                    <a:pt x="0" y="0"/>
-                  </a:lnTo>
-                  <a:lnTo>
-                    <a:pt x="424732" y="0"/>
-                  </a:lnTo>
-                </a:path>
-              </a:pathLst>
-            </a:custGeom>
-            <a:ln w="16510">
-              <a:solidFill>
-                <a:srgbClr val="065CAB"/>
-              </a:solidFill>
-            </a:ln>
-          </p:spPr>
-          <p:style>
-            <a:lnRef idx="1">
-              <a:schemeClr val="accent1"/>
-            </a:lnRef>
-            <a:fillRef idx="0">
-              <a:schemeClr val="accent1"/>
-            </a:fillRef>
-            <a:effectRef idx="0">
-              <a:schemeClr val="accent1"/>
-            </a:effectRef>
-            <a:fontRef idx="minor">
-              <a:schemeClr val="tx1"/>
-            </a:fontRef>
-          </p:style>
-          <p:txBody>
-            <a:bodyPr rtlCol="0" anchor="ctr"/>
-            <a:lstStyle/>
-            <a:p>
-              <a:pPr algn="ctr"/>
-              <a:endParaRPr lang="ru-RU" dirty="0">
-                <a:latin typeface="ALS Sector Regular" panose="02000000000000000000" pitchFamily="2" charset="0"/>
-              </a:endParaRPr>
-            </a:p>
-          </p:txBody>
-        </p:sp>
-        <p:sp>
-          <p:nvSpPr>
-            <p:cNvPr id="17" name="Прямоугольник 58">
-              <a:extLst>
-                <a:ext uri="{FF2B5EF4-FFF2-40B4-BE49-F238E27FC236}">
-                  <a16:creationId xmlns:a16="http://schemas.microsoft.com/office/drawing/2014/main" id="{CEC88DFA-D330-4EAE-893E-A44623A39FD6}"/>
-                </a:ext>
-              </a:extLst>
-            </p:cNvPr>
-            <p:cNvSpPr>
-              <a:spLocks noChangeAspect="1"/>
-            </p:cNvSpPr>
-            <p:nvPr/>
-          </p:nvSpPr>
-          <p:spPr>
-            <a:xfrm flipH="1">
-              <a:off x="6005951" y="3499669"/>
-              <a:ext cx="90049" cy="666000"/>
-            </a:xfrm>
-            <a:custGeom>
-              <a:avLst/>
-              <a:gdLst>
-                <a:gd name="connsiteX0" fmla="*/ 0 w 424732"/>
-                <a:gd name="connsiteY0" fmla="*/ 0 h 424732"/>
-                <a:gd name="connsiteX1" fmla="*/ 424732 w 424732"/>
-                <a:gd name="connsiteY1" fmla="*/ 0 h 424732"/>
-                <a:gd name="connsiteX2" fmla="*/ 424732 w 424732"/>
-                <a:gd name="connsiteY2" fmla="*/ 424732 h 424732"/>
-                <a:gd name="connsiteX3" fmla="*/ 0 w 424732"/>
-                <a:gd name="connsiteY3" fmla="*/ 424732 h 424732"/>
-                <a:gd name="connsiteX4" fmla="*/ 0 w 424732"/>
-                <a:gd name="connsiteY4" fmla="*/ 0 h 424732"/>
-                <a:gd name="connsiteX0" fmla="*/ 0 w 425450"/>
-                <a:gd name="connsiteY0" fmla="*/ 0 h 424732"/>
-                <a:gd name="connsiteX1" fmla="*/ 424732 w 425450"/>
-                <a:gd name="connsiteY1" fmla="*/ 0 h 424732"/>
-                <a:gd name="connsiteX2" fmla="*/ 425450 w 425450"/>
-                <a:gd name="connsiteY2" fmla="*/ 238890 h 424732"/>
-                <a:gd name="connsiteX3" fmla="*/ 424732 w 425450"/>
-                <a:gd name="connsiteY3" fmla="*/ 424732 h 424732"/>
-                <a:gd name="connsiteX4" fmla="*/ 0 w 425450"/>
-                <a:gd name="connsiteY4" fmla="*/ 424732 h 424732"/>
-                <a:gd name="connsiteX5" fmla="*/ 0 w 425450"/>
-                <a:gd name="connsiteY5" fmla="*/ 0 h 424732"/>
-                <a:gd name="connsiteX0" fmla="*/ 425450 w 516890"/>
-                <a:gd name="connsiteY0" fmla="*/ 238890 h 424732"/>
-                <a:gd name="connsiteX1" fmla="*/ 424732 w 516890"/>
-                <a:gd name="connsiteY1" fmla="*/ 424732 h 424732"/>
-                <a:gd name="connsiteX2" fmla="*/ 0 w 516890"/>
-                <a:gd name="connsiteY2" fmla="*/ 424732 h 424732"/>
-                <a:gd name="connsiteX3" fmla="*/ 0 w 516890"/>
-                <a:gd name="connsiteY3" fmla="*/ 0 h 424732"/>
-                <a:gd name="connsiteX4" fmla="*/ 424732 w 516890"/>
-                <a:gd name="connsiteY4" fmla="*/ 0 h 424732"/>
-                <a:gd name="connsiteX5" fmla="*/ 516890 w 516890"/>
-                <a:gd name="connsiteY5" fmla="*/ 330330 h 424732"/>
-                <a:gd name="connsiteX0" fmla="*/ 424732 w 516890"/>
-                <a:gd name="connsiteY0" fmla="*/ 424732 h 424732"/>
-                <a:gd name="connsiteX1" fmla="*/ 0 w 516890"/>
-                <a:gd name="connsiteY1" fmla="*/ 424732 h 424732"/>
-                <a:gd name="connsiteX2" fmla="*/ 0 w 516890"/>
-                <a:gd name="connsiteY2" fmla="*/ 0 h 424732"/>
-                <a:gd name="connsiteX3" fmla="*/ 424732 w 516890"/>
-                <a:gd name="connsiteY3" fmla="*/ 0 h 424732"/>
-                <a:gd name="connsiteX4" fmla="*/ 516890 w 516890"/>
-                <a:gd name="connsiteY4" fmla="*/ 330330 h 424732"/>
-                <a:gd name="connsiteX0" fmla="*/ 424732 w 424732"/>
-                <a:gd name="connsiteY0" fmla="*/ 424732 h 424732"/>
-                <a:gd name="connsiteX1" fmla="*/ 0 w 424732"/>
-                <a:gd name="connsiteY1" fmla="*/ 424732 h 424732"/>
-                <a:gd name="connsiteX2" fmla="*/ 0 w 424732"/>
-                <a:gd name="connsiteY2" fmla="*/ 0 h 424732"/>
-                <a:gd name="connsiteX3" fmla="*/ 424732 w 424732"/>
-                <a:gd name="connsiteY3" fmla="*/ 0 h 424732"/>
-              </a:gdLst>
-              <a:ahLst/>
-              <a:cxnLst>
-                <a:cxn ang="0">
-                  <a:pos x="connsiteX0" y="connsiteY0"/>
-                </a:cxn>
-                <a:cxn ang="0">
-                  <a:pos x="connsiteX1" y="connsiteY1"/>
-                </a:cxn>
-                <a:cxn ang="0">
-                  <a:pos x="connsiteX2" y="connsiteY2"/>
-                </a:cxn>
-                <a:cxn ang="0">
-                  <a:pos x="connsiteX3" y="connsiteY3"/>
-                </a:cxn>
-              </a:cxnLst>
-              <a:rect l="l" t="t" r="r" b="b"/>
-              <a:pathLst>
-                <a:path w="424732" h="424732">
-                  <a:moveTo>
-                    <a:pt x="424732" y="424732"/>
-                  </a:moveTo>
-                  <a:lnTo>
-                    <a:pt x="0" y="424732"/>
-                  </a:lnTo>
-                  <a:lnTo>
-                    <a:pt x="0" y="0"/>
-                  </a:lnTo>
-                  <a:lnTo>
-                    <a:pt x="424732" y="0"/>
-                  </a:lnTo>
-                </a:path>
-              </a:pathLst>
-            </a:custGeom>
-            <a:ln w="16510">
-              <a:solidFill>
-                <a:srgbClr val="0046A2"/>
-              </a:solidFill>
-            </a:ln>
-          </p:spPr>
-          <p:style>
-            <a:lnRef idx="1">
-              <a:schemeClr val="accent1"/>
-            </a:lnRef>
-            <a:fillRef idx="0">
-              <a:schemeClr val="accent1"/>
-            </a:fillRef>
-            <a:effectRef idx="0">
-              <a:schemeClr val="accent1"/>
-            </a:effectRef>
-            <a:fontRef idx="minor">
-              <a:schemeClr val="tx1"/>
-            </a:fontRef>
-          </p:style>
-          <p:txBody>
-            <a:bodyPr rtlCol="0" anchor="ctr"/>
-            <a:lstStyle/>
-            <a:p>
-              <a:pPr algn="ctr"/>
-              <a:endParaRPr lang="ru-RU" dirty="0">
-                <a:solidFill>
-                  <a:srgbClr val="065CAB"/>
-                </a:solidFill>
-                <a:latin typeface="ALS Sector Regular" panose="02000000000000000000" pitchFamily="2" charset="0"/>
-              </a:endParaRPr>
-            </a:p>
-          </p:txBody>
-        </p:sp>
-      </p:grpSp>
-      <p:sp>
-        <p:nvSpPr>
-          <p:cNvPr id="18" name="Прямоугольник 17">
-            <a:extLst>
-              <a:ext uri="{FF2B5EF4-FFF2-40B4-BE49-F238E27FC236}">
-                <a16:creationId xmlns:a16="http://schemas.microsoft.com/office/drawing/2014/main" id="{FB43908E-9AC0-493F-94AA-6F7F6D2860F4}"/>
-              </a:ext>
-            </a:extLst>
-          </p:cNvPr>
-          <p:cNvSpPr/>
-          <p:nvPr/>
-        </p:nvSpPr>
-        <p:spPr>
-          <a:xfrm>
-            <a:off x="3093708" y="1405305"/>
-            <a:ext cx="6099381" cy="400110"/>
-          </a:xfrm>
-          <a:prstGeom prst="rect">
-            <a:avLst/>
-          </a:prstGeom>
-        </p:spPr>
-        <p:txBody>
-          <a:bodyPr wrap="square">
-            <a:spAutoFit/>
-          </a:bodyPr>
-          <a:lstStyle/>
-          <a:p>
-            <a:pPr algn="ctr"/>
-            <a:r>
-              <a:rPr lang="ru-RU" sz="1800" dirty="0">
-                <a:solidFill>
-                  <a:srgbClr val="C00000"/>
-                </a:solidFill>
-                <a:latin typeface="Times New Roman" panose="02020603050405020304" pitchFamily="18" charset="0"/>
-                <a:ea typeface="Arial" panose="020B0604020202020204" pitchFamily="34" charset="0"/>
-              </a:rPr>
-              <a:t> </a:t>
-            </a:r>
-            <a:r>
-              <a:rPr lang="en-US" sz="2000" dirty="0">
-                <a:solidFill>
-                  <a:srgbClr val="C00000"/>
-                </a:solidFill>
-                <a:latin typeface="Times New Roman" panose="02020603050405020304" pitchFamily="18" charset="0"/>
-                <a:ea typeface="Arial" panose="020B0604020202020204" pitchFamily="34" charset="0"/>
-              </a:rPr>
-              <a:t>y</a:t>
-            </a:r>
-            <a:r>
-              <a:rPr lang="ru-RU" sz="2000" dirty="0">
-                <a:solidFill>
-                  <a:srgbClr val="C00000"/>
-                </a:solidFill>
-                <a:latin typeface="Times New Roman" panose="02020603050405020304" pitchFamily="18" charset="0"/>
-                <a:ea typeface="Arial" panose="020B0604020202020204" pitchFamily="34" charset="0"/>
-              </a:rPr>
-              <a:t>_</a:t>
-            </a:r>
-            <a:r>
-              <a:rPr lang="en-US" sz="2000" dirty="0">
-                <a:solidFill>
-                  <a:srgbClr val="C00000"/>
-                </a:solidFill>
-                <a:latin typeface="Times New Roman" panose="02020603050405020304" pitchFamily="18" charset="0"/>
-                <a:ea typeface="Arial" panose="020B0604020202020204" pitchFamily="34" charset="0"/>
-              </a:rPr>
-              <a:t>1 =  </a:t>
-            </a:r>
-            <a:r>
-              <a:rPr lang="ru-RU" sz="2000" dirty="0">
-                <a:solidFill>
-                  <a:srgbClr val="C00000"/>
-                </a:solidFill>
-                <a:latin typeface="Times New Roman" panose="02020603050405020304" pitchFamily="18" charset="0"/>
-                <a:ea typeface="Arial" panose="020B0604020202020204" pitchFamily="34" charset="0"/>
-              </a:rPr>
-              <a:t>'Модуль упругости при растяжении'</a:t>
-            </a:r>
-            <a:endParaRPr lang="ru-RU" sz="1800" dirty="0">
-              <a:solidFill>
-                <a:srgbClr val="C00000"/>
-              </a:solidFill>
-            </a:endParaRPr>
-          </a:p>
-        </p:txBody>
-      </p:sp>
-      <p:pic>
-        <p:nvPicPr>
-          <p:cNvPr id="22" name="Рисунок 21">
-            <a:extLst>
-              <a:ext uri="{FF2B5EF4-FFF2-40B4-BE49-F238E27FC236}">
-                <a16:creationId xmlns:a16="http://schemas.microsoft.com/office/drawing/2014/main" id="{6BA7224A-E563-4B21-966D-AEAF68241DBB}"/>
-              </a:ext>
-            </a:extLst>
-          </p:cNvPr>
-          <p:cNvPicPr>
-            <a:picLocks noChangeAspect="1"/>
-          </p:cNvPicPr>
-          <p:nvPr/>
-        </p:nvPicPr>
-        <p:blipFill>
-          <a:blip r:embed="rId2"/>
-          <a:stretch>
-            <a:fillRect/>
-          </a:stretch>
-        </p:blipFill>
-        <p:spPr>
-          <a:xfrm>
-            <a:off x="344962" y="4884431"/>
-            <a:ext cx="11495314" cy="1247455"/>
-          </a:xfrm>
-          <a:prstGeom prst="rect">
-            <a:avLst/>
-          </a:prstGeom>
-        </p:spPr>
-      </p:pic>
-      <p:pic>
-        <p:nvPicPr>
-          <p:cNvPr id="24" name="Рисунок 23">
-            <a:extLst>
-              <a:ext uri="{FF2B5EF4-FFF2-40B4-BE49-F238E27FC236}">
-                <a16:creationId xmlns:a16="http://schemas.microsoft.com/office/drawing/2014/main" id="{595A713B-0B61-42CB-A6B6-6AB79004F543}"/>
-              </a:ext>
-            </a:extLst>
-          </p:cNvPr>
-          <p:cNvPicPr>
-            <a:picLocks noChangeAspect="1"/>
-          </p:cNvPicPr>
-          <p:nvPr/>
-        </p:nvPicPr>
-        <p:blipFill>
-          <a:blip r:embed="rId3"/>
-          <a:stretch>
-            <a:fillRect/>
-          </a:stretch>
-        </p:blipFill>
-        <p:spPr>
-          <a:xfrm>
-            <a:off x="348951" y="2569081"/>
-            <a:ext cx="9469263" cy="1208030"/>
-          </a:xfrm>
-          <a:prstGeom prst="rect">
-            <a:avLst/>
-          </a:prstGeom>
-        </p:spPr>
-      </p:pic>
-      <p:pic>
-        <p:nvPicPr>
-          <p:cNvPr id="25" name="Рисунок 24">
-            <a:extLst>
-              <a:ext uri="{FF2B5EF4-FFF2-40B4-BE49-F238E27FC236}">
-                <a16:creationId xmlns:a16="http://schemas.microsoft.com/office/drawing/2014/main" id="{94001FBA-9484-416A-B5D7-70DCE30AD5E5}"/>
-              </a:ext>
-            </a:extLst>
-          </p:cNvPr>
-          <p:cNvPicPr>
-            <a:picLocks noChangeAspect="1"/>
-          </p:cNvPicPr>
-          <p:nvPr/>
-        </p:nvPicPr>
-        <p:blipFill>
-          <a:blip r:embed="rId4"/>
-          <a:stretch>
-            <a:fillRect/>
-          </a:stretch>
-        </p:blipFill>
-        <p:spPr>
-          <a:xfrm>
-            <a:off x="9732214" y="2527314"/>
-            <a:ext cx="2094414" cy="1258390"/>
-          </a:xfrm>
-          <a:prstGeom prst="rect">
-            <a:avLst/>
-          </a:prstGeom>
-        </p:spPr>
-      </p:pic>
-      <p:sp>
-        <p:nvSpPr>
-          <p:cNvPr id="26" name="Прямоугольник 25">
-            <a:extLst>
-              <a:ext uri="{FF2B5EF4-FFF2-40B4-BE49-F238E27FC236}">
-                <a16:creationId xmlns:a16="http://schemas.microsoft.com/office/drawing/2014/main" id="{8D31B3FF-9EA6-49A4-82F9-F5DA991976C6}"/>
-              </a:ext>
-            </a:extLst>
-          </p:cNvPr>
-          <p:cNvSpPr/>
-          <p:nvPr/>
-        </p:nvSpPr>
-        <p:spPr>
-          <a:xfrm>
-            <a:off x="3277346" y="2063466"/>
-            <a:ext cx="5672039" cy="400110"/>
-          </a:xfrm>
-          <a:prstGeom prst="rect">
-            <a:avLst/>
-          </a:prstGeom>
-        </p:spPr>
-        <p:txBody>
-          <a:bodyPr wrap="square">
-            <a:spAutoFit/>
-          </a:bodyPr>
-          <a:lstStyle/>
-          <a:p>
-            <a:pPr algn="ctr"/>
-            <a:r>
-              <a:rPr lang="ru-RU" sz="2000" dirty="0">
-                <a:solidFill>
-                  <a:schemeClr val="tx1"/>
-                </a:solidFill>
-                <a:latin typeface="Times New Roman" panose="02020603050405020304" pitchFamily="18" charset="0"/>
-                <a:ea typeface="Arial" panose="020B0604020202020204" pitchFamily="34" charset="0"/>
-              </a:rPr>
-              <a:t>Полный датасет</a:t>
-            </a:r>
-            <a:endParaRPr lang="ru-RU" sz="2000" dirty="0">
-              <a:solidFill>
-                <a:schemeClr val="tx1"/>
-              </a:solidFill>
-            </a:endParaRPr>
-          </a:p>
-        </p:txBody>
-      </p:sp>
-      <p:sp>
-        <p:nvSpPr>
-          <p:cNvPr id="27" name="Прямоугольник 26">
-            <a:extLst>
-              <a:ext uri="{FF2B5EF4-FFF2-40B4-BE49-F238E27FC236}">
-                <a16:creationId xmlns:a16="http://schemas.microsoft.com/office/drawing/2014/main" id="{1BA22545-60E8-4CE1-9B08-3D7F26D9C0E6}"/>
-              </a:ext>
-            </a:extLst>
-          </p:cNvPr>
-          <p:cNvSpPr/>
-          <p:nvPr/>
-        </p:nvSpPr>
-        <p:spPr>
-          <a:xfrm>
-            <a:off x="3259404" y="4398749"/>
-            <a:ext cx="5672039" cy="400110"/>
-          </a:xfrm>
-          <a:prstGeom prst="rect">
-            <a:avLst/>
-          </a:prstGeom>
-        </p:spPr>
-        <p:txBody>
-          <a:bodyPr wrap="square">
-            <a:spAutoFit/>
-          </a:bodyPr>
-          <a:lstStyle/>
-          <a:p>
-            <a:pPr algn="ctr"/>
-            <a:r>
-              <a:rPr lang="ru-RU" sz="2000" dirty="0">
-                <a:solidFill>
-                  <a:schemeClr val="tx1"/>
-                </a:solidFill>
-                <a:latin typeface="Times New Roman" panose="02020603050405020304" pitchFamily="18" charset="0"/>
-                <a:ea typeface="Arial" panose="020B0604020202020204" pitchFamily="34" charset="0"/>
-              </a:rPr>
-              <a:t>Очищенный датасет (</a:t>
-            </a:r>
-            <a:r>
-              <a:rPr lang="en-US" sz="2000" i="1" dirty="0">
-                <a:solidFill>
-                  <a:schemeClr val="tx1"/>
-                </a:solidFill>
-                <a:latin typeface="Times New Roman" panose="02020603050405020304" pitchFamily="18" charset="0"/>
-                <a:ea typeface="Arial" panose="020B0604020202020204" pitchFamily="34" charset="0"/>
-              </a:rPr>
-              <a:t>k</a:t>
-            </a:r>
-            <a:r>
-              <a:rPr lang="en-US" sz="2000" i="1" baseline="-25000" dirty="0">
-                <a:solidFill>
-                  <a:schemeClr val="tx1"/>
-                </a:solidFill>
-                <a:latin typeface="Times New Roman" panose="02020603050405020304" pitchFamily="18" charset="0"/>
-                <a:ea typeface="Arial" panose="020B0604020202020204" pitchFamily="34" charset="0"/>
-              </a:rPr>
-              <a:t>nn</a:t>
-            </a:r>
-            <a:r>
-              <a:rPr lang="ru-RU" sz="2000" dirty="0">
-                <a:solidFill>
-                  <a:schemeClr val="tx1"/>
-                </a:solidFill>
-                <a:latin typeface="Times New Roman" panose="02020603050405020304" pitchFamily="18" charset="0"/>
-                <a:ea typeface="Arial" panose="020B0604020202020204" pitchFamily="34" charset="0"/>
-              </a:rPr>
-              <a:t> = 5)</a:t>
-            </a:r>
-            <a:endParaRPr lang="ru-RU" sz="2000" dirty="0">
-              <a:solidFill>
-                <a:schemeClr val="tx1"/>
-              </a:solidFill>
-            </a:endParaRPr>
-          </a:p>
-        </p:txBody>
-      </p:sp>
-    </p:spTree>
-    <p:extLst>
-      <p:ext uri="{BB962C8B-B14F-4D97-AF65-F5344CB8AC3E}">
-        <p14:creationId xmlns:p14="http://schemas.microsoft.com/office/powerpoint/2010/main" val="1252381622"/>
-      </p:ext>
-    </p:extLst>
-  </p:cSld>
-  <p:clrMapOvr>
-    <a:masterClrMapping/>
-  </p:clrMapOvr>
-  <mc:AlternateContent xmlns:mc="http://schemas.openxmlformats.org/markup-compatibility/2006" xmlns:p14="http://schemas.microsoft.com/office/powerpoint/2010/main">
-    <mc:Choice Requires="p14">
-      <p:transition p14:dur="0"/>
-    </mc:Choice>
-    <mc:Fallback xmlns="">
-      <p:transition/>
-    </mc:Fallback>
-  </mc:AlternateContent>
-</p:sld>
-</file>
-
-<file path=ppt/slides/slide6.xml><?xml version="1.0" encoding="utf-8"?>
-<p:sld xmlns:a="http://schemas.openxmlformats.org/drawingml/2006/main" xmlns:r="http://schemas.openxmlformats.org/officeDocument/2006/relationships" xmlns:p="http://schemas.openxmlformats.org/presentationml/2006/main">
-  <p:cSld>
-    <p:spTree>
-      <p:nvGrpSpPr>
-        <p:cNvPr id="1" name=""/>
-        <p:cNvGrpSpPr/>
-        <p:nvPr/>
-      </p:nvGrpSpPr>
-      <p:grpSpPr>
-        <a:xfrm>
-          <a:off x="0" y="0"/>
-          <a:ext cx="0" cy="0"/>
-          <a:chOff x="0" y="0"/>
-          <a:chExt cx="0" cy="0"/>
-        </a:xfrm>
-      </p:grpSpPr>
-      <p:sp>
-        <p:nvSpPr>
           <p:cNvPr id="24" name="Прямоугольник 23">
             <a:extLst>
               <a:ext uri="{FF2B5EF4-FFF2-40B4-BE49-F238E27FC236}">
@@ -12115,7 +9955,7 @@
                 <a:latin typeface="Times New Roman" panose="02020603050405020304" pitchFamily="18" charset="0"/>
                 <a:cs typeface="Times New Roman" panose="02020603050405020304" pitchFamily="18" charset="0"/>
               </a:rPr>
-              <a:t>6</a:t>
+              <a:t>4</a:t>
             </a:fld>
             <a:endParaRPr lang="ru-RU" dirty="0">
               <a:latin typeface="Times New Roman" panose="02020603050405020304" pitchFamily="18" charset="0"/>
@@ -13457,8 +11297,8 @@
           </a:prstGeom>
         </p:spPr>
       </p:pic>
-      <mc:AlternateContent xmlns:mc="http://schemas.openxmlformats.org/markup-compatibility/2006">
-        <mc:Choice xmlns:a14="http://schemas.microsoft.com/office/drawing/2010/main" Requires="a14">
+      <mc:AlternateContent xmlns:mc="http://schemas.openxmlformats.org/markup-compatibility/2006" xmlns:a14="http://schemas.microsoft.com/office/drawing/2010/main">
+        <mc:Choice Requires="a14">
           <p:sp>
             <p:nvSpPr>
               <p:cNvPr id="25" name="Прямоугольник 24">
@@ -13678,6 +11518,16 @@
                 <a:r>
                   <a:rPr lang="ru-RU" sz="1600" dirty="0">
                     <a:solidFill>
+                      <a:srgbClr val="C00000"/>
+                    </a:solidFill>
+                    <a:latin typeface="Times New Roman" panose="02020603050405020304" pitchFamily="18" charset="0"/>
+                    <a:cs typeface="Times New Roman" panose="02020603050405020304" pitchFamily="18" charset="0"/>
+                  </a:rPr>
+                  <a:t>контроля подобия </a:t>
+                </a:r>
+                <a:r>
+                  <a:rPr lang="ru-RU" sz="1600" dirty="0">
+                    <a:solidFill>
                       <a:schemeClr val="accent1">
                         <a:lumMod val="75000"/>
                       </a:schemeClr>
@@ -13685,7 +11535,7 @@
                     <a:latin typeface="Times New Roman" panose="02020603050405020304" pitchFamily="18" charset="0"/>
                     <a:cs typeface="Times New Roman" panose="02020603050405020304" pitchFamily="18" charset="0"/>
                   </a:rPr>
-                  <a:t>контроля подобия создаваемых обучающей и тестовой выборок с целью </a:t>
+                  <a:t>создаваемых обучающей и тестовой выборок с целью </a:t>
                 </a:r>
                 <a:r>
                   <a:rPr lang="ru-RU" sz="1600" dirty="0">
@@ -13735,7 +11585,7 @@
             </p:txBody>
           </p:sp>
         </mc:Choice>
-        <mc:Fallback>
+        <mc:Fallback xmlns="">
           <p:sp>
             <p:nvSpPr>
               <p:cNvPr id="25" name="Прямоугольник 24">
@@ -13889,6 +11739,2166 @@
       <p:transition spd="slow">
         <p:checker dir="vert"/>
       </p:transition>
+    </mc:Fallback>
+  </mc:AlternateContent>
+</p:sld>
+</file>
+
+<file path=ppt/slides/slide5.xml><?xml version="1.0" encoding="utf-8"?>
+<p:sld xmlns:a="http://schemas.openxmlformats.org/drawingml/2006/main" xmlns:r="http://schemas.openxmlformats.org/officeDocument/2006/relationships" xmlns:p="http://schemas.openxmlformats.org/presentationml/2006/main">
+  <p:cSld>
+    <p:spTree>
+      <p:nvGrpSpPr>
+        <p:cNvPr id="1" name=""/>
+        <p:cNvGrpSpPr/>
+        <p:nvPr/>
+      </p:nvGrpSpPr>
+      <p:grpSpPr>
+        <a:xfrm>
+          <a:off x="0" y="0"/>
+          <a:ext cx="0" cy="0"/>
+          <a:chOff x="0" y="0"/>
+          <a:chExt cx="0" cy="0"/>
+        </a:xfrm>
+      </p:grpSpPr>
+      <p:sp>
+        <p:nvSpPr>
+          <p:cNvPr id="41" name="Прямоугольник 40">
+            <a:extLst>
+              <a:ext uri="{FF2B5EF4-FFF2-40B4-BE49-F238E27FC236}">
+                <a16:creationId xmlns:a16="http://schemas.microsoft.com/office/drawing/2014/main" id="{FBD290E7-1BB2-4A31-BB4F-8BF4377A1C02}"/>
+              </a:ext>
+            </a:extLst>
+          </p:cNvPr>
+          <p:cNvSpPr/>
+          <p:nvPr/>
+        </p:nvSpPr>
+        <p:spPr>
+          <a:xfrm>
+            <a:off x="1358545" y="1920127"/>
+            <a:ext cx="4018871" cy="2972447"/>
+          </a:xfrm>
+          <a:prstGeom prst="rect">
+            <a:avLst/>
+          </a:prstGeom>
+          <a:solidFill>
+            <a:schemeClr val="bg1">
+              <a:lumMod val="95000"/>
+            </a:schemeClr>
+          </a:solidFill>
+          <a:ln w="3175"/>
+        </p:spPr>
+        <p:style>
+          <a:lnRef idx="2">
+            <a:schemeClr val="accent6">
+              <a:shade val="50000"/>
+            </a:schemeClr>
+          </a:lnRef>
+          <a:fillRef idx="1">
+            <a:schemeClr val="accent6"/>
+          </a:fillRef>
+          <a:effectRef idx="0">
+            <a:schemeClr val="accent6"/>
+          </a:effectRef>
+          <a:fontRef idx="minor">
+            <a:schemeClr val="lt1"/>
+          </a:fontRef>
+        </p:style>
+        <p:txBody>
+          <a:bodyPr rtlCol="0" anchor="ctr"/>
+          <a:lstStyle/>
+          <a:p>
+            <a:pPr algn="ctr"/>
+            <a:endParaRPr lang="ru-RU"/>
+          </a:p>
+        </p:txBody>
+      </p:sp>
+      <p:sp>
+        <p:nvSpPr>
+          <p:cNvPr id="34" name="Прямоугольник 33">
+            <a:extLst>
+              <a:ext uri="{FF2B5EF4-FFF2-40B4-BE49-F238E27FC236}">
+                <a16:creationId xmlns:a16="http://schemas.microsoft.com/office/drawing/2014/main" id="{10E54A0B-A97E-4EA1-8C0B-D58497B01CD3}"/>
+              </a:ext>
+            </a:extLst>
+          </p:cNvPr>
+          <p:cNvSpPr/>
+          <p:nvPr/>
+        </p:nvSpPr>
+        <p:spPr>
+          <a:xfrm>
+            <a:off x="6817442" y="1923410"/>
+            <a:ext cx="4018871" cy="2972447"/>
+          </a:xfrm>
+          <a:prstGeom prst="rect">
+            <a:avLst/>
+          </a:prstGeom>
+          <a:solidFill>
+            <a:schemeClr val="bg1">
+              <a:lumMod val="95000"/>
+            </a:schemeClr>
+          </a:solidFill>
+          <a:ln w="3175"/>
+        </p:spPr>
+        <p:style>
+          <a:lnRef idx="2">
+            <a:schemeClr val="accent6">
+              <a:shade val="50000"/>
+            </a:schemeClr>
+          </a:lnRef>
+          <a:fillRef idx="1">
+            <a:schemeClr val="accent6"/>
+          </a:fillRef>
+          <a:effectRef idx="0">
+            <a:schemeClr val="accent6"/>
+          </a:effectRef>
+          <a:fontRef idx="minor">
+            <a:schemeClr val="lt1"/>
+          </a:fontRef>
+        </p:style>
+        <p:txBody>
+          <a:bodyPr rtlCol="0" anchor="ctr"/>
+          <a:lstStyle/>
+          <a:p>
+            <a:pPr algn="ctr"/>
+            <a:endParaRPr lang="ru-RU"/>
+          </a:p>
+        </p:txBody>
+      </p:sp>
+      <p:sp>
+        <p:nvSpPr>
+          <p:cNvPr id="8" name="Номер слайда 3">
+            <a:extLst>
+              <a:ext uri="{FF2B5EF4-FFF2-40B4-BE49-F238E27FC236}">
+                <a16:creationId xmlns:a16="http://schemas.microsoft.com/office/drawing/2014/main" id="{542A9EF0-C372-49E0-A6DB-C1F10C19AABF}"/>
+              </a:ext>
+            </a:extLst>
+          </p:cNvPr>
+          <p:cNvSpPr>
+            <a:spLocks noGrp="1"/>
+          </p:cNvSpPr>
+          <p:nvPr>
+            <p:ph type="sldNum" idx="12"/>
+          </p:nvPr>
+        </p:nvSpPr>
+        <p:spPr>
+          <a:xfrm>
+            <a:off x="216478" y="6434051"/>
+            <a:ext cx="570309" cy="275255"/>
+          </a:xfrm>
+        </p:spPr>
+        <p:txBody>
+          <a:bodyPr/>
+          <a:lstStyle/>
+          <a:p>
+            <a:pPr marL="0" lvl="0" indent="0" algn="l" rtl="0">
+              <a:spcBef>
+                <a:spcPts val="0"/>
+              </a:spcBef>
+              <a:spcAft>
+                <a:spcPts val="0"/>
+              </a:spcAft>
+              <a:buNone/>
+            </a:pPr>
+            <a:fld id="{00000000-1234-1234-1234-123412341234}" type="slidenum">
+              <a:rPr lang="ru-RU" smtClean="0">
+                <a:latin typeface="Times New Roman" panose="02020603050405020304" pitchFamily="18" charset="0"/>
+                <a:cs typeface="Times New Roman" panose="02020603050405020304" pitchFamily="18" charset="0"/>
+              </a:rPr>
+              <a:t>5</a:t>
+            </a:fld>
+            <a:endParaRPr lang="ru-RU" dirty="0">
+              <a:latin typeface="Times New Roman" panose="02020603050405020304" pitchFamily="18" charset="0"/>
+              <a:cs typeface="Times New Roman" panose="02020603050405020304" pitchFamily="18" charset="0"/>
+            </a:endParaRPr>
+          </a:p>
+        </p:txBody>
+      </p:sp>
+      <p:grpSp>
+        <p:nvGrpSpPr>
+          <p:cNvPr id="19" name="Группа 18">
+            <a:extLst>
+              <a:ext uri="{FF2B5EF4-FFF2-40B4-BE49-F238E27FC236}">
+                <a16:creationId xmlns:a16="http://schemas.microsoft.com/office/drawing/2014/main" id="{68AC1BDB-9797-4A12-B4FC-ED5D4C2B9CD1}"/>
+              </a:ext>
+            </a:extLst>
+          </p:cNvPr>
+          <p:cNvGrpSpPr/>
+          <p:nvPr/>
+        </p:nvGrpSpPr>
+        <p:grpSpPr>
+          <a:xfrm>
+            <a:off x="4299723" y="504127"/>
+            <a:ext cx="3835398" cy="666000"/>
+            <a:chOff x="1476753" y="3499669"/>
+            <a:chExt cx="4619247" cy="666000"/>
+          </a:xfrm>
+        </p:grpSpPr>
+        <p:sp>
+          <p:nvSpPr>
+            <p:cNvPr id="20" name="Прямоугольник 19">
+              <a:extLst>
+                <a:ext uri="{FF2B5EF4-FFF2-40B4-BE49-F238E27FC236}">
+                  <a16:creationId xmlns:a16="http://schemas.microsoft.com/office/drawing/2014/main" id="{89C13AD3-6AFD-447D-B4AF-345F80DAE2DD}"/>
+                </a:ext>
+              </a:extLst>
+            </p:cNvPr>
+            <p:cNvSpPr/>
+            <p:nvPr/>
+          </p:nvSpPr>
+          <p:spPr>
+            <a:xfrm>
+              <a:off x="1476753" y="3499669"/>
+              <a:ext cx="4619247" cy="666000"/>
+            </a:xfrm>
+            <a:prstGeom prst="rect">
+              <a:avLst/>
+            </a:prstGeom>
+            <a:solidFill>
+              <a:schemeClr val="bg1"/>
+            </a:solidFill>
+            <a:ln>
+              <a:solidFill>
+                <a:schemeClr val="bg1"/>
+              </a:solidFill>
+            </a:ln>
+          </p:spPr>
+          <p:style>
+            <a:lnRef idx="2">
+              <a:schemeClr val="accent1">
+                <a:shade val="50000"/>
+              </a:schemeClr>
+            </a:lnRef>
+            <a:fillRef idx="1">
+              <a:schemeClr val="accent1"/>
+            </a:fillRef>
+            <a:effectRef idx="0">
+              <a:schemeClr val="accent1"/>
+            </a:effectRef>
+            <a:fontRef idx="minor">
+              <a:schemeClr val="lt1"/>
+            </a:fontRef>
+          </p:style>
+          <p:txBody>
+            <a:bodyPr rtlCol="0" anchor="ctr"/>
+            <a:lstStyle/>
+            <a:p>
+              <a:pPr algn="ctr"/>
+              <a:r>
+                <a:rPr lang="ru-RU" sz="2800" spc="180" dirty="0">
+                  <a:ln>
+                    <a:solidFill>
+                      <a:srgbClr val="065CAB"/>
+                    </a:solidFill>
+                  </a:ln>
+                  <a:solidFill>
+                    <a:srgbClr val="065CAB"/>
+                  </a:solidFill>
+                  <a:latin typeface="Times New Roman" panose="02020603050405020304" pitchFamily="18" charset="0"/>
+                  <a:cs typeface="Times New Roman" panose="02020603050405020304" pitchFamily="18" charset="0"/>
+                </a:rPr>
+                <a:t>Фильтрация шума</a:t>
+              </a:r>
+              <a:endParaRPr lang="ru-RU" sz="2800" spc="180" dirty="0">
+                <a:latin typeface="Times New Roman" panose="02020603050405020304" pitchFamily="18" charset="0"/>
+                <a:cs typeface="Times New Roman" panose="02020603050405020304" pitchFamily="18" charset="0"/>
+              </a:endParaRPr>
+            </a:p>
+          </p:txBody>
+        </p:sp>
+        <p:sp>
+          <p:nvSpPr>
+            <p:cNvPr id="22" name="Прямоугольник 58">
+              <a:extLst>
+                <a:ext uri="{FF2B5EF4-FFF2-40B4-BE49-F238E27FC236}">
+                  <a16:creationId xmlns:a16="http://schemas.microsoft.com/office/drawing/2014/main" id="{6B9297EB-1310-4C5F-A390-8C10AE4D1F31}"/>
+                </a:ext>
+              </a:extLst>
+            </p:cNvPr>
+            <p:cNvSpPr/>
+            <p:nvPr/>
+          </p:nvSpPr>
+          <p:spPr>
+            <a:xfrm rot="10800000" flipH="1">
+              <a:off x="1476754" y="3499669"/>
+              <a:ext cx="76579" cy="666000"/>
+            </a:xfrm>
+            <a:custGeom>
+              <a:avLst/>
+              <a:gdLst>
+                <a:gd name="connsiteX0" fmla="*/ 0 w 424732"/>
+                <a:gd name="connsiteY0" fmla="*/ 0 h 424732"/>
+                <a:gd name="connsiteX1" fmla="*/ 424732 w 424732"/>
+                <a:gd name="connsiteY1" fmla="*/ 0 h 424732"/>
+                <a:gd name="connsiteX2" fmla="*/ 424732 w 424732"/>
+                <a:gd name="connsiteY2" fmla="*/ 424732 h 424732"/>
+                <a:gd name="connsiteX3" fmla="*/ 0 w 424732"/>
+                <a:gd name="connsiteY3" fmla="*/ 424732 h 424732"/>
+                <a:gd name="connsiteX4" fmla="*/ 0 w 424732"/>
+                <a:gd name="connsiteY4" fmla="*/ 0 h 424732"/>
+                <a:gd name="connsiteX0" fmla="*/ 0 w 425450"/>
+                <a:gd name="connsiteY0" fmla="*/ 0 h 424732"/>
+                <a:gd name="connsiteX1" fmla="*/ 424732 w 425450"/>
+                <a:gd name="connsiteY1" fmla="*/ 0 h 424732"/>
+                <a:gd name="connsiteX2" fmla="*/ 425450 w 425450"/>
+                <a:gd name="connsiteY2" fmla="*/ 238890 h 424732"/>
+                <a:gd name="connsiteX3" fmla="*/ 424732 w 425450"/>
+                <a:gd name="connsiteY3" fmla="*/ 424732 h 424732"/>
+                <a:gd name="connsiteX4" fmla="*/ 0 w 425450"/>
+                <a:gd name="connsiteY4" fmla="*/ 424732 h 424732"/>
+                <a:gd name="connsiteX5" fmla="*/ 0 w 425450"/>
+                <a:gd name="connsiteY5" fmla="*/ 0 h 424732"/>
+                <a:gd name="connsiteX0" fmla="*/ 425450 w 516890"/>
+                <a:gd name="connsiteY0" fmla="*/ 238890 h 424732"/>
+                <a:gd name="connsiteX1" fmla="*/ 424732 w 516890"/>
+                <a:gd name="connsiteY1" fmla="*/ 424732 h 424732"/>
+                <a:gd name="connsiteX2" fmla="*/ 0 w 516890"/>
+                <a:gd name="connsiteY2" fmla="*/ 424732 h 424732"/>
+                <a:gd name="connsiteX3" fmla="*/ 0 w 516890"/>
+                <a:gd name="connsiteY3" fmla="*/ 0 h 424732"/>
+                <a:gd name="connsiteX4" fmla="*/ 424732 w 516890"/>
+                <a:gd name="connsiteY4" fmla="*/ 0 h 424732"/>
+                <a:gd name="connsiteX5" fmla="*/ 516890 w 516890"/>
+                <a:gd name="connsiteY5" fmla="*/ 330330 h 424732"/>
+                <a:gd name="connsiteX0" fmla="*/ 424732 w 516890"/>
+                <a:gd name="connsiteY0" fmla="*/ 424732 h 424732"/>
+                <a:gd name="connsiteX1" fmla="*/ 0 w 516890"/>
+                <a:gd name="connsiteY1" fmla="*/ 424732 h 424732"/>
+                <a:gd name="connsiteX2" fmla="*/ 0 w 516890"/>
+                <a:gd name="connsiteY2" fmla="*/ 0 h 424732"/>
+                <a:gd name="connsiteX3" fmla="*/ 424732 w 516890"/>
+                <a:gd name="connsiteY3" fmla="*/ 0 h 424732"/>
+                <a:gd name="connsiteX4" fmla="*/ 516890 w 516890"/>
+                <a:gd name="connsiteY4" fmla="*/ 330330 h 424732"/>
+                <a:gd name="connsiteX0" fmla="*/ 424732 w 424732"/>
+                <a:gd name="connsiteY0" fmla="*/ 424732 h 424732"/>
+                <a:gd name="connsiteX1" fmla="*/ 0 w 424732"/>
+                <a:gd name="connsiteY1" fmla="*/ 424732 h 424732"/>
+                <a:gd name="connsiteX2" fmla="*/ 0 w 424732"/>
+                <a:gd name="connsiteY2" fmla="*/ 0 h 424732"/>
+                <a:gd name="connsiteX3" fmla="*/ 424732 w 424732"/>
+                <a:gd name="connsiteY3" fmla="*/ 0 h 424732"/>
+              </a:gdLst>
+              <a:ahLst/>
+              <a:cxnLst>
+                <a:cxn ang="0">
+                  <a:pos x="connsiteX0" y="connsiteY0"/>
+                </a:cxn>
+                <a:cxn ang="0">
+                  <a:pos x="connsiteX1" y="connsiteY1"/>
+                </a:cxn>
+                <a:cxn ang="0">
+                  <a:pos x="connsiteX2" y="connsiteY2"/>
+                </a:cxn>
+                <a:cxn ang="0">
+                  <a:pos x="connsiteX3" y="connsiteY3"/>
+                </a:cxn>
+              </a:cxnLst>
+              <a:rect l="l" t="t" r="r" b="b"/>
+              <a:pathLst>
+                <a:path w="424732" h="424732">
+                  <a:moveTo>
+                    <a:pt x="424732" y="424732"/>
+                  </a:moveTo>
+                  <a:lnTo>
+                    <a:pt x="0" y="424732"/>
+                  </a:lnTo>
+                  <a:lnTo>
+                    <a:pt x="0" y="0"/>
+                  </a:lnTo>
+                  <a:lnTo>
+                    <a:pt x="424732" y="0"/>
+                  </a:lnTo>
+                </a:path>
+              </a:pathLst>
+            </a:custGeom>
+            <a:ln w="16510">
+              <a:solidFill>
+                <a:srgbClr val="065CAB"/>
+              </a:solidFill>
+            </a:ln>
+          </p:spPr>
+          <p:style>
+            <a:lnRef idx="1">
+              <a:schemeClr val="accent1"/>
+            </a:lnRef>
+            <a:fillRef idx="0">
+              <a:schemeClr val="accent1"/>
+            </a:fillRef>
+            <a:effectRef idx="0">
+              <a:schemeClr val="accent1"/>
+            </a:effectRef>
+            <a:fontRef idx="minor">
+              <a:schemeClr val="tx1"/>
+            </a:fontRef>
+          </p:style>
+          <p:txBody>
+            <a:bodyPr rtlCol="0" anchor="ctr"/>
+            <a:lstStyle/>
+            <a:p>
+              <a:pPr algn="ctr"/>
+              <a:endParaRPr lang="ru-RU" dirty="0">
+                <a:latin typeface="ALS Sector Regular" panose="02000000000000000000" pitchFamily="2" charset="0"/>
+              </a:endParaRPr>
+            </a:p>
+          </p:txBody>
+        </p:sp>
+        <p:sp>
+          <p:nvSpPr>
+            <p:cNvPr id="23" name="Прямоугольник 58">
+              <a:extLst>
+                <a:ext uri="{FF2B5EF4-FFF2-40B4-BE49-F238E27FC236}">
+                  <a16:creationId xmlns:a16="http://schemas.microsoft.com/office/drawing/2014/main" id="{2A56CCB7-652F-4E87-98F1-EB2990DFF5AA}"/>
+                </a:ext>
+              </a:extLst>
+            </p:cNvPr>
+            <p:cNvSpPr>
+              <a:spLocks noChangeAspect="1"/>
+            </p:cNvSpPr>
+            <p:nvPr/>
+          </p:nvSpPr>
+          <p:spPr>
+            <a:xfrm flipH="1">
+              <a:off x="6005951" y="3499669"/>
+              <a:ext cx="90049" cy="666000"/>
+            </a:xfrm>
+            <a:custGeom>
+              <a:avLst/>
+              <a:gdLst>
+                <a:gd name="connsiteX0" fmla="*/ 0 w 424732"/>
+                <a:gd name="connsiteY0" fmla="*/ 0 h 424732"/>
+                <a:gd name="connsiteX1" fmla="*/ 424732 w 424732"/>
+                <a:gd name="connsiteY1" fmla="*/ 0 h 424732"/>
+                <a:gd name="connsiteX2" fmla="*/ 424732 w 424732"/>
+                <a:gd name="connsiteY2" fmla="*/ 424732 h 424732"/>
+                <a:gd name="connsiteX3" fmla="*/ 0 w 424732"/>
+                <a:gd name="connsiteY3" fmla="*/ 424732 h 424732"/>
+                <a:gd name="connsiteX4" fmla="*/ 0 w 424732"/>
+                <a:gd name="connsiteY4" fmla="*/ 0 h 424732"/>
+                <a:gd name="connsiteX0" fmla="*/ 0 w 425450"/>
+                <a:gd name="connsiteY0" fmla="*/ 0 h 424732"/>
+                <a:gd name="connsiteX1" fmla="*/ 424732 w 425450"/>
+                <a:gd name="connsiteY1" fmla="*/ 0 h 424732"/>
+                <a:gd name="connsiteX2" fmla="*/ 425450 w 425450"/>
+                <a:gd name="connsiteY2" fmla="*/ 238890 h 424732"/>
+                <a:gd name="connsiteX3" fmla="*/ 424732 w 425450"/>
+                <a:gd name="connsiteY3" fmla="*/ 424732 h 424732"/>
+                <a:gd name="connsiteX4" fmla="*/ 0 w 425450"/>
+                <a:gd name="connsiteY4" fmla="*/ 424732 h 424732"/>
+                <a:gd name="connsiteX5" fmla="*/ 0 w 425450"/>
+                <a:gd name="connsiteY5" fmla="*/ 0 h 424732"/>
+                <a:gd name="connsiteX0" fmla="*/ 425450 w 516890"/>
+                <a:gd name="connsiteY0" fmla="*/ 238890 h 424732"/>
+                <a:gd name="connsiteX1" fmla="*/ 424732 w 516890"/>
+                <a:gd name="connsiteY1" fmla="*/ 424732 h 424732"/>
+                <a:gd name="connsiteX2" fmla="*/ 0 w 516890"/>
+                <a:gd name="connsiteY2" fmla="*/ 424732 h 424732"/>
+                <a:gd name="connsiteX3" fmla="*/ 0 w 516890"/>
+                <a:gd name="connsiteY3" fmla="*/ 0 h 424732"/>
+                <a:gd name="connsiteX4" fmla="*/ 424732 w 516890"/>
+                <a:gd name="connsiteY4" fmla="*/ 0 h 424732"/>
+                <a:gd name="connsiteX5" fmla="*/ 516890 w 516890"/>
+                <a:gd name="connsiteY5" fmla="*/ 330330 h 424732"/>
+                <a:gd name="connsiteX0" fmla="*/ 424732 w 516890"/>
+                <a:gd name="connsiteY0" fmla="*/ 424732 h 424732"/>
+                <a:gd name="connsiteX1" fmla="*/ 0 w 516890"/>
+                <a:gd name="connsiteY1" fmla="*/ 424732 h 424732"/>
+                <a:gd name="connsiteX2" fmla="*/ 0 w 516890"/>
+                <a:gd name="connsiteY2" fmla="*/ 0 h 424732"/>
+                <a:gd name="connsiteX3" fmla="*/ 424732 w 516890"/>
+                <a:gd name="connsiteY3" fmla="*/ 0 h 424732"/>
+                <a:gd name="connsiteX4" fmla="*/ 516890 w 516890"/>
+                <a:gd name="connsiteY4" fmla="*/ 330330 h 424732"/>
+                <a:gd name="connsiteX0" fmla="*/ 424732 w 424732"/>
+                <a:gd name="connsiteY0" fmla="*/ 424732 h 424732"/>
+                <a:gd name="connsiteX1" fmla="*/ 0 w 424732"/>
+                <a:gd name="connsiteY1" fmla="*/ 424732 h 424732"/>
+                <a:gd name="connsiteX2" fmla="*/ 0 w 424732"/>
+                <a:gd name="connsiteY2" fmla="*/ 0 h 424732"/>
+                <a:gd name="connsiteX3" fmla="*/ 424732 w 424732"/>
+                <a:gd name="connsiteY3" fmla="*/ 0 h 424732"/>
+              </a:gdLst>
+              <a:ahLst/>
+              <a:cxnLst>
+                <a:cxn ang="0">
+                  <a:pos x="connsiteX0" y="connsiteY0"/>
+                </a:cxn>
+                <a:cxn ang="0">
+                  <a:pos x="connsiteX1" y="connsiteY1"/>
+                </a:cxn>
+                <a:cxn ang="0">
+                  <a:pos x="connsiteX2" y="connsiteY2"/>
+                </a:cxn>
+                <a:cxn ang="0">
+                  <a:pos x="connsiteX3" y="connsiteY3"/>
+                </a:cxn>
+              </a:cxnLst>
+              <a:rect l="l" t="t" r="r" b="b"/>
+              <a:pathLst>
+                <a:path w="424732" h="424732">
+                  <a:moveTo>
+                    <a:pt x="424732" y="424732"/>
+                  </a:moveTo>
+                  <a:lnTo>
+                    <a:pt x="0" y="424732"/>
+                  </a:lnTo>
+                  <a:lnTo>
+                    <a:pt x="0" y="0"/>
+                  </a:lnTo>
+                  <a:lnTo>
+                    <a:pt x="424732" y="0"/>
+                  </a:lnTo>
+                </a:path>
+              </a:pathLst>
+            </a:custGeom>
+            <a:ln w="16510">
+              <a:solidFill>
+                <a:srgbClr val="0046A2"/>
+              </a:solidFill>
+            </a:ln>
+          </p:spPr>
+          <p:style>
+            <a:lnRef idx="1">
+              <a:schemeClr val="accent1"/>
+            </a:lnRef>
+            <a:fillRef idx="0">
+              <a:schemeClr val="accent1"/>
+            </a:fillRef>
+            <a:effectRef idx="0">
+              <a:schemeClr val="accent1"/>
+            </a:effectRef>
+            <a:fontRef idx="minor">
+              <a:schemeClr val="tx1"/>
+            </a:fontRef>
+          </p:style>
+          <p:txBody>
+            <a:bodyPr rtlCol="0" anchor="ctr"/>
+            <a:lstStyle/>
+            <a:p>
+              <a:pPr algn="ctr"/>
+              <a:endParaRPr lang="ru-RU" dirty="0">
+                <a:solidFill>
+                  <a:srgbClr val="065CAB"/>
+                </a:solidFill>
+                <a:latin typeface="ALS Sector Regular" panose="02000000000000000000" pitchFamily="2" charset="0"/>
+              </a:endParaRPr>
+            </a:p>
+          </p:txBody>
+        </p:sp>
+      </p:grpSp>
+      <p:sp>
+        <p:nvSpPr>
+          <p:cNvPr id="4" name="Прямоугольник 3">
+            <a:extLst>
+              <a:ext uri="{FF2B5EF4-FFF2-40B4-BE49-F238E27FC236}">
+                <a16:creationId xmlns:a16="http://schemas.microsoft.com/office/drawing/2014/main" id="{FDB5EEA5-266D-42C2-B81C-6B35AF8F92AA}"/>
+              </a:ext>
+            </a:extLst>
+          </p:cNvPr>
+          <p:cNvSpPr/>
+          <p:nvPr/>
+        </p:nvSpPr>
+        <p:spPr>
+          <a:xfrm>
+            <a:off x="2226020" y="4893069"/>
+            <a:ext cx="2249820" cy="369332"/>
+          </a:xfrm>
+          <a:prstGeom prst="rect">
+            <a:avLst/>
+          </a:prstGeom>
+        </p:spPr>
+        <p:txBody>
+          <a:bodyPr wrap="square">
+            <a:spAutoFit/>
+          </a:bodyPr>
+          <a:lstStyle/>
+          <a:p>
+            <a:r>
+              <a:rPr lang="ru-RU" sz="1800" dirty="0">
+                <a:solidFill>
+                  <a:srgbClr val="C00000"/>
+                </a:solidFill>
+                <a:latin typeface="Times New Roman" panose="02020603050405020304" pitchFamily="18" charset="0"/>
+                <a:ea typeface="Arial" panose="020B0604020202020204" pitchFamily="34" charset="0"/>
+              </a:rPr>
+              <a:t> а) полный датасет                                               </a:t>
+            </a:r>
+            <a:endParaRPr lang="ru-RU" sz="1800" dirty="0">
+              <a:solidFill>
+                <a:srgbClr val="C00000"/>
+              </a:solidFill>
+            </a:endParaRPr>
+          </a:p>
+        </p:txBody>
+      </p:sp>
+      <p:pic>
+        <p:nvPicPr>
+          <p:cNvPr id="6" name="Рисунок 5">
+            <a:extLst>
+              <a:ext uri="{FF2B5EF4-FFF2-40B4-BE49-F238E27FC236}">
+                <a16:creationId xmlns:a16="http://schemas.microsoft.com/office/drawing/2014/main" id="{A4C270FB-B1F0-45EB-8169-CF8753ED97FD}"/>
+              </a:ext>
+            </a:extLst>
+          </p:cNvPr>
+          <p:cNvPicPr>
+            <a:picLocks noChangeAspect="1"/>
+          </p:cNvPicPr>
+          <p:nvPr/>
+        </p:nvPicPr>
+        <p:blipFill>
+          <a:blip r:embed="rId2"/>
+          <a:stretch>
+            <a:fillRect/>
+          </a:stretch>
+        </p:blipFill>
+        <p:spPr>
+          <a:xfrm>
+            <a:off x="1321878" y="5353397"/>
+            <a:ext cx="133350" cy="133350"/>
+          </a:xfrm>
+          <a:prstGeom prst="rect">
+            <a:avLst/>
+          </a:prstGeom>
+        </p:spPr>
+      </p:pic>
+      <p:pic>
+        <p:nvPicPr>
+          <p:cNvPr id="7" name="Рисунок 6">
+            <a:extLst>
+              <a:ext uri="{FF2B5EF4-FFF2-40B4-BE49-F238E27FC236}">
+                <a16:creationId xmlns:a16="http://schemas.microsoft.com/office/drawing/2014/main" id="{341D7A58-E79B-4176-82B9-AB1AC682344F}"/>
+              </a:ext>
+            </a:extLst>
+          </p:cNvPr>
+          <p:cNvPicPr>
+            <a:picLocks noChangeAspect="1"/>
+          </p:cNvPicPr>
+          <p:nvPr/>
+        </p:nvPicPr>
+        <p:blipFill>
+          <a:blip r:embed="rId3"/>
+          <a:stretch>
+            <a:fillRect/>
+          </a:stretch>
+        </p:blipFill>
+        <p:spPr>
+          <a:xfrm>
+            <a:off x="1344235" y="6115370"/>
+            <a:ext cx="95250" cy="95250"/>
+          </a:xfrm>
+          <a:prstGeom prst="rect">
+            <a:avLst/>
+          </a:prstGeom>
+        </p:spPr>
+      </p:pic>
+      <p:pic>
+        <p:nvPicPr>
+          <p:cNvPr id="11" name="Рисунок 10">
+            <a:extLst>
+              <a:ext uri="{FF2B5EF4-FFF2-40B4-BE49-F238E27FC236}">
+                <a16:creationId xmlns:a16="http://schemas.microsoft.com/office/drawing/2014/main" id="{E8AF0B97-0A70-4819-BDAD-84323790F417}"/>
+              </a:ext>
+            </a:extLst>
+          </p:cNvPr>
+          <p:cNvPicPr>
+            <a:picLocks noChangeAspect="1"/>
+          </p:cNvPicPr>
+          <p:nvPr/>
+        </p:nvPicPr>
+        <p:blipFill>
+          <a:blip r:embed="rId4"/>
+          <a:stretch>
+            <a:fillRect/>
+          </a:stretch>
+        </p:blipFill>
+        <p:spPr>
+          <a:xfrm>
+            <a:off x="1341836" y="5743104"/>
+            <a:ext cx="95250" cy="95250"/>
+          </a:xfrm>
+          <a:prstGeom prst="rect">
+            <a:avLst/>
+          </a:prstGeom>
+        </p:spPr>
+      </p:pic>
+      <p:sp>
+        <p:nvSpPr>
+          <p:cNvPr id="12" name="Прямоугольник 11">
+            <a:extLst>
+              <a:ext uri="{FF2B5EF4-FFF2-40B4-BE49-F238E27FC236}">
+                <a16:creationId xmlns:a16="http://schemas.microsoft.com/office/drawing/2014/main" id="{4BB613F2-C593-4543-88E0-E7EA89550219}"/>
+              </a:ext>
+            </a:extLst>
+          </p:cNvPr>
+          <p:cNvSpPr/>
+          <p:nvPr/>
+        </p:nvSpPr>
+        <p:spPr>
+          <a:xfrm>
+            <a:off x="1486202" y="5252535"/>
+            <a:ext cx="4403770" cy="307777"/>
+          </a:xfrm>
+          <a:prstGeom prst="rect">
+            <a:avLst/>
+          </a:prstGeom>
+        </p:spPr>
+        <p:txBody>
+          <a:bodyPr wrap="none">
+            <a:spAutoFit/>
+          </a:bodyPr>
+          <a:lstStyle/>
+          <a:p>
+            <a:r>
+              <a:rPr lang="ru-RU" dirty="0">
+                <a:latin typeface="Times New Roman" panose="02020603050405020304" pitchFamily="18" charset="0"/>
+                <a:ea typeface="Arial" panose="020B0604020202020204" pitchFamily="34" charset="0"/>
+              </a:rPr>
+              <a:t> - центроиды </a:t>
+            </a:r>
+            <a:r>
+              <a:rPr lang="ru-RU" dirty="0"/>
+              <a:t>– </a:t>
+            </a:r>
+            <a:r>
+              <a:rPr lang="ru-RU" dirty="0">
+                <a:latin typeface="Times New Roman" panose="02020603050405020304" pitchFamily="18" charset="0"/>
+                <a:ea typeface="Arial" panose="020B0604020202020204" pitchFamily="34" charset="0"/>
+              </a:rPr>
+              <a:t>объекты базового датасета (23</a:t>
+            </a:r>
+            <a:r>
+              <a:rPr lang="ru-RU" sz="1200" dirty="0">
+                <a:latin typeface="Times New Roman" panose="02020603050405020304" pitchFamily="18" charset="0"/>
+                <a:ea typeface="Arial" panose="020B0604020202020204" pitchFamily="34" charset="0"/>
+              </a:rPr>
+              <a:t> </a:t>
+            </a:r>
+            <a:r>
+              <a:rPr lang="ru-RU" dirty="0">
+                <a:latin typeface="Times New Roman" panose="02020603050405020304" pitchFamily="18" charset="0"/>
+                <a:ea typeface="Arial" panose="020B0604020202020204" pitchFamily="34" charset="0"/>
+              </a:rPr>
+              <a:t>строки); </a:t>
+            </a:r>
+            <a:endParaRPr lang="ru-RU" dirty="0"/>
+          </a:p>
+        </p:txBody>
+      </p:sp>
+      <p:sp>
+        <p:nvSpPr>
+          <p:cNvPr id="24" name="Прямоугольник 23">
+            <a:extLst>
+              <a:ext uri="{FF2B5EF4-FFF2-40B4-BE49-F238E27FC236}">
+                <a16:creationId xmlns:a16="http://schemas.microsoft.com/office/drawing/2014/main" id="{A84B3694-5F26-4F60-A0CB-CADE3C72ED26}"/>
+              </a:ext>
+            </a:extLst>
+          </p:cNvPr>
+          <p:cNvSpPr/>
+          <p:nvPr/>
+        </p:nvSpPr>
+        <p:spPr>
+          <a:xfrm>
+            <a:off x="1476677" y="5978890"/>
+            <a:ext cx="3273653" cy="307777"/>
+          </a:xfrm>
+          <a:prstGeom prst="rect">
+            <a:avLst/>
+          </a:prstGeom>
+        </p:spPr>
+        <p:txBody>
+          <a:bodyPr wrap="none">
+            <a:spAutoFit/>
+          </a:bodyPr>
+          <a:lstStyle/>
+          <a:p>
+            <a:r>
+              <a:rPr lang="ru-RU" dirty="0">
+                <a:latin typeface="Times New Roman" panose="02020603050405020304" pitchFamily="18" charset="0"/>
+                <a:ea typeface="Arial" panose="020B0604020202020204" pitchFamily="34" charset="0"/>
+              </a:rPr>
+              <a:t> - остальные объекты полного датасета; </a:t>
+            </a:r>
+            <a:endParaRPr lang="ru-RU" dirty="0"/>
+          </a:p>
+        </p:txBody>
+      </p:sp>
+      <p:sp>
+        <p:nvSpPr>
+          <p:cNvPr id="25" name="Прямоугольник 24">
+            <a:extLst>
+              <a:ext uri="{FF2B5EF4-FFF2-40B4-BE49-F238E27FC236}">
+                <a16:creationId xmlns:a16="http://schemas.microsoft.com/office/drawing/2014/main" id="{198961FF-1BE6-4B63-AC0A-1BF047BF8817}"/>
+              </a:ext>
+            </a:extLst>
+          </p:cNvPr>
+          <p:cNvSpPr/>
+          <p:nvPr/>
+        </p:nvSpPr>
+        <p:spPr>
+          <a:xfrm>
+            <a:off x="1474277" y="5600808"/>
+            <a:ext cx="5183697" cy="307777"/>
+          </a:xfrm>
+          <a:prstGeom prst="rect">
+            <a:avLst/>
+          </a:prstGeom>
+        </p:spPr>
+        <p:txBody>
+          <a:bodyPr wrap="square">
+            <a:spAutoFit/>
+          </a:bodyPr>
+          <a:lstStyle/>
+          <a:p>
+            <a:r>
+              <a:rPr lang="ru-RU" dirty="0">
+                <a:latin typeface="Times New Roman" panose="02020603050405020304" pitchFamily="18" charset="0"/>
+                <a:ea typeface="Arial" panose="020B0604020202020204" pitchFamily="34" charset="0"/>
+              </a:rPr>
+              <a:t> - объекты, ближайшие к центроидам («ближайшие соседи»); </a:t>
+            </a:r>
+            <a:endParaRPr lang="ru-RU" dirty="0"/>
+          </a:p>
+        </p:txBody>
+      </p:sp>
+      <p:pic>
+        <p:nvPicPr>
+          <p:cNvPr id="26" name="Рисунок 25">
+            <a:extLst>
+              <a:ext uri="{FF2B5EF4-FFF2-40B4-BE49-F238E27FC236}">
+                <a16:creationId xmlns:a16="http://schemas.microsoft.com/office/drawing/2014/main" id="{28623D23-F566-491C-9F2F-D3B7B8B94C73}"/>
+              </a:ext>
+            </a:extLst>
+          </p:cNvPr>
+          <p:cNvPicPr>
+            <a:picLocks noChangeAspect="1"/>
+          </p:cNvPicPr>
+          <p:nvPr/>
+        </p:nvPicPr>
+        <p:blipFill>
+          <a:blip r:embed="rId4"/>
+          <a:stretch>
+            <a:fillRect/>
+          </a:stretch>
+        </p:blipFill>
+        <p:spPr>
+          <a:xfrm>
+            <a:off x="7328972" y="5418841"/>
+            <a:ext cx="95250" cy="95250"/>
+          </a:xfrm>
+          <a:prstGeom prst="rect">
+            <a:avLst/>
+          </a:prstGeom>
+        </p:spPr>
+      </p:pic>
+      <p:sp>
+        <p:nvSpPr>
+          <p:cNvPr id="27" name="Прямоугольник 26">
+            <a:extLst>
+              <a:ext uri="{FF2B5EF4-FFF2-40B4-BE49-F238E27FC236}">
+                <a16:creationId xmlns:a16="http://schemas.microsoft.com/office/drawing/2014/main" id="{225BB7DA-68EA-41FF-AEB6-DD56675AF0C4}"/>
+              </a:ext>
+            </a:extLst>
+          </p:cNvPr>
+          <p:cNvSpPr/>
+          <p:nvPr/>
+        </p:nvSpPr>
+        <p:spPr>
+          <a:xfrm>
+            <a:off x="7461414" y="5293963"/>
+            <a:ext cx="3549486" cy="307777"/>
+          </a:xfrm>
+          <a:prstGeom prst="rect">
+            <a:avLst/>
+          </a:prstGeom>
+        </p:spPr>
+        <p:txBody>
+          <a:bodyPr wrap="square">
+            <a:spAutoFit/>
+          </a:bodyPr>
+          <a:lstStyle/>
+          <a:p>
+            <a:r>
+              <a:rPr lang="ru-RU" dirty="0">
+                <a:latin typeface="Times New Roman" panose="02020603050405020304" pitchFamily="18" charset="0"/>
+                <a:ea typeface="Arial" panose="020B0604020202020204" pitchFamily="34" charset="0"/>
+              </a:rPr>
+              <a:t> - объекты, оставшиеся после фильтрации; </a:t>
+            </a:r>
+            <a:endParaRPr lang="ru-RU" dirty="0"/>
+          </a:p>
+        </p:txBody>
+      </p:sp>
+      <p:cxnSp>
+        <p:nvCxnSpPr>
+          <p:cNvPr id="30" name="Прямая соединительная линия 29">
+            <a:extLst>
+              <a:ext uri="{FF2B5EF4-FFF2-40B4-BE49-F238E27FC236}">
+                <a16:creationId xmlns:a16="http://schemas.microsoft.com/office/drawing/2014/main" id="{4239E8A4-8F74-41AA-8841-BA9529E9F957}"/>
+              </a:ext>
+            </a:extLst>
+          </p:cNvPr>
+          <p:cNvCxnSpPr>
+            <a:cxnSpLocks/>
+          </p:cNvCxnSpPr>
+          <p:nvPr/>
+        </p:nvCxnSpPr>
+        <p:spPr>
+          <a:xfrm>
+            <a:off x="1065706" y="6500953"/>
+            <a:ext cx="592183" cy="0"/>
+          </a:xfrm>
+          <a:prstGeom prst="line">
+            <a:avLst/>
+          </a:prstGeom>
+          <a:ln w="19050">
+            <a:solidFill>
+              <a:schemeClr val="tx1"/>
+            </a:solidFill>
+            <a:prstDash val="lgDash"/>
+          </a:ln>
+        </p:spPr>
+        <p:style>
+          <a:lnRef idx="1">
+            <a:schemeClr val="dk1"/>
+          </a:lnRef>
+          <a:fillRef idx="0">
+            <a:schemeClr val="dk1"/>
+          </a:fillRef>
+          <a:effectRef idx="0">
+            <a:schemeClr val="dk1"/>
+          </a:effectRef>
+          <a:fontRef idx="minor">
+            <a:schemeClr val="tx1"/>
+          </a:fontRef>
+        </p:style>
+      </p:cxnSp>
+      <p:sp>
+        <p:nvSpPr>
+          <p:cNvPr id="31" name="Прямоугольник 30">
+            <a:extLst>
+              <a:ext uri="{FF2B5EF4-FFF2-40B4-BE49-F238E27FC236}">
+                <a16:creationId xmlns:a16="http://schemas.microsoft.com/office/drawing/2014/main" id="{556CB3DD-440A-41EC-80DA-2DC3703B0CCA}"/>
+              </a:ext>
+            </a:extLst>
+          </p:cNvPr>
+          <p:cNvSpPr/>
+          <p:nvPr/>
+        </p:nvSpPr>
+        <p:spPr>
+          <a:xfrm>
+            <a:off x="1626749" y="6336412"/>
+            <a:ext cx="2866490" cy="307777"/>
+          </a:xfrm>
+          <a:prstGeom prst="rect">
+            <a:avLst/>
+          </a:prstGeom>
+        </p:spPr>
+        <p:txBody>
+          <a:bodyPr wrap="none">
+            <a:spAutoFit/>
+          </a:bodyPr>
+          <a:lstStyle/>
+          <a:p>
+            <a:r>
+              <a:rPr lang="ru-RU" dirty="0">
+                <a:latin typeface="Times New Roman" panose="02020603050405020304" pitchFamily="18" charset="0"/>
+                <a:ea typeface="Arial" panose="020B0604020202020204" pitchFamily="34" charset="0"/>
+              </a:rPr>
+              <a:t>линия регрессии полного датасета.</a:t>
+            </a:r>
+            <a:endParaRPr lang="ru-RU" dirty="0"/>
+          </a:p>
+        </p:txBody>
+      </p:sp>
+      <p:cxnSp>
+        <p:nvCxnSpPr>
+          <p:cNvPr id="32" name="Прямая соединительная линия 31">
+            <a:extLst>
+              <a:ext uri="{FF2B5EF4-FFF2-40B4-BE49-F238E27FC236}">
+                <a16:creationId xmlns:a16="http://schemas.microsoft.com/office/drawing/2014/main" id="{A1C7BAFB-D2F7-4B49-8A9E-3E692B9C2579}"/>
+              </a:ext>
+            </a:extLst>
+          </p:cNvPr>
+          <p:cNvCxnSpPr>
+            <a:cxnSpLocks/>
+          </p:cNvCxnSpPr>
+          <p:nvPr/>
+        </p:nvCxnSpPr>
+        <p:spPr>
+          <a:xfrm>
+            <a:off x="7058566" y="5803825"/>
+            <a:ext cx="592183" cy="0"/>
+          </a:xfrm>
+          <a:prstGeom prst="line">
+            <a:avLst/>
+          </a:prstGeom>
+          <a:ln w="19050">
+            <a:solidFill>
+              <a:schemeClr val="tx1"/>
+            </a:solidFill>
+            <a:prstDash val="lgDash"/>
+          </a:ln>
+        </p:spPr>
+        <p:style>
+          <a:lnRef idx="1">
+            <a:schemeClr val="dk1"/>
+          </a:lnRef>
+          <a:fillRef idx="0">
+            <a:schemeClr val="dk1"/>
+          </a:fillRef>
+          <a:effectRef idx="0">
+            <a:schemeClr val="dk1"/>
+          </a:effectRef>
+          <a:fontRef idx="minor">
+            <a:schemeClr val="tx1"/>
+          </a:fontRef>
+        </p:style>
+      </p:cxnSp>
+      <p:sp>
+        <p:nvSpPr>
+          <p:cNvPr id="33" name="Прямоугольник 32">
+            <a:extLst>
+              <a:ext uri="{FF2B5EF4-FFF2-40B4-BE49-F238E27FC236}">
+                <a16:creationId xmlns:a16="http://schemas.microsoft.com/office/drawing/2014/main" id="{D76292F8-8836-4063-9FA8-6AD9B77EED9C}"/>
+              </a:ext>
+            </a:extLst>
+          </p:cNvPr>
+          <p:cNvSpPr/>
+          <p:nvPr/>
+        </p:nvSpPr>
+        <p:spPr>
+          <a:xfrm>
+            <a:off x="7610900" y="5621866"/>
+            <a:ext cx="3180679" cy="307777"/>
+          </a:xfrm>
+          <a:prstGeom prst="rect">
+            <a:avLst/>
+          </a:prstGeom>
+        </p:spPr>
+        <p:txBody>
+          <a:bodyPr wrap="none">
+            <a:spAutoFit/>
+          </a:bodyPr>
+          <a:lstStyle/>
+          <a:p>
+            <a:r>
+              <a:rPr lang="ru-RU" dirty="0">
+                <a:latin typeface="Times New Roman" panose="02020603050405020304" pitchFamily="18" charset="0"/>
+                <a:ea typeface="Arial" panose="020B0604020202020204" pitchFamily="34" charset="0"/>
+              </a:rPr>
+              <a:t>линия регрессии очищенного датасета.</a:t>
+            </a:r>
+            <a:endParaRPr lang="ru-RU" dirty="0"/>
+          </a:p>
+        </p:txBody>
+      </p:sp>
+      <p:sp>
+        <p:nvSpPr>
+          <p:cNvPr id="38" name="Прямоугольник 37">
+            <a:extLst>
+              <a:ext uri="{FF2B5EF4-FFF2-40B4-BE49-F238E27FC236}">
+                <a16:creationId xmlns:a16="http://schemas.microsoft.com/office/drawing/2014/main" id="{CD64A13E-AD0E-46CC-B147-4C100E174E0A}"/>
+              </a:ext>
+            </a:extLst>
+          </p:cNvPr>
+          <p:cNvSpPr/>
+          <p:nvPr/>
+        </p:nvSpPr>
+        <p:spPr>
+          <a:xfrm>
+            <a:off x="7233399" y="4913346"/>
+            <a:ext cx="3212739" cy="369332"/>
+          </a:xfrm>
+          <a:prstGeom prst="rect">
+            <a:avLst/>
+          </a:prstGeom>
+        </p:spPr>
+        <p:txBody>
+          <a:bodyPr wrap="none">
+            <a:spAutoFit/>
+          </a:bodyPr>
+          <a:lstStyle/>
+          <a:p>
+            <a:r>
+              <a:rPr lang="ru-RU" sz="1800" dirty="0">
+                <a:solidFill>
+                  <a:srgbClr val="C00000"/>
+                </a:solidFill>
+                <a:latin typeface="Times New Roman" panose="02020603050405020304" pitchFamily="18" charset="0"/>
+                <a:ea typeface="Arial" panose="020B0604020202020204" pitchFamily="34" charset="0"/>
+              </a:rPr>
+              <a:t>б) очищенный датасет (</a:t>
+            </a:r>
+            <a:r>
+              <a:rPr lang="en-US" sz="1800" i="1" dirty="0">
+                <a:solidFill>
+                  <a:srgbClr val="C00000"/>
+                </a:solidFill>
+                <a:latin typeface="Times New Roman" panose="02020603050405020304" pitchFamily="18" charset="0"/>
+                <a:ea typeface="Arial" panose="020B0604020202020204" pitchFamily="34" charset="0"/>
+              </a:rPr>
+              <a:t>k</a:t>
+            </a:r>
+            <a:r>
+              <a:rPr lang="en-US" sz="1800" i="1" baseline="-25000" dirty="0">
+                <a:solidFill>
+                  <a:srgbClr val="C00000"/>
+                </a:solidFill>
+                <a:latin typeface="Times New Roman" panose="02020603050405020304" pitchFamily="18" charset="0"/>
+                <a:ea typeface="Arial" panose="020B0604020202020204" pitchFamily="34" charset="0"/>
+              </a:rPr>
+              <a:t>nn</a:t>
+            </a:r>
+            <a:r>
+              <a:rPr lang="ru-RU" sz="1800" dirty="0">
+                <a:solidFill>
+                  <a:srgbClr val="C00000"/>
+                </a:solidFill>
+                <a:latin typeface="Times New Roman" panose="02020603050405020304" pitchFamily="18" charset="0"/>
+                <a:ea typeface="Arial" panose="020B0604020202020204" pitchFamily="34" charset="0"/>
+              </a:rPr>
+              <a:t> = 5)</a:t>
+            </a:r>
+            <a:endParaRPr lang="ru-RU" sz="1800" dirty="0">
+              <a:solidFill>
+                <a:srgbClr val="C00000"/>
+              </a:solidFill>
+            </a:endParaRPr>
+          </a:p>
+        </p:txBody>
+      </p:sp>
+      <p:sp>
+        <p:nvSpPr>
+          <p:cNvPr id="39" name="Стрелка: вниз 38">
+            <a:extLst>
+              <a:ext uri="{FF2B5EF4-FFF2-40B4-BE49-F238E27FC236}">
+                <a16:creationId xmlns:a16="http://schemas.microsoft.com/office/drawing/2014/main" id="{67106706-FAC9-4EBC-964E-853E5AA4192B}"/>
+              </a:ext>
+            </a:extLst>
+          </p:cNvPr>
+          <p:cNvSpPr/>
+          <p:nvPr/>
+        </p:nvSpPr>
+        <p:spPr>
+          <a:xfrm rot="16200000">
+            <a:off x="5964825" y="3064333"/>
+            <a:ext cx="341815" cy="600891"/>
+          </a:xfrm>
+          <a:prstGeom prst="downArrow">
+            <a:avLst/>
+          </a:prstGeom>
+          <a:solidFill>
+            <a:schemeClr val="accent4">
+              <a:lumMod val="50000"/>
+            </a:schemeClr>
+          </a:solidFill>
+        </p:spPr>
+        <p:style>
+          <a:lnRef idx="2">
+            <a:schemeClr val="accent1">
+              <a:shade val="50000"/>
+            </a:schemeClr>
+          </a:lnRef>
+          <a:fillRef idx="1">
+            <a:schemeClr val="accent1"/>
+          </a:fillRef>
+          <a:effectRef idx="0">
+            <a:schemeClr val="accent1"/>
+          </a:effectRef>
+          <a:fontRef idx="minor">
+            <a:schemeClr val="lt1"/>
+          </a:fontRef>
+        </p:style>
+        <p:txBody>
+          <a:bodyPr rtlCol="0" anchor="ctr"/>
+          <a:lstStyle/>
+          <a:p>
+            <a:pPr algn="ctr"/>
+            <a:endParaRPr lang="ru-RU"/>
+          </a:p>
+        </p:txBody>
+      </p:sp>
+      <p:sp>
+        <p:nvSpPr>
+          <p:cNvPr id="40" name="Прямоугольник 39">
+            <a:extLst>
+              <a:ext uri="{FF2B5EF4-FFF2-40B4-BE49-F238E27FC236}">
+                <a16:creationId xmlns:a16="http://schemas.microsoft.com/office/drawing/2014/main" id="{06423A47-1AB7-4AAF-8DF3-ED448A13BB94}"/>
+              </a:ext>
+            </a:extLst>
+          </p:cNvPr>
+          <p:cNvSpPr/>
+          <p:nvPr/>
+        </p:nvSpPr>
+        <p:spPr>
+          <a:xfrm>
+            <a:off x="2064197" y="1111609"/>
+            <a:ext cx="8365678" cy="707886"/>
+          </a:xfrm>
+          <a:prstGeom prst="rect">
+            <a:avLst/>
+          </a:prstGeom>
+        </p:spPr>
+        <p:txBody>
+          <a:bodyPr wrap="square">
+            <a:spAutoFit/>
+          </a:bodyPr>
+          <a:lstStyle/>
+          <a:p>
+            <a:pPr algn="ctr"/>
+            <a:r>
+              <a:rPr lang="ru-RU" sz="2000" dirty="0">
+                <a:solidFill>
+                  <a:srgbClr val="C00000"/>
+                </a:solidFill>
+                <a:latin typeface="Times New Roman" panose="02020603050405020304" pitchFamily="18" charset="0"/>
+                <a:cs typeface="Times New Roman" panose="02020603050405020304" pitchFamily="18" charset="0"/>
+              </a:rPr>
+              <a:t>Для очистки датасета от шума разработан фильтр, </a:t>
+            </a:r>
+          </a:p>
+          <a:p>
+            <a:pPr algn="ctr"/>
+            <a:r>
+              <a:rPr lang="ru-RU" sz="2000" dirty="0">
+                <a:solidFill>
+                  <a:srgbClr val="C00000"/>
+                </a:solidFill>
+                <a:latin typeface="Times New Roman" panose="02020603050405020304" pitchFamily="18" charset="0"/>
+                <a:cs typeface="Times New Roman" panose="02020603050405020304" pitchFamily="18" charset="0"/>
+              </a:rPr>
+              <a:t>ядром (маской) которого являются объекты (строки) базового датасета</a:t>
+            </a:r>
+            <a:endParaRPr lang="ru-RU" sz="2800" dirty="0">
+              <a:solidFill>
+                <a:srgbClr val="C00000"/>
+              </a:solidFill>
+              <a:latin typeface="Times New Roman" panose="02020603050405020304" pitchFamily="18" charset="0"/>
+              <a:cs typeface="Times New Roman" panose="02020603050405020304" pitchFamily="18" charset="0"/>
+            </a:endParaRPr>
+          </a:p>
+        </p:txBody>
+      </p:sp>
+      <p:sp>
+        <p:nvSpPr>
+          <p:cNvPr id="42" name="Прямоугольник 41">
+            <a:extLst>
+              <a:ext uri="{FF2B5EF4-FFF2-40B4-BE49-F238E27FC236}">
+                <a16:creationId xmlns:a16="http://schemas.microsoft.com/office/drawing/2014/main" id="{056FA315-1EE2-42F9-9F50-F92A04D77A77}"/>
+              </a:ext>
+            </a:extLst>
+          </p:cNvPr>
+          <p:cNvSpPr/>
+          <p:nvPr/>
+        </p:nvSpPr>
+        <p:spPr>
+          <a:xfrm>
+            <a:off x="4940830" y="6202596"/>
+            <a:ext cx="7136874" cy="477054"/>
+          </a:xfrm>
+          <a:prstGeom prst="rect">
+            <a:avLst/>
+          </a:prstGeom>
+        </p:spPr>
+        <p:txBody>
+          <a:bodyPr wrap="square">
+            <a:spAutoFit/>
+          </a:bodyPr>
+          <a:lstStyle/>
+          <a:p>
+            <a:r>
+              <a:rPr lang="ru-RU" sz="1250" b="1" dirty="0">
+                <a:solidFill>
+                  <a:srgbClr val="0000FF"/>
+                </a:solidFill>
+                <a:latin typeface="Times New Roman" panose="02020603050405020304" pitchFamily="18" charset="0"/>
+                <a:ea typeface="Arial" panose="020B0604020202020204" pitchFamily="34" charset="0"/>
+              </a:rPr>
+              <a:t>Примечание. </a:t>
+            </a:r>
+            <a:r>
+              <a:rPr lang="ru-RU" sz="1250" dirty="0">
+                <a:solidFill>
+                  <a:srgbClr val="0000FF"/>
+                </a:solidFill>
+                <a:latin typeface="Times New Roman" panose="02020603050405020304" pitchFamily="18" charset="0"/>
+                <a:ea typeface="Arial" panose="020B0604020202020204" pitchFamily="34" charset="0"/>
+              </a:rPr>
+              <a:t>Если последние 1000 строк датасета сгенерированы случайным образом, то данную </a:t>
+            </a:r>
+          </a:p>
+          <a:p>
+            <a:r>
+              <a:rPr lang="ru-RU" sz="1250" dirty="0">
+                <a:solidFill>
+                  <a:srgbClr val="0000FF"/>
+                </a:solidFill>
+                <a:latin typeface="Times New Roman" panose="02020603050405020304" pitchFamily="18" charset="0"/>
+                <a:ea typeface="Arial" panose="020B0604020202020204" pitchFamily="34" charset="0"/>
+              </a:rPr>
+              <a:t>процедуру следует рассматривать не как фильтрацию датасета, а как </a:t>
+            </a:r>
+            <a:r>
+              <a:rPr lang="ru-RU" sz="1250" dirty="0">
+                <a:solidFill>
+                  <a:srgbClr val="C00000"/>
+                </a:solidFill>
+                <a:latin typeface="Times New Roman" panose="02020603050405020304" pitchFamily="18" charset="0"/>
+                <a:ea typeface="Arial" panose="020B0604020202020204" pitchFamily="34" charset="0"/>
+              </a:rPr>
+              <a:t>размножение</a:t>
+            </a:r>
+            <a:r>
+              <a:rPr lang="ru-RU" sz="1250" dirty="0">
+                <a:solidFill>
+                  <a:srgbClr val="0000FF"/>
+                </a:solidFill>
+                <a:latin typeface="Times New Roman" panose="02020603050405020304" pitchFamily="18" charset="0"/>
+                <a:ea typeface="Arial" panose="020B0604020202020204" pitchFamily="34" charset="0"/>
+              </a:rPr>
+              <a:t> базового датасета.</a:t>
+            </a:r>
+            <a:endParaRPr lang="ru-RU" sz="1250" dirty="0">
+              <a:solidFill>
+                <a:srgbClr val="0000FF"/>
+              </a:solidFill>
+            </a:endParaRPr>
+          </a:p>
+        </p:txBody>
+      </p:sp>
+      <p:pic>
+        <p:nvPicPr>
+          <p:cNvPr id="3" name="Рисунок 2">
+            <a:extLst>
+              <a:ext uri="{FF2B5EF4-FFF2-40B4-BE49-F238E27FC236}">
+                <a16:creationId xmlns:a16="http://schemas.microsoft.com/office/drawing/2014/main" id="{CF8C8D5F-23C1-442B-BD57-9697244F15C8}"/>
+              </a:ext>
+            </a:extLst>
+          </p:cNvPr>
+          <p:cNvPicPr>
+            <a:picLocks noChangeAspect="1"/>
+          </p:cNvPicPr>
+          <p:nvPr/>
+        </p:nvPicPr>
+        <p:blipFill>
+          <a:blip r:embed="rId5"/>
+          <a:stretch>
+            <a:fillRect/>
+          </a:stretch>
+        </p:blipFill>
+        <p:spPr>
+          <a:xfrm>
+            <a:off x="1456293" y="1889429"/>
+            <a:ext cx="3824518" cy="3003145"/>
+          </a:xfrm>
+          <a:prstGeom prst="rect">
+            <a:avLst/>
+          </a:prstGeom>
+        </p:spPr>
+      </p:pic>
+      <p:pic>
+        <p:nvPicPr>
+          <p:cNvPr id="15" name="Рисунок 14">
+            <a:extLst>
+              <a:ext uri="{FF2B5EF4-FFF2-40B4-BE49-F238E27FC236}">
+                <a16:creationId xmlns:a16="http://schemas.microsoft.com/office/drawing/2014/main" id="{3FABBEA0-DB97-40B1-BEA3-DEF244DFB717}"/>
+              </a:ext>
+            </a:extLst>
+          </p:cNvPr>
+          <p:cNvPicPr>
+            <a:picLocks noChangeAspect="1"/>
+          </p:cNvPicPr>
+          <p:nvPr/>
+        </p:nvPicPr>
+        <p:blipFill>
+          <a:blip r:embed="rId6"/>
+          <a:stretch>
+            <a:fillRect/>
+          </a:stretch>
+        </p:blipFill>
+        <p:spPr>
+          <a:xfrm>
+            <a:off x="6992708" y="1907432"/>
+            <a:ext cx="3644091" cy="2988495"/>
+          </a:xfrm>
+          <a:prstGeom prst="rect">
+            <a:avLst/>
+          </a:prstGeom>
+        </p:spPr>
+      </p:pic>
+    </p:spTree>
+    <p:extLst>
+      <p:ext uri="{BB962C8B-B14F-4D97-AF65-F5344CB8AC3E}">
+        <p14:creationId xmlns:p14="http://schemas.microsoft.com/office/powerpoint/2010/main" val="1268718429"/>
+      </p:ext>
+    </p:extLst>
+  </p:cSld>
+  <p:clrMapOvr>
+    <a:masterClrMapping/>
+  </p:clrMapOvr>
+  <mc:AlternateContent xmlns:mc="http://schemas.openxmlformats.org/markup-compatibility/2006" xmlns:p14="http://schemas.microsoft.com/office/powerpoint/2010/main">
+    <mc:Choice Requires="p14">
+      <p:transition p14:dur="0"/>
+    </mc:Choice>
+    <mc:Fallback xmlns="">
+      <p:transition/>
+    </mc:Fallback>
+  </mc:AlternateContent>
+</p:sld>
+</file>
+
+<file path=ppt/slides/slide6.xml><?xml version="1.0" encoding="utf-8"?>
+<p:sld xmlns:a="http://schemas.openxmlformats.org/drawingml/2006/main" xmlns:r="http://schemas.openxmlformats.org/officeDocument/2006/relationships" xmlns:p="http://schemas.openxmlformats.org/presentationml/2006/main">
+  <p:cSld>
+    <p:spTree>
+      <p:nvGrpSpPr>
+        <p:cNvPr id="1" name=""/>
+        <p:cNvGrpSpPr/>
+        <p:nvPr/>
+      </p:nvGrpSpPr>
+      <p:grpSpPr>
+        <a:xfrm>
+          <a:off x="0" y="0"/>
+          <a:ext cx="0" cy="0"/>
+          <a:chOff x="0" y="0"/>
+          <a:chExt cx="0" cy="0"/>
+        </a:xfrm>
+      </p:grpSpPr>
+      <p:sp>
+        <p:nvSpPr>
+          <p:cNvPr id="4" name="Номер слайда 3">
+            <a:extLst>
+              <a:ext uri="{FF2B5EF4-FFF2-40B4-BE49-F238E27FC236}">
+                <a16:creationId xmlns:a16="http://schemas.microsoft.com/office/drawing/2014/main" id="{06555008-558A-4705-ADA6-A99A535D9A16}"/>
+              </a:ext>
+            </a:extLst>
+          </p:cNvPr>
+          <p:cNvSpPr>
+            <a:spLocks noGrp="1"/>
+          </p:cNvSpPr>
+          <p:nvPr>
+            <p:ph type="sldNum" idx="12"/>
+          </p:nvPr>
+        </p:nvSpPr>
+        <p:spPr>
+          <a:xfrm>
+            <a:off x="226003" y="6434051"/>
+            <a:ext cx="570309" cy="275255"/>
+          </a:xfrm>
+        </p:spPr>
+        <p:txBody>
+          <a:bodyPr/>
+          <a:lstStyle/>
+          <a:p>
+            <a:pPr marL="0" lvl="0" indent="0" algn="l" rtl="0">
+              <a:spcBef>
+                <a:spcPts val="0"/>
+              </a:spcBef>
+              <a:spcAft>
+                <a:spcPts val="0"/>
+              </a:spcAft>
+              <a:buNone/>
+            </a:pPr>
+            <a:fld id="{00000000-1234-1234-1234-123412341234}" type="slidenum">
+              <a:rPr lang="ru-RU" smtClean="0">
+                <a:latin typeface="Times New Roman" panose="02020603050405020304" pitchFamily="18" charset="0"/>
+                <a:cs typeface="Times New Roman" panose="02020603050405020304" pitchFamily="18" charset="0"/>
+              </a:rPr>
+              <a:t>6</a:t>
+            </a:fld>
+            <a:endParaRPr lang="ru-RU" dirty="0">
+              <a:latin typeface="Times New Roman" panose="02020603050405020304" pitchFamily="18" charset="0"/>
+              <a:cs typeface="Times New Roman" panose="02020603050405020304" pitchFamily="18" charset="0"/>
+            </a:endParaRPr>
+          </a:p>
+        </p:txBody>
+      </p:sp>
+      <p:grpSp>
+        <p:nvGrpSpPr>
+          <p:cNvPr id="14" name="Группа 13">
+            <a:extLst>
+              <a:ext uri="{FF2B5EF4-FFF2-40B4-BE49-F238E27FC236}">
+                <a16:creationId xmlns:a16="http://schemas.microsoft.com/office/drawing/2014/main" id="{F324A62E-A256-4354-8835-CFA3C09136B2}"/>
+              </a:ext>
+            </a:extLst>
+          </p:cNvPr>
+          <p:cNvGrpSpPr/>
+          <p:nvPr/>
+        </p:nvGrpSpPr>
+        <p:grpSpPr>
+          <a:xfrm>
+            <a:off x="3167880" y="469293"/>
+            <a:ext cx="6212171" cy="666000"/>
+            <a:chOff x="1476753" y="3499669"/>
+            <a:chExt cx="4619247" cy="666000"/>
+          </a:xfrm>
+        </p:grpSpPr>
+        <p:sp>
+          <p:nvSpPr>
+            <p:cNvPr id="15" name="Прямоугольник 14">
+              <a:extLst>
+                <a:ext uri="{FF2B5EF4-FFF2-40B4-BE49-F238E27FC236}">
+                  <a16:creationId xmlns:a16="http://schemas.microsoft.com/office/drawing/2014/main" id="{E589737A-BA23-46A0-A36B-BE16171D8E61}"/>
+                </a:ext>
+              </a:extLst>
+            </p:cNvPr>
+            <p:cNvSpPr/>
+            <p:nvPr/>
+          </p:nvSpPr>
+          <p:spPr>
+            <a:xfrm>
+              <a:off x="1476753" y="3499669"/>
+              <a:ext cx="4619247" cy="666000"/>
+            </a:xfrm>
+            <a:prstGeom prst="rect">
+              <a:avLst/>
+            </a:prstGeom>
+            <a:solidFill>
+              <a:schemeClr val="bg1"/>
+            </a:solidFill>
+            <a:ln>
+              <a:solidFill>
+                <a:schemeClr val="bg1"/>
+              </a:solidFill>
+            </a:ln>
+          </p:spPr>
+          <p:style>
+            <a:lnRef idx="2">
+              <a:schemeClr val="accent1">
+                <a:shade val="50000"/>
+              </a:schemeClr>
+            </a:lnRef>
+            <a:fillRef idx="1">
+              <a:schemeClr val="accent1"/>
+            </a:fillRef>
+            <a:effectRef idx="0">
+              <a:schemeClr val="accent1"/>
+            </a:effectRef>
+            <a:fontRef idx="minor">
+              <a:schemeClr val="lt1"/>
+            </a:fontRef>
+          </p:style>
+          <p:txBody>
+            <a:bodyPr rtlCol="0" anchor="ctr"/>
+            <a:lstStyle/>
+            <a:p>
+              <a:pPr algn="ctr"/>
+              <a:r>
+                <a:rPr lang="ru-RU" sz="2800" spc="180" dirty="0">
+                  <a:ln>
+                    <a:solidFill>
+                      <a:srgbClr val="065CAB"/>
+                    </a:solidFill>
+                  </a:ln>
+                  <a:solidFill>
+                    <a:srgbClr val="065CAB"/>
+                  </a:solidFill>
+                  <a:latin typeface="Times New Roman" panose="02020603050405020304" pitchFamily="18" charset="0"/>
+                  <a:cs typeface="Times New Roman" panose="02020603050405020304" pitchFamily="18" charset="0"/>
+                </a:rPr>
+                <a:t>Результаты фильтрации датасета</a:t>
+              </a:r>
+              <a:endParaRPr lang="ru-RU" sz="2800" spc="180" dirty="0">
+                <a:latin typeface="Times New Roman" panose="02020603050405020304" pitchFamily="18" charset="0"/>
+                <a:cs typeface="Times New Roman" panose="02020603050405020304" pitchFamily="18" charset="0"/>
+              </a:endParaRPr>
+            </a:p>
+          </p:txBody>
+        </p:sp>
+        <p:sp>
+          <p:nvSpPr>
+            <p:cNvPr id="16" name="Прямоугольник 58">
+              <a:extLst>
+                <a:ext uri="{FF2B5EF4-FFF2-40B4-BE49-F238E27FC236}">
+                  <a16:creationId xmlns:a16="http://schemas.microsoft.com/office/drawing/2014/main" id="{1C3517E3-F6E0-4F52-AEE5-DC80364E562C}"/>
+                </a:ext>
+              </a:extLst>
+            </p:cNvPr>
+            <p:cNvSpPr/>
+            <p:nvPr/>
+          </p:nvSpPr>
+          <p:spPr>
+            <a:xfrm rot="10800000" flipH="1">
+              <a:off x="1476754" y="3499669"/>
+              <a:ext cx="76579" cy="666000"/>
+            </a:xfrm>
+            <a:custGeom>
+              <a:avLst/>
+              <a:gdLst>
+                <a:gd name="connsiteX0" fmla="*/ 0 w 424732"/>
+                <a:gd name="connsiteY0" fmla="*/ 0 h 424732"/>
+                <a:gd name="connsiteX1" fmla="*/ 424732 w 424732"/>
+                <a:gd name="connsiteY1" fmla="*/ 0 h 424732"/>
+                <a:gd name="connsiteX2" fmla="*/ 424732 w 424732"/>
+                <a:gd name="connsiteY2" fmla="*/ 424732 h 424732"/>
+                <a:gd name="connsiteX3" fmla="*/ 0 w 424732"/>
+                <a:gd name="connsiteY3" fmla="*/ 424732 h 424732"/>
+                <a:gd name="connsiteX4" fmla="*/ 0 w 424732"/>
+                <a:gd name="connsiteY4" fmla="*/ 0 h 424732"/>
+                <a:gd name="connsiteX0" fmla="*/ 0 w 425450"/>
+                <a:gd name="connsiteY0" fmla="*/ 0 h 424732"/>
+                <a:gd name="connsiteX1" fmla="*/ 424732 w 425450"/>
+                <a:gd name="connsiteY1" fmla="*/ 0 h 424732"/>
+                <a:gd name="connsiteX2" fmla="*/ 425450 w 425450"/>
+                <a:gd name="connsiteY2" fmla="*/ 238890 h 424732"/>
+                <a:gd name="connsiteX3" fmla="*/ 424732 w 425450"/>
+                <a:gd name="connsiteY3" fmla="*/ 424732 h 424732"/>
+                <a:gd name="connsiteX4" fmla="*/ 0 w 425450"/>
+                <a:gd name="connsiteY4" fmla="*/ 424732 h 424732"/>
+                <a:gd name="connsiteX5" fmla="*/ 0 w 425450"/>
+                <a:gd name="connsiteY5" fmla="*/ 0 h 424732"/>
+                <a:gd name="connsiteX0" fmla="*/ 425450 w 516890"/>
+                <a:gd name="connsiteY0" fmla="*/ 238890 h 424732"/>
+                <a:gd name="connsiteX1" fmla="*/ 424732 w 516890"/>
+                <a:gd name="connsiteY1" fmla="*/ 424732 h 424732"/>
+                <a:gd name="connsiteX2" fmla="*/ 0 w 516890"/>
+                <a:gd name="connsiteY2" fmla="*/ 424732 h 424732"/>
+                <a:gd name="connsiteX3" fmla="*/ 0 w 516890"/>
+                <a:gd name="connsiteY3" fmla="*/ 0 h 424732"/>
+                <a:gd name="connsiteX4" fmla="*/ 424732 w 516890"/>
+                <a:gd name="connsiteY4" fmla="*/ 0 h 424732"/>
+                <a:gd name="connsiteX5" fmla="*/ 516890 w 516890"/>
+                <a:gd name="connsiteY5" fmla="*/ 330330 h 424732"/>
+                <a:gd name="connsiteX0" fmla="*/ 424732 w 516890"/>
+                <a:gd name="connsiteY0" fmla="*/ 424732 h 424732"/>
+                <a:gd name="connsiteX1" fmla="*/ 0 w 516890"/>
+                <a:gd name="connsiteY1" fmla="*/ 424732 h 424732"/>
+                <a:gd name="connsiteX2" fmla="*/ 0 w 516890"/>
+                <a:gd name="connsiteY2" fmla="*/ 0 h 424732"/>
+                <a:gd name="connsiteX3" fmla="*/ 424732 w 516890"/>
+                <a:gd name="connsiteY3" fmla="*/ 0 h 424732"/>
+                <a:gd name="connsiteX4" fmla="*/ 516890 w 516890"/>
+                <a:gd name="connsiteY4" fmla="*/ 330330 h 424732"/>
+                <a:gd name="connsiteX0" fmla="*/ 424732 w 424732"/>
+                <a:gd name="connsiteY0" fmla="*/ 424732 h 424732"/>
+                <a:gd name="connsiteX1" fmla="*/ 0 w 424732"/>
+                <a:gd name="connsiteY1" fmla="*/ 424732 h 424732"/>
+                <a:gd name="connsiteX2" fmla="*/ 0 w 424732"/>
+                <a:gd name="connsiteY2" fmla="*/ 0 h 424732"/>
+                <a:gd name="connsiteX3" fmla="*/ 424732 w 424732"/>
+                <a:gd name="connsiteY3" fmla="*/ 0 h 424732"/>
+              </a:gdLst>
+              <a:ahLst/>
+              <a:cxnLst>
+                <a:cxn ang="0">
+                  <a:pos x="connsiteX0" y="connsiteY0"/>
+                </a:cxn>
+                <a:cxn ang="0">
+                  <a:pos x="connsiteX1" y="connsiteY1"/>
+                </a:cxn>
+                <a:cxn ang="0">
+                  <a:pos x="connsiteX2" y="connsiteY2"/>
+                </a:cxn>
+                <a:cxn ang="0">
+                  <a:pos x="connsiteX3" y="connsiteY3"/>
+                </a:cxn>
+              </a:cxnLst>
+              <a:rect l="l" t="t" r="r" b="b"/>
+              <a:pathLst>
+                <a:path w="424732" h="424732">
+                  <a:moveTo>
+                    <a:pt x="424732" y="424732"/>
+                  </a:moveTo>
+                  <a:lnTo>
+                    <a:pt x="0" y="424732"/>
+                  </a:lnTo>
+                  <a:lnTo>
+                    <a:pt x="0" y="0"/>
+                  </a:lnTo>
+                  <a:lnTo>
+                    <a:pt x="424732" y="0"/>
+                  </a:lnTo>
+                </a:path>
+              </a:pathLst>
+            </a:custGeom>
+            <a:ln w="16510">
+              <a:solidFill>
+                <a:srgbClr val="065CAB"/>
+              </a:solidFill>
+            </a:ln>
+          </p:spPr>
+          <p:style>
+            <a:lnRef idx="1">
+              <a:schemeClr val="accent1"/>
+            </a:lnRef>
+            <a:fillRef idx="0">
+              <a:schemeClr val="accent1"/>
+            </a:fillRef>
+            <a:effectRef idx="0">
+              <a:schemeClr val="accent1"/>
+            </a:effectRef>
+            <a:fontRef idx="minor">
+              <a:schemeClr val="tx1"/>
+            </a:fontRef>
+          </p:style>
+          <p:txBody>
+            <a:bodyPr rtlCol="0" anchor="ctr"/>
+            <a:lstStyle/>
+            <a:p>
+              <a:pPr algn="ctr"/>
+              <a:endParaRPr lang="ru-RU" dirty="0">
+                <a:latin typeface="ALS Sector Regular" panose="02000000000000000000" pitchFamily="2" charset="0"/>
+              </a:endParaRPr>
+            </a:p>
+          </p:txBody>
+        </p:sp>
+        <p:sp>
+          <p:nvSpPr>
+            <p:cNvPr id="17" name="Прямоугольник 58">
+              <a:extLst>
+                <a:ext uri="{FF2B5EF4-FFF2-40B4-BE49-F238E27FC236}">
+                  <a16:creationId xmlns:a16="http://schemas.microsoft.com/office/drawing/2014/main" id="{CEC88DFA-D330-4EAE-893E-A44623A39FD6}"/>
+                </a:ext>
+              </a:extLst>
+            </p:cNvPr>
+            <p:cNvSpPr>
+              <a:spLocks noChangeAspect="1"/>
+            </p:cNvSpPr>
+            <p:nvPr/>
+          </p:nvSpPr>
+          <p:spPr>
+            <a:xfrm flipH="1">
+              <a:off x="6005951" y="3499669"/>
+              <a:ext cx="90049" cy="666000"/>
+            </a:xfrm>
+            <a:custGeom>
+              <a:avLst/>
+              <a:gdLst>
+                <a:gd name="connsiteX0" fmla="*/ 0 w 424732"/>
+                <a:gd name="connsiteY0" fmla="*/ 0 h 424732"/>
+                <a:gd name="connsiteX1" fmla="*/ 424732 w 424732"/>
+                <a:gd name="connsiteY1" fmla="*/ 0 h 424732"/>
+                <a:gd name="connsiteX2" fmla="*/ 424732 w 424732"/>
+                <a:gd name="connsiteY2" fmla="*/ 424732 h 424732"/>
+                <a:gd name="connsiteX3" fmla="*/ 0 w 424732"/>
+                <a:gd name="connsiteY3" fmla="*/ 424732 h 424732"/>
+                <a:gd name="connsiteX4" fmla="*/ 0 w 424732"/>
+                <a:gd name="connsiteY4" fmla="*/ 0 h 424732"/>
+                <a:gd name="connsiteX0" fmla="*/ 0 w 425450"/>
+                <a:gd name="connsiteY0" fmla="*/ 0 h 424732"/>
+                <a:gd name="connsiteX1" fmla="*/ 424732 w 425450"/>
+                <a:gd name="connsiteY1" fmla="*/ 0 h 424732"/>
+                <a:gd name="connsiteX2" fmla="*/ 425450 w 425450"/>
+                <a:gd name="connsiteY2" fmla="*/ 238890 h 424732"/>
+                <a:gd name="connsiteX3" fmla="*/ 424732 w 425450"/>
+                <a:gd name="connsiteY3" fmla="*/ 424732 h 424732"/>
+                <a:gd name="connsiteX4" fmla="*/ 0 w 425450"/>
+                <a:gd name="connsiteY4" fmla="*/ 424732 h 424732"/>
+                <a:gd name="connsiteX5" fmla="*/ 0 w 425450"/>
+                <a:gd name="connsiteY5" fmla="*/ 0 h 424732"/>
+                <a:gd name="connsiteX0" fmla="*/ 425450 w 516890"/>
+                <a:gd name="connsiteY0" fmla="*/ 238890 h 424732"/>
+                <a:gd name="connsiteX1" fmla="*/ 424732 w 516890"/>
+                <a:gd name="connsiteY1" fmla="*/ 424732 h 424732"/>
+                <a:gd name="connsiteX2" fmla="*/ 0 w 516890"/>
+                <a:gd name="connsiteY2" fmla="*/ 424732 h 424732"/>
+                <a:gd name="connsiteX3" fmla="*/ 0 w 516890"/>
+                <a:gd name="connsiteY3" fmla="*/ 0 h 424732"/>
+                <a:gd name="connsiteX4" fmla="*/ 424732 w 516890"/>
+                <a:gd name="connsiteY4" fmla="*/ 0 h 424732"/>
+                <a:gd name="connsiteX5" fmla="*/ 516890 w 516890"/>
+                <a:gd name="connsiteY5" fmla="*/ 330330 h 424732"/>
+                <a:gd name="connsiteX0" fmla="*/ 424732 w 516890"/>
+                <a:gd name="connsiteY0" fmla="*/ 424732 h 424732"/>
+                <a:gd name="connsiteX1" fmla="*/ 0 w 516890"/>
+                <a:gd name="connsiteY1" fmla="*/ 424732 h 424732"/>
+                <a:gd name="connsiteX2" fmla="*/ 0 w 516890"/>
+                <a:gd name="connsiteY2" fmla="*/ 0 h 424732"/>
+                <a:gd name="connsiteX3" fmla="*/ 424732 w 516890"/>
+                <a:gd name="connsiteY3" fmla="*/ 0 h 424732"/>
+                <a:gd name="connsiteX4" fmla="*/ 516890 w 516890"/>
+                <a:gd name="connsiteY4" fmla="*/ 330330 h 424732"/>
+                <a:gd name="connsiteX0" fmla="*/ 424732 w 424732"/>
+                <a:gd name="connsiteY0" fmla="*/ 424732 h 424732"/>
+                <a:gd name="connsiteX1" fmla="*/ 0 w 424732"/>
+                <a:gd name="connsiteY1" fmla="*/ 424732 h 424732"/>
+                <a:gd name="connsiteX2" fmla="*/ 0 w 424732"/>
+                <a:gd name="connsiteY2" fmla="*/ 0 h 424732"/>
+                <a:gd name="connsiteX3" fmla="*/ 424732 w 424732"/>
+                <a:gd name="connsiteY3" fmla="*/ 0 h 424732"/>
+              </a:gdLst>
+              <a:ahLst/>
+              <a:cxnLst>
+                <a:cxn ang="0">
+                  <a:pos x="connsiteX0" y="connsiteY0"/>
+                </a:cxn>
+                <a:cxn ang="0">
+                  <a:pos x="connsiteX1" y="connsiteY1"/>
+                </a:cxn>
+                <a:cxn ang="0">
+                  <a:pos x="connsiteX2" y="connsiteY2"/>
+                </a:cxn>
+                <a:cxn ang="0">
+                  <a:pos x="connsiteX3" y="connsiteY3"/>
+                </a:cxn>
+              </a:cxnLst>
+              <a:rect l="l" t="t" r="r" b="b"/>
+              <a:pathLst>
+                <a:path w="424732" h="424732">
+                  <a:moveTo>
+                    <a:pt x="424732" y="424732"/>
+                  </a:moveTo>
+                  <a:lnTo>
+                    <a:pt x="0" y="424732"/>
+                  </a:lnTo>
+                  <a:lnTo>
+                    <a:pt x="0" y="0"/>
+                  </a:lnTo>
+                  <a:lnTo>
+                    <a:pt x="424732" y="0"/>
+                  </a:lnTo>
+                </a:path>
+              </a:pathLst>
+            </a:custGeom>
+            <a:ln w="16510">
+              <a:solidFill>
+                <a:srgbClr val="0046A2"/>
+              </a:solidFill>
+            </a:ln>
+          </p:spPr>
+          <p:style>
+            <a:lnRef idx="1">
+              <a:schemeClr val="accent1"/>
+            </a:lnRef>
+            <a:fillRef idx="0">
+              <a:schemeClr val="accent1"/>
+            </a:fillRef>
+            <a:effectRef idx="0">
+              <a:schemeClr val="accent1"/>
+            </a:effectRef>
+            <a:fontRef idx="minor">
+              <a:schemeClr val="tx1"/>
+            </a:fontRef>
+          </p:style>
+          <p:txBody>
+            <a:bodyPr rtlCol="0" anchor="ctr"/>
+            <a:lstStyle/>
+            <a:p>
+              <a:pPr algn="ctr"/>
+              <a:endParaRPr lang="ru-RU" dirty="0">
+                <a:solidFill>
+                  <a:srgbClr val="065CAB"/>
+                </a:solidFill>
+                <a:latin typeface="ALS Sector Regular" panose="02000000000000000000" pitchFamily="2" charset="0"/>
+              </a:endParaRPr>
+            </a:p>
+          </p:txBody>
+        </p:sp>
+      </p:grpSp>
+      <p:sp>
+        <p:nvSpPr>
+          <p:cNvPr id="18" name="Прямоугольник 17">
+            <a:extLst>
+              <a:ext uri="{FF2B5EF4-FFF2-40B4-BE49-F238E27FC236}">
+                <a16:creationId xmlns:a16="http://schemas.microsoft.com/office/drawing/2014/main" id="{FB43908E-9AC0-493F-94AA-6F7F6D2860F4}"/>
+              </a:ext>
+            </a:extLst>
+          </p:cNvPr>
+          <p:cNvSpPr/>
+          <p:nvPr/>
+        </p:nvSpPr>
+        <p:spPr>
+          <a:xfrm>
+            <a:off x="3093708" y="1405305"/>
+            <a:ext cx="6099381" cy="400110"/>
+          </a:xfrm>
+          <a:prstGeom prst="rect">
+            <a:avLst/>
+          </a:prstGeom>
+        </p:spPr>
+        <p:txBody>
+          <a:bodyPr wrap="square">
+            <a:spAutoFit/>
+          </a:bodyPr>
+          <a:lstStyle/>
+          <a:p>
+            <a:pPr algn="ctr"/>
+            <a:r>
+              <a:rPr lang="ru-RU" sz="1800" dirty="0">
+                <a:solidFill>
+                  <a:srgbClr val="C00000"/>
+                </a:solidFill>
+                <a:latin typeface="Times New Roman" panose="02020603050405020304" pitchFamily="18" charset="0"/>
+                <a:ea typeface="Arial" panose="020B0604020202020204" pitchFamily="34" charset="0"/>
+              </a:rPr>
+              <a:t> </a:t>
+            </a:r>
+            <a:r>
+              <a:rPr lang="en-US" sz="2000" dirty="0">
+                <a:solidFill>
+                  <a:srgbClr val="C00000"/>
+                </a:solidFill>
+                <a:latin typeface="Times New Roman" panose="02020603050405020304" pitchFamily="18" charset="0"/>
+                <a:ea typeface="Arial" panose="020B0604020202020204" pitchFamily="34" charset="0"/>
+              </a:rPr>
+              <a:t>y</a:t>
+            </a:r>
+            <a:r>
+              <a:rPr lang="ru-RU" sz="2000" dirty="0">
+                <a:solidFill>
+                  <a:srgbClr val="C00000"/>
+                </a:solidFill>
+                <a:latin typeface="Times New Roman" panose="02020603050405020304" pitchFamily="18" charset="0"/>
+                <a:ea typeface="Arial" panose="020B0604020202020204" pitchFamily="34" charset="0"/>
+              </a:rPr>
+              <a:t>_</a:t>
+            </a:r>
+            <a:r>
+              <a:rPr lang="en-US" sz="2000" dirty="0">
+                <a:solidFill>
+                  <a:srgbClr val="C00000"/>
+                </a:solidFill>
+                <a:latin typeface="Times New Roman" panose="02020603050405020304" pitchFamily="18" charset="0"/>
+                <a:ea typeface="Arial" panose="020B0604020202020204" pitchFamily="34" charset="0"/>
+              </a:rPr>
+              <a:t>1 =  </a:t>
+            </a:r>
+            <a:r>
+              <a:rPr lang="ru-RU" sz="2000" dirty="0">
+                <a:solidFill>
+                  <a:srgbClr val="C00000"/>
+                </a:solidFill>
+                <a:latin typeface="Times New Roman" panose="02020603050405020304" pitchFamily="18" charset="0"/>
+                <a:ea typeface="Arial" panose="020B0604020202020204" pitchFamily="34" charset="0"/>
+              </a:rPr>
+              <a:t>'Модуль упругости при растяжении'</a:t>
+            </a:r>
+            <a:endParaRPr lang="ru-RU" sz="1800" dirty="0">
+              <a:solidFill>
+                <a:srgbClr val="C00000"/>
+              </a:solidFill>
+            </a:endParaRPr>
+          </a:p>
+        </p:txBody>
+      </p:sp>
+      <p:pic>
+        <p:nvPicPr>
+          <p:cNvPr id="22" name="Рисунок 21">
+            <a:extLst>
+              <a:ext uri="{FF2B5EF4-FFF2-40B4-BE49-F238E27FC236}">
+                <a16:creationId xmlns:a16="http://schemas.microsoft.com/office/drawing/2014/main" id="{6BA7224A-E563-4B21-966D-AEAF68241DBB}"/>
+              </a:ext>
+            </a:extLst>
+          </p:cNvPr>
+          <p:cNvPicPr>
+            <a:picLocks noChangeAspect="1"/>
+          </p:cNvPicPr>
+          <p:nvPr/>
+        </p:nvPicPr>
+        <p:blipFill>
+          <a:blip r:embed="rId2"/>
+          <a:stretch>
+            <a:fillRect/>
+          </a:stretch>
+        </p:blipFill>
+        <p:spPr>
+          <a:xfrm>
+            <a:off x="344962" y="4884431"/>
+            <a:ext cx="11495314" cy="1247455"/>
+          </a:xfrm>
+          <a:prstGeom prst="rect">
+            <a:avLst/>
+          </a:prstGeom>
+        </p:spPr>
+      </p:pic>
+      <p:pic>
+        <p:nvPicPr>
+          <p:cNvPr id="24" name="Рисунок 23">
+            <a:extLst>
+              <a:ext uri="{FF2B5EF4-FFF2-40B4-BE49-F238E27FC236}">
+                <a16:creationId xmlns:a16="http://schemas.microsoft.com/office/drawing/2014/main" id="{595A713B-0B61-42CB-A6B6-6AB79004F543}"/>
+              </a:ext>
+            </a:extLst>
+          </p:cNvPr>
+          <p:cNvPicPr>
+            <a:picLocks noChangeAspect="1"/>
+          </p:cNvPicPr>
+          <p:nvPr/>
+        </p:nvPicPr>
+        <p:blipFill>
+          <a:blip r:embed="rId3"/>
+          <a:stretch>
+            <a:fillRect/>
+          </a:stretch>
+        </p:blipFill>
+        <p:spPr>
+          <a:xfrm>
+            <a:off x="348951" y="2569081"/>
+            <a:ext cx="9469263" cy="1208030"/>
+          </a:xfrm>
+          <a:prstGeom prst="rect">
+            <a:avLst/>
+          </a:prstGeom>
+        </p:spPr>
+      </p:pic>
+      <p:pic>
+        <p:nvPicPr>
+          <p:cNvPr id="25" name="Рисунок 24">
+            <a:extLst>
+              <a:ext uri="{FF2B5EF4-FFF2-40B4-BE49-F238E27FC236}">
+                <a16:creationId xmlns:a16="http://schemas.microsoft.com/office/drawing/2014/main" id="{94001FBA-9484-416A-B5D7-70DCE30AD5E5}"/>
+              </a:ext>
+            </a:extLst>
+          </p:cNvPr>
+          <p:cNvPicPr>
+            <a:picLocks noChangeAspect="1"/>
+          </p:cNvPicPr>
+          <p:nvPr/>
+        </p:nvPicPr>
+        <p:blipFill>
+          <a:blip r:embed="rId4"/>
+          <a:stretch>
+            <a:fillRect/>
+          </a:stretch>
+        </p:blipFill>
+        <p:spPr>
+          <a:xfrm>
+            <a:off x="9732214" y="2527314"/>
+            <a:ext cx="2094414" cy="1258390"/>
+          </a:xfrm>
+          <a:prstGeom prst="rect">
+            <a:avLst/>
+          </a:prstGeom>
+        </p:spPr>
+      </p:pic>
+      <p:sp>
+        <p:nvSpPr>
+          <p:cNvPr id="26" name="Прямоугольник 25">
+            <a:extLst>
+              <a:ext uri="{FF2B5EF4-FFF2-40B4-BE49-F238E27FC236}">
+                <a16:creationId xmlns:a16="http://schemas.microsoft.com/office/drawing/2014/main" id="{8D31B3FF-9EA6-49A4-82F9-F5DA991976C6}"/>
+              </a:ext>
+            </a:extLst>
+          </p:cNvPr>
+          <p:cNvSpPr/>
+          <p:nvPr/>
+        </p:nvSpPr>
+        <p:spPr>
+          <a:xfrm>
+            <a:off x="3277346" y="2063466"/>
+            <a:ext cx="5672039" cy="400110"/>
+          </a:xfrm>
+          <a:prstGeom prst="rect">
+            <a:avLst/>
+          </a:prstGeom>
+        </p:spPr>
+        <p:txBody>
+          <a:bodyPr wrap="square">
+            <a:spAutoFit/>
+          </a:bodyPr>
+          <a:lstStyle/>
+          <a:p>
+            <a:pPr algn="ctr"/>
+            <a:r>
+              <a:rPr lang="ru-RU" sz="2000" dirty="0">
+                <a:solidFill>
+                  <a:schemeClr val="tx1"/>
+                </a:solidFill>
+                <a:latin typeface="Times New Roman" panose="02020603050405020304" pitchFamily="18" charset="0"/>
+                <a:ea typeface="Arial" panose="020B0604020202020204" pitchFamily="34" charset="0"/>
+              </a:rPr>
+              <a:t>Полный датасет</a:t>
+            </a:r>
+            <a:endParaRPr lang="ru-RU" sz="2000" dirty="0">
+              <a:solidFill>
+                <a:schemeClr val="tx1"/>
+              </a:solidFill>
+            </a:endParaRPr>
+          </a:p>
+        </p:txBody>
+      </p:sp>
+      <p:sp>
+        <p:nvSpPr>
+          <p:cNvPr id="27" name="Прямоугольник 26">
+            <a:extLst>
+              <a:ext uri="{FF2B5EF4-FFF2-40B4-BE49-F238E27FC236}">
+                <a16:creationId xmlns:a16="http://schemas.microsoft.com/office/drawing/2014/main" id="{1BA22545-60E8-4CE1-9B08-3D7F26D9C0E6}"/>
+              </a:ext>
+            </a:extLst>
+          </p:cNvPr>
+          <p:cNvSpPr/>
+          <p:nvPr/>
+        </p:nvSpPr>
+        <p:spPr>
+          <a:xfrm>
+            <a:off x="3259404" y="4398749"/>
+            <a:ext cx="5672039" cy="400110"/>
+          </a:xfrm>
+          <a:prstGeom prst="rect">
+            <a:avLst/>
+          </a:prstGeom>
+        </p:spPr>
+        <p:txBody>
+          <a:bodyPr wrap="square">
+            <a:spAutoFit/>
+          </a:bodyPr>
+          <a:lstStyle/>
+          <a:p>
+            <a:pPr algn="ctr"/>
+            <a:r>
+              <a:rPr lang="ru-RU" sz="2000" dirty="0">
+                <a:solidFill>
+                  <a:schemeClr val="tx1"/>
+                </a:solidFill>
+                <a:latin typeface="Times New Roman" panose="02020603050405020304" pitchFamily="18" charset="0"/>
+                <a:ea typeface="Arial" panose="020B0604020202020204" pitchFamily="34" charset="0"/>
+              </a:rPr>
+              <a:t>Очищенный датасет (</a:t>
+            </a:r>
+            <a:r>
+              <a:rPr lang="en-US" sz="2000" i="1" dirty="0">
+                <a:solidFill>
+                  <a:schemeClr val="tx1"/>
+                </a:solidFill>
+                <a:latin typeface="Times New Roman" panose="02020603050405020304" pitchFamily="18" charset="0"/>
+                <a:ea typeface="Arial" panose="020B0604020202020204" pitchFamily="34" charset="0"/>
+              </a:rPr>
+              <a:t>k</a:t>
+            </a:r>
+            <a:r>
+              <a:rPr lang="en-US" sz="2000" i="1" baseline="-25000" dirty="0">
+                <a:solidFill>
+                  <a:schemeClr val="tx1"/>
+                </a:solidFill>
+                <a:latin typeface="Times New Roman" panose="02020603050405020304" pitchFamily="18" charset="0"/>
+                <a:ea typeface="Arial" panose="020B0604020202020204" pitchFamily="34" charset="0"/>
+              </a:rPr>
+              <a:t>nn</a:t>
+            </a:r>
+            <a:r>
+              <a:rPr lang="ru-RU" sz="2000" dirty="0">
+                <a:solidFill>
+                  <a:schemeClr val="tx1"/>
+                </a:solidFill>
+                <a:latin typeface="Times New Roman" panose="02020603050405020304" pitchFamily="18" charset="0"/>
+                <a:ea typeface="Arial" panose="020B0604020202020204" pitchFamily="34" charset="0"/>
+              </a:rPr>
+              <a:t> = 5)</a:t>
+            </a:r>
+            <a:endParaRPr lang="ru-RU" sz="2000" dirty="0">
+              <a:solidFill>
+                <a:schemeClr val="tx1"/>
+              </a:solidFill>
+            </a:endParaRPr>
+          </a:p>
+        </p:txBody>
+      </p:sp>
+    </p:spTree>
+    <p:extLst>
+      <p:ext uri="{BB962C8B-B14F-4D97-AF65-F5344CB8AC3E}">
+        <p14:creationId xmlns:p14="http://schemas.microsoft.com/office/powerpoint/2010/main" val="1252381622"/>
+      </p:ext>
+    </p:extLst>
+  </p:cSld>
+  <p:clrMapOvr>
+    <a:masterClrMapping/>
+  </p:clrMapOvr>
+  <mc:AlternateContent xmlns:mc="http://schemas.openxmlformats.org/markup-compatibility/2006" xmlns:p14="http://schemas.microsoft.com/office/powerpoint/2010/main">
+    <mc:Choice Requires="p14">
+      <p:transition p14:dur="0"/>
+    </mc:Choice>
+    <mc:Fallback xmlns="">
+      <p:transition/>
     </mc:Fallback>
   </mc:AlternateContent>
 </p:sld>
